--- a/doc/技术分享-SpringCloud-20190708.pptx
+++ b/doc/技术分享-SpringCloud-20190708.pptx
@@ -145,7 +145,7 @@
   <p:cmAuthor id="1" name="Microsoft Office 用户" initials="Office" lastIdx="1" clrIdx="0">
     <p:extLst>
       <p:ext uri="{19B8F6BF-5375-455C-9EA6-DF929625EA0E}">
-        <p15:presenceInfo xmlns:p15="http://schemas.microsoft.com/office/powerpoint/2012/main" userId="" providerId=""/>
+        <p15:presenceInfo xmlns:p15="http://schemas.microsoft.com/office/powerpoint/2012/main" xmlns="" userId="" providerId=""/>
       </p:ext>
     </p:extLst>
   </p:cmAuthor>
@@ -159,7 +159,7 @@
     <p:text/>
     <p:extLst>
       <p:ext uri="{C676402C-5697-4E1C-873F-D02D1690AC5C}">
-        <p15:threadingInfo xmlns:p15="http://schemas.microsoft.com/office/powerpoint/2012/main" timeZoneBias="-480"/>
+        <p15:threadingInfo xmlns:p15="http://schemas.microsoft.com/office/powerpoint/2012/main" xmlns="" timeZoneBias="-480"/>
       </p:ext>
     </p:extLst>
   </p:cm>
@@ -248,7 +248,8 @@
           <a:p>
             <a:fld id="{0CFD174F-304D-224F-BC03-F8462C1EB24A}" type="datetimeFigureOut">
               <a:rPr kumimoji="1" lang="zh-CN" altLang="en-US" smtClean="0"/>
-              <a:t>2019/7/8</a:t>
+              <a:pPr/>
+              <a:t>2019/7/9</a:t>
             </a:fld>
             <a:endParaRPr kumimoji="1" lang="zh-CN" altLang="en-US"/>
           </a:p>
@@ -407,6 +408,7 @@
           <a:p>
             <a:fld id="{4FD06C10-6454-8743-A1CD-543F9C6B47DD}" type="slidenum">
               <a:rPr kumimoji="1" lang="zh-CN" altLang="en-US" smtClean="0"/>
+              <a:pPr/>
               <a:t>‹#›</a:t>
             </a:fld>
             <a:endParaRPr kumimoji="1" lang="zh-CN" altLang="en-US"/>
@@ -416,7 +418,7 @@
     </p:spTree>
     <p:extLst>
       <p:ext uri="{BB962C8B-B14F-4D97-AF65-F5344CB8AC3E}">
-        <p14:creationId xmlns:p14="http://schemas.microsoft.com/office/powerpoint/2010/main" val="1854558251"/>
+        <p14:creationId xmlns:p14="http://schemas.microsoft.com/office/powerpoint/2010/main" xmlns="" val="1854558251"/>
       </p:ext>
     </p:extLst>
   </p:cSld>
@@ -581,6 +583,7 @@
           <a:p>
             <a:fld id="{4FD06C10-6454-8743-A1CD-543F9C6B47DD}" type="slidenum">
               <a:rPr kumimoji="1" lang="zh-CN" altLang="en-US" smtClean="0"/>
+              <a:pPr/>
               <a:t>1</a:t>
             </a:fld>
             <a:endParaRPr kumimoji="1" lang="zh-CN" altLang="en-US"/>
@@ -590,7 +593,7 @@
     </p:spTree>
     <p:extLst>
       <p:ext uri="{BB962C8B-B14F-4D97-AF65-F5344CB8AC3E}">
-        <p14:creationId xmlns:p14="http://schemas.microsoft.com/office/powerpoint/2010/main" val="1608264057"/>
+        <p14:creationId xmlns:p14="http://schemas.microsoft.com/office/powerpoint/2010/main" xmlns="" val="1608264057"/>
       </p:ext>
     </p:extLst>
   </p:cSld>
@@ -665,6 +668,7 @@
           <a:p>
             <a:fld id="{D3861FD3-F402-479D-A4E9-CA90073B5C97}" type="slidenum">
               <a:rPr lang="zh-CN" altLang="en-US" smtClean="0"/>
+              <a:pPr/>
               <a:t>10</a:t>
             </a:fld>
             <a:endParaRPr lang="zh-CN" altLang="en-US"/>
@@ -674,7 +678,7 @@
     </p:spTree>
     <p:extLst>
       <p:ext uri="{BB962C8B-B14F-4D97-AF65-F5344CB8AC3E}">
-        <p14:creationId xmlns:p14="http://schemas.microsoft.com/office/powerpoint/2010/main" val="1470575390"/>
+        <p14:creationId xmlns:p14="http://schemas.microsoft.com/office/powerpoint/2010/main" xmlns="" val="1470575390"/>
       </p:ext>
     </p:extLst>
   </p:cSld>
@@ -749,6 +753,7 @@
           <a:p>
             <a:fld id="{D3861FD3-F402-479D-A4E9-CA90073B5C97}" type="slidenum">
               <a:rPr lang="zh-CN" altLang="en-US" smtClean="0"/>
+              <a:pPr/>
               <a:t>11</a:t>
             </a:fld>
             <a:endParaRPr lang="zh-CN" altLang="en-US"/>
@@ -758,7 +763,7 @@
     </p:spTree>
     <p:extLst>
       <p:ext uri="{BB962C8B-B14F-4D97-AF65-F5344CB8AC3E}">
-        <p14:creationId xmlns:p14="http://schemas.microsoft.com/office/powerpoint/2010/main" val="211256712"/>
+        <p14:creationId xmlns:p14="http://schemas.microsoft.com/office/powerpoint/2010/main" xmlns="" val="211256712"/>
       </p:ext>
     </p:extLst>
   </p:cSld>
@@ -833,6 +838,7 @@
           <a:p>
             <a:fld id="{D3861FD3-F402-479D-A4E9-CA90073B5C97}" type="slidenum">
               <a:rPr lang="zh-CN" altLang="en-US" smtClean="0"/>
+              <a:pPr/>
               <a:t>12</a:t>
             </a:fld>
             <a:endParaRPr lang="zh-CN" altLang="en-US"/>
@@ -842,7 +848,7 @@
     </p:spTree>
     <p:extLst>
       <p:ext uri="{BB962C8B-B14F-4D97-AF65-F5344CB8AC3E}">
-        <p14:creationId xmlns:p14="http://schemas.microsoft.com/office/powerpoint/2010/main" val="1346210008"/>
+        <p14:creationId xmlns:p14="http://schemas.microsoft.com/office/powerpoint/2010/main" xmlns="" val="1346210008"/>
       </p:ext>
     </p:extLst>
   </p:cSld>
@@ -917,6 +923,7 @@
           <a:p>
             <a:fld id="{D3861FD3-F402-479D-A4E9-CA90073B5C97}" type="slidenum">
               <a:rPr lang="zh-CN" altLang="en-US" smtClean="0"/>
+              <a:pPr/>
               <a:t>13</a:t>
             </a:fld>
             <a:endParaRPr lang="zh-CN" altLang="en-US"/>
@@ -926,7 +933,7 @@
     </p:spTree>
     <p:extLst>
       <p:ext uri="{BB962C8B-B14F-4D97-AF65-F5344CB8AC3E}">
-        <p14:creationId xmlns:p14="http://schemas.microsoft.com/office/powerpoint/2010/main" val="1779220550"/>
+        <p14:creationId xmlns:p14="http://schemas.microsoft.com/office/powerpoint/2010/main" xmlns="" val="1779220550"/>
       </p:ext>
     </p:extLst>
   </p:cSld>
@@ -1001,6 +1008,7 @@
           <a:p>
             <a:fld id="{D3861FD3-F402-479D-A4E9-CA90073B5C97}" type="slidenum">
               <a:rPr lang="zh-CN" altLang="en-US" smtClean="0"/>
+              <a:pPr/>
               <a:t>14</a:t>
             </a:fld>
             <a:endParaRPr lang="zh-CN" altLang="en-US"/>
@@ -1010,7 +1018,7 @@
     </p:spTree>
     <p:extLst>
       <p:ext uri="{BB962C8B-B14F-4D97-AF65-F5344CB8AC3E}">
-        <p14:creationId xmlns:p14="http://schemas.microsoft.com/office/powerpoint/2010/main" val="1644688405"/>
+        <p14:creationId xmlns:p14="http://schemas.microsoft.com/office/powerpoint/2010/main" xmlns="" val="1644688405"/>
       </p:ext>
     </p:extLst>
   </p:cSld>
@@ -1085,6 +1093,7 @@
           <a:p>
             <a:fld id="{D3861FD3-F402-479D-A4E9-CA90073B5C97}" type="slidenum">
               <a:rPr lang="zh-CN" altLang="en-US" smtClean="0"/>
+              <a:pPr/>
               <a:t>15</a:t>
             </a:fld>
             <a:endParaRPr lang="zh-CN" altLang="en-US"/>
@@ -1094,7 +1103,7 @@
     </p:spTree>
     <p:extLst>
       <p:ext uri="{BB962C8B-B14F-4D97-AF65-F5344CB8AC3E}">
-        <p14:creationId xmlns:p14="http://schemas.microsoft.com/office/powerpoint/2010/main" val="2101123767"/>
+        <p14:creationId xmlns:p14="http://schemas.microsoft.com/office/powerpoint/2010/main" xmlns="" val="2101123767"/>
       </p:ext>
     </p:extLst>
   </p:cSld>
@@ -1169,6 +1178,7 @@
           <a:p>
             <a:fld id="{D3861FD3-F402-479D-A4E9-CA90073B5C97}" type="slidenum">
               <a:rPr lang="zh-CN" altLang="en-US" smtClean="0"/>
+              <a:pPr/>
               <a:t>16</a:t>
             </a:fld>
             <a:endParaRPr lang="zh-CN" altLang="en-US"/>
@@ -1178,7 +1188,7 @@
     </p:spTree>
     <p:extLst>
       <p:ext uri="{BB962C8B-B14F-4D97-AF65-F5344CB8AC3E}">
-        <p14:creationId xmlns:p14="http://schemas.microsoft.com/office/powerpoint/2010/main" val="1989036699"/>
+        <p14:creationId xmlns:p14="http://schemas.microsoft.com/office/powerpoint/2010/main" xmlns="" val="1989036699"/>
       </p:ext>
     </p:extLst>
   </p:cSld>
@@ -1253,6 +1263,7 @@
           <a:p>
             <a:fld id="{D3861FD3-F402-479D-A4E9-CA90073B5C97}" type="slidenum">
               <a:rPr lang="zh-CN" altLang="en-US" smtClean="0"/>
+              <a:pPr/>
               <a:t>17</a:t>
             </a:fld>
             <a:endParaRPr lang="zh-CN" altLang="en-US"/>
@@ -1262,7 +1273,7 @@
     </p:spTree>
     <p:extLst>
       <p:ext uri="{BB962C8B-B14F-4D97-AF65-F5344CB8AC3E}">
-        <p14:creationId xmlns:p14="http://schemas.microsoft.com/office/powerpoint/2010/main" val="1980075962"/>
+        <p14:creationId xmlns:p14="http://schemas.microsoft.com/office/powerpoint/2010/main" xmlns="" val="1980075962"/>
       </p:ext>
     </p:extLst>
   </p:cSld>
@@ -1337,6 +1348,7 @@
           <a:p>
             <a:fld id="{D3861FD3-F402-479D-A4E9-CA90073B5C97}" type="slidenum">
               <a:rPr lang="zh-CN" altLang="en-US" smtClean="0"/>
+              <a:pPr/>
               <a:t>18</a:t>
             </a:fld>
             <a:endParaRPr lang="zh-CN" altLang="en-US"/>
@@ -1346,7 +1358,7 @@
     </p:spTree>
     <p:extLst>
       <p:ext uri="{BB962C8B-B14F-4D97-AF65-F5344CB8AC3E}">
-        <p14:creationId xmlns:p14="http://schemas.microsoft.com/office/powerpoint/2010/main" val="852405174"/>
+        <p14:creationId xmlns:p14="http://schemas.microsoft.com/office/powerpoint/2010/main" xmlns="" val="852405174"/>
       </p:ext>
     </p:extLst>
   </p:cSld>
@@ -1421,6 +1433,7 @@
           <a:p>
             <a:fld id="{D3861FD3-F402-479D-A4E9-CA90073B5C97}" type="slidenum">
               <a:rPr lang="zh-CN" altLang="en-US" smtClean="0"/>
+              <a:pPr/>
               <a:t>19</a:t>
             </a:fld>
             <a:endParaRPr lang="zh-CN" altLang="en-US"/>
@@ -1430,7 +1443,7 @@
     </p:spTree>
     <p:extLst>
       <p:ext uri="{BB962C8B-B14F-4D97-AF65-F5344CB8AC3E}">
-        <p14:creationId xmlns:p14="http://schemas.microsoft.com/office/powerpoint/2010/main" val="407486649"/>
+        <p14:creationId xmlns:p14="http://schemas.microsoft.com/office/powerpoint/2010/main" xmlns="" val="407486649"/>
       </p:ext>
     </p:extLst>
   </p:cSld>
@@ -1505,6 +1518,7 @@
           <a:p>
             <a:fld id="{D3861FD3-F402-479D-A4E9-CA90073B5C97}" type="slidenum">
               <a:rPr lang="zh-CN" altLang="en-US" smtClean="0"/>
+              <a:pPr/>
               <a:t>2</a:t>
             </a:fld>
             <a:endParaRPr lang="zh-CN" altLang="en-US"/>
@@ -1514,7 +1528,7 @@
     </p:spTree>
     <p:extLst>
       <p:ext uri="{BB962C8B-B14F-4D97-AF65-F5344CB8AC3E}">
-        <p14:creationId xmlns:p14="http://schemas.microsoft.com/office/powerpoint/2010/main" val="810347026"/>
+        <p14:creationId xmlns:p14="http://schemas.microsoft.com/office/powerpoint/2010/main" xmlns="" val="810347026"/>
       </p:ext>
     </p:extLst>
   </p:cSld>
@@ -1589,6 +1603,7 @@
           <a:p>
             <a:fld id="{D3861FD3-F402-479D-A4E9-CA90073B5C97}" type="slidenum">
               <a:rPr lang="zh-CN" altLang="en-US" smtClean="0"/>
+              <a:pPr/>
               <a:t>20</a:t>
             </a:fld>
             <a:endParaRPr lang="zh-CN" altLang="en-US"/>
@@ -1598,7 +1613,7 @@
     </p:spTree>
     <p:extLst>
       <p:ext uri="{BB962C8B-B14F-4D97-AF65-F5344CB8AC3E}">
-        <p14:creationId xmlns:p14="http://schemas.microsoft.com/office/powerpoint/2010/main" val="1089484477"/>
+        <p14:creationId xmlns:p14="http://schemas.microsoft.com/office/powerpoint/2010/main" xmlns="" val="1089484477"/>
       </p:ext>
     </p:extLst>
   </p:cSld>
@@ -1673,6 +1688,7 @@
           <a:p>
             <a:fld id="{D3861FD3-F402-479D-A4E9-CA90073B5C97}" type="slidenum">
               <a:rPr lang="zh-CN" altLang="en-US" smtClean="0"/>
+              <a:pPr/>
               <a:t>21</a:t>
             </a:fld>
             <a:endParaRPr lang="zh-CN" altLang="en-US"/>
@@ -1682,7 +1698,7 @@
     </p:spTree>
     <p:extLst>
       <p:ext uri="{BB962C8B-B14F-4D97-AF65-F5344CB8AC3E}">
-        <p14:creationId xmlns:p14="http://schemas.microsoft.com/office/powerpoint/2010/main" val="689115207"/>
+        <p14:creationId xmlns:p14="http://schemas.microsoft.com/office/powerpoint/2010/main" xmlns="" val="689115207"/>
       </p:ext>
     </p:extLst>
   </p:cSld>
@@ -1757,6 +1773,7 @@
           <a:p>
             <a:fld id="{D3861FD3-F402-479D-A4E9-CA90073B5C97}" type="slidenum">
               <a:rPr lang="zh-CN" altLang="en-US" smtClean="0"/>
+              <a:pPr/>
               <a:t>22</a:t>
             </a:fld>
             <a:endParaRPr lang="zh-CN" altLang="en-US"/>
@@ -1766,7 +1783,7 @@
     </p:spTree>
     <p:extLst>
       <p:ext uri="{BB962C8B-B14F-4D97-AF65-F5344CB8AC3E}">
-        <p14:creationId xmlns:p14="http://schemas.microsoft.com/office/powerpoint/2010/main" val="224627113"/>
+        <p14:creationId xmlns:p14="http://schemas.microsoft.com/office/powerpoint/2010/main" xmlns="" val="224627113"/>
       </p:ext>
     </p:extLst>
   </p:cSld>
@@ -1841,6 +1858,7 @@
           <a:p>
             <a:fld id="{D3861FD3-F402-479D-A4E9-CA90073B5C97}" type="slidenum">
               <a:rPr lang="zh-CN" altLang="en-US" smtClean="0"/>
+              <a:pPr/>
               <a:t>23</a:t>
             </a:fld>
             <a:endParaRPr lang="zh-CN" altLang="en-US"/>
@@ -1850,7 +1868,7 @@
     </p:spTree>
     <p:extLst>
       <p:ext uri="{BB962C8B-B14F-4D97-AF65-F5344CB8AC3E}">
-        <p14:creationId xmlns:p14="http://schemas.microsoft.com/office/powerpoint/2010/main" val="1290648546"/>
+        <p14:creationId xmlns:p14="http://schemas.microsoft.com/office/powerpoint/2010/main" xmlns="" val="1290648546"/>
       </p:ext>
     </p:extLst>
   </p:cSld>
@@ -1925,6 +1943,7 @@
           <a:p>
             <a:fld id="{D3861FD3-F402-479D-A4E9-CA90073B5C97}" type="slidenum">
               <a:rPr lang="zh-CN" altLang="en-US" smtClean="0"/>
+              <a:pPr/>
               <a:t>24</a:t>
             </a:fld>
             <a:endParaRPr lang="zh-CN" altLang="en-US"/>
@@ -1934,7 +1953,7 @@
     </p:spTree>
     <p:extLst>
       <p:ext uri="{BB962C8B-B14F-4D97-AF65-F5344CB8AC3E}">
-        <p14:creationId xmlns:p14="http://schemas.microsoft.com/office/powerpoint/2010/main" val="23694369"/>
+        <p14:creationId xmlns:p14="http://schemas.microsoft.com/office/powerpoint/2010/main" xmlns="" val="23694369"/>
       </p:ext>
     </p:extLst>
   </p:cSld>
@@ -2009,6 +2028,7 @@
           <a:p>
             <a:fld id="{D3861FD3-F402-479D-A4E9-CA90073B5C97}" type="slidenum">
               <a:rPr lang="zh-CN" altLang="en-US" smtClean="0"/>
+              <a:pPr/>
               <a:t>25</a:t>
             </a:fld>
             <a:endParaRPr lang="zh-CN" altLang="en-US"/>
@@ -2018,7 +2038,7 @@
     </p:spTree>
     <p:extLst>
       <p:ext uri="{BB962C8B-B14F-4D97-AF65-F5344CB8AC3E}">
-        <p14:creationId xmlns:p14="http://schemas.microsoft.com/office/powerpoint/2010/main" val="1910633393"/>
+        <p14:creationId xmlns:p14="http://schemas.microsoft.com/office/powerpoint/2010/main" xmlns="" val="1910633393"/>
       </p:ext>
     </p:extLst>
   </p:cSld>
@@ -2093,6 +2113,7 @@
           <a:p>
             <a:fld id="{D3861FD3-F402-479D-A4E9-CA90073B5C97}" type="slidenum">
               <a:rPr lang="zh-CN" altLang="en-US" smtClean="0"/>
+              <a:pPr/>
               <a:t>26</a:t>
             </a:fld>
             <a:endParaRPr lang="zh-CN" altLang="en-US"/>
@@ -2102,7 +2123,7 @@
     </p:spTree>
     <p:extLst>
       <p:ext uri="{BB962C8B-B14F-4D97-AF65-F5344CB8AC3E}">
-        <p14:creationId xmlns:p14="http://schemas.microsoft.com/office/powerpoint/2010/main" val="1004362827"/>
+        <p14:creationId xmlns:p14="http://schemas.microsoft.com/office/powerpoint/2010/main" xmlns="" val="1004362827"/>
       </p:ext>
     </p:extLst>
   </p:cSld>
@@ -2177,6 +2198,7 @@
           <a:p>
             <a:fld id="{D3861FD3-F402-479D-A4E9-CA90073B5C97}" type="slidenum">
               <a:rPr lang="zh-CN" altLang="en-US" smtClean="0"/>
+              <a:pPr/>
               <a:t>27</a:t>
             </a:fld>
             <a:endParaRPr lang="zh-CN" altLang="en-US"/>
@@ -2186,7 +2208,7 @@
     </p:spTree>
     <p:extLst>
       <p:ext uri="{BB962C8B-B14F-4D97-AF65-F5344CB8AC3E}">
-        <p14:creationId xmlns:p14="http://schemas.microsoft.com/office/powerpoint/2010/main" val="1625210315"/>
+        <p14:creationId xmlns:p14="http://schemas.microsoft.com/office/powerpoint/2010/main" xmlns="" val="1625210315"/>
       </p:ext>
     </p:extLst>
   </p:cSld>
@@ -2261,6 +2283,7 @@
           <a:p>
             <a:fld id="{D3861FD3-F402-479D-A4E9-CA90073B5C97}" type="slidenum">
               <a:rPr lang="zh-CN" altLang="en-US" smtClean="0"/>
+              <a:pPr/>
               <a:t>28</a:t>
             </a:fld>
             <a:endParaRPr lang="zh-CN" altLang="en-US"/>
@@ -2270,7 +2293,7 @@
     </p:spTree>
     <p:extLst>
       <p:ext uri="{BB962C8B-B14F-4D97-AF65-F5344CB8AC3E}">
-        <p14:creationId xmlns:p14="http://schemas.microsoft.com/office/powerpoint/2010/main" val="220242645"/>
+        <p14:creationId xmlns:p14="http://schemas.microsoft.com/office/powerpoint/2010/main" xmlns="" val="220242645"/>
       </p:ext>
     </p:extLst>
   </p:cSld>
@@ -2345,6 +2368,7 @@
           <a:p>
             <a:fld id="{D3861FD3-F402-479D-A4E9-CA90073B5C97}" type="slidenum">
               <a:rPr lang="zh-CN" altLang="en-US" smtClean="0"/>
+              <a:pPr/>
               <a:t>29</a:t>
             </a:fld>
             <a:endParaRPr lang="zh-CN" altLang="en-US"/>
@@ -2354,7 +2378,7 @@
     </p:spTree>
     <p:extLst>
       <p:ext uri="{BB962C8B-B14F-4D97-AF65-F5344CB8AC3E}">
-        <p14:creationId xmlns:p14="http://schemas.microsoft.com/office/powerpoint/2010/main" val="811964795"/>
+        <p14:creationId xmlns:p14="http://schemas.microsoft.com/office/powerpoint/2010/main" xmlns="" val="811964795"/>
       </p:ext>
     </p:extLst>
   </p:cSld>
@@ -2429,6 +2453,7 @@
           <a:p>
             <a:fld id="{D3861FD3-F402-479D-A4E9-CA90073B5C97}" type="slidenum">
               <a:rPr lang="zh-CN" altLang="en-US" smtClean="0"/>
+              <a:pPr/>
               <a:t>3</a:t>
             </a:fld>
             <a:endParaRPr lang="zh-CN" altLang="en-US"/>
@@ -2438,7 +2463,7 @@
     </p:spTree>
     <p:extLst>
       <p:ext uri="{BB962C8B-B14F-4D97-AF65-F5344CB8AC3E}">
-        <p14:creationId xmlns:p14="http://schemas.microsoft.com/office/powerpoint/2010/main" val="982871999"/>
+        <p14:creationId xmlns:p14="http://schemas.microsoft.com/office/powerpoint/2010/main" xmlns="" val="982871999"/>
       </p:ext>
     </p:extLst>
   </p:cSld>
@@ -2513,6 +2538,7 @@
           <a:p>
             <a:fld id="{D3861FD3-F402-479D-A4E9-CA90073B5C97}" type="slidenum">
               <a:rPr lang="zh-CN" altLang="en-US" smtClean="0"/>
+              <a:pPr/>
               <a:t>30</a:t>
             </a:fld>
             <a:endParaRPr lang="zh-CN" altLang="en-US"/>
@@ -2522,7 +2548,7 @@
     </p:spTree>
     <p:extLst>
       <p:ext uri="{BB962C8B-B14F-4D97-AF65-F5344CB8AC3E}">
-        <p14:creationId xmlns:p14="http://schemas.microsoft.com/office/powerpoint/2010/main" val="396037664"/>
+        <p14:creationId xmlns:p14="http://schemas.microsoft.com/office/powerpoint/2010/main" xmlns="" val="396037664"/>
       </p:ext>
     </p:extLst>
   </p:cSld>
@@ -2597,6 +2623,7 @@
           <a:p>
             <a:fld id="{D3861FD3-F402-479D-A4E9-CA90073B5C97}" type="slidenum">
               <a:rPr lang="zh-CN" altLang="en-US" smtClean="0"/>
+              <a:pPr/>
               <a:t>31</a:t>
             </a:fld>
             <a:endParaRPr lang="zh-CN" altLang="en-US"/>
@@ -2606,7 +2633,7 @@
     </p:spTree>
     <p:extLst>
       <p:ext uri="{BB962C8B-B14F-4D97-AF65-F5344CB8AC3E}">
-        <p14:creationId xmlns:p14="http://schemas.microsoft.com/office/powerpoint/2010/main" val="738619390"/>
+        <p14:creationId xmlns:p14="http://schemas.microsoft.com/office/powerpoint/2010/main" xmlns="" val="738619390"/>
       </p:ext>
     </p:extLst>
   </p:cSld>
@@ -2745,6 +2772,7 @@
           <a:p>
             <a:fld id="{D3861FD3-F402-479D-A4E9-CA90073B5C97}" type="slidenum">
               <a:rPr lang="zh-CN" altLang="en-US" smtClean="0"/>
+              <a:pPr/>
               <a:t>4</a:t>
             </a:fld>
             <a:endParaRPr lang="zh-CN" altLang="en-US"/>
@@ -2754,7 +2782,7 @@
     </p:spTree>
     <p:extLst>
       <p:ext uri="{BB962C8B-B14F-4D97-AF65-F5344CB8AC3E}">
-        <p14:creationId xmlns:p14="http://schemas.microsoft.com/office/powerpoint/2010/main" val="2131279548"/>
+        <p14:creationId xmlns:p14="http://schemas.microsoft.com/office/powerpoint/2010/main" xmlns="" val="2131279548"/>
       </p:ext>
     </p:extLst>
   </p:cSld>
@@ -2849,6 +2877,7 @@
           <a:p>
             <a:fld id="{D3861FD3-F402-479D-A4E9-CA90073B5C97}" type="slidenum">
               <a:rPr lang="zh-CN" altLang="en-US" smtClean="0"/>
+              <a:pPr/>
               <a:t>5</a:t>
             </a:fld>
             <a:endParaRPr lang="zh-CN" altLang="en-US"/>
@@ -2858,7 +2887,7 @@
     </p:spTree>
     <p:extLst>
       <p:ext uri="{BB962C8B-B14F-4D97-AF65-F5344CB8AC3E}">
-        <p14:creationId xmlns:p14="http://schemas.microsoft.com/office/powerpoint/2010/main" val="1414519793"/>
+        <p14:creationId xmlns:p14="http://schemas.microsoft.com/office/powerpoint/2010/main" xmlns="" val="1414519793"/>
       </p:ext>
     </p:extLst>
   </p:cSld>
@@ -2945,6 +2974,7 @@
           <a:p>
             <a:fld id="{D3861FD3-F402-479D-A4E9-CA90073B5C97}" type="slidenum">
               <a:rPr lang="zh-CN" altLang="en-US" smtClean="0"/>
+              <a:pPr/>
               <a:t>6</a:t>
             </a:fld>
             <a:endParaRPr lang="zh-CN" altLang="en-US"/>
@@ -2954,7 +2984,7 @@
     </p:spTree>
     <p:extLst>
       <p:ext uri="{BB962C8B-B14F-4D97-AF65-F5344CB8AC3E}">
-        <p14:creationId xmlns:p14="http://schemas.microsoft.com/office/powerpoint/2010/main" val="1838137269"/>
+        <p14:creationId xmlns:p14="http://schemas.microsoft.com/office/powerpoint/2010/main" xmlns="" val="1838137269"/>
       </p:ext>
     </p:extLst>
   </p:cSld>
@@ -3029,6 +3059,7 @@
           <a:p>
             <a:fld id="{D3861FD3-F402-479D-A4E9-CA90073B5C97}" type="slidenum">
               <a:rPr lang="zh-CN" altLang="en-US" smtClean="0"/>
+              <a:pPr/>
               <a:t>7</a:t>
             </a:fld>
             <a:endParaRPr lang="zh-CN" altLang="en-US"/>
@@ -3038,7 +3069,7 @@
     </p:spTree>
     <p:extLst>
       <p:ext uri="{BB962C8B-B14F-4D97-AF65-F5344CB8AC3E}">
-        <p14:creationId xmlns:p14="http://schemas.microsoft.com/office/powerpoint/2010/main" val="1434047011"/>
+        <p14:creationId xmlns:p14="http://schemas.microsoft.com/office/powerpoint/2010/main" xmlns="" val="1434047011"/>
       </p:ext>
     </p:extLst>
   </p:cSld>
@@ -3113,6 +3144,7 @@
           <a:p>
             <a:fld id="{D3861FD3-F402-479D-A4E9-CA90073B5C97}" type="slidenum">
               <a:rPr lang="zh-CN" altLang="en-US" smtClean="0"/>
+              <a:pPr/>
               <a:t>8</a:t>
             </a:fld>
             <a:endParaRPr lang="zh-CN" altLang="en-US"/>
@@ -3122,7 +3154,7 @@
     </p:spTree>
     <p:extLst>
       <p:ext uri="{BB962C8B-B14F-4D97-AF65-F5344CB8AC3E}">
-        <p14:creationId xmlns:p14="http://schemas.microsoft.com/office/powerpoint/2010/main" val="1976240702"/>
+        <p14:creationId xmlns:p14="http://schemas.microsoft.com/office/powerpoint/2010/main" xmlns="" val="1976240702"/>
       </p:ext>
     </p:extLst>
   </p:cSld>
@@ -3197,6 +3229,7 @@
           <a:p>
             <a:fld id="{D3861FD3-F402-479D-A4E9-CA90073B5C97}" type="slidenum">
               <a:rPr lang="zh-CN" altLang="en-US" smtClean="0"/>
+              <a:pPr/>
               <a:t>9</a:t>
             </a:fld>
             <a:endParaRPr lang="zh-CN" altLang="en-US"/>
@@ -3206,7 +3239,7 @@
     </p:spTree>
     <p:extLst>
       <p:ext uri="{BB962C8B-B14F-4D97-AF65-F5344CB8AC3E}">
-        <p14:creationId xmlns:p14="http://schemas.microsoft.com/office/powerpoint/2010/main" val="1674131288"/>
+        <p14:creationId xmlns:p14="http://schemas.microsoft.com/office/powerpoint/2010/main" xmlns="" val="1674131288"/>
       </p:ext>
     </p:extLst>
   </p:cSld>
@@ -3347,7 +3380,8 @@
           <a:p>
             <a:fld id="{887279C3-00D7-F745-B9D2-30B876F2505C}" type="datetimeFigureOut">
               <a:rPr kumimoji="1" lang="zh-CN" altLang="en-US" smtClean="0"/>
-              <a:t>2019/7/8</a:t>
+              <a:pPr/>
+              <a:t>2019/7/9</a:t>
             </a:fld>
             <a:endParaRPr kumimoji="1" lang="zh-CN" altLang="en-US"/>
           </a:p>
@@ -3389,6 +3423,7 @@
           <a:p>
             <a:fld id="{9721FA8C-D95C-7F45-90D8-4203C02E77C2}" type="slidenum">
               <a:rPr kumimoji="1" lang="zh-CN" altLang="en-US" smtClean="0"/>
+              <a:pPr/>
               <a:t>‹#›</a:t>
             </a:fld>
             <a:endParaRPr kumimoji="1" lang="zh-CN" altLang="en-US"/>
@@ -3398,7 +3433,7 @@
     </p:spTree>
     <p:extLst>
       <p:ext uri="{BB962C8B-B14F-4D97-AF65-F5344CB8AC3E}">
-        <p14:creationId xmlns:p14="http://schemas.microsoft.com/office/powerpoint/2010/main" val="1478964914"/>
+        <p14:creationId xmlns:p14="http://schemas.microsoft.com/office/powerpoint/2010/main" xmlns="" val="1478964914"/>
       </p:ext>
     </p:extLst>
   </p:cSld>
@@ -3517,7 +3552,8 @@
           <a:p>
             <a:fld id="{887279C3-00D7-F745-B9D2-30B876F2505C}" type="datetimeFigureOut">
               <a:rPr kumimoji="1" lang="zh-CN" altLang="en-US" smtClean="0"/>
-              <a:t>2019/7/8</a:t>
+              <a:pPr/>
+              <a:t>2019/7/9</a:t>
             </a:fld>
             <a:endParaRPr kumimoji="1" lang="zh-CN" altLang="en-US"/>
           </a:p>
@@ -3559,6 +3595,7 @@
           <a:p>
             <a:fld id="{9721FA8C-D95C-7F45-90D8-4203C02E77C2}" type="slidenum">
               <a:rPr kumimoji="1" lang="zh-CN" altLang="en-US" smtClean="0"/>
+              <a:pPr/>
               <a:t>‹#›</a:t>
             </a:fld>
             <a:endParaRPr kumimoji="1" lang="zh-CN" altLang="en-US"/>
@@ -3568,7 +3605,7 @@
     </p:spTree>
     <p:extLst>
       <p:ext uri="{BB962C8B-B14F-4D97-AF65-F5344CB8AC3E}">
-        <p14:creationId xmlns:p14="http://schemas.microsoft.com/office/powerpoint/2010/main" val="942002772"/>
+        <p14:creationId xmlns:p14="http://schemas.microsoft.com/office/powerpoint/2010/main" xmlns="" val="942002772"/>
       </p:ext>
     </p:extLst>
   </p:cSld>
@@ -3697,7 +3734,8 @@
           <a:p>
             <a:fld id="{887279C3-00D7-F745-B9D2-30B876F2505C}" type="datetimeFigureOut">
               <a:rPr kumimoji="1" lang="zh-CN" altLang="en-US" smtClean="0"/>
-              <a:t>2019/7/8</a:t>
+              <a:pPr/>
+              <a:t>2019/7/9</a:t>
             </a:fld>
             <a:endParaRPr kumimoji="1" lang="zh-CN" altLang="en-US"/>
           </a:p>
@@ -3739,6 +3777,7 @@
           <a:p>
             <a:fld id="{9721FA8C-D95C-7F45-90D8-4203C02E77C2}" type="slidenum">
               <a:rPr kumimoji="1" lang="zh-CN" altLang="en-US" smtClean="0"/>
+              <a:pPr/>
               <a:t>‹#›</a:t>
             </a:fld>
             <a:endParaRPr kumimoji="1" lang="zh-CN" altLang="en-US"/>
@@ -3748,7 +3787,7 @@
     </p:spTree>
     <p:extLst>
       <p:ext uri="{BB962C8B-B14F-4D97-AF65-F5344CB8AC3E}">
-        <p14:creationId xmlns:p14="http://schemas.microsoft.com/office/powerpoint/2010/main" val="991143320"/>
+        <p14:creationId xmlns:p14="http://schemas.microsoft.com/office/powerpoint/2010/main" xmlns="" val="991143320"/>
       </p:ext>
     </p:extLst>
   </p:cSld>
@@ -3787,7 +3826,7 @@
           <a:blip r:embed="rId2">
             <a:extLst>
               <a:ext uri="{28A0092B-C50C-407E-A947-70E740481C1C}">
-                <a14:useLocalDpi xmlns:a14="http://schemas.microsoft.com/office/drawing/2010/main" val="0"/>
+                <a14:useLocalDpi xmlns:a14="http://schemas.microsoft.com/office/drawing/2010/main" xmlns="" val="0"/>
               </a:ext>
             </a:extLst>
           </a:blip>
@@ -3933,7 +3972,7 @@
     </p:spTree>
     <p:extLst>
       <p:ext uri="{BB962C8B-B14F-4D97-AF65-F5344CB8AC3E}">
-        <p14:creationId xmlns:p14="http://schemas.microsoft.com/office/powerpoint/2010/main" val="421841979"/>
+        <p14:creationId xmlns:p14="http://schemas.microsoft.com/office/powerpoint/2010/main" xmlns="" val="421841979"/>
       </p:ext>
     </p:extLst>
   </p:cSld>
@@ -4052,7 +4091,8 @@
           <a:p>
             <a:fld id="{887279C3-00D7-F745-B9D2-30B876F2505C}" type="datetimeFigureOut">
               <a:rPr kumimoji="1" lang="zh-CN" altLang="en-US" smtClean="0"/>
-              <a:t>2019/7/8</a:t>
+              <a:pPr/>
+              <a:t>2019/7/9</a:t>
             </a:fld>
             <a:endParaRPr kumimoji="1" lang="zh-CN" altLang="en-US"/>
           </a:p>
@@ -4094,6 +4134,7 @@
           <a:p>
             <a:fld id="{9721FA8C-D95C-7F45-90D8-4203C02E77C2}" type="slidenum">
               <a:rPr kumimoji="1" lang="zh-CN" altLang="en-US" smtClean="0"/>
+              <a:pPr/>
               <a:t>‹#›</a:t>
             </a:fld>
             <a:endParaRPr kumimoji="1" lang="zh-CN" altLang="en-US"/>
@@ -4103,7 +4144,7 @@
     </p:spTree>
     <p:extLst>
       <p:ext uri="{BB962C8B-B14F-4D97-AF65-F5344CB8AC3E}">
-        <p14:creationId xmlns:p14="http://schemas.microsoft.com/office/powerpoint/2010/main" val="1987579220"/>
+        <p14:creationId xmlns:p14="http://schemas.microsoft.com/office/powerpoint/2010/main" xmlns="" val="1987579220"/>
       </p:ext>
     </p:extLst>
   </p:cSld>
@@ -4298,7 +4339,8 @@
           <a:p>
             <a:fld id="{887279C3-00D7-F745-B9D2-30B876F2505C}" type="datetimeFigureOut">
               <a:rPr kumimoji="1" lang="zh-CN" altLang="en-US" smtClean="0"/>
-              <a:t>2019/7/8</a:t>
+              <a:pPr/>
+              <a:t>2019/7/9</a:t>
             </a:fld>
             <a:endParaRPr kumimoji="1" lang="zh-CN" altLang="en-US"/>
           </a:p>
@@ -4340,6 +4382,7 @@
           <a:p>
             <a:fld id="{9721FA8C-D95C-7F45-90D8-4203C02E77C2}" type="slidenum">
               <a:rPr kumimoji="1" lang="zh-CN" altLang="en-US" smtClean="0"/>
+              <a:pPr/>
               <a:t>‹#›</a:t>
             </a:fld>
             <a:endParaRPr kumimoji="1" lang="zh-CN" altLang="en-US"/>
@@ -4349,7 +4392,7 @@
     </p:spTree>
     <p:extLst>
       <p:ext uri="{BB962C8B-B14F-4D97-AF65-F5344CB8AC3E}">
-        <p14:creationId xmlns:p14="http://schemas.microsoft.com/office/powerpoint/2010/main" val="1135821455"/>
+        <p14:creationId xmlns:p14="http://schemas.microsoft.com/office/powerpoint/2010/main" xmlns="" val="1135821455"/>
       </p:ext>
     </p:extLst>
   </p:cSld>
@@ -4530,7 +4573,8 @@
           <a:p>
             <a:fld id="{887279C3-00D7-F745-B9D2-30B876F2505C}" type="datetimeFigureOut">
               <a:rPr kumimoji="1" lang="zh-CN" altLang="en-US" smtClean="0"/>
-              <a:t>2019/7/8</a:t>
+              <a:pPr/>
+              <a:t>2019/7/9</a:t>
             </a:fld>
             <a:endParaRPr kumimoji="1" lang="zh-CN" altLang="en-US"/>
           </a:p>
@@ -4572,6 +4616,7 @@
           <a:p>
             <a:fld id="{9721FA8C-D95C-7F45-90D8-4203C02E77C2}" type="slidenum">
               <a:rPr kumimoji="1" lang="zh-CN" altLang="en-US" smtClean="0"/>
+              <a:pPr/>
               <a:t>‹#›</a:t>
             </a:fld>
             <a:endParaRPr kumimoji="1" lang="zh-CN" altLang="en-US"/>
@@ -4581,7 +4626,7 @@
     </p:spTree>
     <p:extLst>
       <p:ext uri="{BB962C8B-B14F-4D97-AF65-F5344CB8AC3E}">
-        <p14:creationId xmlns:p14="http://schemas.microsoft.com/office/powerpoint/2010/main" val="769056002"/>
+        <p14:creationId xmlns:p14="http://schemas.microsoft.com/office/powerpoint/2010/main" xmlns="" val="769056002"/>
       </p:ext>
     </p:extLst>
   </p:cSld>
@@ -4897,7 +4942,8 @@
           <a:p>
             <a:fld id="{887279C3-00D7-F745-B9D2-30B876F2505C}" type="datetimeFigureOut">
               <a:rPr kumimoji="1" lang="zh-CN" altLang="en-US" smtClean="0"/>
-              <a:t>2019/7/8</a:t>
+              <a:pPr/>
+              <a:t>2019/7/9</a:t>
             </a:fld>
             <a:endParaRPr kumimoji="1" lang="zh-CN" altLang="en-US"/>
           </a:p>
@@ -4939,6 +4985,7 @@
           <a:p>
             <a:fld id="{9721FA8C-D95C-7F45-90D8-4203C02E77C2}" type="slidenum">
               <a:rPr kumimoji="1" lang="zh-CN" altLang="en-US" smtClean="0"/>
+              <a:pPr/>
               <a:t>‹#›</a:t>
             </a:fld>
             <a:endParaRPr kumimoji="1" lang="zh-CN" altLang="en-US"/>
@@ -4948,7 +4995,7 @@
     </p:spTree>
     <p:extLst>
       <p:ext uri="{BB962C8B-B14F-4D97-AF65-F5344CB8AC3E}">
-        <p14:creationId xmlns:p14="http://schemas.microsoft.com/office/powerpoint/2010/main" val="1967637968"/>
+        <p14:creationId xmlns:p14="http://schemas.microsoft.com/office/powerpoint/2010/main" xmlns="" val="1967637968"/>
       </p:ext>
     </p:extLst>
   </p:cSld>
@@ -5015,7 +5062,8 @@
           <a:p>
             <a:fld id="{887279C3-00D7-F745-B9D2-30B876F2505C}" type="datetimeFigureOut">
               <a:rPr kumimoji="1" lang="zh-CN" altLang="en-US" smtClean="0"/>
-              <a:t>2019/7/8</a:t>
+              <a:pPr/>
+              <a:t>2019/7/9</a:t>
             </a:fld>
             <a:endParaRPr kumimoji="1" lang="zh-CN" altLang="en-US"/>
           </a:p>
@@ -5057,6 +5105,7 @@
           <a:p>
             <a:fld id="{9721FA8C-D95C-7F45-90D8-4203C02E77C2}" type="slidenum">
               <a:rPr kumimoji="1" lang="zh-CN" altLang="en-US" smtClean="0"/>
+              <a:pPr/>
               <a:t>‹#›</a:t>
             </a:fld>
             <a:endParaRPr kumimoji="1" lang="zh-CN" altLang="en-US"/>
@@ -5066,7 +5115,7 @@
     </p:spTree>
     <p:extLst>
       <p:ext uri="{BB962C8B-B14F-4D97-AF65-F5344CB8AC3E}">
-        <p14:creationId xmlns:p14="http://schemas.microsoft.com/office/powerpoint/2010/main" val="990648023"/>
+        <p14:creationId xmlns:p14="http://schemas.microsoft.com/office/powerpoint/2010/main" xmlns="" val="990648023"/>
       </p:ext>
     </p:extLst>
   </p:cSld>
@@ -5110,7 +5159,8 @@
           <a:p>
             <a:fld id="{887279C3-00D7-F745-B9D2-30B876F2505C}" type="datetimeFigureOut">
               <a:rPr kumimoji="1" lang="zh-CN" altLang="en-US" smtClean="0"/>
-              <a:t>2019/7/8</a:t>
+              <a:pPr/>
+              <a:t>2019/7/9</a:t>
             </a:fld>
             <a:endParaRPr kumimoji="1" lang="zh-CN" altLang="en-US"/>
           </a:p>
@@ -5152,6 +5202,7 @@
           <a:p>
             <a:fld id="{9721FA8C-D95C-7F45-90D8-4203C02E77C2}" type="slidenum">
               <a:rPr kumimoji="1" lang="zh-CN" altLang="en-US" smtClean="0"/>
+              <a:pPr/>
               <a:t>‹#›</a:t>
             </a:fld>
             <a:endParaRPr kumimoji="1" lang="zh-CN" altLang="en-US"/>
@@ -5161,7 +5212,7 @@
     </p:spTree>
     <p:extLst>
       <p:ext uri="{BB962C8B-B14F-4D97-AF65-F5344CB8AC3E}">
-        <p14:creationId xmlns:p14="http://schemas.microsoft.com/office/powerpoint/2010/main" val="380607370"/>
+        <p14:creationId xmlns:p14="http://schemas.microsoft.com/office/powerpoint/2010/main" xmlns="" val="380607370"/>
       </p:ext>
     </p:extLst>
   </p:cSld>
@@ -5387,7 +5438,8 @@
           <a:p>
             <a:fld id="{887279C3-00D7-F745-B9D2-30B876F2505C}" type="datetimeFigureOut">
               <a:rPr kumimoji="1" lang="zh-CN" altLang="en-US" smtClean="0"/>
-              <a:t>2019/7/8</a:t>
+              <a:pPr/>
+              <a:t>2019/7/9</a:t>
             </a:fld>
             <a:endParaRPr kumimoji="1" lang="zh-CN" altLang="en-US"/>
           </a:p>
@@ -5429,6 +5481,7 @@
           <a:p>
             <a:fld id="{9721FA8C-D95C-7F45-90D8-4203C02E77C2}" type="slidenum">
               <a:rPr kumimoji="1" lang="zh-CN" altLang="en-US" smtClean="0"/>
+              <a:pPr/>
               <a:t>‹#›</a:t>
             </a:fld>
             <a:endParaRPr kumimoji="1" lang="zh-CN" altLang="en-US"/>
@@ -5438,7 +5491,7 @@
     </p:spTree>
     <p:extLst>
       <p:ext uri="{BB962C8B-B14F-4D97-AF65-F5344CB8AC3E}">
-        <p14:creationId xmlns:p14="http://schemas.microsoft.com/office/powerpoint/2010/main" val="1661766824"/>
+        <p14:creationId xmlns:p14="http://schemas.microsoft.com/office/powerpoint/2010/main" xmlns="" val="1661766824"/>
       </p:ext>
     </p:extLst>
   </p:cSld>
@@ -5640,7 +5693,8 @@
           <a:p>
             <a:fld id="{887279C3-00D7-F745-B9D2-30B876F2505C}" type="datetimeFigureOut">
               <a:rPr kumimoji="1" lang="zh-CN" altLang="en-US" smtClean="0"/>
-              <a:t>2019/7/8</a:t>
+              <a:pPr/>
+              <a:t>2019/7/9</a:t>
             </a:fld>
             <a:endParaRPr kumimoji="1" lang="zh-CN" altLang="en-US"/>
           </a:p>
@@ -5682,6 +5736,7 @@
           <a:p>
             <a:fld id="{9721FA8C-D95C-7F45-90D8-4203C02E77C2}" type="slidenum">
               <a:rPr kumimoji="1" lang="zh-CN" altLang="en-US" smtClean="0"/>
+              <a:pPr/>
               <a:t>‹#›</a:t>
             </a:fld>
             <a:endParaRPr kumimoji="1" lang="zh-CN" altLang="en-US"/>
@@ -5691,7 +5746,7 @@
     </p:spTree>
     <p:extLst>
       <p:ext uri="{BB962C8B-B14F-4D97-AF65-F5344CB8AC3E}">
-        <p14:creationId xmlns:p14="http://schemas.microsoft.com/office/powerpoint/2010/main" val="1290181733"/>
+        <p14:creationId xmlns:p14="http://schemas.microsoft.com/office/powerpoint/2010/main" xmlns="" val="1290181733"/>
       </p:ext>
     </p:extLst>
   </p:cSld>
@@ -5853,7 +5908,8 @@
           <a:p>
             <a:fld id="{887279C3-00D7-F745-B9D2-30B876F2505C}" type="datetimeFigureOut">
               <a:rPr kumimoji="1" lang="zh-CN" altLang="en-US" smtClean="0"/>
-              <a:t>2019/7/8</a:t>
+              <a:pPr/>
+              <a:t>2019/7/9</a:t>
             </a:fld>
             <a:endParaRPr kumimoji="1" lang="zh-CN" altLang="en-US"/>
           </a:p>
@@ -5931,6 +5987,7 @@
           <a:p>
             <a:fld id="{9721FA8C-D95C-7F45-90D8-4203C02E77C2}" type="slidenum">
               <a:rPr kumimoji="1" lang="zh-CN" altLang="en-US" smtClean="0"/>
+              <a:pPr/>
               <a:t>‹#›</a:t>
             </a:fld>
             <a:endParaRPr kumimoji="1" lang="zh-CN" altLang="en-US"/>
@@ -5940,7 +5997,7 @@
     </p:spTree>
     <p:extLst>
       <p:ext uri="{BB962C8B-B14F-4D97-AF65-F5344CB8AC3E}">
-        <p14:creationId xmlns:p14="http://schemas.microsoft.com/office/powerpoint/2010/main" val="197753089"/>
+        <p14:creationId xmlns:p14="http://schemas.microsoft.com/office/powerpoint/2010/main" xmlns="" val="197753089"/>
       </p:ext>
     </p:extLst>
   </p:cSld>
@@ -6271,7 +6328,7 @@
           <a:blip r:embed="rId3">
             <a:extLst>
               <a:ext uri="{28A0092B-C50C-407E-A947-70E740481C1C}">
-                <a14:useLocalDpi xmlns:a14="http://schemas.microsoft.com/office/drawing/2010/main" val="0"/>
+                <a14:useLocalDpi xmlns:a14="http://schemas.microsoft.com/office/drawing/2010/main" xmlns="" val="0"/>
               </a:ext>
             </a:extLst>
           </a:blip>
@@ -6361,13 +6418,20 @@
     </p:spTree>
     <p:extLst>
       <p:ext uri="{BB962C8B-B14F-4D97-AF65-F5344CB8AC3E}">
-        <p14:creationId xmlns:p14="http://schemas.microsoft.com/office/powerpoint/2010/main" val="98085080"/>
+        <p14:creationId xmlns:p14="http://schemas.microsoft.com/office/powerpoint/2010/main" xmlns="" val="98085080"/>
       </p:ext>
     </p:extLst>
   </p:cSld>
   <p:clrMapOvr>
     <a:masterClrMapping/>
   </p:clrMapOvr>
+  <p:timing>
+    <p:tnLst>
+      <p:par>
+        <p:cTn id="1" dur="indefinite" restart="never" nodeType="tmRoot"/>
+      </p:par>
+    </p:tnLst>
+  </p:timing>
 </p:sld>
 </file>
 
@@ -6421,7 +6485,7 @@
     </p:spTree>
     <p:extLst>
       <p:ext uri="{BB962C8B-B14F-4D97-AF65-F5344CB8AC3E}">
-        <p14:creationId xmlns:p14="http://schemas.microsoft.com/office/powerpoint/2010/main" val="793814422"/>
+        <p14:creationId xmlns:p14="http://schemas.microsoft.com/office/powerpoint/2010/main" xmlns="" val="793814422"/>
       </p:ext>
     </p:extLst>
   </p:cSld>
@@ -6481,7 +6545,7 @@
     </p:spTree>
     <p:extLst>
       <p:ext uri="{BB962C8B-B14F-4D97-AF65-F5344CB8AC3E}">
-        <p14:creationId xmlns:p14="http://schemas.microsoft.com/office/powerpoint/2010/main" val="571286407"/>
+        <p14:creationId xmlns:p14="http://schemas.microsoft.com/office/powerpoint/2010/main" xmlns="" val="571286407"/>
       </p:ext>
     </p:extLst>
   </p:cSld>
@@ -6541,7 +6605,7 @@
     </p:spTree>
     <p:extLst>
       <p:ext uri="{BB962C8B-B14F-4D97-AF65-F5344CB8AC3E}">
-        <p14:creationId xmlns:p14="http://schemas.microsoft.com/office/powerpoint/2010/main" val="801090093"/>
+        <p14:creationId xmlns:p14="http://schemas.microsoft.com/office/powerpoint/2010/main" xmlns="" val="801090093"/>
       </p:ext>
     </p:extLst>
   </p:cSld>
@@ -6601,7 +6665,7 @@
     </p:spTree>
     <p:extLst>
       <p:ext uri="{BB962C8B-B14F-4D97-AF65-F5344CB8AC3E}">
-        <p14:creationId xmlns:p14="http://schemas.microsoft.com/office/powerpoint/2010/main" val="2011383311"/>
+        <p14:creationId xmlns:p14="http://schemas.microsoft.com/office/powerpoint/2010/main" xmlns="" val="2011383311"/>
       </p:ext>
     </p:extLst>
   </p:cSld>
@@ -6661,7 +6725,7 @@
     </p:spTree>
     <p:extLst>
       <p:ext uri="{BB962C8B-B14F-4D97-AF65-F5344CB8AC3E}">
-        <p14:creationId xmlns:p14="http://schemas.microsoft.com/office/powerpoint/2010/main" val="1797483022"/>
+        <p14:creationId xmlns:p14="http://schemas.microsoft.com/office/powerpoint/2010/main" xmlns="" val="1797483022"/>
       </p:ext>
     </p:extLst>
   </p:cSld>
@@ -6721,7 +6785,7 @@
     </p:spTree>
     <p:extLst>
       <p:ext uri="{BB962C8B-B14F-4D97-AF65-F5344CB8AC3E}">
-        <p14:creationId xmlns:p14="http://schemas.microsoft.com/office/powerpoint/2010/main" val="2016002298"/>
+        <p14:creationId xmlns:p14="http://schemas.microsoft.com/office/powerpoint/2010/main" xmlns="" val="2016002298"/>
       </p:ext>
     </p:extLst>
   </p:cSld>
@@ -6781,7 +6845,7 @@
     </p:spTree>
     <p:extLst>
       <p:ext uri="{BB962C8B-B14F-4D97-AF65-F5344CB8AC3E}">
-        <p14:creationId xmlns:p14="http://schemas.microsoft.com/office/powerpoint/2010/main" val="366060701"/>
+        <p14:creationId xmlns:p14="http://schemas.microsoft.com/office/powerpoint/2010/main" xmlns="" val="366060701"/>
       </p:ext>
     </p:extLst>
   </p:cSld>
@@ -6841,7 +6905,7 @@
     </p:spTree>
     <p:extLst>
       <p:ext uri="{BB962C8B-B14F-4D97-AF65-F5344CB8AC3E}">
-        <p14:creationId xmlns:p14="http://schemas.microsoft.com/office/powerpoint/2010/main" val="2009350891"/>
+        <p14:creationId xmlns:p14="http://schemas.microsoft.com/office/powerpoint/2010/main" xmlns="" val="2009350891"/>
       </p:ext>
     </p:extLst>
   </p:cSld>
@@ -6901,7 +6965,7 @@
     </p:spTree>
     <p:extLst>
       <p:ext uri="{BB962C8B-B14F-4D97-AF65-F5344CB8AC3E}">
-        <p14:creationId xmlns:p14="http://schemas.microsoft.com/office/powerpoint/2010/main" val="1730099422"/>
+        <p14:creationId xmlns:p14="http://schemas.microsoft.com/office/powerpoint/2010/main" xmlns="" val="1730099422"/>
       </p:ext>
     </p:extLst>
   </p:cSld>
@@ -6961,7 +7025,7 @@
     </p:spTree>
     <p:extLst>
       <p:ext uri="{BB962C8B-B14F-4D97-AF65-F5344CB8AC3E}">
-        <p14:creationId xmlns:p14="http://schemas.microsoft.com/office/powerpoint/2010/main" val="510350281"/>
+        <p14:creationId xmlns:p14="http://schemas.microsoft.com/office/powerpoint/2010/main" xmlns="" val="510350281"/>
       </p:ext>
     </p:extLst>
   </p:cSld>
@@ -7184,13 +7248,20 @@
     </p:spTree>
     <p:extLst>
       <p:ext uri="{BB962C8B-B14F-4D97-AF65-F5344CB8AC3E}">
-        <p14:creationId xmlns:p14="http://schemas.microsoft.com/office/powerpoint/2010/main" val="29691590"/>
+        <p14:creationId xmlns:p14="http://schemas.microsoft.com/office/powerpoint/2010/main" xmlns="" val="29691590"/>
       </p:ext>
     </p:extLst>
   </p:cSld>
   <p:clrMapOvr>
     <a:masterClrMapping/>
   </p:clrMapOvr>
+  <p:timing>
+    <p:tnLst>
+      <p:par>
+        <p:cTn id="1" dur="indefinite" restart="never" nodeType="tmRoot"/>
+      </p:par>
+    </p:tnLst>
+  </p:timing>
 </p:sld>
 </file>
 
@@ -7244,7 +7315,7 @@
     </p:spTree>
     <p:extLst>
       <p:ext uri="{BB962C8B-B14F-4D97-AF65-F5344CB8AC3E}">
-        <p14:creationId xmlns:p14="http://schemas.microsoft.com/office/powerpoint/2010/main" val="302759460"/>
+        <p14:creationId xmlns:p14="http://schemas.microsoft.com/office/powerpoint/2010/main" xmlns="" val="302759460"/>
       </p:ext>
     </p:extLst>
   </p:cSld>
@@ -7304,7 +7375,7 @@
     </p:spTree>
     <p:extLst>
       <p:ext uri="{BB962C8B-B14F-4D97-AF65-F5344CB8AC3E}">
-        <p14:creationId xmlns:p14="http://schemas.microsoft.com/office/powerpoint/2010/main" val="1520030617"/>
+        <p14:creationId xmlns:p14="http://schemas.microsoft.com/office/powerpoint/2010/main" xmlns="" val="1520030617"/>
       </p:ext>
     </p:extLst>
   </p:cSld>
@@ -7364,7 +7435,7 @@
     </p:spTree>
     <p:extLst>
       <p:ext uri="{BB962C8B-B14F-4D97-AF65-F5344CB8AC3E}">
-        <p14:creationId xmlns:p14="http://schemas.microsoft.com/office/powerpoint/2010/main" val="579975778"/>
+        <p14:creationId xmlns:p14="http://schemas.microsoft.com/office/powerpoint/2010/main" xmlns="" val="579975778"/>
       </p:ext>
     </p:extLst>
   </p:cSld>
@@ -7424,7 +7495,7 @@
     </p:spTree>
     <p:extLst>
       <p:ext uri="{BB962C8B-B14F-4D97-AF65-F5344CB8AC3E}">
-        <p14:creationId xmlns:p14="http://schemas.microsoft.com/office/powerpoint/2010/main" val="31636765"/>
+        <p14:creationId xmlns:p14="http://schemas.microsoft.com/office/powerpoint/2010/main" xmlns="" val="31636765"/>
       </p:ext>
     </p:extLst>
   </p:cSld>
@@ -7484,7 +7555,7 @@
     </p:spTree>
     <p:extLst>
       <p:ext uri="{BB962C8B-B14F-4D97-AF65-F5344CB8AC3E}">
-        <p14:creationId xmlns:p14="http://schemas.microsoft.com/office/powerpoint/2010/main" val="197794275"/>
+        <p14:creationId xmlns:p14="http://schemas.microsoft.com/office/powerpoint/2010/main" xmlns="" val="197794275"/>
       </p:ext>
     </p:extLst>
   </p:cSld>
@@ -7544,7 +7615,7 @@
     </p:spTree>
     <p:extLst>
       <p:ext uri="{BB962C8B-B14F-4D97-AF65-F5344CB8AC3E}">
-        <p14:creationId xmlns:p14="http://schemas.microsoft.com/office/powerpoint/2010/main" val="946785088"/>
+        <p14:creationId xmlns:p14="http://schemas.microsoft.com/office/powerpoint/2010/main" xmlns="" val="946785088"/>
       </p:ext>
     </p:extLst>
   </p:cSld>
@@ -7604,7 +7675,7 @@
     </p:spTree>
     <p:extLst>
       <p:ext uri="{BB962C8B-B14F-4D97-AF65-F5344CB8AC3E}">
-        <p14:creationId xmlns:p14="http://schemas.microsoft.com/office/powerpoint/2010/main" val="692462560"/>
+        <p14:creationId xmlns:p14="http://schemas.microsoft.com/office/powerpoint/2010/main" xmlns="" val="692462560"/>
       </p:ext>
     </p:extLst>
   </p:cSld>
@@ -7664,7 +7735,7 @@
     </p:spTree>
     <p:extLst>
       <p:ext uri="{BB962C8B-B14F-4D97-AF65-F5344CB8AC3E}">
-        <p14:creationId xmlns:p14="http://schemas.microsoft.com/office/powerpoint/2010/main" val="1104567969"/>
+        <p14:creationId xmlns:p14="http://schemas.microsoft.com/office/powerpoint/2010/main" xmlns="" val="1104567969"/>
       </p:ext>
     </p:extLst>
   </p:cSld>
@@ -7724,7 +7795,7 @@
     </p:spTree>
     <p:extLst>
       <p:ext uri="{BB962C8B-B14F-4D97-AF65-F5344CB8AC3E}">
-        <p14:creationId xmlns:p14="http://schemas.microsoft.com/office/powerpoint/2010/main" val="1065258012"/>
+        <p14:creationId xmlns:p14="http://schemas.microsoft.com/office/powerpoint/2010/main" xmlns="" val="1065258012"/>
       </p:ext>
     </p:extLst>
   </p:cSld>
@@ -7784,7 +7855,7 @@
     </p:spTree>
     <p:extLst>
       <p:ext uri="{BB962C8B-B14F-4D97-AF65-F5344CB8AC3E}">
-        <p14:creationId xmlns:p14="http://schemas.microsoft.com/office/powerpoint/2010/main" val="1503810734"/>
+        <p14:creationId xmlns:p14="http://schemas.microsoft.com/office/powerpoint/2010/main" xmlns="" val="1503810734"/>
       </p:ext>
     </p:extLst>
   </p:cSld>
@@ -7819,8 +7890,8 @@
         </p:nvSpPr>
         <p:spPr>
           <a:xfrm>
-            <a:off x="3369331" y="1048253"/>
-            <a:ext cx="4560711" cy="4993868"/>
+            <a:off x="1930400" y="1048253"/>
+            <a:ext cx="8229599" cy="4437305"/>
           </a:xfrm>
           <a:prstGeom prst="rect">
             <a:avLst/>
@@ -7840,17 +7911,22 @@
               <a:buAutoNum type="arabicPeriod"/>
             </a:pPr>
             <a:r>
-              <a:rPr kumimoji="1" lang="en-US" altLang="zh-CN" sz="3600" dirty="0" smtClean="0"/>
-              <a:t>Spring</a:t>
-            </a:r>
-            <a:r>
-              <a:rPr kumimoji="1" lang="zh-CN" altLang="en-US" sz="3600" dirty="0" smtClean="0"/>
+              <a:rPr kumimoji="1" lang="en-US" altLang="zh-CN" sz="3200" dirty="0" smtClean="0"/>
+              <a:t> Spring</a:t>
+            </a:r>
+            <a:r>
+              <a:rPr kumimoji="1" lang="zh-CN" altLang="en-US" sz="3200" dirty="0" smtClean="0"/>
               <a:t> </a:t>
             </a:r>
             <a:r>
-              <a:rPr kumimoji="1" lang="en-US" altLang="zh-CN" sz="3600" dirty="0" smtClean="0"/>
-              <a:t>Boot</a:t>
-            </a:r>
+              <a:rPr kumimoji="1" lang="en-US" altLang="zh-CN" sz="3200" dirty="0" smtClean="0"/>
+              <a:t>Boot -- </a:t>
+            </a:r>
+            <a:r>
+              <a:rPr kumimoji="1" lang="zh-CN" altLang="en-US" sz="3200" dirty="0" smtClean="0"/>
+              <a:t>基础</a:t>
+            </a:r>
+            <a:endParaRPr kumimoji="1" lang="en-US" altLang="zh-CN" sz="3200" dirty="0" smtClean="0"/>
           </a:p>
           <a:p>
             <a:pPr marL="342900" indent="-342900">
@@ -7860,9 +7936,14 @@
               <a:buAutoNum type="arabicPeriod"/>
             </a:pPr>
             <a:r>
-              <a:rPr kumimoji="1" lang="en-US" altLang="zh-CN" sz="3600" dirty="0" smtClean="0"/>
-              <a:t>Eureka</a:t>
-            </a:r>
+              <a:rPr kumimoji="1" lang="en-US" altLang="zh-CN" sz="3200" dirty="0" smtClean="0"/>
+              <a:t> Eureka -- </a:t>
+            </a:r>
+            <a:r>
+              <a:rPr kumimoji="1" lang="zh-CN" altLang="en-US" sz="3200" dirty="0" smtClean="0"/>
+              <a:t>服务发现</a:t>
+            </a:r>
+            <a:endParaRPr kumimoji="1" lang="en-US" altLang="zh-CN" sz="3200" dirty="0" smtClean="0"/>
           </a:p>
           <a:p>
             <a:pPr marL="342900" indent="-342900">
@@ -7872,25 +7953,30 @@
               <a:buAutoNum type="arabicPeriod"/>
             </a:pPr>
             <a:r>
-              <a:rPr kumimoji="1" lang="en-US" altLang="zh-CN" sz="3600" dirty="0" smtClean="0"/>
-              <a:t>Feign</a:t>
-            </a:r>
-            <a:r>
-              <a:rPr kumimoji="1" lang="zh-CN" altLang="en-US" sz="3600" dirty="0" smtClean="0"/>
+              <a:rPr kumimoji="1" lang="en-US" altLang="zh-CN" sz="3200" dirty="0" smtClean="0"/>
+              <a:t> Feign</a:t>
+            </a:r>
+            <a:r>
+              <a:rPr kumimoji="1" lang="zh-CN" altLang="en-US" sz="3200" dirty="0" smtClean="0"/>
               <a:t> </a:t>
             </a:r>
             <a:r>
-              <a:rPr kumimoji="1" lang="en-US" altLang="zh-CN" sz="3600" dirty="0" smtClean="0"/>
+              <a:rPr kumimoji="1" lang="en-US" altLang="zh-CN" sz="3200" dirty="0" smtClean="0"/>
               <a:t>and</a:t>
             </a:r>
             <a:r>
-              <a:rPr kumimoji="1" lang="zh-CN" altLang="en-US" sz="3600" dirty="0" smtClean="0"/>
+              <a:rPr kumimoji="1" lang="zh-CN" altLang="en-US" sz="3200" dirty="0" smtClean="0"/>
               <a:t> </a:t>
             </a:r>
             <a:r>
-              <a:rPr kumimoji="1" lang="en-US" altLang="zh-CN" sz="3600" dirty="0" smtClean="0"/>
-              <a:t>Ribbon</a:t>
-            </a:r>
+              <a:rPr kumimoji="1" lang="en-US" altLang="zh-CN" sz="3200" dirty="0" smtClean="0"/>
+              <a:t>Ribbon -- </a:t>
+            </a:r>
+            <a:r>
+              <a:rPr kumimoji="1" lang="zh-CN" altLang="en-US" sz="3200" dirty="0" smtClean="0"/>
+              <a:t>服务消费</a:t>
+            </a:r>
+            <a:endParaRPr kumimoji="1" lang="en-US" altLang="zh-CN" sz="3200" dirty="0" smtClean="0"/>
           </a:p>
           <a:p>
             <a:pPr marL="342900" indent="-342900">
@@ -7900,10 +7986,22 @@
               <a:buAutoNum type="arabicPeriod"/>
             </a:pPr>
             <a:r>
-              <a:rPr kumimoji="1" lang="en-US" altLang="zh-CN" sz="3600" dirty="0" err="1" smtClean="0"/>
+              <a:rPr kumimoji="1" lang="en-US" altLang="zh-CN" sz="3200" dirty="0" smtClean="0"/>
+              <a:t> </a:t>
+            </a:r>
+            <a:r>
+              <a:rPr kumimoji="1" lang="en-US" altLang="zh-CN" sz="3200" dirty="0" err="1" smtClean="0"/>
               <a:t>Hystrix</a:t>
             </a:r>
-            <a:endParaRPr kumimoji="1" lang="en-US" altLang="zh-CN" sz="3600" dirty="0" smtClean="0"/>
+            <a:r>
+              <a:rPr kumimoji="1" lang="en-US" altLang="zh-CN" sz="3200" dirty="0" smtClean="0"/>
+              <a:t> -- </a:t>
+            </a:r>
+            <a:r>
+              <a:rPr kumimoji="1" lang="zh-CN" altLang="en-US" sz="3200" dirty="0" smtClean="0"/>
+              <a:t>断路器</a:t>
+            </a:r>
+            <a:endParaRPr kumimoji="1" lang="en-US" altLang="zh-CN" sz="3200" dirty="0" smtClean="0"/>
           </a:p>
           <a:p>
             <a:pPr marL="342900" indent="-342900">
@@ -7913,10 +8011,22 @@
               <a:buAutoNum type="arabicPeriod"/>
             </a:pPr>
             <a:r>
-              <a:rPr kumimoji="1" lang="en-US" altLang="zh-CN" sz="3600" dirty="0" err="1" smtClean="0"/>
+              <a:rPr kumimoji="1" lang="en-US" altLang="zh-CN" sz="3200" dirty="0" smtClean="0"/>
+              <a:t> </a:t>
+            </a:r>
+            <a:r>
+              <a:rPr kumimoji="1" lang="en-US" altLang="zh-CN" sz="3200" dirty="0" err="1" smtClean="0"/>
               <a:t>Zuul</a:t>
             </a:r>
-            <a:endParaRPr kumimoji="1" lang="en-US" altLang="zh-CN" sz="3600" dirty="0" smtClean="0"/>
+            <a:r>
+              <a:rPr kumimoji="1" lang="en-US" altLang="zh-CN" sz="3200" dirty="0" smtClean="0"/>
+              <a:t> -- </a:t>
+            </a:r>
+            <a:r>
+              <a:rPr kumimoji="1" lang="zh-CN" altLang="en-US" sz="3200" dirty="0" smtClean="0"/>
+              <a:t>路由</a:t>
+            </a:r>
+            <a:endParaRPr kumimoji="1" lang="en-US" altLang="zh-CN" sz="3200" dirty="0" smtClean="0"/>
           </a:p>
           <a:p>
             <a:pPr marL="342900" indent="-342900">
@@ -7926,39 +8036,58 @@
               <a:buAutoNum type="arabicPeriod"/>
             </a:pPr>
             <a:r>
-              <a:rPr kumimoji="1" lang="en-US" altLang="zh-CN" sz="3600" dirty="0" err="1" smtClean="0"/>
+              <a:rPr kumimoji="1" lang="en-US" altLang="zh-CN" sz="3200" dirty="0" smtClean="0"/>
+              <a:t> </a:t>
+            </a:r>
+            <a:r>
+              <a:rPr kumimoji="1" lang="en-US" altLang="zh-CN" sz="3200" dirty="0" err="1" smtClean="0"/>
               <a:t>Config</a:t>
             </a:r>
             <a:r>
-              <a:rPr kumimoji="1" lang="zh-CN" altLang="en-US" sz="3600" dirty="0" smtClean="0"/>
+              <a:rPr kumimoji="1" lang="zh-CN" altLang="en-US" sz="3200" dirty="0" smtClean="0"/>
               <a:t> </a:t>
             </a:r>
             <a:r>
-              <a:rPr kumimoji="1" lang="en-US" altLang="zh-CN" sz="3600" dirty="0" smtClean="0"/>
+              <a:rPr kumimoji="1" lang="en-US" altLang="zh-CN" sz="3200" dirty="0" smtClean="0"/>
               <a:t>and</a:t>
             </a:r>
             <a:r>
-              <a:rPr kumimoji="1" lang="zh-CN" altLang="en-US" sz="3600" dirty="0" smtClean="0"/>
+              <a:rPr kumimoji="1" lang="zh-CN" altLang="en-US" sz="3200" dirty="0" smtClean="0"/>
               <a:t> </a:t>
             </a:r>
             <a:r>
-              <a:rPr kumimoji="1" lang="en-US" altLang="zh-CN" sz="3600" dirty="0" smtClean="0"/>
-              <a:t>Bus</a:t>
-            </a:r>
-            <a:endParaRPr kumimoji="1" lang="zh-CN" altLang="en-US" sz="3600" dirty="0"/>
+              <a:rPr kumimoji="1" lang="en-US" altLang="zh-CN" sz="3200" dirty="0" smtClean="0"/>
+              <a:t>Bus -- </a:t>
+            </a:r>
+            <a:r>
+              <a:rPr kumimoji="1" lang="zh-CN" altLang="en-US" sz="3200" dirty="0" smtClean="0"/>
+              <a:t>配置</a:t>
+            </a:r>
+            <a:r>
+              <a:rPr kumimoji="1" lang="zh-CN" altLang="en-US" sz="3200" dirty="0" smtClean="0"/>
+              <a:t>，总线</a:t>
+            </a:r>
+            <a:endParaRPr kumimoji="1" lang="zh-CN" altLang="en-US" sz="3200" dirty="0"/>
           </a:p>
         </p:txBody>
       </p:sp>
     </p:spTree>
     <p:extLst>
       <p:ext uri="{BB962C8B-B14F-4D97-AF65-F5344CB8AC3E}">
-        <p14:creationId xmlns:p14="http://schemas.microsoft.com/office/powerpoint/2010/main" val="1054622306"/>
+        <p14:creationId xmlns:p14="http://schemas.microsoft.com/office/powerpoint/2010/main" xmlns="" val="1054622306"/>
       </p:ext>
     </p:extLst>
   </p:cSld>
   <p:clrMapOvr>
     <a:masterClrMapping/>
   </p:clrMapOvr>
+  <p:timing>
+    <p:tnLst>
+      <p:par>
+        <p:cTn id="1" dur="indefinite" restart="never" nodeType="tmRoot"/>
+      </p:par>
+    </p:tnLst>
+  </p:timing>
 </p:sld>
 </file>
 
@@ -8012,7 +8141,7 @@
     </p:spTree>
     <p:extLst>
       <p:ext uri="{BB962C8B-B14F-4D97-AF65-F5344CB8AC3E}">
-        <p14:creationId xmlns:p14="http://schemas.microsoft.com/office/powerpoint/2010/main" val="1581216527"/>
+        <p14:creationId xmlns:p14="http://schemas.microsoft.com/office/powerpoint/2010/main" xmlns="" val="1581216527"/>
       </p:ext>
     </p:extLst>
   </p:cSld>
@@ -8072,7 +8201,7 @@
     </p:spTree>
     <p:extLst>
       <p:ext uri="{BB962C8B-B14F-4D97-AF65-F5344CB8AC3E}">
-        <p14:creationId xmlns:p14="http://schemas.microsoft.com/office/powerpoint/2010/main" val="1153196795"/>
+        <p14:creationId xmlns:p14="http://schemas.microsoft.com/office/powerpoint/2010/main" xmlns="" val="1153196795"/>
       </p:ext>
     </p:extLst>
   </p:cSld>
@@ -8176,13 +8305,20 @@
     </p:spTree>
     <p:extLst>
       <p:ext uri="{BB962C8B-B14F-4D97-AF65-F5344CB8AC3E}">
-        <p14:creationId xmlns:p14="http://schemas.microsoft.com/office/powerpoint/2010/main" val="38714306"/>
+        <p14:creationId xmlns:p14="http://schemas.microsoft.com/office/powerpoint/2010/main" xmlns="" val="38714306"/>
       </p:ext>
     </p:extLst>
   </p:cSld>
   <p:clrMapOvr>
     <a:masterClrMapping/>
   </p:clrMapOvr>
+  <p:timing>
+    <p:tnLst>
+      <p:par>
+        <p:cTn id="1" dur="indefinite" restart="never" nodeType="tmRoot"/>
+      </p:par>
+    </p:tnLst>
+  </p:timing>
 </p:sld>
 </file>
 
@@ -8507,13 +8643,20 @@
     </p:spTree>
     <p:extLst>
       <p:ext uri="{BB962C8B-B14F-4D97-AF65-F5344CB8AC3E}">
-        <p14:creationId xmlns:p14="http://schemas.microsoft.com/office/powerpoint/2010/main" val="388131276"/>
+        <p14:creationId xmlns:p14="http://schemas.microsoft.com/office/powerpoint/2010/main" xmlns="" val="388131276"/>
       </p:ext>
     </p:extLst>
   </p:cSld>
   <p:clrMapOvr>
     <a:masterClrMapping/>
   </p:clrMapOvr>
+  <p:timing>
+    <p:tnLst>
+      <p:par>
+        <p:cTn id="1" dur="indefinite" restart="never" nodeType="tmRoot"/>
+      </p:par>
+    </p:tnLst>
+  </p:timing>
 </p:sld>
 </file>
 
@@ -8592,16 +8735,49 @@
           </a:p>
         </p:txBody>
       </p:sp>
+      <p:sp>
+        <p:nvSpPr>
+          <p:cNvPr id="3" name="TextBox 2"/>
+          <p:cNvSpPr txBox="1"/>
+          <p:nvPr/>
+        </p:nvSpPr>
+        <p:spPr>
+          <a:xfrm>
+            <a:off x="1409700" y="1612900"/>
+            <a:ext cx="8597900" cy="369332"/>
+          </a:xfrm>
+          <a:prstGeom prst="rect">
+            <a:avLst/>
+          </a:prstGeom>
+          <a:noFill/>
+        </p:spPr>
+        <p:txBody>
+          <a:bodyPr wrap="square" rtlCol="0">
+            <a:spAutoFit/>
+          </a:bodyPr>
+          <a:lstStyle/>
+          <a:p>
+            <a:endParaRPr lang="zh-CN" altLang="en-US"/>
+          </a:p>
+        </p:txBody>
+      </p:sp>
     </p:spTree>
     <p:extLst>
       <p:ext uri="{BB962C8B-B14F-4D97-AF65-F5344CB8AC3E}">
-        <p14:creationId xmlns:p14="http://schemas.microsoft.com/office/powerpoint/2010/main" val="1190188661"/>
+        <p14:creationId xmlns:p14="http://schemas.microsoft.com/office/powerpoint/2010/main" xmlns="" val="1190188661"/>
       </p:ext>
     </p:extLst>
   </p:cSld>
   <p:clrMapOvr>
     <a:masterClrMapping/>
   </p:clrMapOvr>
+  <p:timing>
+    <p:tnLst>
+      <p:par>
+        <p:cTn id="1" dur="indefinite" restart="never" nodeType="tmRoot"/>
+      </p:par>
+    </p:tnLst>
+  </p:timing>
 </p:sld>
 </file>
 
@@ -8655,13 +8831,20 @@
     </p:spTree>
     <p:extLst>
       <p:ext uri="{BB962C8B-B14F-4D97-AF65-F5344CB8AC3E}">
-        <p14:creationId xmlns:p14="http://schemas.microsoft.com/office/powerpoint/2010/main" val="2020817988"/>
+        <p14:creationId xmlns:p14="http://schemas.microsoft.com/office/powerpoint/2010/main" xmlns="" val="2020817988"/>
       </p:ext>
     </p:extLst>
   </p:cSld>
   <p:clrMapOvr>
     <a:masterClrMapping/>
   </p:clrMapOvr>
+  <p:timing>
+    <p:tnLst>
+      <p:par>
+        <p:cTn id="1" dur="indefinite" restart="never" nodeType="tmRoot"/>
+      </p:par>
+    </p:tnLst>
+  </p:timing>
 </p:sld>
 </file>
 
@@ -8715,7 +8898,7 @@
     </p:spTree>
     <p:extLst>
       <p:ext uri="{BB962C8B-B14F-4D97-AF65-F5344CB8AC3E}">
-        <p14:creationId xmlns:p14="http://schemas.microsoft.com/office/powerpoint/2010/main" val="819143596"/>
+        <p14:creationId xmlns:p14="http://schemas.microsoft.com/office/powerpoint/2010/main" xmlns="" val="819143596"/>
       </p:ext>
     </p:extLst>
   </p:cSld>
@@ -8775,7 +8958,7 @@
     </p:spTree>
     <p:extLst>
       <p:ext uri="{BB962C8B-B14F-4D97-AF65-F5344CB8AC3E}">
-        <p14:creationId xmlns:p14="http://schemas.microsoft.com/office/powerpoint/2010/main" val="1695394012"/>
+        <p14:creationId xmlns:p14="http://schemas.microsoft.com/office/powerpoint/2010/main" xmlns="" val="1695394012"/>
       </p:ext>
     </p:extLst>
   </p:cSld>
@@ -8828,7 +9011,7 @@
     </a:clrScheme>
     <a:fontScheme name="Office">
       <a:majorFont>
-        <a:latin typeface="DengXian Light" panose="020F0302020204030204"/>
+        <a:latin typeface="DengXian Light"/>
         <a:ea typeface=""/>
         <a:cs typeface=""/>
         <a:font script="Jpan" typeface="Yu Gothic Light"/>
@@ -8863,7 +9046,7 @@
         <a:font script="Geor" typeface="Sylfaen"/>
       </a:majorFont>
       <a:minorFont>
-        <a:latin typeface="DengXian" panose="020F0502020204030204"/>
+        <a:latin typeface="DengXian"/>
         <a:ea typeface=""/>
         <a:cs typeface=""/>
         <a:font script="Jpan" typeface="Yu Gothic"/>
@@ -9040,7 +9223,7 @@
   <a:extraClrSchemeLst/>
   <a:extLst>
     <a:ext uri="{05A4C25C-085E-4340-85A3-A5531E510DB2}">
-      <thm15:themeFamily xmlns:thm15="http://schemas.microsoft.com/office/thememl/2012/main" name="Office Theme" id="{62F939B6-93AF-4DB8-9C6B-D6C7DFDC589F}" vid="{4A3C46E8-61CC-4603-A589-7422A47A8E4A}"/>
+      <thm15:themeFamily xmlns:thm15="http://schemas.microsoft.com/office/thememl/2012/main" xmlns="" name="Office Theme" id="{62F939B6-93AF-4DB8-9C6B-D6C7DFDC589F}" vid="{4A3C46E8-61CC-4603-A589-7422A47A8E4A}"/>
     </a:ext>
   </a:extLst>
 </a:theme>
@@ -9089,7 +9272,7 @@
     </a:clrScheme>
     <a:fontScheme name="Office">
       <a:majorFont>
-        <a:latin typeface="DengXian Light" panose="020F0302020204030204"/>
+        <a:latin typeface="DengXian Light"/>
         <a:ea typeface=""/>
         <a:cs typeface=""/>
         <a:font script="Jpan" typeface="Yu Gothic Light"/>
@@ -9124,7 +9307,7 @@
         <a:font script="Geor" typeface="Sylfaen"/>
       </a:majorFont>
       <a:minorFont>
-        <a:latin typeface="DengXian" panose="020F0502020204030204"/>
+        <a:latin typeface="DengXian"/>
         <a:ea typeface=""/>
         <a:cs typeface=""/>
         <a:font script="Jpan" typeface="Yu Gothic"/>
@@ -9301,7 +9484,7 @@
   <a:extraClrSchemeLst/>
   <a:extLst>
     <a:ext uri="{05A4C25C-085E-4340-85A3-A5531E510DB2}">
-      <thm15:themeFamily xmlns:thm15="http://schemas.microsoft.com/office/thememl/2012/main" name="Office Theme" id="{62F939B6-93AF-4DB8-9C6B-D6C7DFDC589F}" vid="{4A3C46E8-61CC-4603-A589-7422A47A8E4A}"/>
+      <thm15:themeFamily xmlns:thm15="http://schemas.microsoft.com/office/thememl/2012/main" xmlns="" name="Office Theme" id="{62F939B6-93AF-4DB8-9C6B-D6C7DFDC589F}" vid="{4A3C46E8-61CC-4603-A589-7422A47A8E4A}"/>
     </a:ext>
   </a:extLst>
 </a:theme>

--- a/doc/技术分享-SpringCloud-20190708.pptx
+++ b/doc/技术分享-SpringCloud-20190708.pptx
@@ -14,11 +14,11 @@
     <p:sldId id="259" r:id="rId5"/>
     <p:sldId id="260" r:id="rId6"/>
     <p:sldId id="261" r:id="rId7"/>
-    <p:sldId id="262" r:id="rId8"/>
-    <p:sldId id="263" r:id="rId9"/>
-    <p:sldId id="264" r:id="rId10"/>
-    <p:sldId id="265" r:id="rId11"/>
-    <p:sldId id="266" r:id="rId12"/>
+    <p:sldId id="290" r:id="rId8"/>
+    <p:sldId id="262" r:id="rId9"/>
+    <p:sldId id="263" r:id="rId10"/>
+    <p:sldId id="264" r:id="rId11"/>
+    <p:sldId id="265" r:id="rId12"/>
     <p:sldId id="267" r:id="rId13"/>
     <p:sldId id="268" r:id="rId14"/>
     <p:sldId id="269" r:id="rId15"/>
@@ -137,17 +137,29 @@
       </a:defRPr>
     </a:lvl9pPr>
   </p:defaultTextStyle>
+  <p:extLst>
+    <p:ext uri="{EFAFB233-063F-42B5-8137-9DF3F51BA10A}">
+      <p15:sldGuideLst xmlns:p15="http://schemas.microsoft.com/office/powerpoint/2012/main">
+        <p15:guide id="1" orient="horz" pos="2160">
+          <p15:clr>
+            <a:srgbClr val="A4A3A4"/>
+          </p15:clr>
+        </p15:guide>
+        <p15:guide id="2" pos="3840">
+          <p15:clr>
+            <a:srgbClr val="A4A3A4"/>
+          </p15:clr>
+        </p15:guide>
+      </p15:sldGuideLst>
+    </p:ext>
+  </p:extLst>
 </p:presentation>
 </file>
 
 <file path=ppt/commentAuthors.xml><?xml version="1.0" encoding="utf-8"?>
 <p:cmAuthorLst xmlns:a="http://schemas.openxmlformats.org/drawingml/2006/main" xmlns:r="http://schemas.openxmlformats.org/officeDocument/2006/relationships" xmlns:p="http://schemas.openxmlformats.org/presentationml/2006/main">
   <p:cmAuthor id="1" name="Microsoft Office 用户" initials="Office" lastIdx="1" clrIdx="0">
-    <p:extLst>
-      <p:ext uri="{19B8F6BF-5375-455C-9EA6-DF929625EA0E}">
-        <p15:presenceInfo xmlns:p15="http://schemas.microsoft.com/office/powerpoint/2012/main" xmlns="" userId="" providerId=""/>
-      </p:ext>
-    </p:extLst>
+    <p:extLst/>
   </p:cmAuthor>
 </p:cmAuthorLst>
 </file>
@@ -159,7 +171,7 @@
     <p:text/>
     <p:extLst>
       <p:ext uri="{C676402C-5697-4E1C-873F-D02D1690AC5C}">
-        <p15:threadingInfo xmlns:p15="http://schemas.microsoft.com/office/powerpoint/2012/main" xmlns="" timeZoneBias="-480"/>
+        <p15:threadingInfo xmlns:p15="http://schemas.microsoft.com/office/powerpoint/2012/main" timeZoneBias="-480"/>
       </p:ext>
     </p:extLst>
   </p:cm>
@@ -249,7 +261,7 @@
             <a:fld id="{0CFD174F-304D-224F-BC03-F8462C1EB24A}" type="datetimeFigureOut">
               <a:rPr kumimoji="1" lang="zh-CN" altLang="en-US" smtClean="0"/>
               <a:pPr/>
-              <a:t>2019/7/9</a:t>
+              <a:t>2019/7/10</a:t>
             </a:fld>
             <a:endParaRPr kumimoji="1" lang="zh-CN" altLang="en-US"/>
           </a:p>
@@ -418,7 +430,7 @@
     </p:spTree>
     <p:extLst>
       <p:ext uri="{BB962C8B-B14F-4D97-AF65-F5344CB8AC3E}">
-        <p14:creationId xmlns:p14="http://schemas.microsoft.com/office/powerpoint/2010/main" xmlns="" val="1854558251"/>
+        <p14:creationId xmlns:p14="http://schemas.microsoft.com/office/powerpoint/2010/main" val="1854558251"/>
       </p:ext>
     </p:extLst>
   </p:cSld>
@@ -593,7 +605,7 @@
     </p:spTree>
     <p:extLst>
       <p:ext uri="{BB962C8B-B14F-4D97-AF65-F5344CB8AC3E}">
-        <p14:creationId xmlns:p14="http://schemas.microsoft.com/office/powerpoint/2010/main" xmlns="" val="1608264057"/>
+        <p14:creationId xmlns:p14="http://schemas.microsoft.com/office/powerpoint/2010/main" val="1608264057"/>
       </p:ext>
     </p:extLst>
   </p:cSld>
@@ -669,7 +681,7 @@
             <a:fld id="{D3861FD3-F402-479D-A4E9-CA90073B5C97}" type="slidenum">
               <a:rPr lang="zh-CN" altLang="en-US" smtClean="0"/>
               <a:pPr/>
-              <a:t>10</a:t>
+              <a:t>11</a:t>
             </a:fld>
             <a:endParaRPr lang="zh-CN" altLang="en-US"/>
           </a:p>
@@ -678,7 +690,7 @@
     </p:spTree>
     <p:extLst>
       <p:ext uri="{BB962C8B-B14F-4D97-AF65-F5344CB8AC3E}">
-        <p14:creationId xmlns:p14="http://schemas.microsoft.com/office/powerpoint/2010/main" xmlns="" val="1470575390"/>
+        <p14:creationId xmlns:p14="http://schemas.microsoft.com/office/powerpoint/2010/main" val="1470575390"/>
       </p:ext>
     </p:extLst>
   </p:cSld>
@@ -732,6 +744,54 @@
           <a:bodyPr/>
           <a:lstStyle/>
           <a:p>
+            <a:r>
+              <a:rPr lang="en-US" altLang="zh-CN" dirty="0" smtClean="0"/>
+              <a:t>Eureka</a:t>
+            </a:r>
+            <a:r>
+              <a:rPr lang="zh-CN" altLang="en-US" dirty="0" smtClean="0"/>
+              <a:t>包含</a:t>
+            </a:r>
+            <a:r>
+              <a:rPr lang="en-US" altLang="zh-CN" dirty="0" smtClean="0"/>
+              <a:t>server</a:t>
+            </a:r>
+            <a:r>
+              <a:rPr lang="zh-CN" altLang="en-US" dirty="0" smtClean="0"/>
+              <a:t>端和</a:t>
+            </a:r>
+            <a:r>
+              <a:rPr lang="en-US" altLang="zh-CN" dirty="0" smtClean="0"/>
+              <a:t>client</a:t>
+            </a:r>
+            <a:r>
+              <a:rPr lang="zh-CN" altLang="en-US" dirty="0" smtClean="0"/>
+              <a:t>端。</a:t>
+            </a:r>
+            <a:r>
+              <a:rPr lang="en-US" altLang="zh-CN" dirty="0" smtClean="0"/>
+              <a:t>server</a:t>
+            </a:r>
+            <a:r>
+              <a:rPr lang="zh-CN" altLang="en-US" dirty="0" smtClean="0"/>
+              <a:t>端提供服务注册和发现，可以支持多实例实现高可用。</a:t>
+            </a:r>
+            <a:r>
+              <a:rPr lang="en-US" altLang="zh-CN" dirty="0" smtClean="0"/>
+              <a:t>client</a:t>
+            </a:r>
+            <a:r>
+              <a:rPr lang="zh-CN" altLang="en-US" dirty="0" smtClean="0"/>
+              <a:t>是实际的服务提供方，但是会被</a:t>
+            </a:r>
+            <a:r>
+              <a:rPr lang="en-US" altLang="zh-CN" dirty="0" smtClean="0"/>
+              <a:t>server</a:t>
+            </a:r>
+            <a:r>
+              <a:rPr lang="zh-CN" altLang="en-US" dirty="0" smtClean="0"/>
+              <a:t>透明，暴露给调用方的只有一个服务名</a:t>
+            </a:r>
             <a:endParaRPr lang="zh-CN" altLang="en-US" dirty="0"/>
           </a:p>
         </p:txBody>
@@ -754,7 +814,7 @@
             <a:fld id="{D3861FD3-F402-479D-A4E9-CA90073B5C97}" type="slidenum">
               <a:rPr lang="zh-CN" altLang="en-US" smtClean="0"/>
               <a:pPr/>
-              <a:t>11</a:t>
+              <a:t>12</a:t>
             </a:fld>
             <a:endParaRPr lang="zh-CN" altLang="en-US"/>
           </a:p>
@@ -763,7 +823,7 @@
     </p:spTree>
     <p:extLst>
       <p:ext uri="{BB962C8B-B14F-4D97-AF65-F5344CB8AC3E}">
-        <p14:creationId xmlns:p14="http://schemas.microsoft.com/office/powerpoint/2010/main" xmlns="" val="211256712"/>
+        <p14:creationId xmlns:p14="http://schemas.microsoft.com/office/powerpoint/2010/main" val="1346210008"/>
       </p:ext>
     </p:extLst>
   </p:cSld>
@@ -817,6 +877,10 @@
           <a:bodyPr/>
           <a:lstStyle/>
           <a:p>
+            <a:r>
+              <a:rPr lang="zh-CN" altLang="en-US" dirty="0" smtClean="0"/>
+              <a:t>至此服务注册完成</a:t>
+            </a:r>
             <a:endParaRPr lang="zh-CN" altLang="en-US" dirty="0"/>
           </a:p>
         </p:txBody>
@@ -839,7 +903,7 @@
             <a:fld id="{D3861FD3-F402-479D-A4E9-CA90073B5C97}" type="slidenum">
               <a:rPr lang="zh-CN" altLang="en-US" smtClean="0"/>
               <a:pPr/>
-              <a:t>12</a:t>
+              <a:t>13</a:t>
             </a:fld>
             <a:endParaRPr lang="zh-CN" altLang="en-US"/>
           </a:p>
@@ -848,7 +912,7 @@
     </p:spTree>
     <p:extLst>
       <p:ext uri="{BB962C8B-B14F-4D97-AF65-F5344CB8AC3E}">
-        <p14:creationId xmlns:p14="http://schemas.microsoft.com/office/powerpoint/2010/main" xmlns="" val="1346210008"/>
+        <p14:creationId xmlns:p14="http://schemas.microsoft.com/office/powerpoint/2010/main" val="1779220550"/>
       </p:ext>
     </p:extLst>
   </p:cSld>
@@ -924,7 +988,7 @@
             <a:fld id="{D3861FD3-F402-479D-A4E9-CA90073B5C97}" type="slidenum">
               <a:rPr lang="zh-CN" altLang="en-US" smtClean="0"/>
               <a:pPr/>
-              <a:t>13</a:t>
+              <a:t>14</a:t>
             </a:fld>
             <a:endParaRPr lang="zh-CN" altLang="en-US"/>
           </a:p>
@@ -933,7 +997,7 @@
     </p:spTree>
     <p:extLst>
       <p:ext uri="{BB962C8B-B14F-4D97-AF65-F5344CB8AC3E}">
-        <p14:creationId xmlns:p14="http://schemas.microsoft.com/office/powerpoint/2010/main" xmlns="" val="1779220550"/>
+        <p14:creationId xmlns:p14="http://schemas.microsoft.com/office/powerpoint/2010/main" val="1644688405"/>
       </p:ext>
     </p:extLst>
   </p:cSld>
@@ -1009,7 +1073,7 @@
             <a:fld id="{D3861FD3-F402-479D-A4E9-CA90073B5C97}" type="slidenum">
               <a:rPr lang="zh-CN" altLang="en-US" smtClean="0"/>
               <a:pPr/>
-              <a:t>14</a:t>
+              <a:t>15</a:t>
             </a:fld>
             <a:endParaRPr lang="zh-CN" altLang="en-US"/>
           </a:p>
@@ -1018,7 +1082,7 @@
     </p:spTree>
     <p:extLst>
       <p:ext uri="{BB962C8B-B14F-4D97-AF65-F5344CB8AC3E}">
-        <p14:creationId xmlns:p14="http://schemas.microsoft.com/office/powerpoint/2010/main" xmlns="" val="1644688405"/>
+        <p14:creationId xmlns:p14="http://schemas.microsoft.com/office/powerpoint/2010/main" val="2101123767"/>
       </p:ext>
     </p:extLst>
   </p:cSld>
@@ -1094,7 +1158,7 @@
             <a:fld id="{D3861FD3-F402-479D-A4E9-CA90073B5C97}" type="slidenum">
               <a:rPr lang="zh-CN" altLang="en-US" smtClean="0"/>
               <a:pPr/>
-              <a:t>15</a:t>
+              <a:t>16</a:t>
             </a:fld>
             <a:endParaRPr lang="zh-CN" altLang="en-US"/>
           </a:p>
@@ -1103,7 +1167,7 @@
     </p:spTree>
     <p:extLst>
       <p:ext uri="{BB962C8B-B14F-4D97-AF65-F5344CB8AC3E}">
-        <p14:creationId xmlns:p14="http://schemas.microsoft.com/office/powerpoint/2010/main" xmlns="" val="2101123767"/>
+        <p14:creationId xmlns:p14="http://schemas.microsoft.com/office/powerpoint/2010/main" val="1989036699"/>
       </p:ext>
     </p:extLst>
   </p:cSld>
@@ -1179,7 +1243,7 @@
             <a:fld id="{D3861FD3-F402-479D-A4E9-CA90073B5C97}" type="slidenum">
               <a:rPr lang="zh-CN" altLang="en-US" smtClean="0"/>
               <a:pPr/>
-              <a:t>16</a:t>
+              <a:t>17</a:t>
             </a:fld>
             <a:endParaRPr lang="zh-CN" altLang="en-US"/>
           </a:p>
@@ -1188,7 +1252,7 @@
     </p:spTree>
     <p:extLst>
       <p:ext uri="{BB962C8B-B14F-4D97-AF65-F5344CB8AC3E}">
-        <p14:creationId xmlns:p14="http://schemas.microsoft.com/office/powerpoint/2010/main" xmlns="" val="1989036699"/>
+        <p14:creationId xmlns:p14="http://schemas.microsoft.com/office/powerpoint/2010/main" val="1980075962"/>
       </p:ext>
     </p:extLst>
   </p:cSld>
@@ -1264,7 +1328,7 @@
             <a:fld id="{D3861FD3-F402-479D-A4E9-CA90073B5C97}" type="slidenum">
               <a:rPr lang="zh-CN" altLang="en-US" smtClean="0"/>
               <a:pPr/>
-              <a:t>17</a:t>
+              <a:t>18</a:t>
             </a:fld>
             <a:endParaRPr lang="zh-CN" altLang="en-US"/>
           </a:p>
@@ -1273,7 +1337,7 @@
     </p:spTree>
     <p:extLst>
       <p:ext uri="{BB962C8B-B14F-4D97-AF65-F5344CB8AC3E}">
-        <p14:creationId xmlns:p14="http://schemas.microsoft.com/office/powerpoint/2010/main" xmlns="" val="1980075962"/>
+        <p14:creationId xmlns:p14="http://schemas.microsoft.com/office/powerpoint/2010/main" val="852405174"/>
       </p:ext>
     </p:extLst>
   </p:cSld>
@@ -1349,7 +1413,7 @@
             <a:fld id="{D3861FD3-F402-479D-A4E9-CA90073B5C97}" type="slidenum">
               <a:rPr lang="zh-CN" altLang="en-US" smtClean="0"/>
               <a:pPr/>
-              <a:t>18</a:t>
+              <a:t>19</a:t>
             </a:fld>
             <a:endParaRPr lang="zh-CN" altLang="en-US"/>
           </a:p>
@@ -1358,7 +1422,7 @@
     </p:spTree>
     <p:extLst>
       <p:ext uri="{BB962C8B-B14F-4D97-AF65-F5344CB8AC3E}">
-        <p14:creationId xmlns:p14="http://schemas.microsoft.com/office/powerpoint/2010/main" xmlns="" val="852405174"/>
+        <p14:creationId xmlns:p14="http://schemas.microsoft.com/office/powerpoint/2010/main" val="407486649"/>
       </p:ext>
     </p:extLst>
   </p:cSld>
@@ -1434,7 +1498,7 @@
             <a:fld id="{D3861FD3-F402-479D-A4E9-CA90073B5C97}" type="slidenum">
               <a:rPr lang="zh-CN" altLang="en-US" smtClean="0"/>
               <a:pPr/>
-              <a:t>19</a:t>
+              <a:t>20</a:t>
             </a:fld>
             <a:endParaRPr lang="zh-CN" altLang="en-US"/>
           </a:p>
@@ -1443,7 +1507,7 @@
     </p:spTree>
     <p:extLst>
       <p:ext uri="{BB962C8B-B14F-4D97-AF65-F5344CB8AC3E}">
-        <p14:creationId xmlns:p14="http://schemas.microsoft.com/office/powerpoint/2010/main" xmlns="" val="407486649"/>
+        <p14:creationId xmlns:p14="http://schemas.microsoft.com/office/powerpoint/2010/main" val="1089484477"/>
       </p:ext>
     </p:extLst>
   </p:cSld>
@@ -1528,7 +1592,7 @@
     </p:spTree>
     <p:extLst>
       <p:ext uri="{BB962C8B-B14F-4D97-AF65-F5344CB8AC3E}">
-        <p14:creationId xmlns:p14="http://schemas.microsoft.com/office/powerpoint/2010/main" xmlns="" val="810347026"/>
+        <p14:creationId xmlns:p14="http://schemas.microsoft.com/office/powerpoint/2010/main" val="810347026"/>
       </p:ext>
     </p:extLst>
   </p:cSld>
@@ -1604,7 +1668,7 @@
             <a:fld id="{D3861FD3-F402-479D-A4E9-CA90073B5C97}" type="slidenum">
               <a:rPr lang="zh-CN" altLang="en-US" smtClean="0"/>
               <a:pPr/>
-              <a:t>20</a:t>
+              <a:t>21</a:t>
             </a:fld>
             <a:endParaRPr lang="zh-CN" altLang="en-US"/>
           </a:p>
@@ -1613,7 +1677,7 @@
     </p:spTree>
     <p:extLst>
       <p:ext uri="{BB962C8B-B14F-4D97-AF65-F5344CB8AC3E}">
-        <p14:creationId xmlns:p14="http://schemas.microsoft.com/office/powerpoint/2010/main" xmlns="" val="1089484477"/>
+        <p14:creationId xmlns:p14="http://schemas.microsoft.com/office/powerpoint/2010/main" val="689115207"/>
       </p:ext>
     </p:extLst>
   </p:cSld>
@@ -1689,7 +1753,7 @@
             <a:fld id="{D3861FD3-F402-479D-A4E9-CA90073B5C97}" type="slidenum">
               <a:rPr lang="zh-CN" altLang="en-US" smtClean="0"/>
               <a:pPr/>
-              <a:t>21</a:t>
+              <a:t>22</a:t>
             </a:fld>
             <a:endParaRPr lang="zh-CN" altLang="en-US"/>
           </a:p>
@@ -1698,7 +1762,7 @@
     </p:spTree>
     <p:extLst>
       <p:ext uri="{BB962C8B-B14F-4D97-AF65-F5344CB8AC3E}">
-        <p14:creationId xmlns:p14="http://schemas.microsoft.com/office/powerpoint/2010/main" xmlns="" val="689115207"/>
+        <p14:creationId xmlns:p14="http://schemas.microsoft.com/office/powerpoint/2010/main" val="224627113"/>
       </p:ext>
     </p:extLst>
   </p:cSld>
@@ -1774,7 +1838,7 @@
             <a:fld id="{D3861FD3-F402-479D-A4E9-CA90073B5C97}" type="slidenum">
               <a:rPr lang="zh-CN" altLang="en-US" smtClean="0"/>
               <a:pPr/>
-              <a:t>22</a:t>
+              <a:t>23</a:t>
             </a:fld>
             <a:endParaRPr lang="zh-CN" altLang="en-US"/>
           </a:p>
@@ -1783,7 +1847,7 @@
     </p:spTree>
     <p:extLst>
       <p:ext uri="{BB962C8B-B14F-4D97-AF65-F5344CB8AC3E}">
-        <p14:creationId xmlns:p14="http://schemas.microsoft.com/office/powerpoint/2010/main" xmlns="" val="224627113"/>
+        <p14:creationId xmlns:p14="http://schemas.microsoft.com/office/powerpoint/2010/main" val="1290648546"/>
       </p:ext>
     </p:extLst>
   </p:cSld>
@@ -1859,7 +1923,7 @@
             <a:fld id="{D3861FD3-F402-479D-A4E9-CA90073B5C97}" type="slidenum">
               <a:rPr lang="zh-CN" altLang="en-US" smtClean="0"/>
               <a:pPr/>
-              <a:t>23</a:t>
+              <a:t>24</a:t>
             </a:fld>
             <a:endParaRPr lang="zh-CN" altLang="en-US"/>
           </a:p>
@@ -1868,7 +1932,7 @@
     </p:spTree>
     <p:extLst>
       <p:ext uri="{BB962C8B-B14F-4D97-AF65-F5344CB8AC3E}">
-        <p14:creationId xmlns:p14="http://schemas.microsoft.com/office/powerpoint/2010/main" xmlns="" val="1290648546"/>
+        <p14:creationId xmlns:p14="http://schemas.microsoft.com/office/powerpoint/2010/main" val="23694369"/>
       </p:ext>
     </p:extLst>
   </p:cSld>
@@ -1944,7 +2008,7 @@
             <a:fld id="{D3861FD3-F402-479D-A4E9-CA90073B5C97}" type="slidenum">
               <a:rPr lang="zh-CN" altLang="en-US" smtClean="0"/>
               <a:pPr/>
-              <a:t>24</a:t>
+              <a:t>25</a:t>
             </a:fld>
             <a:endParaRPr lang="zh-CN" altLang="en-US"/>
           </a:p>
@@ -1953,7 +2017,7 @@
     </p:spTree>
     <p:extLst>
       <p:ext uri="{BB962C8B-B14F-4D97-AF65-F5344CB8AC3E}">
-        <p14:creationId xmlns:p14="http://schemas.microsoft.com/office/powerpoint/2010/main" xmlns="" val="23694369"/>
+        <p14:creationId xmlns:p14="http://schemas.microsoft.com/office/powerpoint/2010/main" val="1910633393"/>
       </p:ext>
     </p:extLst>
   </p:cSld>
@@ -2029,7 +2093,7 @@
             <a:fld id="{D3861FD3-F402-479D-A4E9-CA90073B5C97}" type="slidenum">
               <a:rPr lang="zh-CN" altLang="en-US" smtClean="0"/>
               <a:pPr/>
-              <a:t>25</a:t>
+              <a:t>26</a:t>
             </a:fld>
             <a:endParaRPr lang="zh-CN" altLang="en-US"/>
           </a:p>
@@ -2038,7 +2102,7 @@
     </p:spTree>
     <p:extLst>
       <p:ext uri="{BB962C8B-B14F-4D97-AF65-F5344CB8AC3E}">
-        <p14:creationId xmlns:p14="http://schemas.microsoft.com/office/powerpoint/2010/main" xmlns="" val="1910633393"/>
+        <p14:creationId xmlns:p14="http://schemas.microsoft.com/office/powerpoint/2010/main" val="1004362827"/>
       </p:ext>
     </p:extLst>
   </p:cSld>
@@ -2114,7 +2178,7 @@
             <a:fld id="{D3861FD3-F402-479D-A4E9-CA90073B5C97}" type="slidenum">
               <a:rPr lang="zh-CN" altLang="en-US" smtClean="0"/>
               <a:pPr/>
-              <a:t>26</a:t>
+              <a:t>27</a:t>
             </a:fld>
             <a:endParaRPr lang="zh-CN" altLang="en-US"/>
           </a:p>
@@ -2123,7 +2187,7 @@
     </p:spTree>
     <p:extLst>
       <p:ext uri="{BB962C8B-B14F-4D97-AF65-F5344CB8AC3E}">
-        <p14:creationId xmlns:p14="http://schemas.microsoft.com/office/powerpoint/2010/main" xmlns="" val="1004362827"/>
+        <p14:creationId xmlns:p14="http://schemas.microsoft.com/office/powerpoint/2010/main" val="1625210315"/>
       </p:ext>
     </p:extLst>
   </p:cSld>
@@ -2199,7 +2263,7 @@
             <a:fld id="{D3861FD3-F402-479D-A4E9-CA90073B5C97}" type="slidenum">
               <a:rPr lang="zh-CN" altLang="en-US" smtClean="0"/>
               <a:pPr/>
-              <a:t>27</a:t>
+              <a:t>28</a:t>
             </a:fld>
             <a:endParaRPr lang="zh-CN" altLang="en-US"/>
           </a:p>
@@ -2208,7 +2272,7 @@
     </p:spTree>
     <p:extLst>
       <p:ext uri="{BB962C8B-B14F-4D97-AF65-F5344CB8AC3E}">
-        <p14:creationId xmlns:p14="http://schemas.microsoft.com/office/powerpoint/2010/main" xmlns="" val="1625210315"/>
+        <p14:creationId xmlns:p14="http://schemas.microsoft.com/office/powerpoint/2010/main" val="220242645"/>
       </p:ext>
     </p:extLst>
   </p:cSld>
@@ -2284,7 +2348,7 @@
             <a:fld id="{D3861FD3-F402-479D-A4E9-CA90073B5C97}" type="slidenum">
               <a:rPr lang="zh-CN" altLang="en-US" smtClean="0"/>
               <a:pPr/>
-              <a:t>28</a:t>
+              <a:t>29</a:t>
             </a:fld>
             <a:endParaRPr lang="zh-CN" altLang="en-US"/>
           </a:p>
@@ -2293,7 +2357,7 @@
     </p:spTree>
     <p:extLst>
       <p:ext uri="{BB962C8B-B14F-4D97-AF65-F5344CB8AC3E}">
-        <p14:creationId xmlns:p14="http://schemas.microsoft.com/office/powerpoint/2010/main" xmlns="" val="220242645"/>
+        <p14:creationId xmlns:p14="http://schemas.microsoft.com/office/powerpoint/2010/main" val="811964795"/>
       </p:ext>
     </p:extLst>
   </p:cSld>
@@ -2369,7 +2433,7 @@
             <a:fld id="{D3861FD3-F402-479D-A4E9-CA90073B5C97}" type="slidenum">
               <a:rPr lang="zh-CN" altLang="en-US" smtClean="0"/>
               <a:pPr/>
-              <a:t>29</a:t>
+              <a:t>30</a:t>
             </a:fld>
             <a:endParaRPr lang="zh-CN" altLang="en-US"/>
           </a:p>
@@ -2378,7 +2442,7 @@
     </p:spTree>
     <p:extLst>
       <p:ext uri="{BB962C8B-B14F-4D97-AF65-F5344CB8AC3E}">
-        <p14:creationId xmlns:p14="http://schemas.microsoft.com/office/powerpoint/2010/main" xmlns="" val="811964795"/>
+        <p14:creationId xmlns:p14="http://schemas.microsoft.com/office/powerpoint/2010/main" val="396037664"/>
       </p:ext>
     </p:extLst>
   </p:cSld>
@@ -2463,7 +2527,7 @@
     </p:spTree>
     <p:extLst>
       <p:ext uri="{BB962C8B-B14F-4D97-AF65-F5344CB8AC3E}">
-        <p14:creationId xmlns:p14="http://schemas.microsoft.com/office/powerpoint/2010/main" xmlns="" val="982871999"/>
+        <p14:creationId xmlns:p14="http://schemas.microsoft.com/office/powerpoint/2010/main" val="982871999"/>
       </p:ext>
     </p:extLst>
   </p:cSld>
@@ -2539,7 +2603,7 @@
             <a:fld id="{D3861FD3-F402-479D-A4E9-CA90073B5C97}" type="slidenum">
               <a:rPr lang="zh-CN" altLang="en-US" smtClean="0"/>
               <a:pPr/>
-              <a:t>30</a:t>
+              <a:t>31</a:t>
             </a:fld>
             <a:endParaRPr lang="zh-CN" altLang="en-US"/>
           </a:p>
@@ -2548,92 +2612,7 @@
     </p:spTree>
     <p:extLst>
       <p:ext uri="{BB962C8B-B14F-4D97-AF65-F5344CB8AC3E}">
-        <p14:creationId xmlns:p14="http://schemas.microsoft.com/office/powerpoint/2010/main" xmlns="" val="396037664"/>
-      </p:ext>
-    </p:extLst>
-  </p:cSld>
-  <p:clrMapOvr>
-    <a:masterClrMapping/>
-  </p:clrMapOvr>
-</p:notes>
-</file>
-
-<file path=ppt/notesSlides/notesSlide31.xml><?xml version="1.0" encoding="utf-8"?>
-<p:notes xmlns:a="http://schemas.openxmlformats.org/drawingml/2006/main" xmlns:r="http://schemas.openxmlformats.org/officeDocument/2006/relationships" xmlns:p="http://schemas.openxmlformats.org/presentationml/2006/main">
-  <p:cSld>
-    <p:spTree>
-      <p:nvGrpSpPr>
-        <p:cNvPr id="1" name=""/>
-        <p:cNvGrpSpPr/>
-        <p:nvPr/>
-      </p:nvGrpSpPr>
-      <p:grpSpPr>
-        <a:xfrm>
-          <a:off x="0" y="0"/>
-          <a:ext cx="0" cy="0"/>
-          <a:chOff x="0" y="0"/>
-          <a:chExt cx="0" cy="0"/>
-        </a:xfrm>
-      </p:grpSpPr>
-      <p:sp>
-        <p:nvSpPr>
-          <p:cNvPr id="2" name="幻灯片图像占位符 1"/>
-          <p:cNvSpPr>
-            <a:spLocks noGrp="1" noRot="1" noChangeAspect="1"/>
-          </p:cNvSpPr>
-          <p:nvPr>
-            <p:ph type="sldImg"/>
-          </p:nvPr>
-        </p:nvSpPr>
-        <p:spPr/>
-      </p:sp>
-      <p:sp>
-        <p:nvSpPr>
-          <p:cNvPr id="3" name="备注占位符 2"/>
-          <p:cNvSpPr>
-            <a:spLocks noGrp="1"/>
-          </p:cNvSpPr>
-          <p:nvPr>
-            <p:ph type="body" idx="1"/>
-          </p:nvPr>
-        </p:nvSpPr>
-        <p:spPr/>
-        <p:txBody>
-          <a:bodyPr/>
-          <a:lstStyle/>
-          <a:p>
-            <a:endParaRPr lang="zh-CN" altLang="en-US" dirty="0"/>
-          </a:p>
-        </p:txBody>
-      </p:sp>
-      <p:sp>
-        <p:nvSpPr>
-          <p:cNvPr id="4" name="灯片编号占位符 3"/>
-          <p:cNvSpPr>
-            <a:spLocks noGrp="1"/>
-          </p:cNvSpPr>
-          <p:nvPr>
-            <p:ph type="sldNum" sz="quarter" idx="10"/>
-          </p:nvPr>
-        </p:nvSpPr>
-        <p:spPr/>
-        <p:txBody>
-          <a:bodyPr/>
-          <a:lstStyle/>
-          <a:p>
-            <a:fld id="{D3861FD3-F402-479D-A4E9-CA90073B5C97}" type="slidenum">
-              <a:rPr lang="zh-CN" altLang="en-US" smtClean="0"/>
-              <a:pPr/>
-              <a:t>31</a:t>
-            </a:fld>
-            <a:endParaRPr lang="zh-CN" altLang="en-US"/>
-          </a:p>
-        </p:txBody>
-      </p:sp>
-    </p:spTree>
-    <p:extLst>
-      <p:ext uri="{BB962C8B-B14F-4D97-AF65-F5344CB8AC3E}">
-        <p14:creationId xmlns:p14="http://schemas.microsoft.com/office/powerpoint/2010/main" xmlns="" val="738619390"/>
+        <p14:creationId xmlns:p14="http://schemas.microsoft.com/office/powerpoint/2010/main" val="738619390"/>
       </p:ext>
     </p:extLst>
   </p:cSld>
@@ -2782,7 +2761,7 @@
     </p:spTree>
     <p:extLst>
       <p:ext uri="{BB962C8B-B14F-4D97-AF65-F5344CB8AC3E}">
-        <p14:creationId xmlns:p14="http://schemas.microsoft.com/office/powerpoint/2010/main" xmlns="" val="2131279548"/>
+        <p14:creationId xmlns:p14="http://schemas.microsoft.com/office/powerpoint/2010/main" val="2131279548"/>
       </p:ext>
     </p:extLst>
   </p:cSld>
@@ -2887,7 +2866,7 @@
     </p:spTree>
     <p:extLst>
       <p:ext uri="{BB962C8B-B14F-4D97-AF65-F5344CB8AC3E}">
-        <p14:creationId xmlns:p14="http://schemas.microsoft.com/office/powerpoint/2010/main" xmlns="" val="1414519793"/>
+        <p14:creationId xmlns:p14="http://schemas.microsoft.com/office/powerpoint/2010/main" val="1414519793"/>
       </p:ext>
     </p:extLst>
   </p:cSld>
@@ -2941,18 +2920,6 @@
           <a:bodyPr/>
           <a:lstStyle/>
           <a:p>
-            <a:r>
-              <a:rPr lang="zh-CN" altLang="en-US" dirty="0" smtClean="0"/>
-              <a:t>演示简单的例子，然后分析</a:t>
-            </a:r>
-            <a:r>
-              <a:rPr lang="en-US" altLang="zh-CN" dirty="0" smtClean="0"/>
-              <a:t>bean</a:t>
-            </a:r>
-            <a:r>
-              <a:rPr lang="zh-CN" altLang="en-US" dirty="0" smtClean="0"/>
-              <a:t>工厂源码</a:t>
-            </a:r>
             <a:endParaRPr lang="zh-CN" altLang="en-US" dirty="0"/>
           </a:p>
         </p:txBody>
@@ -2984,7 +2951,7 @@
     </p:spTree>
     <p:extLst>
       <p:ext uri="{BB962C8B-B14F-4D97-AF65-F5344CB8AC3E}">
-        <p14:creationId xmlns:p14="http://schemas.microsoft.com/office/powerpoint/2010/main" xmlns="" val="1838137269"/>
+        <p14:creationId xmlns:p14="http://schemas.microsoft.com/office/powerpoint/2010/main" val="1838137269"/>
       </p:ext>
     </p:extLst>
   </p:cSld>
@@ -3038,6 +3005,34 @@
           <a:bodyPr/>
           <a:lstStyle/>
           <a:p>
+            <a:r>
+              <a:rPr lang="zh-CN" altLang="en-US" dirty="0" smtClean="0"/>
+              <a:t>简要看一下</a:t>
+            </a:r>
+            <a:r>
+              <a:rPr lang="en-US" altLang="zh-CN" dirty="0" smtClean="0"/>
+              <a:t>Spring</a:t>
+            </a:r>
+            <a:r>
+              <a:rPr lang="zh-CN" altLang="en-US" dirty="0" smtClean="0"/>
+              <a:t> </a:t>
+            </a:r>
+            <a:r>
+              <a:rPr lang="en-US" altLang="zh-CN" dirty="0" smtClean="0"/>
+              <a:t>Boot</a:t>
+            </a:r>
+            <a:r>
+              <a:rPr lang="zh-CN" altLang="en-US" dirty="0" smtClean="0"/>
+              <a:t>加载</a:t>
+            </a:r>
+            <a:r>
+              <a:rPr lang="en-US" altLang="zh-CN" dirty="0" smtClean="0"/>
+              <a:t>bean</a:t>
+            </a:r>
+            <a:r>
+              <a:rPr lang="zh-CN" altLang="en-US" dirty="0" smtClean="0"/>
+              <a:t>的过程，如何使用上述注解的</a:t>
+            </a:r>
             <a:endParaRPr lang="zh-CN" altLang="en-US" dirty="0"/>
           </a:p>
         </p:txBody>
@@ -3060,7 +3055,7 @@
             <a:fld id="{D3861FD3-F402-479D-A4E9-CA90073B5C97}" type="slidenum">
               <a:rPr lang="zh-CN" altLang="en-US" smtClean="0"/>
               <a:pPr/>
-              <a:t>7</a:t>
+              <a:t>8</a:t>
             </a:fld>
             <a:endParaRPr lang="zh-CN" altLang="en-US"/>
           </a:p>
@@ -3069,7 +3064,7 @@
     </p:spTree>
     <p:extLst>
       <p:ext uri="{BB962C8B-B14F-4D97-AF65-F5344CB8AC3E}">
-        <p14:creationId xmlns:p14="http://schemas.microsoft.com/office/powerpoint/2010/main" xmlns="" val="1434047011"/>
+        <p14:creationId xmlns:p14="http://schemas.microsoft.com/office/powerpoint/2010/main" val="1434047011"/>
       </p:ext>
     </p:extLst>
   </p:cSld>
@@ -3123,6 +3118,18 @@
           <a:bodyPr/>
           <a:lstStyle/>
           <a:p>
+            <a:r>
+              <a:rPr lang="zh-CN" altLang="en-US" dirty="0" smtClean="0"/>
+              <a:t>看一些代码，</a:t>
+            </a:r>
+            <a:r>
+              <a:rPr lang="en-US" altLang="zh-CN" dirty="0" smtClean="0"/>
+              <a:t>POM</a:t>
+            </a:r>
+            <a:r>
+              <a:rPr lang="zh-CN" altLang="en-US" dirty="0" smtClean="0"/>
+              <a:t>文件</a:t>
+            </a:r>
             <a:endParaRPr lang="zh-CN" altLang="en-US" dirty="0"/>
           </a:p>
         </p:txBody>
@@ -3145,7 +3152,7 @@
             <a:fld id="{D3861FD3-F402-479D-A4E9-CA90073B5C97}" type="slidenum">
               <a:rPr lang="zh-CN" altLang="en-US" smtClean="0"/>
               <a:pPr/>
-              <a:t>8</a:t>
+              <a:t>9</a:t>
             </a:fld>
             <a:endParaRPr lang="zh-CN" altLang="en-US"/>
           </a:p>
@@ -3154,7 +3161,7 @@
     </p:spTree>
     <p:extLst>
       <p:ext uri="{BB962C8B-B14F-4D97-AF65-F5344CB8AC3E}">
-        <p14:creationId xmlns:p14="http://schemas.microsoft.com/office/powerpoint/2010/main" xmlns="" val="1976240702"/>
+        <p14:creationId xmlns:p14="http://schemas.microsoft.com/office/powerpoint/2010/main" val="1976240702"/>
       </p:ext>
     </p:extLst>
   </p:cSld>
@@ -3208,6 +3215,22 @@
           <a:bodyPr/>
           <a:lstStyle/>
           <a:p>
+            <a:r>
+              <a:rPr lang="en-US" altLang="zh-CN" dirty="0" smtClean="0"/>
+              <a:t>Spring</a:t>
+            </a:r>
+            <a:r>
+              <a:rPr lang="zh-CN" altLang="en-US" dirty="0" smtClean="0"/>
+              <a:t> </a:t>
+            </a:r>
+            <a:r>
+              <a:rPr lang="en-US" altLang="zh-CN" dirty="0" smtClean="0"/>
+              <a:t>Cloud</a:t>
+            </a:r>
+            <a:r>
+              <a:rPr lang="zh-CN" altLang="en-US" dirty="0" smtClean="0"/>
+              <a:t>全家桶各组件结合图</a:t>
+            </a:r>
             <a:endParaRPr lang="zh-CN" altLang="en-US" dirty="0"/>
           </a:p>
         </p:txBody>
@@ -3230,7 +3253,7 @@
             <a:fld id="{D3861FD3-F402-479D-A4E9-CA90073B5C97}" type="slidenum">
               <a:rPr lang="zh-CN" altLang="en-US" smtClean="0"/>
               <a:pPr/>
-              <a:t>9</a:t>
+              <a:t>10</a:t>
             </a:fld>
             <a:endParaRPr lang="zh-CN" altLang="en-US"/>
           </a:p>
@@ -3239,7 +3262,7 @@
     </p:spTree>
     <p:extLst>
       <p:ext uri="{BB962C8B-B14F-4D97-AF65-F5344CB8AC3E}">
-        <p14:creationId xmlns:p14="http://schemas.microsoft.com/office/powerpoint/2010/main" xmlns="" val="1674131288"/>
+        <p14:creationId xmlns:p14="http://schemas.microsoft.com/office/powerpoint/2010/main" val="1674131288"/>
       </p:ext>
     </p:extLst>
   </p:cSld>
@@ -3381,7 +3404,7 @@
             <a:fld id="{887279C3-00D7-F745-B9D2-30B876F2505C}" type="datetimeFigureOut">
               <a:rPr kumimoji="1" lang="zh-CN" altLang="en-US" smtClean="0"/>
               <a:pPr/>
-              <a:t>2019/7/9</a:t>
+              <a:t>2019/7/10</a:t>
             </a:fld>
             <a:endParaRPr kumimoji="1" lang="zh-CN" altLang="en-US"/>
           </a:p>
@@ -3433,7 +3456,7 @@
     </p:spTree>
     <p:extLst>
       <p:ext uri="{BB962C8B-B14F-4D97-AF65-F5344CB8AC3E}">
-        <p14:creationId xmlns:p14="http://schemas.microsoft.com/office/powerpoint/2010/main" xmlns="" val="1478964914"/>
+        <p14:creationId xmlns:p14="http://schemas.microsoft.com/office/powerpoint/2010/main" val="1478964914"/>
       </p:ext>
     </p:extLst>
   </p:cSld>
@@ -3553,7 +3576,7 @@
             <a:fld id="{887279C3-00D7-F745-B9D2-30B876F2505C}" type="datetimeFigureOut">
               <a:rPr kumimoji="1" lang="zh-CN" altLang="en-US" smtClean="0"/>
               <a:pPr/>
-              <a:t>2019/7/9</a:t>
+              <a:t>2019/7/10</a:t>
             </a:fld>
             <a:endParaRPr kumimoji="1" lang="zh-CN" altLang="en-US"/>
           </a:p>
@@ -3605,7 +3628,7 @@
     </p:spTree>
     <p:extLst>
       <p:ext uri="{BB962C8B-B14F-4D97-AF65-F5344CB8AC3E}">
-        <p14:creationId xmlns:p14="http://schemas.microsoft.com/office/powerpoint/2010/main" xmlns="" val="942002772"/>
+        <p14:creationId xmlns:p14="http://schemas.microsoft.com/office/powerpoint/2010/main" val="942002772"/>
       </p:ext>
     </p:extLst>
   </p:cSld>
@@ -3735,7 +3758,7 @@
             <a:fld id="{887279C3-00D7-F745-B9D2-30B876F2505C}" type="datetimeFigureOut">
               <a:rPr kumimoji="1" lang="zh-CN" altLang="en-US" smtClean="0"/>
               <a:pPr/>
-              <a:t>2019/7/9</a:t>
+              <a:t>2019/7/10</a:t>
             </a:fld>
             <a:endParaRPr kumimoji="1" lang="zh-CN" altLang="en-US"/>
           </a:p>
@@ -3787,7 +3810,7 @@
     </p:spTree>
     <p:extLst>
       <p:ext uri="{BB962C8B-B14F-4D97-AF65-F5344CB8AC3E}">
-        <p14:creationId xmlns:p14="http://schemas.microsoft.com/office/powerpoint/2010/main" xmlns="" val="991143320"/>
+        <p14:creationId xmlns:p14="http://schemas.microsoft.com/office/powerpoint/2010/main" val="991143320"/>
       </p:ext>
     </p:extLst>
   </p:cSld>
@@ -3826,7 +3849,7 @@
           <a:blip r:embed="rId2">
             <a:extLst>
               <a:ext uri="{28A0092B-C50C-407E-A947-70E740481C1C}">
-                <a14:useLocalDpi xmlns:a14="http://schemas.microsoft.com/office/drawing/2010/main" xmlns="" val="0"/>
+                <a14:useLocalDpi xmlns:a14="http://schemas.microsoft.com/office/drawing/2010/main" val="0"/>
               </a:ext>
             </a:extLst>
           </a:blip>
@@ -3972,7 +3995,7 @@
     </p:spTree>
     <p:extLst>
       <p:ext uri="{BB962C8B-B14F-4D97-AF65-F5344CB8AC3E}">
-        <p14:creationId xmlns:p14="http://schemas.microsoft.com/office/powerpoint/2010/main" xmlns="" val="421841979"/>
+        <p14:creationId xmlns:p14="http://schemas.microsoft.com/office/powerpoint/2010/main" val="421841979"/>
       </p:ext>
     </p:extLst>
   </p:cSld>
@@ -4092,7 +4115,7 @@
             <a:fld id="{887279C3-00D7-F745-B9D2-30B876F2505C}" type="datetimeFigureOut">
               <a:rPr kumimoji="1" lang="zh-CN" altLang="en-US" smtClean="0"/>
               <a:pPr/>
-              <a:t>2019/7/9</a:t>
+              <a:t>2019/7/10</a:t>
             </a:fld>
             <a:endParaRPr kumimoji="1" lang="zh-CN" altLang="en-US"/>
           </a:p>
@@ -4144,7 +4167,7 @@
     </p:spTree>
     <p:extLst>
       <p:ext uri="{BB962C8B-B14F-4D97-AF65-F5344CB8AC3E}">
-        <p14:creationId xmlns:p14="http://schemas.microsoft.com/office/powerpoint/2010/main" xmlns="" val="1987579220"/>
+        <p14:creationId xmlns:p14="http://schemas.microsoft.com/office/powerpoint/2010/main" val="1987579220"/>
       </p:ext>
     </p:extLst>
   </p:cSld>
@@ -4340,7 +4363,7 @@
             <a:fld id="{887279C3-00D7-F745-B9D2-30B876F2505C}" type="datetimeFigureOut">
               <a:rPr kumimoji="1" lang="zh-CN" altLang="en-US" smtClean="0"/>
               <a:pPr/>
-              <a:t>2019/7/9</a:t>
+              <a:t>2019/7/10</a:t>
             </a:fld>
             <a:endParaRPr kumimoji="1" lang="zh-CN" altLang="en-US"/>
           </a:p>
@@ -4392,7 +4415,7 @@
     </p:spTree>
     <p:extLst>
       <p:ext uri="{BB962C8B-B14F-4D97-AF65-F5344CB8AC3E}">
-        <p14:creationId xmlns:p14="http://schemas.microsoft.com/office/powerpoint/2010/main" xmlns="" val="1135821455"/>
+        <p14:creationId xmlns:p14="http://schemas.microsoft.com/office/powerpoint/2010/main" val="1135821455"/>
       </p:ext>
     </p:extLst>
   </p:cSld>
@@ -4574,7 +4597,7 @@
             <a:fld id="{887279C3-00D7-F745-B9D2-30B876F2505C}" type="datetimeFigureOut">
               <a:rPr kumimoji="1" lang="zh-CN" altLang="en-US" smtClean="0"/>
               <a:pPr/>
-              <a:t>2019/7/9</a:t>
+              <a:t>2019/7/10</a:t>
             </a:fld>
             <a:endParaRPr kumimoji="1" lang="zh-CN" altLang="en-US"/>
           </a:p>
@@ -4626,7 +4649,7 @@
     </p:spTree>
     <p:extLst>
       <p:ext uri="{BB962C8B-B14F-4D97-AF65-F5344CB8AC3E}">
-        <p14:creationId xmlns:p14="http://schemas.microsoft.com/office/powerpoint/2010/main" xmlns="" val="769056002"/>
+        <p14:creationId xmlns:p14="http://schemas.microsoft.com/office/powerpoint/2010/main" val="769056002"/>
       </p:ext>
     </p:extLst>
   </p:cSld>
@@ -4943,7 +4966,7 @@
             <a:fld id="{887279C3-00D7-F745-B9D2-30B876F2505C}" type="datetimeFigureOut">
               <a:rPr kumimoji="1" lang="zh-CN" altLang="en-US" smtClean="0"/>
               <a:pPr/>
-              <a:t>2019/7/9</a:t>
+              <a:t>2019/7/10</a:t>
             </a:fld>
             <a:endParaRPr kumimoji="1" lang="zh-CN" altLang="en-US"/>
           </a:p>
@@ -4995,7 +5018,7 @@
     </p:spTree>
     <p:extLst>
       <p:ext uri="{BB962C8B-B14F-4D97-AF65-F5344CB8AC3E}">
-        <p14:creationId xmlns:p14="http://schemas.microsoft.com/office/powerpoint/2010/main" xmlns="" val="1967637968"/>
+        <p14:creationId xmlns:p14="http://schemas.microsoft.com/office/powerpoint/2010/main" val="1967637968"/>
       </p:ext>
     </p:extLst>
   </p:cSld>
@@ -5063,7 +5086,7 @@
             <a:fld id="{887279C3-00D7-F745-B9D2-30B876F2505C}" type="datetimeFigureOut">
               <a:rPr kumimoji="1" lang="zh-CN" altLang="en-US" smtClean="0"/>
               <a:pPr/>
-              <a:t>2019/7/9</a:t>
+              <a:t>2019/7/10</a:t>
             </a:fld>
             <a:endParaRPr kumimoji="1" lang="zh-CN" altLang="en-US"/>
           </a:p>
@@ -5115,7 +5138,7 @@
     </p:spTree>
     <p:extLst>
       <p:ext uri="{BB962C8B-B14F-4D97-AF65-F5344CB8AC3E}">
-        <p14:creationId xmlns:p14="http://schemas.microsoft.com/office/powerpoint/2010/main" xmlns="" val="990648023"/>
+        <p14:creationId xmlns:p14="http://schemas.microsoft.com/office/powerpoint/2010/main" val="990648023"/>
       </p:ext>
     </p:extLst>
   </p:cSld>
@@ -5160,7 +5183,7 @@
             <a:fld id="{887279C3-00D7-F745-B9D2-30B876F2505C}" type="datetimeFigureOut">
               <a:rPr kumimoji="1" lang="zh-CN" altLang="en-US" smtClean="0"/>
               <a:pPr/>
-              <a:t>2019/7/9</a:t>
+              <a:t>2019/7/10</a:t>
             </a:fld>
             <a:endParaRPr kumimoji="1" lang="zh-CN" altLang="en-US"/>
           </a:p>
@@ -5212,7 +5235,7 @@
     </p:spTree>
     <p:extLst>
       <p:ext uri="{BB962C8B-B14F-4D97-AF65-F5344CB8AC3E}">
-        <p14:creationId xmlns:p14="http://schemas.microsoft.com/office/powerpoint/2010/main" xmlns="" val="380607370"/>
+        <p14:creationId xmlns:p14="http://schemas.microsoft.com/office/powerpoint/2010/main" val="380607370"/>
       </p:ext>
     </p:extLst>
   </p:cSld>
@@ -5439,7 +5462,7 @@
             <a:fld id="{887279C3-00D7-F745-B9D2-30B876F2505C}" type="datetimeFigureOut">
               <a:rPr kumimoji="1" lang="zh-CN" altLang="en-US" smtClean="0"/>
               <a:pPr/>
-              <a:t>2019/7/9</a:t>
+              <a:t>2019/7/10</a:t>
             </a:fld>
             <a:endParaRPr kumimoji="1" lang="zh-CN" altLang="en-US"/>
           </a:p>
@@ -5491,7 +5514,7 @@
     </p:spTree>
     <p:extLst>
       <p:ext uri="{BB962C8B-B14F-4D97-AF65-F5344CB8AC3E}">
-        <p14:creationId xmlns:p14="http://schemas.microsoft.com/office/powerpoint/2010/main" xmlns="" val="1661766824"/>
+        <p14:creationId xmlns:p14="http://schemas.microsoft.com/office/powerpoint/2010/main" val="1661766824"/>
       </p:ext>
     </p:extLst>
   </p:cSld>
@@ -5694,7 +5717,7 @@
             <a:fld id="{887279C3-00D7-F745-B9D2-30B876F2505C}" type="datetimeFigureOut">
               <a:rPr kumimoji="1" lang="zh-CN" altLang="en-US" smtClean="0"/>
               <a:pPr/>
-              <a:t>2019/7/9</a:t>
+              <a:t>2019/7/10</a:t>
             </a:fld>
             <a:endParaRPr kumimoji="1" lang="zh-CN" altLang="en-US"/>
           </a:p>
@@ -5746,7 +5769,7 @@
     </p:spTree>
     <p:extLst>
       <p:ext uri="{BB962C8B-B14F-4D97-AF65-F5344CB8AC3E}">
-        <p14:creationId xmlns:p14="http://schemas.microsoft.com/office/powerpoint/2010/main" xmlns="" val="1290181733"/>
+        <p14:creationId xmlns:p14="http://schemas.microsoft.com/office/powerpoint/2010/main" val="1290181733"/>
       </p:ext>
     </p:extLst>
   </p:cSld>
@@ -5909,7 +5932,7 @@
             <a:fld id="{887279C3-00D7-F745-B9D2-30B876F2505C}" type="datetimeFigureOut">
               <a:rPr kumimoji="1" lang="zh-CN" altLang="en-US" smtClean="0"/>
               <a:pPr/>
-              <a:t>2019/7/9</a:t>
+              <a:t>2019/7/10</a:t>
             </a:fld>
             <a:endParaRPr kumimoji="1" lang="zh-CN" altLang="en-US"/>
           </a:p>
@@ -5997,7 +6020,7 @@
     </p:spTree>
     <p:extLst>
       <p:ext uri="{BB962C8B-B14F-4D97-AF65-F5344CB8AC3E}">
-        <p14:creationId xmlns:p14="http://schemas.microsoft.com/office/powerpoint/2010/main" xmlns="" val="197753089"/>
+        <p14:creationId xmlns:p14="http://schemas.microsoft.com/office/powerpoint/2010/main" val="197753089"/>
       </p:ext>
     </p:extLst>
   </p:cSld>
@@ -6328,7 +6351,7 @@
           <a:blip r:embed="rId3">
             <a:extLst>
               <a:ext uri="{28A0092B-C50C-407E-A947-70E740481C1C}">
-                <a14:useLocalDpi xmlns:a14="http://schemas.microsoft.com/office/drawing/2010/main" xmlns="" val="0"/>
+                <a14:useLocalDpi xmlns:a14="http://schemas.microsoft.com/office/drawing/2010/main" val="0"/>
               </a:ext>
             </a:extLst>
           </a:blip>
@@ -6418,7 +6441,7 @@
     </p:spTree>
     <p:extLst>
       <p:ext uri="{BB962C8B-B14F-4D97-AF65-F5344CB8AC3E}">
-        <p14:creationId xmlns:p14="http://schemas.microsoft.com/office/powerpoint/2010/main" xmlns="" val="98085080"/>
+        <p14:creationId xmlns:p14="http://schemas.microsoft.com/office/powerpoint/2010/main" val="98085080"/>
       </p:ext>
     </p:extLst>
   </p:cSld>
@@ -6454,38 +6477,149 @@
       </p:grpSpPr>
       <p:sp>
         <p:nvSpPr>
-          <p:cNvPr id="6" name="文本框 5"/>
-          <p:cNvSpPr txBox="1"/>
+          <p:cNvPr id="2" name="AutoShape 2" descr="https://spring.io/img/homepage/diagram-distributed-systems.svg"/>
+          <p:cNvSpPr>
+            <a:spLocks noChangeAspect="1" noChangeArrowheads="1"/>
+          </p:cNvSpPr>
           <p:nvPr/>
         </p:nvSpPr>
-        <p:spPr>
+        <p:spPr bwMode="auto">
           <a:xfrm>
-            <a:off x="609600" y="203201"/>
-            <a:ext cx="646331" cy="369332"/>
+            <a:off x="0" y="0"/>
+            <a:ext cx="304800" cy="304800"/>
           </a:xfrm>
           <a:prstGeom prst="rect">
             <a:avLst/>
           </a:prstGeom>
           <a:noFill/>
+          <a:extLst>
+            <a:ext uri="{909E8E84-426E-40DD-AFC4-6F175D3DCCD1}">
+              <a14:hiddenFill xmlns:a14="http://schemas.microsoft.com/office/drawing/2010/main">
+                <a:solidFill>
+                  <a:srgbClr val="FFFFFF"/>
+                </a:solidFill>
+              </a14:hiddenFill>
+            </a:ext>
+          </a:extLst>
         </p:spPr>
         <p:txBody>
-          <a:bodyPr wrap="none" rtlCol="0">
-            <a:spAutoFit/>
+          <a:bodyPr vert="horz" wrap="square" lIns="91440" tIns="45720" rIns="91440" bIns="45720" numCol="1" anchor="t" anchorCtr="0" compatLnSpc="1">
+            <a:prstTxWarp prst="textNoShape">
+              <a:avLst/>
+            </a:prstTxWarp>
           </a:bodyPr>
           <a:lstStyle/>
           <a:p>
-            <a:r>
-              <a:rPr kumimoji="1" lang="zh-CN" altLang="en-US" smtClean="0"/>
-              <a:t>标题</a:t>
-            </a:r>
-            <a:endParaRPr kumimoji="1" lang="zh-CN" altLang="en-US"/>
-          </a:p>
-        </p:txBody>
-      </p:sp>
+            <a:endParaRPr lang="zh-CN" altLang="en-US"/>
+          </a:p>
+        </p:txBody>
+      </p:sp>
+      <p:sp>
+        <p:nvSpPr>
+          <p:cNvPr id="3" name="AutoShape 4" descr="https://spring.io/img/homepage/diagram-distributed-systems.svg"/>
+          <p:cNvSpPr>
+            <a:spLocks noChangeAspect="1" noChangeArrowheads="1"/>
+          </p:cNvSpPr>
+          <p:nvPr/>
+        </p:nvSpPr>
+        <p:spPr bwMode="auto">
+          <a:xfrm>
+            <a:off x="152400" y="152400"/>
+            <a:ext cx="6662468" cy="6662468"/>
+          </a:xfrm>
+          <a:prstGeom prst="rect">
+            <a:avLst/>
+          </a:prstGeom>
+          <a:noFill/>
+          <a:extLst>
+            <a:ext uri="{909E8E84-426E-40DD-AFC4-6F175D3DCCD1}">
+              <a14:hiddenFill xmlns:a14="http://schemas.microsoft.com/office/drawing/2010/main">
+                <a:solidFill>
+                  <a:srgbClr val="FFFFFF"/>
+                </a:solidFill>
+              </a14:hiddenFill>
+            </a:ext>
+          </a:extLst>
+        </p:spPr>
+        <p:txBody>
+          <a:bodyPr vert="horz" wrap="square" lIns="91440" tIns="45720" rIns="91440" bIns="45720" numCol="1" anchor="t" anchorCtr="0" compatLnSpc="1">
+            <a:prstTxWarp prst="textNoShape">
+              <a:avLst/>
+            </a:prstTxWarp>
+          </a:bodyPr>
+          <a:lstStyle/>
+          <a:p>
+            <a:endParaRPr lang="zh-CN" altLang="en-US"/>
+          </a:p>
+        </p:txBody>
+      </p:sp>
+      <p:sp>
+        <p:nvSpPr>
+          <p:cNvPr id="4" name="AutoShape 6" descr="https://spring.io/img/homepage/diagram-distributed-systems.svg"/>
+          <p:cNvSpPr>
+            <a:spLocks noChangeAspect="1" noChangeArrowheads="1"/>
+          </p:cNvSpPr>
+          <p:nvPr/>
+        </p:nvSpPr>
+        <p:spPr bwMode="auto">
+          <a:xfrm>
+            <a:off x="152400" y="152400"/>
+            <a:ext cx="304800" cy="304800"/>
+          </a:xfrm>
+          <a:prstGeom prst="rect">
+            <a:avLst/>
+          </a:prstGeom>
+          <a:noFill/>
+          <a:extLst>
+            <a:ext uri="{909E8E84-426E-40DD-AFC4-6F175D3DCCD1}">
+              <a14:hiddenFill xmlns:a14="http://schemas.microsoft.com/office/drawing/2010/main">
+                <a:solidFill>
+                  <a:srgbClr val="FFFFFF"/>
+                </a:solidFill>
+              </a14:hiddenFill>
+            </a:ext>
+          </a:extLst>
+        </p:spPr>
+        <p:txBody>
+          <a:bodyPr vert="horz" wrap="square" lIns="91440" tIns="45720" rIns="91440" bIns="45720" numCol="1" anchor="t" anchorCtr="0" compatLnSpc="1">
+            <a:prstTxWarp prst="textNoShape">
+              <a:avLst/>
+            </a:prstTxWarp>
+          </a:bodyPr>
+          <a:lstStyle/>
+          <a:p>
+            <a:endParaRPr lang="zh-CN" altLang="en-US"/>
+          </a:p>
+        </p:txBody>
+      </p:sp>
+      <p:pic>
+        <p:nvPicPr>
+          <p:cNvPr id="5" name="图片 4"/>
+          <p:cNvPicPr>
+            <a:picLocks noChangeAspect="1"/>
+          </p:cNvPicPr>
+          <p:nvPr/>
+        </p:nvPicPr>
+        <p:blipFill>
+          <a:blip r:embed="rId3"/>
+          <a:stretch>
+            <a:fillRect/>
+          </a:stretch>
+        </p:blipFill>
+        <p:spPr>
+          <a:xfrm>
+            <a:off x="0" y="110894"/>
+            <a:ext cx="12192000" cy="6686721"/>
+          </a:xfrm>
+          <a:prstGeom prst="rect">
+            <a:avLst/>
+          </a:prstGeom>
+        </p:spPr>
+      </p:pic>
     </p:spTree>
     <p:extLst>
       <p:ext uri="{BB962C8B-B14F-4D97-AF65-F5344CB8AC3E}">
-        <p14:creationId xmlns:p14="http://schemas.microsoft.com/office/powerpoint/2010/main" xmlns="" val="793814422"/>
+        <p14:creationId xmlns:p14="http://schemas.microsoft.com/office/powerpoint/2010/main" val="1695394012"/>
       </p:ext>
     </p:extLst>
   </p:cSld>
@@ -6521,7 +6655,7 @@
         <p:spPr>
           <a:xfrm>
             <a:off x="609600" y="203201"/>
-            <a:ext cx="646331" cy="369332"/>
+            <a:ext cx="2795958" cy="369332"/>
           </a:xfrm>
           <a:prstGeom prst="rect">
             <a:avLst/>
@@ -6535,17 +6669,246 @@
           <a:lstStyle/>
           <a:p>
             <a:r>
-              <a:rPr kumimoji="1" lang="zh-CN" altLang="en-US" smtClean="0"/>
-              <a:t>标题</a:t>
-            </a:r>
-            <a:endParaRPr kumimoji="1" lang="zh-CN" altLang="en-US"/>
-          </a:p>
-        </p:txBody>
-      </p:sp>
+              <a:rPr kumimoji="1" lang="en-US" altLang="zh-CN" dirty="0" smtClean="0"/>
+              <a:t>2.</a:t>
+            </a:r>
+            <a:r>
+              <a:rPr kumimoji="1" lang="zh-CN" altLang="en-US" dirty="0" smtClean="0"/>
+              <a:t> </a:t>
+            </a:r>
+            <a:r>
+              <a:rPr kumimoji="1" lang="en-US" altLang="zh-CN" dirty="0" smtClean="0"/>
+              <a:t>Eureka</a:t>
+            </a:r>
+            <a:r>
+              <a:rPr kumimoji="1" lang="zh-CN" altLang="en-US" dirty="0" smtClean="0"/>
+              <a:t> </a:t>
+            </a:r>
+            <a:r>
+              <a:rPr kumimoji="1" lang="mr-IN" altLang="zh-CN" dirty="0" smtClean="0"/>
+              <a:t>–</a:t>
+            </a:r>
+            <a:r>
+              <a:rPr kumimoji="1" lang="zh-CN" altLang="en-US" dirty="0" smtClean="0"/>
+              <a:t> 服务注册</a:t>
+            </a:r>
+            <a:r>
+              <a:rPr kumimoji="1" lang="en-US" altLang="zh-CN" dirty="0" smtClean="0"/>
+              <a:t>/</a:t>
+            </a:r>
+            <a:r>
+              <a:rPr kumimoji="1" lang="zh-CN" altLang="en-US" dirty="0" smtClean="0"/>
+              <a:t>发现</a:t>
+            </a:r>
+            <a:endParaRPr kumimoji="1" lang="zh-CN" altLang="en-US" dirty="0"/>
+          </a:p>
+        </p:txBody>
+      </p:sp>
+      <p:sp>
+        <p:nvSpPr>
+          <p:cNvPr id="2" name="矩形 1"/>
+          <p:cNvSpPr/>
+          <p:nvPr/>
+        </p:nvSpPr>
+        <p:spPr>
+          <a:xfrm>
+            <a:off x="911399" y="995834"/>
+            <a:ext cx="9563819" cy="1200329"/>
+          </a:xfrm>
+          <a:prstGeom prst="rect">
+            <a:avLst/>
+          </a:prstGeom>
+        </p:spPr>
+        <p:txBody>
+          <a:bodyPr wrap="square">
+            <a:spAutoFit/>
+          </a:bodyPr>
+          <a:lstStyle/>
+          <a:p>
+            <a:r>
+              <a:rPr lang="en-US" altLang="zh-CN" dirty="0">
+                <a:solidFill>
+                  <a:srgbClr val="4D4D4D"/>
+                </a:solidFill>
+              </a:rPr>
+              <a:t>Spring Cloud Eureka</a:t>
+            </a:r>
+            <a:r>
+              <a:rPr lang="zh-CN" altLang="en-US" dirty="0">
+                <a:solidFill>
+                  <a:srgbClr val="4D4D4D"/>
+                </a:solidFill>
+              </a:rPr>
+              <a:t>是</a:t>
+            </a:r>
+            <a:r>
+              <a:rPr lang="en-US" altLang="zh-CN" dirty="0">
+                <a:solidFill>
+                  <a:srgbClr val="4D4D4D"/>
+                </a:solidFill>
+              </a:rPr>
+              <a:t>Spring Cloud Netflix </a:t>
+            </a:r>
+            <a:r>
+              <a:rPr lang="zh-CN" altLang="en-US" dirty="0">
+                <a:solidFill>
+                  <a:srgbClr val="4D4D4D"/>
+                </a:solidFill>
+              </a:rPr>
+              <a:t>微服务套件中的一部分，基于</a:t>
+            </a:r>
+            <a:r>
+              <a:rPr lang="en-US" altLang="zh-CN" dirty="0">
+                <a:solidFill>
+                  <a:srgbClr val="4D4D4D"/>
+                </a:solidFill>
+              </a:rPr>
+              <a:t>Netflix </a:t>
+            </a:r>
+            <a:r>
+              <a:rPr lang="en-US" altLang="zh-CN" dirty="0" smtClean="0">
+                <a:solidFill>
+                  <a:srgbClr val="4D4D4D"/>
+                </a:solidFill>
+              </a:rPr>
+              <a:t>Eureka</a:t>
+            </a:r>
+          </a:p>
+          <a:p>
+            <a:pPr>
+              <a:lnSpc>
+                <a:spcPct val="150000"/>
+              </a:lnSpc>
+            </a:pPr>
+            <a:r>
+              <a:rPr lang="zh-CN" altLang="en-US" dirty="0" smtClean="0">
+                <a:solidFill>
+                  <a:srgbClr val="4D4D4D"/>
+                </a:solidFill>
+              </a:rPr>
+              <a:t>做</a:t>
+            </a:r>
+            <a:r>
+              <a:rPr lang="zh-CN" altLang="en-US" dirty="0">
+                <a:solidFill>
+                  <a:srgbClr val="4D4D4D"/>
+                </a:solidFill>
+              </a:rPr>
+              <a:t>了二次封装，主要是负责完成微服务中服务治理</a:t>
+            </a:r>
+            <a:r>
+              <a:rPr lang="zh-CN" altLang="en-US" dirty="0" smtClean="0">
+                <a:solidFill>
+                  <a:srgbClr val="4D4D4D"/>
+                </a:solidFill>
+              </a:rPr>
+              <a:t>功能。</a:t>
+            </a:r>
+            <a:endParaRPr lang="en-US" altLang="zh-CN" dirty="0">
+              <a:solidFill>
+                <a:srgbClr val="4D4D4D"/>
+              </a:solidFill>
+            </a:endParaRPr>
+          </a:p>
+          <a:p>
+            <a:pPr>
+              <a:lnSpc>
+                <a:spcPct val="150000"/>
+              </a:lnSpc>
+            </a:pPr>
+            <a:endParaRPr lang="en-US" altLang="zh-CN" dirty="0" smtClean="0">
+              <a:solidFill>
+                <a:srgbClr val="4D4D4D"/>
+              </a:solidFill>
+            </a:endParaRPr>
+          </a:p>
+        </p:txBody>
+      </p:sp>
+      <p:sp>
+        <p:nvSpPr>
+          <p:cNvPr id="5" name="文本框 4"/>
+          <p:cNvSpPr txBox="1"/>
+          <p:nvPr/>
+        </p:nvSpPr>
+        <p:spPr>
+          <a:xfrm>
+            <a:off x="795130" y="2619464"/>
+            <a:ext cx="4625009" cy="2862322"/>
+          </a:xfrm>
+          <a:prstGeom prst="rect">
+            <a:avLst/>
+          </a:prstGeom>
+          <a:noFill/>
+        </p:spPr>
+        <p:txBody>
+          <a:bodyPr wrap="square" rtlCol="0">
+            <a:spAutoFit/>
+          </a:bodyPr>
+          <a:lstStyle/>
+          <a:p>
+            <a:pPr>
+              <a:lnSpc>
+                <a:spcPct val="150000"/>
+              </a:lnSpc>
+            </a:pPr>
+            <a:r>
+              <a:rPr lang="zh-CN" altLang="en-US" dirty="0">
+                <a:solidFill>
+                  <a:srgbClr val="4D4D4D"/>
+                </a:solidFill>
+              </a:rPr>
+              <a:t>服务发现：服务调用不再通过具体的实例地址来调用，而是通过服务名发起请求，由注册中心依据配置的服务发现策略，如轮换、负载均衡等进行服务调用，实际框架为了性能等因素，不会每次</a:t>
+            </a:r>
+            <a:r>
+              <a:rPr lang="zh-CN" altLang="en-US" dirty="0" smtClean="0">
+                <a:solidFill>
+                  <a:srgbClr val="4D4D4D"/>
+                </a:solidFill>
+              </a:rPr>
+              <a:t>都向注册</a:t>
+            </a:r>
+            <a:r>
+              <a:rPr lang="zh-CN" altLang="en-US" dirty="0">
+                <a:solidFill>
+                  <a:srgbClr val="4D4D4D"/>
+                </a:solidFill>
+              </a:rPr>
+              <a:t>中心获取服务的方式，会有一些实现策略来处理。</a:t>
+            </a:r>
+          </a:p>
+          <a:p>
+            <a:endParaRPr kumimoji="1" lang="zh-CN" altLang="en-US" dirty="0"/>
+          </a:p>
+        </p:txBody>
+      </p:sp>
+      <p:pic>
+        <p:nvPicPr>
+          <p:cNvPr id="7" name="图片 6"/>
+          <p:cNvPicPr>
+            <a:picLocks noChangeAspect="1"/>
+          </p:cNvPicPr>
+          <p:nvPr/>
+        </p:nvPicPr>
+        <p:blipFill>
+          <a:blip r:embed="rId3"/>
+          <a:stretch>
+            <a:fillRect/>
+          </a:stretch>
+        </p:blipFill>
+        <p:spPr>
+          <a:xfrm>
+            <a:off x="5975350" y="1897821"/>
+            <a:ext cx="5727700" cy="4546600"/>
+          </a:xfrm>
+          <a:prstGeom prst="rect">
+            <a:avLst/>
+          </a:prstGeom>
+        </p:spPr>
+      </p:pic>
     </p:spTree>
     <p:extLst>
       <p:ext uri="{BB962C8B-B14F-4D97-AF65-F5344CB8AC3E}">
-        <p14:creationId xmlns:p14="http://schemas.microsoft.com/office/powerpoint/2010/main" xmlns="" val="571286407"/>
+        <p14:creationId xmlns:p14="http://schemas.microsoft.com/office/powerpoint/2010/main" val="793814422"/>
       </p:ext>
     </p:extLst>
   </p:cSld>
@@ -6581,7 +6944,7 @@
         <p:spPr>
           <a:xfrm>
             <a:off x="609600" y="203201"/>
-            <a:ext cx="646331" cy="369332"/>
+            <a:ext cx="2247731" cy="369332"/>
           </a:xfrm>
           <a:prstGeom prst="rect">
             <a:avLst/>
@@ -6595,17 +6958,335 @@
           <a:lstStyle/>
           <a:p>
             <a:r>
-              <a:rPr kumimoji="1" lang="zh-CN" altLang="en-US" smtClean="0"/>
-              <a:t>标题</a:t>
-            </a:r>
-            <a:endParaRPr kumimoji="1" lang="zh-CN" altLang="en-US"/>
+              <a:rPr kumimoji="1" lang="en-US" altLang="zh-CN" dirty="0" smtClean="0"/>
+              <a:t>2.</a:t>
+            </a:r>
+            <a:r>
+              <a:rPr kumimoji="1" lang="zh-CN" altLang="en-US" dirty="0" smtClean="0"/>
+              <a:t> </a:t>
+            </a:r>
+            <a:r>
+              <a:rPr kumimoji="1" lang="en-US" altLang="zh-CN" dirty="0" smtClean="0"/>
+              <a:t>Eureka</a:t>
+            </a:r>
+            <a:r>
+              <a:rPr kumimoji="1" lang="zh-CN" altLang="en-US" dirty="0" smtClean="0"/>
+              <a:t> </a:t>
+            </a:r>
+            <a:r>
+              <a:rPr kumimoji="1" lang="mr-IN" altLang="zh-CN" dirty="0" smtClean="0"/>
+              <a:t>–</a:t>
+            </a:r>
+            <a:r>
+              <a:rPr kumimoji="1" lang="zh-CN" altLang="en-US" dirty="0" smtClean="0"/>
+              <a:t> 注册中心</a:t>
+            </a:r>
+            <a:endParaRPr kumimoji="1" lang="zh-CN" altLang="en-US" dirty="0"/>
+          </a:p>
+        </p:txBody>
+      </p:sp>
+      <p:sp>
+        <p:nvSpPr>
+          <p:cNvPr id="8" name="文本框 7"/>
+          <p:cNvSpPr txBox="1"/>
+          <p:nvPr/>
+        </p:nvSpPr>
+        <p:spPr>
+          <a:xfrm>
+            <a:off x="1257300" y="734377"/>
+            <a:ext cx="8615363" cy="5909310"/>
+          </a:xfrm>
+          <a:prstGeom prst="rect">
+            <a:avLst/>
+          </a:prstGeom>
+          <a:noFill/>
+        </p:spPr>
+        <p:txBody>
+          <a:bodyPr wrap="square" rtlCol="0">
+            <a:spAutoFit/>
+          </a:bodyPr>
+          <a:lstStyle/>
+          <a:p>
+            <a:r>
+              <a:rPr kumimoji="1" lang="zh-CN" altLang="en-US" dirty="0" smtClean="0"/>
+              <a:t>借助</a:t>
+            </a:r>
+            <a:r>
+              <a:rPr kumimoji="1" lang="en-US" altLang="zh-CN" dirty="0" smtClean="0"/>
+              <a:t>Spring</a:t>
+            </a:r>
+            <a:r>
+              <a:rPr kumimoji="1" lang="zh-CN" altLang="en-US" dirty="0" smtClean="0"/>
+              <a:t> </a:t>
+            </a:r>
+            <a:r>
+              <a:rPr kumimoji="1" lang="en-US" altLang="zh-CN" dirty="0" smtClean="0"/>
+              <a:t>Boot</a:t>
+            </a:r>
+            <a:r>
+              <a:rPr kumimoji="1" lang="zh-CN" altLang="en-US" dirty="0" smtClean="0"/>
+              <a:t>的便捷性，创建一个</a:t>
+            </a:r>
+            <a:r>
+              <a:rPr kumimoji="1" lang="en-US" altLang="zh-CN" dirty="0" smtClean="0"/>
+              <a:t>Eureka</a:t>
+            </a:r>
+            <a:r>
+              <a:rPr kumimoji="1" lang="zh-CN" altLang="en-US" dirty="0" smtClean="0"/>
+              <a:t>注册中心的服务相当便捷</a:t>
+            </a:r>
+            <a:endParaRPr kumimoji="1" lang="en-US" altLang="zh-CN" dirty="0" smtClean="0"/>
+          </a:p>
+          <a:p>
+            <a:endParaRPr kumimoji="1" lang="en-US" altLang="zh-CN" dirty="0"/>
+          </a:p>
+          <a:p>
+            <a:pPr>
+              <a:lnSpc>
+                <a:spcPct val="150000"/>
+              </a:lnSpc>
+            </a:pPr>
+            <a:r>
+              <a:rPr kumimoji="1" lang="zh-CN" altLang="en-US" dirty="0" smtClean="0"/>
+              <a:t>一个依赖</a:t>
+            </a:r>
+            <a:endParaRPr kumimoji="1" lang="en-US" altLang="zh-CN" dirty="0" smtClean="0"/>
+          </a:p>
+          <a:p>
+            <a:pPr lvl="1">
+              <a:lnSpc>
+                <a:spcPct val="150000"/>
+              </a:lnSpc>
+            </a:pPr>
+            <a:r>
+              <a:rPr lang="en-US" altLang="zh-CN" dirty="0"/>
+              <a:t>&lt;</a:t>
+            </a:r>
+            <a:r>
+              <a:rPr lang="en-US" altLang="zh-CN" dirty="0"/>
+              <a:t>dependency</a:t>
+            </a:r>
+            <a:r>
+              <a:rPr lang="en-US" altLang="zh-CN" dirty="0"/>
+              <a:t>&gt;</a:t>
+            </a:r>
+            <a:br>
+              <a:rPr lang="en-US" altLang="zh-CN" dirty="0"/>
+            </a:br>
+            <a:r>
+              <a:rPr lang="en-US" altLang="zh-CN" dirty="0"/>
+              <a:t>    &lt;</a:t>
+            </a:r>
+            <a:r>
+              <a:rPr lang="en-US" altLang="zh-CN" dirty="0" err="1"/>
+              <a:t>groupId</a:t>
+            </a:r>
+            <a:r>
+              <a:rPr lang="en-US" altLang="zh-CN" dirty="0"/>
+              <a:t>&gt;</a:t>
+            </a:r>
+            <a:r>
+              <a:rPr lang="en-US" altLang="zh-CN" dirty="0" err="1"/>
+              <a:t>org.springframework.cloud</a:t>
+            </a:r>
+            <a:r>
+              <a:rPr lang="en-US" altLang="zh-CN" dirty="0"/>
+              <a:t>&lt;/</a:t>
+            </a:r>
+            <a:r>
+              <a:rPr lang="en-US" altLang="zh-CN" dirty="0" err="1"/>
+              <a:t>groupId</a:t>
+            </a:r>
+            <a:r>
+              <a:rPr lang="en-US" altLang="zh-CN" dirty="0"/>
+              <a:t>&gt;</a:t>
+            </a:r>
+            <a:br>
+              <a:rPr lang="en-US" altLang="zh-CN" dirty="0"/>
+            </a:br>
+            <a:r>
+              <a:rPr lang="en-US" altLang="zh-CN" dirty="0"/>
+              <a:t>    &lt;</a:t>
+            </a:r>
+            <a:r>
+              <a:rPr lang="en-US" altLang="zh-CN" dirty="0" err="1"/>
+              <a:t>artifactId</a:t>
+            </a:r>
+            <a:r>
+              <a:rPr lang="en-US" altLang="zh-CN" dirty="0"/>
+              <a:t>&gt;spring-cloud-starter-</a:t>
+            </a:r>
+            <a:r>
+              <a:rPr lang="en-US" altLang="zh-CN" dirty="0" err="1"/>
+              <a:t>netflix</a:t>
+            </a:r>
+            <a:r>
+              <a:rPr lang="en-US" altLang="zh-CN" dirty="0"/>
+              <a:t>-eureka-server&lt;/</a:t>
+            </a:r>
+            <a:r>
+              <a:rPr lang="en-US" altLang="zh-CN" dirty="0" err="1"/>
+              <a:t>artifactId</a:t>
+            </a:r>
+            <a:r>
+              <a:rPr lang="en-US" altLang="zh-CN" dirty="0"/>
+              <a:t>&gt;</a:t>
+            </a:r>
+            <a:br>
+              <a:rPr lang="en-US" altLang="zh-CN" dirty="0"/>
+            </a:br>
+            <a:r>
+              <a:rPr lang="en-US" altLang="zh-CN" dirty="0"/>
+              <a:t>&lt;/</a:t>
+            </a:r>
+            <a:r>
+              <a:rPr lang="en-US" altLang="zh-CN" dirty="0"/>
+              <a:t>dependency</a:t>
+            </a:r>
+            <a:r>
+              <a:rPr lang="en-US" altLang="zh-CN" dirty="0" smtClean="0"/>
+              <a:t>&gt;</a:t>
+            </a:r>
+            <a:endParaRPr kumimoji="1" lang="en-US" altLang="zh-CN" dirty="0"/>
+          </a:p>
+          <a:p>
+            <a:pPr>
+              <a:lnSpc>
+                <a:spcPct val="150000"/>
+              </a:lnSpc>
+            </a:pPr>
+            <a:r>
+              <a:rPr kumimoji="1" lang="zh-CN" altLang="en-US" dirty="0" smtClean="0"/>
+              <a:t>一个注解</a:t>
+            </a:r>
+            <a:r>
+              <a:rPr lang="en-US" altLang="zh-CN" dirty="0"/>
+              <a:t/>
+            </a:r>
+            <a:br>
+              <a:rPr lang="en-US" altLang="zh-CN" dirty="0"/>
+            </a:br>
+            <a:r>
+              <a:rPr lang="zh-CN" altLang="en-US" dirty="0"/>
+              <a:t> </a:t>
+            </a:r>
+            <a:r>
+              <a:rPr lang="zh-CN" altLang="en-US" dirty="0" smtClean="0"/>
+              <a:t>      </a:t>
+            </a:r>
+            <a:r>
+              <a:rPr lang="en-US" altLang="zh-CN" dirty="0" smtClean="0"/>
+              <a:t>@</a:t>
+            </a:r>
+            <a:r>
+              <a:rPr lang="en-US" altLang="zh-CN" dirty="0" err="1" smtClean="0"/>
+              <a:t>EnableEurekaServer</a:t>
+            </a:r>
+            <a:r>
+              <a:rPr lang="zh-CN" altLang="en-US" dirty="0" smtClean="0"/>
+              <a:t>  </a:t>
+            </a:r>
+            <a:r>
+              <a:rPr lang="en-US" altLang="zh-CN" dirty="0" smtClean="0"/>
+              <a:t>--</a:t>
+            </a:r>
+            <a:r>
+              <a:rPr lang="zh-CN" altLang="en-US" dirty="0" smtClean="0"/>
+              <a:t> 表明自己是个注册服务</a:t>
+            </a:r>
+            <a:endParaRPr lang="en-US" altLang="zh-CN" dirty="0" smtClean="0"/>
+          </a:p>
+          <a:p>
+            <a:pPr>
+              <a:lnSpc>
+                <a:spcPct val="150000"/>
+              </a:lnSpc>
+            </a:pPr>
+            <a:r>
+              <a:rPr kumimoji="1" lang="zh-CN" altLang="en-US" dirty="0" smtClean="0"/>
+              <a:t>两个配置</a:t>
+            </a:r>
+            <a:endParaRPr kumimoji="1" lang="en-US" altLang="zh-CN" dirty="0"/>
+          </a:p>
+          <a:p>
+            <a:pPr lvl="1">
+              <a:lnSpc>
+                <a:spcPct val="150000"/>
+              </a:lnSpc>
+            </a:pPr>
+            <a:r>
+              <a:rPr lang="en-US" altLang="zh-CN" dirty="0" err="1" smtClean="0"/>
+              <a:t>Eureka.client</a:t>
+            </a:r>
+            <a:r>
+              <a:rPr lang="en-US" altLang="zh-CN" dirty="0"/>
+              <a:t>:</a:t>
+            </a:r>
+            <a:r>
+              <a:rPr lang="en-US" altLang="zh-CN" dirty="0"/>
+              <a:t/>
+            </a:r>
+            <a:br>
+              <a:rPr lang="en-US" altLang="zh-CN" dirty="0"/>
+            </a:br>
+            <a:r>
+              <a:rPr lang="en-US" altLang="zh-CN" dirty="0"/>
+              <a:t>    register-with-eureka: </a:t>
+            </a:r>
+            <a:r>
+              <a:rPr lang="en-US" altLang="zh-CN" dirty="0" smtClean="0"/>
+              <a:t>false</a:t>
+            </a:r>
+            <a:r>
+              <a:rPr lang="zh-CN" altLang="en-US" dirty="0" smtClean="0"/>
+              <a:t>   单实例服务配置为</a:t>
+            </a:r>
+            <a:r>
+              <a:rPr lang="en-US" altLang="zh-CN" dirty="0" smtClean="0"/>
+              <a:t>false</a:t>
+            </a:r>
+            <a:r>
+              <a:rPr lang="zh-CN" altLang="en-US" dirty="0" smtClean="0"/>
+              <a:t>，多实例高可用场景需要配置为</a:t>
+            </a:r>
+            <a:r>
+              <a:rPr lang="en-US" altLang="zh-CN" dirty="0" smtClean="0"/>
+              <a:t>true</a:t>
+            </a:r>
+            <a:r>
+              <a:rPr lang="zh-CN" altLang="en-US" dirty="0" smtClean="0"/>
+              <a:t>，并需要配置其余</a:t>
+            </a:r>
+            <a:r>
+              <a:rPr lang="en-US" altLang="zh-CN" dirty="0" smtClean="0"/>
+              <a:t>eureka</a:t>
+            </a:r>
+            <a:r>
+              <a:rPr lang="zh-CN" altLang="en-US" dirty="0" smtClean="0"/>
+              <a:t>服务的地址，进行服务注册信息复制</a:t>
+            </a:r>
+            <a:r>
+              <a:rPr lang="en-US" altLang="zh-CN" dirty="0"/>
+              <a:t/>
+            </a:r>
+            <a:br>
+              <a:rPr lang="en-US" altLang="zh-CN" dirty="0"/>
+            </a:br>
+            <a:r>
+              <a:rPr lang="en-US" altLang="zh-CN" dirty="0"/>
+              <a:t>    fetch-registry: false</a:t>
+            </a:r>
+            <a:endParaRPr kumimoji="1" lang="en-US" altLang="zh-CN" dirty="0" smtClean="0"/>
+          </a:p>
+          <a:p>
+            <a:endParaRPr kumimoji="1" lang="zh-CN" altLang="en-US" dirty="0"/>
           </a:p>
         </p:txBody>
       </p:sp>
     </p:spTree>
     <p:extLst>
       <p:ext uri="{BB962C8B-B14F-4D97-AF65-F5344CB8AC3E}">
-        <p14:creationId xmlns:p14="http://schemas.microsoft.com/office/powerpoint/2010/main" xmlns="" val="801090093"/>
+        <p14:creationId xmlns:p14="http://schemas.microsoft.com/office/powerpoint/2010/main" val="801090093"/>
       </p:ext>
     </p:extLst>
   </p:cSld>
@@ -6641,7 +7322,7 @@
         <p:spPr>
           <a:xfrm>
             <a:off x="609600" y="203201"/>
-            <a:ext cx="646331" cy="369332"/>
+            <a:ext cx="2247731" cy="369332"/>
           </a:xfrm>
           <a:prstGeom prst="rect">
             <a:avLst/>
@@ -6655,17 +7336,389 @@
           <a:lstStyle/>
           <a:p>
             <a:r>
-              <a:rPr kumimoji="1" lang="zh-CN" altLang="en-US" smtClean="0"/>
-              <a:t>标题</a:t>
-            </a:r>
-            <a:endParaRPr kumimoji="1" lang="zh-CN" altLang="en-US"/>
+              <a:rPr kumimoji="1" lang="en-US" altLang="zh-CN" dirty="0" smtClean="0"/>
+              <a:t>2.</a:t>
+            </a:r>
+            <a:r>
+              <a:rPr kumimoji="1" lang="zh-CN" altLang="en-US" dirty="0" smtClean="0"/>
+              <a:t> </a:t>
+            </a:r>
+            <a:r>
+              <a:rPr kumimoji="1" lang="en-US" altLang="zh-CN" dirty="0" smtClean="0"/>
+              <a:t>Eureka</a:t>
+            </a:r>
+            <a:r>
+              <a:rPr kumimoji="1" lang="zh-CN" altLang="en-US" dirty="0" smtClean="0"/>
+              <a:t> </a:t>
+            </a:r>
+            <a:r>
+              <a:rPr kumimoji="1" lang="mr-IN" altLang="zh-CN" dirty="0" smtClean="0"/>
+              <a:t>–</a:t>
+            </a:r>
+            <a:r>
+              <a:rPr kumimoji="1" lang="zh-CN" altLang="en-US" dirty="0" smtClean="0"/>
+              <a:t> 服务注册</a:t>
+            </a:r>
+            <a:endParaRPr kumimoji="1" lang="zh-CN" altLang="en-US" dirty="0"/>
+          </a:p>
+        </p:txBody>
+      </p:sp>
+      <p:sp>
+        <p:nvSpPr>
+          <p:cNvPr id="2" name="文本框 1"/>
+          <p:cNvSpPr txBox="1"/>
+          <p:nvPr/>
+        </p:nvSpPr>
+        <p:spPr>
+          <a:xfrm>
+            <a:off x="1057275" y="815460"/>
+            <a:ext cx="6341801" cy="369332"/>
+          </a:xfrm>
+          <a:prstGeom prst="rect">
+            <a:avLst/>
+          </a:prstGeom>
+          <a:noFill/>
+        </p:spPr>
+        <p:txBody>
+          <a:bodyPr wrap="none" rtlCol="0">
+            <a:spAutoFit/>
+          </a:bodyPr>
+          <a:lstStyle/>
+          <a:p>
+            <a:r>
+              <a:rPr kumimoji="1" lang="zh-CN" altLang="en-US" dirty="0" smtClean="0"/>
+              <a:t>任意一个</a:t>
+            </a:r>
+            <a:r>
+              <a:rPr kumimoji="1" lang="en-US" altLang="zh-CN" dirty="0" smtClean="0"/>
+              <a:t>Web</a:t>
+            </a:r>
+            <a:r>
+              <a:rPr kumimoji="1" lang="zh-CN" altLang="en-US" dirty="0" smtClean="0"/>
+              <a:t>环境的</a:t>
+            </a:r>
+            <a:r>
+              <a:rPr kumimoji="1" lang="en-US" altLang="zh-CN" dirty="0" smtClean="0"/>
+              <a:t>Spring</a:t>
+            </a:r>
+            <a:r>
+              <a:rPr kumimoji="1" lang="zh-CN" altLang="en-US" dirty="0" smtClean="0"/>
+              <a:t> </a:t>
+            </a:r>
+            <a:r>
+              <a:rPr kumimoji="1" lang="en-US" altLang="zh-CN" dirty="0" smtClean="0"/>
+              <a:t>Boot</a:t>
+            </a:r>
+            <a:r>
+              <a:rPr kumimoji="1" lang="zh-CN" altLang="en-US" dirty="0" smtClean="0"/>
+              <a:t>项目都可以作为</a:t>
+            </a:r>
+            <a:r>
+              <a:rPr kumimoji="1" lang="en-US" altLang="zh-CN" dirty="0" smtClean="0"/>
+              <a:t>Eureka</a:t>
+            </a:r>
+            <a:r>
+              <a:rPr kumimoji="1" lang="zh-CN" altLang="en-US" dirty="0" smtClean="0"/>
+              <a:t> </a:t>
+            </a:r>
+            <a:r>
+              <a:rPr kumimoji="1" lang="en-US" altLang="zh-CN" dirty="0" smtClean="0"/>
+              <a:t>Client</a:t>
+            </a:r>
+            <a:endParaRPr kumimoji="1" lang="zh-CN" altLang="en-US" dirty="0"/>
+          </a:p>
+        </p:txBody>
+      </p:sp>
+      <p:sp>
+        <p:nvSpPr>
+          <p:cNvPr id="3" name="文本框 2"/>
+          <p:cNvSpPr txBox="1"/>
+          <p:nvPr/>
+        </p:nvSpPr>
+        <p:spPr>
+          <a:xfrm>
+            <a:off x="1057276" y="1427719"/>
+            <a:ext cx="10009310" cy="4662815"/>
+          </a:xfrm>
+          <a:prstGeom prst="rect">
+            <a:avLst/>
+          </a:prstGeom>
+          <a:noFill/>
+        </p:spPr>
+        <p:txBody>
+          <a:bodyPr wrap="square" rtlCol="0">
+            <a:spAutoFit/>
+          </a:bodyPr>
+          <a:lstStyle/>
+          <a:p>
+            <a:pPr>
+              <a:lnSpc>
+                <a:spcPct val="150000"/>
+              </a:lnSpc>
+            </a:pPr>
+            <a:r>
+              <a:rPr kumimoji="1" lang="zh-CN" altLang="en-US" dirty="0" smtClean="0"/>
+              <a:t>一个依赖</a:t>
+            </a:r>
+            <a:endParaRPr kumimoji="1" lang="en-US" altLang="zh-CN" dirty="0" smtClean="0"/>
+          </a:p>
+          <a:p>
+            <a:pPr lvl="1">
+              <a:lnSpc>
+                <a:spcPct val="150000"/>
+              </a:lnSpc>
+            </a:pPr>
+            <a:r>
+              <a:rPr lang="en-US" altLang="zh-CN" dirty="0"/>
+              <a:t>&lt;</a:t>
+            </a:r>
+            <a:r>
+              <a:rPr lang="en-US" altLang="zh-CN" dirty="0"/>
+              <a:t>dependency</a:t>
+            </a:r>
+            <a:r>
+              <a:rPr lang="en-US" altLang="zh-CN" dirty="0"/>
+              <a:t>&gt;</a:t>
+            </a:r>
+            <a:br>
+              <a:rPr lang="en-US" altLang="zh-CN" dirty="0"/>
+            </a:br>
+            <a:r>
+              <a:rPr lang="en-US" altLang="zh-CN" dirty="0"/>
+              <a:t>    &lt;</a:t>
+            </a:r>
+            <a:r>
+              <a:rPr lang="en-US" altLang="zh-CN" dirty="0" err="1"/>
+              <a:t>groupId</a:t>
+            </a:r>
+            <a:r>
+              <a:rPr lang="en-US" altLang="zh-CN" dirty="0"/>
+              <a:t>&gt;</a:t>
+            </a:r>
+            <a:r>
+              <a:rPr lang="en-US" altLang="zh-CN" dirty="0" err="1"/>
+              <a:t>org.springframework.cloud</a:t>
+            </a:r>
+            <a:r>
+              <a:rPr lang="en-US" altLang="zh-CN" dirty="0"/>
+              <a:t>&lt;/</a:t>
+            </a:r>
+            <a:r>
+              <a:rPr lang="en-US" altLang="zh-CN" dirty="0" err="1"/>
+              <a:t>groupId</a:t>
+            </a:r>
+            <a:r>
+              <a:rPr lang="en-US" altLang="zh-CN" dirty="0"/>
+              <a:t>&gt;</a:t>
+            </a:r>
+            <a:br>
+              <a:rPr lang="en-US" altLang="zh-CN" dirty="0"/>
+            </a:br>
+            <a:r>
+              <a:rPr lang="en-US" altLang="zh-CN" dirty="0"/>
+              <a:t>    &lt;</a:t>
+            </a:r>
+            <a:r>
+              <a:rPr lang="en-US" altLang="zh-CN" dirty="0" err="1"/>
+              <a:t>artifactId</a:t>
+            </a:r>
+            <a:r>
+              <a:rPr lang="en-US" altLang="zh-CN" dirty="0"/>
+              <a:t>&gt;spring-cloud-starter-</a:t>
+            </a:r>
+            <a:r>
+              <a:rPr lang="en-US" altLang="zh-CN" dirty="0" err="1"/>
+              <a:t>netflix</a:t>
+            </a:r>
+            <a:r>
+              <a:rPr lang="en-US" altLang="zh-CN" dirty="0"/>
+              <a:t>-eureka-client&lt;/</a:t>
+            </a:r>
+            <a:r>
+              <a:rPr lang="en-US" altLang="zh-CN" dirty="0" err="1"/>
+              <a:t>artifactId</a:t>
+            </a:r>
+            <a:r>
+              <a:rPr lang="en-US" altLang="zh-CN" dirty="0"/>
+              <a:t>&gt;</a:t>
+            </a:r>
+            <a:br>
+              <a:rPr lang="en-US" altLang="zh-CN" dirty="0"/>
+            </a:br>
+            <a:r>
+              <a:rPr lang="en-US" altLang="zh-CN" dirty="0"/>
+              <a:t>&lt;/</a:t>
+            </a:r>
+            <a:r>
+              <a:rPr lang="en-US" altLang="zh-CN" dirty="0"/>
+              <a:t>dependency</a:t>
+            </a:r>
+            <a:r>
+              <a:rPr lang="en-US" altLang="zh-CN" dirty="0" smtClean="0"/>
+              <a:t>&gt;</a:t>
+            </a:r>
+          </a:p>
+          <a:p>
+            <a:pPr>
+              <a:lnSpc>
+                <a:spcPct val="150000"/>
+              </a:lnSpc>
+            </a:pPr>
+            <a:r>
+              <a:rPr kumimoji="1" lang="zh-CN" altLang="en-US" dirty="0" smtClean="0"/>
+              <a:t>一个注解</a:t>
+            </a:r>
+            <a:endParaRPr kumimoji="1" lang="en-US" altLang="zh-CN" dirty="0" smtClean="0"/>
+          </a:p>
+          <a:p>
+            <a:pPr>
+              <a:lnSpc>
+                <a:spcPct val="150000"/>
+              </a:lnSpc>
+            </a:pPr>
+            <a:r>
+              <a:rPr lang="zh-CN" altLang="en-US" dirty="0" smtClean="0"/>
+              <a:t>        </a:t>
+            </a:r>
+            <a:r>
+              <a:rPr lang="en-US" altLang="zh-CN" dirty="0" smtClean="0"/>
+              <a:t>@</a:t>
+            </a:r>
+            <a:r>
+              <a:rPr lang="en-US" altLang="zh-CN" dirty="0" err="1" smtClean="0"/>
+              <a:t>EnableEurekaClient</a:t>
+            </a:r>
+            <a:r>
+              <a:rPr lang="zh-CN" altLang="en-US" dirty="0" smtClean="0"/>
+              <a:t> </a:t>
+            </a:r>
+            <a:r>
+              <a:rPr lang="mr-IN" altLang="zh-CN" dirty="0" smtClean="0"/>
+              <a:t>–</a:t>
+            </a:r>
+            <a:r>
+              <a:rPr lang="zh-CN" altLang="en-US" dirty="0" smtClean="0"/>
+              <a:t> 表明自己是服务实际提供方，需要向注册中心注册</a:t>
+            </a:r>
+            <a:endParaRPr lang="en-US" altLang="zh-CN" dirty="0" smtClean="0"/>
+          </a:p>
+          <a:p>
+            <a:pPr>
+              <a:lnSpc>
+                <a:spcPct val="150000"/>
+              </a:lnSpc>
+            </a:pPr>
+            <a:r>
+              <a:rPr kumimoji="1" lang="zh-CN" altLang="en-US" dirty="0" smtClean="0"/>
+              <a:t>两个配置</a:t>
+            </a:r>
+            <a:endParaRPr kumimoji="1" lang="en-US" altLang="zh-CN" dirty="0" smtClean="0"/>
+          </a:p>
+          <a:p>
+            <a:pPr lvl="1">
+              <a:lnSpc>
+                <a:spcPct val="150000"/>
+              </a:lnSpc>
+            </a:pPr>
+            <a:r>
+              <a:rPr lang="en-US" altLang="zh-CN" dirty="0" err="1" smtClean="0"/>
+              <a:t>Eureka.client.service</a:t>
+            </a:r>
+            <a:r>
+              <a:rPr lang="en-US" altLang="zh-CN" dirty="0" smtClean="0"/>
+              <a:t>-</a:t>
+            </a:r>
+            <a:r>
+              <a:rPr lang="en-US" altLang="zh-CN" dirty="0" err="1" smtClean="0"/>
+              <a:t>url.default</a:t>
+            </a:r>
+            <a:r>
+              <a:rPr lang="en-US" altLang="zh-CN" dirty="0" smtClean="0"/>
+              <a:t>-zone</a:t>
+            </a:r>
+            <a:r>
+              <a:rPr lang="en-US" altLang="zh-CN" dirty="0"/>
+              <a:t>: </a:t>
+            </a:r>
+            <a:r>
+              <a:rPr lang="en-US" altLang="zh-CN" dirty="0">
+                <a:hlinkClick r:id="rId3"/>
+              </a:rPr>
+              <a:t>http://localhost:8761/eureka</a:t>
+            </a:r>
+            <a:r>
+              <a:rPr lang="en-US" altLang="zh-CN" dirty="0" smtClean="0">
+                <a:hlinkClick r:id="rId3"/>
+              </a:rPr>
+              <a:t>/</a:t>
+            </a:r>
+            <a:r>
+              <a:rPr lang="zh-CN" altLang="en-US" dirty="0" smtClean="0"/>
+              <a:t>   </a:t>
+            </a:r>
+            <a:r>
+              <a:rPr lang="en-US" altLang="zh-CN" dirty="0" smtClean="0"/>
+              <a:t>--</a:t>
+            </a:r>
+            <a:r>
+              <a:rPr lang="zh-CN" altLang="en-US" dirty="0" smtClean="0"/>
+              <a:t> </a:t>
+            </a:r>
+            <a:r>
+              <a:rPr lang="en-US" altLang="zh-CN" dirty="0" smtClean="0"/>
+              <a:t>Eureka</a:t>
+            </a:r>
+            <a:r>
+              <a:rPr lang="zh-CN" altLang="en-US" dirty="0" smtClean="0"/>
+              <a:t> </a:t>
+            </a:r>
+            <a:r>
+              <a:rPr lang="en-US" altLang="zh-CN" dirty="0" smtClean="0"/>
+              <a:t>Server</a:t>
+            </a:r>
+            <a:r>
+              <a:rPr lang="zh-CN" altLang="en-US" dirty="0" smtClean="0"/>
+              <a:t>的地址，可配置多个</a:t>
+            </a:r>
+            <a:r>
+              <a:rPr lang="en-US" altLang="zh-CN" dirty="0"/>
+              <a:t/>
+            </a:r>
+            <a:br>
+              <a:rPr lang="en-US" altLang="zh-CN" dirty="0"/>
+            </a:br>
+            <a:r>
+              <a:rPr lang="en-US" altLang="zh-CN" dirty="0" err="1" smtClean="0"/>
+              <a:t>spring.application.name</a:t>
+            </a:r>
+            <a:r>
+              <a:rPr lang="en-US" altLang="zh-CN" dirty="0"/>
+              <a:t>: </a:t>
+            </a:r>
+            <a:r>
+              <a:rPr lang="en-US" altLang="zh-CN" dirty="0" smtClean="0"/>
+              <a:t>server-hi</a:t>
+            </a:r>
+            <a:r>
+              <a:rPr lang="zh-CN" altLang="en-US" dirty="0" smtClean="0"/>
+              <a:t> </a:t>
+            </a:r>
+            <a:r>
+              <a:rPr lang="mr-IN" altLang="zh-CN" dirty="0" smtClean="0"/>
+              <a:t>–</a:t>
+            </a:r>
+            <a:r>
+              <a:rPr lang="zh-CN" altLang="en-US" dirty="0" smtClean="0"/>
+              <a:t> 服务名，即注册中心向外暴露的服务名称</a:t>
+            </a:r>
+            <a:endParaRPr kumimoji="1" lang="en-US" altLang="zh-CN" dirty="0"/>
           </a:p>
         </p:txBody>
       </p:sp>
     </p:spTree>
     <p:extLst>
       <p:ext uri="{BB962C8B-B14F-4D97-AF65-F5344CB8AC3E}">
-        <p14:creationId xmlns:p14="http://schemas.microsoft.com/office/powerpoint/2010/main" xmlns="" val="2011383311"/>
+        <p14:creationId xmlns:p14="http://schemas.microsoft.com/office/powerpoint/2010/main" val="2011383311"/>
       </p:ext>
     </p:extLst>
   </p:cSld>
@@ -6701,7 +7754,7 @@
         <p:spPr>
           <a:xfrm>
             <a:off x="609600" y="203201"/>
-            <a:ext cx="646331" cy="369332"/>
+            <a:ext cx="3063659" cy="369332"/>
           </a:xfrm>
           <a:prstGeom prst="rect">
             <a:avLst/>
@@ -6715,17 +7768,376 @@
           <a:lstStyle/>
           <a:p>
             <a:r>
-              <a:rPr kumimoji="1" lang="zh-CN" altLang="en-US" smtClean="0"/>
-              <a:t>标题</a:t>
-            </a:r>
-            <a:endParaRPr kumimoji="1" lang="zh-CN" altLang="en-US"/>
+              <a:rPr kumimoji="1" lang="en-US" altLang="zh-CN" dirty="0" smtClean="0"/>
+              <a:t>3.</a:t>
+            </a:r>
+            <a:r>
+              <a:rPr kumimoji="1" lang="zh-CN" altLang="en-US" dirty="0" smtClean="0"/>
+              <a:t> </a:t>
+            </a:r>
+            <a:r>
+              <a:rPr kumimoji="1" lang="en-US" altLang="zh-CN" dirty="0" smtClean="0"/>
+              <a:t>Feign</a:t>
+            </a:r>
+            <a:r>
+              <a:rPr kumimoji="1" lang="en-US" altLang="zh-CN" dirty="0" smtClean="0"/>
+              <a:t>,</a:t>
+            </a:r>
+            <a:r>
+              <a:rPr kumimoji="1" lang="zh-CN" altLang="en-US" dirty="0" smtClean="0"/>
+              <a:t> </a:t>
+            </a:r>
+            <a:r>
+              <a:rPr kumimoji="1" lang="en-US" altLang="zh-CN" dirty="0" smtClean="0"/>
+              <a:t>Ribbon</a:t>
+            </a:r>
+            <a:r>
+              <a:rPr kumimoji="1" lang="zh-CN" altLang="en-US" dirty="0" smtClean="0"/>
+              <a:t> </a:t>
+            </a:r>
+            <a:r>
+              <a:rPr kumimoji="1" lang="en-US" altLang="zh-CN" dirty="0" smtClean="0"/>
+              <a:t>--</a:t>
+            </a:r>
+            <a:r>
+              <a:rPr kumimoji="1" lang="zh-CN" altLang="en-US" dirty="0" smtClean="0"/>
+              <a:t> 服务消费</a:t>
+            </a:r>
+            <a:endParaRPr kumimoji="1" lang="zh-CN" altLang="en-US" dirty="0"/>
+          </a:p>
+        </p:txBody>
+      </p:sp>
+      <p:sp>
+        <p:nvSpPr>
+          <p:cNvPr id="2" name="文本框 1"/>
+          <p:cNvSpPr txBox="1"/>
+          <p:nvPr/>
+        </p:nvSpPr>
+        <p:spPr>
+          <a:xfrm>
+            <a:off x="738553" y="765475"/>
+            <a:ext cx="10503877" cy="5770811"/>
+          </a:xfrm>
+          <a:prstGeom prst="rect">
+            <a:avLst/>
+          </a:prstGeom>
+          <a:noFill/>
+        </p:spPr>
+        <p:txBody>
+          <a:bodyPr wrap="square" rtlCol="0">
+            <a:spAutoFit/>
+          </a:bodyPr>
+          <a:lstStyle/>
+          <a:p>
+            <a:pPr>
+              <a:lnSpc>
+                <a:spcPct val="150000"/>
+              </a:lnSpc>
+            </a:pPr>
+            <a:r>
+              <a:rPr kumimoji="1" lang="en-US" altLang="zh-CN" dirty="0" smtClean="0"/>
+              <a:t>Ribbon</a:t>
+            </a:r>
+            <a:r>
+              <a:rPr kumimoji="1" lang="zh-CN" altLang="en-US" dirty="0" smtClean="0"/>
+              <a:t>是一个提供负载均衡功能的组件。提供连接超时，重试，服务列表轮询算法等等的配置。</a:t>
+            </a:r>
+            <a:endParaRPr kumimoji="1" lang="en-US" altLang="zh-CN" dirty="0" smtClean="0"/>
+          </a:p>
+          <a:p>
+            <a:pPr>
+              <a:lnSpc>
+                <a:spcPct val="150000"/>
+              </a:lnSpc>
+            </a:pPr>
+            <a:r>
+              <a:rPr kumimoji="1" lang="zh-CN" altLang="en-US" dirty="0" smtClean="0"/>
+              <a:t>可以单独使用，也可以配合</a:t>
+            </a:r>
+            <a:r>
+              <a:rPr kumimoji="1" lang="en-US" altLang="zh-CN" dirty="0" smtClean="0"/>
+              <a:t>Eureka</a:t>
+            </a:r>
+            <a:r>
+              <a:rPr kumimoji="1" lang="zh-CN" altLang="en-US" dirty="0" smtClean="0"/>
+              <a:t>来使用。</a:t>
+            </a:r>
+            <a:endParaRPr kumimoji="1" lang="en-US" altLang="zh-CN" dirty="0" smtClean="0"/>
+          </a:p>
+          <a:p>
+            <a:pPr>
+              <a:lnSpc>
+                <a:spcPct val="150000"/>
+              </a:lnSpc>
+            </a:pPr>
+            <a:endParaRPr kumimoji="1" lang="en-US" altLang="zh-CN" dirty="0"/>
+          </a:p>
+          <a:p>
+            <a:pPr>
+              <a:lnSpc>
+                <a:spcPct val="150000"/>
+              </a:lnSpc>
+            </a:pPr>
+            <a:r>
+              <a:rPr kumimoji="1" lang="en-US" altLang="zh-CN" dirty="0" smtClean="0"/>
+              <a:t>Feign</a:t>
+            </a:r>
+            <a:r>
+              <a:rPr kumimoji="1" lang="zh-CN" altLang="en-US" dirty="0" smtClean="0"/>
+              <a:t>是一个声明式的</a:t>
+            </a:r>
+            <a:r>
+              <a:rPr kumimoji="1" lang="en-US" altLang="zh-CN" dirty="0" smtClean="0"/>
+              <a:t>HTTP</a:t>
+            </a:r>
+            <a:r>
+              <a:rPr kumimoji="1" lang="zh-CN" altLang="en-US" dirty="0" smtClean="0"/>
+              <a:t>客户端，</a:t>
+            </a:r>
+            <a:r>
+              <a:rPr lang="en-US" altLang="zh-CN" dirty="0"/>
+              <a:t>Feign</a:t>
+            </a:r>
+            <a:r>
+              <a:rPr lang="zh-CN" altLang="en-US" dirty="0"/>
+              <a:t>提供了</a:t>
+            </a:r>
+            <a:r>
+              <a:rPr lang="en-US" altLang="zh-CN" dirty="0"/>
+              <a:t>HTTP</a:t>
+            </a:r>
+            <a:r>
+              <a:rPr lang="zh-CN" altLang="en-US" dirty="0"/>
+              <a:t>请求的模板，通过编写简单的接口和插入注解，就可以定义好</a:t>
+            </a:r>
+            <a:r>
+              <a:rPr lang="en-US" altLang="zh-CN" dirty="0"/>
+              <a:t>HTTP</a:t>
+            </a:r>
+            <a:r>
+              <a:rPr lang="zh-CN" altLang="en-US" dirty="0"/>
+              <a:t>请求的参数、格式、地址等信息</a:t>
+            </a:r>
+            <a:r>
+              <a:rPr lang="zh-CN" altLang="en-US" dirty="0" smtClean="0"/>
+              <a:t>。它会完全代理</a:t>
+            </a:r>
+            <a:r>
+              <a:rPr lang="en-US" altLang="zh-CN" dirty="0" smtClean="0"/>
+              <a:t>HTTP</a:t>
+            </a:r>
+            <a:r>
+              <a:rPr lang="zh-CN" altLang="en-US" dirty="0" smtClean="0"/>
+              <a:t>请求，可以像调用一个方法一样完成一个</a:t>
+            </a:r>
+            <a:r>
+              <a:rPr lang="en-US" altLang="zh-CN" dirty="0" smtClean="0"/>
+              <a:t>HTTP</a:t>
+            </a:r>
+            <a:r>
+              <a:rPr lang="zh-CN" altLang="en-US" dirty="0" smtClean="0"/>
+              <a:t>的服务请求和结果处理。</a:t>
+            </a:r>
+            <a:endParaRPr lang="en-US" altLang="zh-CN" dirty="0" smtClean="0"/>
+          </a:p>
+          <a:p>
+            <a:pPr>
+              <a:lnSpc>
+                <a:spcPct val="150000"/>
+              </a:lnSpc>
+            </a:pPr>
+            <a:r>
+              <a:rPr kumimoji="1" lang="en-US" altLang="zh-CN" dirty="0" smtClean="0"/>
+              <a:t>Feign</a:t>
+            </a:r>
+            <a:r>
+              <a:rPr kumimoji="1" lang="zh-CN" altLang="en-US" dirty="0" smtClean="0"/>
+              <a:t>整合了</a:t>
+            </a:r>
+            <a:r>
+              <a:rPr kumimoji="1" lang="en-US" altLang="zh-CN" dirty="0" smtClean="0"/>
+              <a:t>Ribbon</a:t>
+            </a:r>
+            <a:r>
+              <a:rPr kumimoji="1" lang="zh-CN" altLang="en-US" dirty="0" smtClean="0"/>
+              <a:t>和</a:t>
+            </a:r>
+            <a:r>
+              <a:rPr kumimoji="1" lang="en-US" altLang="zh-CN" dirty="0" err="1" smtClean="0"/>
+              <a:t>Hystrix</a:t>
+            </a:r>
+            <a:r>
+              <a:rPr kumimoji="1" lang="zh-CN" altLang="en-US" dirty="0" smtClean="0"/>
+              <a:t>（断路器），可以实现负载均衡和服务熔断，可以单独使用也可以配合</a:t>
+            </a:r>
+            <a:r>
+              <a:rPr kumimoji="1" lang="en-US" altLang="zh-CN" dirty="0" smtClean="0"/>
+              <a:t>Eureka</a:t>
+            </a:r>
+            <a:r>
+              <a:rPr kumimoji="1" lang="zh-CN" altLang="en-US" dirty="0" smtClean="0"/>
+              <a:t>使用</a:t>
+            </a:r>
+            <a:r>
+              <a:rPr kumimoji="1" lang="zh-CN" altLang="en-US" dirty="0"/>
+              <a:t>。</a:t>
+            </a:r>
+            <a:r>
+              <a:rPr kumimoji="1" lang="zh-CN" altLang="en-US" dirty="0" smtClean="0"/>
+              <a:t>总结一下</a:t>
+            </a:r>
+            <a:r>
+              <a:rPr kumimoji="1" lang="en-US" altLang="zh-CN" dirty="0" smtClean="0"/>
+              <a:t>Feign</a:t>
+            </a:r>
+            <a:r>
+              <a:rPr kumimoji="1" lang="zh-CN" altLang="en-US" dirty="0" smtClean="0"/>
+              <a:t>的优点：</a:t>
+            </a:r>
+            <a:endParaRPr kumimoji="1" lang="en-US" altLang="zh-CN" dirty="0" smtClean="0"/>
+          </a:p>
+          <a:p>
+            <a:pPr marL="285750" indent="-285750">
+              <a:lnSpc>
+                <a:spcPct val="150000"/>
+              </a:lnSpc>
+              <a:buFont typeface="Arial" charset="0"/>
+              <a:buChar char="•"/>
+            </a:pPr>
+            <a:r>
+              <a:rPr lang="zh-CN" altLang="en-US" dirty="0" smtClean="0"/>
+              <a:t>可</a:t>
+            </a:r>
+            <a:r>
+              <a:rPr lang="zh-CN" altLang="en-US" dirty="0"/>
+              <a:t>插拔的注解支持，包括</a:t>
+            </a:r>
+            <a:r>
+              <a:rPr lang="en-US" altLang="zh-CN" dirty="0"/>
+              <a:t>Feign</a:t>
+            </a:r>
+            <a:r>
+              <a:rPr lang="zh-CN" altLang="en-US" dirty="0"/>
+              <a:t>注解和</a:t>
+            </a:r>
+            <a:r>
+              <a:rPr lang="en-US" altLang="zh-CN" dirty="0"/>
+              <a:t>JAX-RS</a:t>
+            </a:r>
+            <a:r>
+              <a:rPr lang="zh-CN" altLang="en-US" dirty="0"/>
+              <a:t>注解</a:t>
+            </a:r>
+            <a:r>
+              <a:rPr lang="en-US" altLang="zh-CN" dirty="0"/>
+              <a:t>;</a:t>
+            </a:r>
+          </a:p>
+          <a:p>
+            <a:pPr marL="285750" indent="-285750">
+              <a:lnSpc>
+                <a:spcPct val="150000"/>
+              </a:lnSpc>
+              <a:buFont typeface="Arial" charset="0"/>
+              <a:buChar char="•"/>
+            </a:pPr>
+            <a:r>
+              <a:rPr lang="zh-CN" altLang="en-US" dirty="0"/>
+              <a:t>支持可插拔的</a:t>
+            </a:r>
+            <a:r>
+              <a:rPr lang="en-US" altLang="zh-CN" dirty="0"/>
+              <a:t>HTTP</a:t>
+            </a:r>
+            <a:r>
+              <a:rPr lang="zh-CN" altLang="en-US" dirty="0"/>
+              <a:t>编码器和解码器</a:t>
+            </a:r>
+            <a:r>
+              <a:rPr lang="en-US" altLang="zh-CN" dirty="0"/>
+              <a:t>;</a:t>
+            </a:r>
+          </a:p>
+          <a:p>
+            <a:pPr marL="285750" indent="-285750">
+              <a:lnSpc>
+                <a:spcPct val="150000"/>
+              </a:lnSpc>
+              <a:buFont typeface="Arial" charset="0"/>
+              <a:buChar char="•"/>
+            </a:pPr>
+            <a:r>
+              <a:rPr lang="zh-CN" altLang="en-US" dirty="0"/>
+              <a:t>支持</a:t>
+            </a:r>
+            <a:r>
+              <a:rPr lang="en-US" altLang="zh-CN" dirty="0" err="1"/>
+              <a:t>Hystrix</a:t>
+            </a:r>
+            <a:r>
+              <a:rPr lang="zh-CN" altLang="en-US" dirty="0"/>
+              <a:t>和它的</a:t>
+            </a:r>
+            <a:r>
+              <a:rPr lang="en-US" altLang="zh-CN" dirty="0"/>
+              <a:t>Fallback;</a:t>
+            </a:r>
+          </a:p>
+          <a:p>
+            <a:pPr marL="285750" indent="-285750">
+              <a:lnSpc>
+                <a:spcPct val="150000"/>
+              </a:lnSpc>
+              <a:buFont typeface="Arial" charset="0"/>
+              <a:buChar char="•"/>
+            </a:pPr>
+            <a:r>
+              <a:rPr lang="zh-CN" altLang="en-US" dirty="0"/>
+              <a:t>支持</a:t>
+            </a:r>
+            <a:r>
+              <a:rPr lang="en-US" altLang="zh-CN" dirty="0"/>
+              <a:t>Ribbon</a:t>
+            </a:r>
+            <a:r>
+              <a:rPr lang="zh-CN" altLang="en-US" dirty="0"/>
+              <a:t>的负载均衡</a:t>
+            </a:r>
+            <a:r>
+              <a:rPr lang="en-US" altLang="zh-CN" dirty="0"/>
+              <a:t>;</a:t>
+            </a:r>
+          </a:p>
+          <a:p>
+            <a:pPr marL="285750" indent="-285750">
+              <a:lnSpc>
+                <a:spcPct val="150000"/>
+              </a:lnSpc>
+              <a:buFont typeface="Arial" charset="0"/>
+              <a:buChar char="•"/>
+            </a:pPr>
+            <a:r>
+              <a:rPr lang="zh-CN" altLang="en-US" dirty="0"/>
+              <a:t>支持</a:t>
+            </a:r>
+            <a:r>
+              <a:rPr lang="en-US" altLang="zh-CN" dirty="0"/>
+              <a:t>HTTP</a:t>
+            </a:r>
+            <a:r>
+              <a:rPr lang="zh-CN" altLang="en-US" dirty="0"/>
+              <a:t>请求和响应的压缩。</a:t>
+            </a:r>
+          </a:p>
+          <a:p>
+            <a:endParaRPr kumimoji="1" lang="en-US" altLang="zh-CN" dirty="0"/>
           </a:p>
         </p:txBody>
       </p:sp>
     </p:spTree>
     <p:extLst>
       <p:ext uri="{BB962C8B-B14F-4D97-AF65-F5344CB8AC3E}">
-        <p14:creationId xmlns:p14="http://schemas.microsoft.com/office/powerpoint/2010/main" xmlns="" val="1797483022"/>
+        <p14:creationId xmlns:p14="http://schemas.microsoft.com/office/powerpoint/2010/main" val="1797483022"/>
       </p:ext>
     </p:extLst>
   </p:cSld>
@@ -6761,7 +8173,7 @@
         <p:spPr>
           <a:xfrm>
             <a:off x="609600" y="203201"/>
-            <a:ext cx="646331" cy="369332"/>
+            <a:ext cx="1130438" cy="369332"/>
           </a:xfrm>
           <a:prstGeom prst="rect">
             <a:avLst/>
@@ -6775,17 +8187,25 @@
           <a:lstStyle/>
           <a:p>
             <a:r>
-              <a:rPr kumimoji="1" lang="zh-CN" altLang="en-US" smtClean="0"/>
-              <a:t>标题</a:t>
-            </a:r>
-            <a:endParaRPr kumimoji="1" lang="zh-CN" altLang="en-US"/>
+              <a:rPr kumimoji="1" lang="en-US" altLang="zh-CN" dirty="0" smtClean="0"/>
+              <a:t>3.</a:t>
+            </a:r>
+            <a:r>
+              <a:rPr kumimoji="1" lang="zh-CN" altLang="en-US" dirty="0" smtClean="0"/>
+              <a:t> </a:t>
+            </a:r>
+            <a:r>
+              <a:rPr kumimoji="1" lang="en-US" altLang="zh-CN" dirty="0" smtClean="0"/>
+              <a:t>Ribbon</a:t>
+            </a:r>
+            <a:endParaRPr kumimoji="1" lang="zh-CN" altLang="en-US" dirty="0"/>
           </a:p>
         </p:txBody>
       </p:sp>
     </p:spTree>
     <p:extLst>
       <p:ext uri="{BB962C8B-B14F-4D97-AF65-F5344CB8AC3E}">
-        <p14:creationId xmlns:p14="http://schemas.microsoft.com/office/powerpoint/2010/main" xmlns="" val="2016002298"/>
+        <p14:creationId xmlns:p14="http://schemas.microsoft.com/office/powerpoint/2010/main" val="2016002298"/>
       </p:ext>
     </p:extLst>
   </p:cSld>
@@ -6845,7 +8265,7 @@
     </p:spTree>
     <p:extLst>
       <p:ext uri="{BB962C8B-B14F-4D97-AF65-F5344CB8AC3E}">
-        <p14:creationId xmlns:p14="http://schemas.microsoft.com/office/powerpoint/2010/main" xmlns="" val="366060701"/>
+        <p14:creationId xmlns:p14="http://schemas.microsoft.com/office/powerpoint/2010/main" val="366060701"/>
       </p:ext>
     </p:extLst>
   </p:cSld>
@@ -6905,7 +8325,7 @@
     </p:spTree>
     <p:extLst>
       <p:ext uri="{BB962C8B-B14F-4D97-AF65-F5344CB8AC3E}">
-        <p14:creationId xmlns:p14="http://schemas.microsoft.com/office/powerpoint/2010/main" xmlns="" val="2009350891"/>
+        <p14:creationId xmlns:p14="http://schemas.microsoft.com/office/powerpoint/2010/main" val="2009350891"/>
       </p:ext>
     </p:extLst>
   </p:cSld>
@@ -6965,7 +8385,7 @@
     </p:spTree>
     <p:extLst>
       <p:ext uri="{BB962C8B-B14F-4D97-AF65-F5344CB8AC3E}">
-        <p14:creationId xmlns:p14="http://schemas.microsoft.com/office/powerpoint/2010/main" xmlns="" val="1730099422"/>
+        <p14:creationId xmlns:p14="http://schemas.microsoft.com/office/powerpoint/2010/main" val="1730099422"/>
       </p:ext>
     </p:extLst>
   </p:cSld>
@@ -7025,7 +8445,7 @@
     </p:spTree>
     <p:extLst>
       <p:ext uri="{BB962C8B-B14F-4D97-AF65-F5344CB8AC3E}">
-        <p14:creationId xmlns:p14="http://schemas.microsoft.com/office/powerpoint/2010/main" xmlns="" val="510350281"/>
+        <p14:creationId xmlns:p14="http://schemas.microsoft.com/office/powerpoint/2010/main" val="510350281"/>
       </p:ext>
     </p:extLst>
   </p:cSld>
@@ -7248,7 +8668,7 @@
     </p:spTree>
     <p:extLst>
       <p:ext uri="{BB962C8B-B14F-4D97-AF65-F5344CB8AC3E}">
-        <p14:creationId xmlns:p14="http://schemas.microsoft.com/office/powerpoint/2010/main" xmlns="" val="29691590"/>
+        <p14:creationId xmlns:p14="http://schemas.microsoft.com/office/powerpoint/2010/main" val="29691590"/>
       </p:ext>
     </p:extLst>
   </p:cSld>
@@ -7315,7 +8735,7 @@
     </p:spTree>
     <p:extLst>
       <p:ext uri="{BB962C8B-B14F-4D97-AF65-F5344CB8AC3E}">
-        <p14:creationId xmlns:p14="http://schemas.microsoft.com/office/powerpoint/2010/main" xmlns="" val="302759460"/>
+        <p14:creationId xmlns:p14="http://schemas.microsoft.com/office/powerpoint/2010/main" val="302759460"/>
       </p:ext>
     </p:extLst>
   </p:cSld>
@@ -7375,7 +8795,7 @@
     </p:spTree>
     <p:extLst>
       <p:ext uri="{BB962C8B-B14F-4D97-AF65-F5344CB8AC3E}">
-        <p14:creationId xmlns:p14="http://schemas.microsoft.com/office/powerpoint/2010/main" xmlns="" val="1520030617"/>
+        <p14:creationId xmlns:p14="http://schemas.microsoft.com/office/powerpoint/2010/main" val="1520030617"/>
       </p:ext>
     </p:extLst>
   </p:cSld>
@@ -7435,7 +8855,7 @@
     </p:spTree>
     <p:extLst>
       <p:ext uri="{BB962C8B-B14F-4D97-AF65-F5344CB8AC3E}">
-        <p14:creationId xmlns:p14="http://schemas.microsoft.com/office/powerpoint/2010/main" xmlns="" val="579975778"/>
+        <p14:creationId xmlns:p14="http://schemas.microsoft.com/office/powerpoint/2010/main" val="579975778"/>
       </p:ext>
     </p:extLst>
   </p:cSld>
@@ -7495,7 +8915,7 @@
     </p:spTree>
     <p:extLst>
       <p:ext uri="{BB962C8B-B14F-4D97-AF65-F5344CB8AC3E}">
-        <p14:creationId xmlns:p14="http://schemas.microsoft.com/office/powerpoint/2010/main" xmlns="" val="31636765"/>
+        <p14:creationId xmlns:p14="http://schemas.microsoft.com/office/powerpoint/2010/main" val="31636765"/>
       </p:ext>
     </p:extLst>
   </p:cSld>
@@ -7555,7 +8975,7 @@
     </p:spTree>
     <p:extLst>
       <p:ext uri="{BB962C8B-B14F-4D97-AF65-F5344CB8AC3E}">
-        <p14:creationId xmlns:p14="http://schemas.microsoft.com/office/powerpoint/2010/main" xmlns="" val="197794275"/>
+        <p14:creationId xmlns:p14="http://schemas.microsoft.com/office/powerpoint/2010/main" val="197794275"/>
       </p:ext>
     </p:extLst>
   </p:cSld>
@@ -7615,7 +9035,7 @@
     </p:spTree>
     <p:extLst>
       <p:ext uri="{BB962C8B-B14F-4D97-AF65-F5344CB8AC3E}">
-        <p14:creationId xmlns:p14="http://schemas.microsoft.com/office/powerpoint/2010/main" xmlns="" val="946785088"/>
+        <p14:creationId xmlns:p14="http://schemas.microsoft.com/office/powerpoint/2010/main" val="946785088"/>
       </p:ext>
     </p:extLst>
   </p:cSld>
@@ -7675,7 +9095,7 @@
     </p:spTree>
     <p:extLst>
       <p:ext uri="{BB962C8B-B14F-4D97-AF65-F5344CB8AC3E}">
-        <p14:creationId xmlns:p14="http://schemas.microsoft.com/office/powerpoint/2010/main" xmlns="" val="692462560"/>
+        <p14:creationId xmlns:p14="http://schemas.microsoft.com/office/powerpoint/2010/main" val="692462560"/>
       </p:ext>
     </p:extLst>
   </p:cSld>
@@ -7735,7 +9155,7 @@
     </p:spTree>
     <p:extLst>
       <p:ext uri="{BB962C8B-B14F-4D97-AF65-F5344CB8AC3E}">
-        <p14:creationId xmlns:p14="http://schemas.microsoft.com/office/powerpoint/2010/main" xmlns="" val="1104567969"/>
+        <p14:creationId xmlns:p14="http://schemas.microsoft.com/office/powerpoint/2010/main" val="1104567969"/>
       </p:ext>
     </p:extLst>
   </p:cSld>
@@ -7795,7 +9215,7 @@
     </p:spTree>
     <p:extLst>
       <p:ext uri="{BB962C8B-B14F-4D97-AF65-F5344CB8AC3E}">
-        <p14:creationId xmlns:p14="http://schemas.microsoft.com/office/powerpoint/2010/main" xmlns="" val="1065258012"/>
+        <p14:creationId xmlns:p14="http://schemas.microsoft.com/office/powerpoint/2010/main" val="1065258012"/>
       </p:ext>
     </p:extLst>
   </p:cSld>
@@ -7855,7 +9275,7 @@
     </p:spTree>
     <p:extLst>
       <p:ext uri="{BB962C8B-B14F-4D97-AF65-F5344CB8AC3E}">
-        <p14:creationId xmlns:p14="http://schemas.microsoft.com/office/powerpoint/2010/main" xmlns="" val="1503810734"/>
+        <p14:creationId xmlns:p14="http://schemas.microsoft.com/office/powerpoint/2010/main" val="1503810734"/>
       </p:ext>
     </p:extLst>
   </p:cSld>
@@ -7891,7 +9311,7 @@
         <p:spPr>
           <a:xfrm>
             <a:off x="1930400" y="1048253"/>
-            <a:ext cx="8229599" cy="4437305"/>
+            <a:ext cx="8229599" cy="4524315"/>
           </a:xfrm>
           <a:prstGeom prst="rect">
             <a:avLst/>
@@ -7941,7 +9361,7 @@
             </a:r>
             <a:r>
               <a:rPr kumimoji="1" lang="zh-CN" altLang="en-US" sz="3200" dirty="0" smtClean="0"/>
-              <a:t>服务发现</a:t>
+              <a:t>服务注册发现</a:t>
             </a:r>
             <a:endParaRPr kumimoji="1" lang="en-US" altLang="zh-CN" sz="3200" dirty="0" smtClean="0"/>
           </a:p>
@@ -8061,11 +9481,7 @@
             </a:r>
             <a:r>
               <a:rPr kumimoji="1" lang="zh-CN" altLang="en-US" sz="3200" dirty="0" smtClean="0"/>
-              <a:t>配置</a:t>
-            </a:r>
-            <a:r>
-              <a:rPr kumimoji="1" lang="zh-CN" altLang="en-US" sz="3200" dirty="0" smtClean="0"/>
-              <a:t>，总线</a:t>
+              <a:t>配置，总线</a:t>
             </a:r>
             <a:endParaRPr kumimoji="1" lang="zh-CN" altLang="en-US" sz="3200" dirty="0"/>
           </a:p>
@@ -8074,7 +9490,7 @@
     </p:spTree>
     <p:extLst>
       <p:ext uri="{BB962C8B-B14F-4D97-AF65-F5344CB8AC3E}">
-        <p14:creationId xmlns:p14="http://schemas.microsoft.com/office/powerpoint/2010/main" xmlns="" val="1054622306"/>
+        <p14:creationId xmlns:p14="http://schemas.microsoft.com/office/powerpoint/2010/main" val="1054622306"/>
       </p:ext>
     </p:extLst>
   </p:cSld>
@@ -8141,7 +9557,7 @@
     </p:spTree>
     <p:extLst>
       <p:ext uri="{BB962C8B-B14F-4D97-AF65-F5344CB8AC3E}">
-        <p14:creationId xmlns:p14="http://schemas.microsoft.com/office/powerpoint/2010/main" xmlns="" val="1581216527"/>
+        <p14:creationId xmlns:p14="http://schemas.microsoft.com/office/powerpoint/2010/main" val="1581216527"/>
       </p:ext>
     </p:extLst>
   </p:cSld>
@@ -8201,7 +9617,7 @@
     </p:spTree>
     <p:extLst>
       <p:ext uri="{BB962C8B-B14F-4D97-AF65-F5344CB8AC3E}">
-        <p14:creationId xmlns:p14="http://schemas.microsoft.com/office/powerpoint/2010/main" xmlns="" val="1153196795"/>
+        <p14:creationId xmlns:p14="http://schemas.microsoft.com/office/powerpoint/2010/main" val="1153196795"/>
       </p:ext>
     </p:extLst>
   </p:cSld>
@@ -8305,7 +9721,7 @@
     </p:spTree>
     <p:extLst>
       <p:ext uri="{BB962C8B-B14F-4D97-AF65-F5344CB8AC3E}">
-        <p14:creationId xmlns:p14="http://schemas.microsoft.com/office/powerpoint/2010/main" xmlns="" val="38714306"/>
+        <p14:creationId xmlns:p14="http://schemas.microsoft.com/office/powerpoint/2010/main" val="38714306"/>
       </p:ext>
     </p:extLst>
   </p:cSld>
@@ -8397,8 +9813,8 @@
         </p:nvSpPr>
         <p:spPr>
           <a:xfrm>
-            <a:off x="849085" y="1306286"/>
-            <a:ext cx="9862458" cy="4524315"/>
+            <a:off x="831833" y="1099252"/>
+            <a:ext cx="9862458" cy="4801314"/>
           </a:xfrm>
           <a:prstGeom prst="rect">
             <a:avLst/>
@@ -8421,8 +9837,15 @@
             </a:r>
             <a:r>
               <a:rPr kumimoji="1" lang="zh-CN" altLang="en-US" dirty="0" smtClean="0"/>
-              <a:t>配置，约定大于配置？</a:t>
-            </a:r>
+              <a:t>配置，约定大于</a:t>
+            </a:r>
+            <a:r>
+              <a:rPr kumimoji="1" lang="zh-CN" altLang="en-US" dirty="0" smtClean="0"/>
+              <a:t>配置</a:t>
+            </a:r>
+            <a:endParaRPr kumimoji="1" lang="en-US" altLang="zh-CN" dirty="0" smtClean="0"/>
+          </a:p>
+          <a:p>
             <a:endParaRPr kumimoji="1" lang="en-US" altLang="zh-CN" dirty="0" smtClean="0"/>
           </a:p>
           <a:p>
@@ -8643,7 +10066,7 @@
     </p:spTree>
     <p:extLst>
       <p:ext uri="{BB962C8B-B14F-4D97-AF65-F5344CB8AC3E}">
-        <p14:creationId xmlns:p14="http://schemas.microsoft.com/office/powerpoint/2010/main" xmlns="" val="388131276"/>
+        <p14:creationId xmlns:p14="http://schemas.microsoft.com/office/powerpoint/2010/main" val="388131276"/>
       </p:ext>
     </p:extLst>
   </p:cSld>
@@ -8686,7 +10109,7 @@
         <p:spPr>
           <a:xfrm>
             <a:off x="609600" y="203201"/>
-            <a:ext cx="2755883" cy="369332"/>
+            <a:ext cx="3244799" cy="369332"/>
           </a:xfrm>
           <a:prstGeom prst="rect">
             <a:avLst/>
@@ -8729,7 +10152,15 @@
             </a:r>
             <a:r>
               <a:rPr kumimoji="1" lang="zh-CN" altLang="en-US" dirty="0" smtClean="0"/>
-              <a:t> 项目启动</a:t>
+              <a:t> </a:t>
+            </a:r>
+            <a:r>
+              <a:rPr kumimoji="1" lang="en-US" altLang="zh-CN" dirty="0" smtClean="0"/>
+              <a:t>Bean</a:t>
+            </a:r>
+            <a:r>
+              <a:rPr kumimoji="1" lang="zh-CN" altLang="en-US" dirty="0" smtClean="0"/>
+              <a:t>自动加载</a:t>
             </a:r>
             <a:endParaRPr kumimoji="1" lang="zh-CN" altLang="en-US" dirty="0"/>
           </a:p>
@@ -8743,8 +10174,8 @@
         </p:nvSpPr>
         <p:spPr>
           <a:xfrm>
-            <a:off x="1409700" y="1612900"/>
-            <a:ext cx="8597900" cy="369332"/>
+            <a:off x="1202665" y="1267843"/>
+            <a:ext cx="9614859" cy="4524315"/>
           </a:xfrm>
           <a:prstGeom prst="rect">
             <a:avLst/>
@@ -8757,14 +10188,327 @@
           </a:bodyPr>
           <a:lstStyle/>
           <a:p>
-            <a:endParaRPr lang="zh-CN" altLang="en-US"/>
+            <a:r>
+              <a:rPr lang="zh-CN" altLang="en-US" dirty="0" smtClean="0"/>
+              <a:t>自动注入的几个关键注解：</a:t>
+            </a:r>
+            <a:endParaRPr lang="en-US" altLang="zh-CN" dirty="0" smtClean="0"/>
+          </a:p>
+          <a:p>
+            <a:endParaRPr lang="en-US" altLang="zh-CN" dirty="0" smtClean="0"/>
+          </a:p>
+          <a:p>
+            <a:r>
+              <a:rPr lang="en-US" altLang="zh-CN" dirty="0" smtClean="0"/>
+              <a:t>@</a:t>
+            </a:r>
+            <a:r>
+              <a:rPr lang="en-US" altLang="zh-CN" b="1" dirty="0" smtClean="0"/>
+              <a:t>Conditional</a:t>
+            </a:r>
+            <a:r>
+              <a:rPr lang="en-US" altLang="zh-CN" dirty="0" smtClean="0"/>
+              <a:t>,</a:t>
+            </a:r>
+            <a:r>
+              <a:rPr lang="zh-CN" altLang="en-US" dirty="0" smtClean="0"/>
+              <a:t>  满足指定条件实例化对应的</a:t>
+            </a:r>
+            <a:r>
+              <a:rPr lang="en-US" altLang="zh-CN" dirty="0" smtClean="0"/>
+              <a:t>Bean</a:t>
+            </a:r>
+            <a:endParaRPr lang="en-US" altLang="zh-CN" b="1" dirty="0"/>
+          </a:p>
+          <a:p>
+            <a:pPr>
+              <a:lnSpc>
+                <a:spcPct val="150000"/>
+              </a:lnSpc>
+            </a:pPr>
+            <a:r>
+              <a:rPr lang="en-US" altLang="zh-CN" dirty="0"/>
+              <a:t>@</a:t>
+            </a:r>
+            <a:r>
+              <a:rPr lang="en-US" altLang="zh-CN" b="1" dirty="0" err="1"/>
+              <a:t>ConditionalOnBean</a:t>
+            </a:r>
+            <a:r>
+              <a:rPr lang="zh-CN" altLang="en-US" dirty="0"/>
+              <a:t>，仅在当前上下文中存在某个</a:t>
+            </a:r>
+            <a:r>
+              <a:rPr lang="en-US" altLang="zh-CN" dirty="0"/>
+              <a:t>bean</a:t>
+            </a:r>
+            <a:r>
+              <a:rPr lang="zh-CN" altLang="en-US" dirty="0"/>
+              <a:t>时，才会实例化这个</a:t>
+            </a:r>
+            <a:r>
+              <a:rPr lang="en-US" altLang="zh-CN" dirty="0"/>
+              <a:t>Bean</a:t>
+            </a:r>
+            <a:r>
+              <a:rPr lang="zh-CN" altLang="en-US" dirty="0"/>
+              <a:t>。</a:t>
+            </a:r>
+          </a:p>
+          <a:p>
+            <a:pPr>
+              <a:lnSpc>
+                <a:spcPct val="150000"/>
+              </a:lnSpc>
+            </a:pPr>
+            <a:r>
+              <a:rPr lang="en-US" altLang="zh-CN" dirty="0"/>
+              <a:t>@</a:t>
+            </a:r>
+            <a:r>
+              <a:rPr lang="en-US" altLang="zh-CN" b="1" dirty="0" err="1"/>
+              <a:t>ConditionalOnClass</a:t>
+            </a:r>
+            <a:r>
+              <a:rPr lang="zh-CN" altLang="en-US" dirty="0"/>
+              <a:t>，某个</a:t>
+            </a:r>
+            <a:r>
+              <a:rPr lang="en-US" altLang="zh-CN" dirty="0"/>
+              <a:t>class</a:t>
+            </a:r>
+            <a:r>
+              <a:rPr lang="zh-CN" altLang="en-US" dirty="0"/>
+              <a:t>位于类路径上，才会实例化这个</a:t>
+            </a:r>
+            <a:r>
+              <a:rPr lang="en-US" altLang="zh-CN" dirty="0"/>
+              <a:t>Bean</a:t>
+            </a:r>
+            <a:r>
+              <a:rPr lang="zh-CN" altLang="en-US" dirty="0"/>
+              <a:t>。</a:t>
+            </a:r>
+          </a:p>
+          <a:p>
+            <a:pPr>
+              <a:lnSpc>
+                <a:spcPct val="150000"/>
+              </a:lnSpc>
+            </a:pPr>
+            <a:r>
+              <a:rPr lang="en-US" altLang="zh-CN" dirty="0"/>
+              <a:t>@</a:t>
+            </a:r>
+            <a:r>
+              <a:rPr lang="en-US" altLang="zh-CN" b="1" dirty="0" err="1"/>
+              <a:t>ConditionalOnExpression</a:t>
+            </a:r>
+            <a:r>
+              <a:rPr lang="zh-CN" altLang="en-US" dirty="0"/>
+              <a:t>，当表达式为</a:t>
+            </a:r>
+            <a:r>
+              <a:rPr lang="en-US" altLang="zh-CN" dirty="0"/>
+              <a:t>true</a:t>
+            </a:r>
+            <a:r>
+              <a:rPr lang="zh-CN" altLang="en-US" dirty="0"/>
+              <a:t>的时候，才会实例化这个</a:t>
+            </a:r>
+            <a:r>
+              <a:rPr lang="en-US" altLang="zh-CN" dirty="0"/>
+              <a:t>Bean</a:t>
+            </a:r>
+            <a:r>
+              <a:rPr lang="zh-CN" altLang="en-US" dirty="0"/>
+              <a:t>。</a:t>
+            </a:r>
+          </a:p>
+          <a:p>
+            <a:pPr>
+              <a:lnSpc>
+                <a:spcPct val="150000"/>
+              </a:lnSpc>
+            </a:pPr>
+            <a:r>
+              <a:rPr lang="en-US" altLang="zh-CN" dirty="0"/>
+              <a:t>@</a:t>
+            </a:r>
+            <a:r>
+              <a:rPr lang="en-US" altLang="zh-CN" b="1" dirty="0" err="1"/>
+              <a:t>ConditionalOnMissingBean</a:t>
+            </a:r>
+            <a:r>
+              <a:rPr lang="zh-CN" altLang="en-US" dirty="0"/>
+              <a:t>，仅在当前上下文中不存在某个</a:t>
+            </a:r>
+            <a:r>
+              <a:rPr lang="en-US" altLang="zh-CN" dirty="0"/>
+              <a:t>bean</a:t>
+            </a:r>
+            <a:r>
+              <a:rPr lang="zh-CN" altLang="en-US" dirty="0"/>
+              <a:t>时，才会实例化这个</a:t>
+            </a:r>
+            <a:r>
+              <a:rPr lang="en-US" altLang="zh-CN" dirty="0"/>
+              <a:t>Bean</a:t>
+            </a:r>
+            <a:r>
+              <a:rPr lang="zh-CN" altLang="en-US" dirty="0"/>
+              <a:t>。</a:t>
+            </a:r>
+          </a:p>
+          <a:p>
+            <a:pPr>
+              <a:lnSpc>
+                <a:spcPct val="150000"/>
+              </a:lnSpc>
+            </a:pPr>
+            <a:r>
+              <a:rPr lang="en-US" altLang="zh-CN" dirty="0"/>
+              <a:t>@</a:t>
+            </a:r>
+            <a:r>
+              <a:rPr lang="en-US" altLang="zh-CN" b="1" dirty="0" err="1"/>
+              <a:t>ConditionalOnMissingClass</a:t>
+            </a:r>
+            <a:r>
+              <a:rPr lang="zh-CN" altLang="en-US" dirty="0"/>
+              <a:t>，某个</a:t>
+            </a:r>
+            <a:r>
+              <a:rPr lang="en-US" altLang="zh-CN" dirty="0"/>
+              <a:t>class</a:t>
+            </a:r>
+            <a:r>
+              <a:rPr lang="zh-CN" altLang="en-US" dirty="0"/>
+              <a:t>在类路径上不存在的时候，才会实例化这个</a:t>
+            </a:r>
+            <a:r>
+              <a:rPr lang="en-US" altLang="zh-CN" dirty="0"/>
+              <a:t>Bean</a:t>
+            </a:r>
+            <a:r>
+              <a:rPr lang="zh-CN" altLang="en-US" dirty="0"/>
+              <a:t>。</a:t>
+            </a:r>
+          </a:p>
+          <a:p>
+            <a:pPr>
+              <a:lnSpc>
+                <a:spcPct val="150000"/>
+              </a:lnSpc>
+            </a:pPr>
+            <a:r>
+              <a:rPr lang="en-US" altLang="zh-CN" dirty="0"/>
+              <a:t>@</a:t>
+            </a:r>
+            <a:r>
+              <a:rPr lang="en-US" altLang="zh-CN" b="1" dirty="0" err="1"/>
+              <a:t>ConditionalOnNotWebApplication</a:t>
+            </a:r>
+            <a:r>
+              <a:rPr lang="zh-CN" altLang="en-US" dirty="0"/>
+              <a:t>，不是</a:t>
+            </a:r>
+            <a:r>
+              <a:rPr lang="en-US" altLang="zh-CN" dirty="0"/>
+              <a:t>web</a:t>
+            </a:r>
+            <a:r>
+              <a:rPr lang="zh-CN" altLang="en-US" dirty="0"/>
+              <a:t>应用时才会实例化这个</a:t>
+            </a:r>
+            <a:r>
+              <a:rPr lang="en-US" altLang="zh-CN" dirty="0"/>
+              <a:t>Bean</a:t>
+            </a:r>
+            <a:r>
+              <a:rPr lang="zh-CN" altLang="en-US" dirty="0"/>
+              <a:t>。</a:t>
+            </a:r>
+          </a:p>
+          <a:p>
+            <a:pPr>
+              <a:lnSpc>
+                <a:spcPct val="150000"/>
+              </a:lnSpc>
+            </a:pPr>
+            <a:r>
+              <a:rPr lang="en-US" altLang="zh-CN" dirty="0"/>
+              <a:t>@</a:t>
+            </a:r>
+            <a:r>
+              <a:rPr lang="en-US" altLang="zh-CN" b="1" dirty="0" err="1"/>
+              <a:t>AutoConfigureAfter</a:t>
+            </a:r>
+            <a:r>
+              <a:rPr lang="zh-CN" altLang="en-US" dirty="0"/>
+              <a:t>，在某个</a:t>
+            </a:r>
+            <a:r>
+              <a:rPr lang="en-US" altLang="zh-CN" dirty="0"/>
+              <a:t>bean</a:t>
+            </a:r>
+            <a:r>
+              <a:rPr lang="zh-CN" altLang="en-US" dirty="0"/>
+              <a:t>完成自动配置后实例化这个</a:t>
+            </a:r>
+            <a:r>
+              <a:rPr lang="en-US" altLang="zh-CN" dirty="0"/>
+              <a:t>bean</a:t>
+            </a:r>
+            <a:r>
+              <a:rPr lang="zh-CN" altLang="en-US" dirty="0"/>
+              <a:t>。</a:t>
+            </a:r>
+          </a:p>
+          <a:p>
+            <a:pPr>
+              <a:lnSpc>
+                <a:spcPct val="150000"/>
+              </a:lnSpc>
+            </a:pPr>
+            <a:r>
+              <a:rPr lang="en-US" altLang="zh-CN" dirty="0"/>
+              <a:t>@</a:t>
+            </a:r>
+            <a:r>
+              <a:rPr lang="en-US" altLang="zh-CN" b="1" dirty="0" err="1"/>
+              <a:t>AutoConfigureBefore</a:t>
+            </a:r>
+            <a:r>
+              <a:rPr lang="zh-CN" altLang="en-US" dirty="0"/>
+              <a:t>，在某个</a:t>
+            </a:r>
+            <a:r>
+              <a:rPr lang="en-US" altLang="zh-CN" dirty="0"/>
+              <a:t>bean</a:t>
+            </a:r>
+            <a:r>
+              <a:rPr lang="zh-CN" altLang="en-US" dirty="0"/>
+              <a:t>完成自动配置前实例化这个</a:t>
+            </a:r>
+            <a:r>
+              <a:rPr lang="en-US" altLang="zh-CN" dirty="0"/>
+              <a:t>bean</a:t>
+            </a:r>
+            <a:r>
+              <a:rPr lang="zh-CN" altLang="en-US" dirty="0"/>
+              <a:t>。</a:t>
+            </a:r>
+          </a:p>
+          <a:p>
+            <a:endParaRPr lang="zh-CN" altLang="en-US" dirty="0"/>
           </a:p>
         </p:txBody>
       </p:sp>
     </p:spTree>
     <p:extLst>
       <p:ext uri="{BB962C8B-B14F-4D97-AF65-F5344CB8AC3E}">
-        <p14:creationId xmlns:p14="http://schemas.microsoft.com/office/powerpoint/2010/main" xmlns="" val="1190188661"/>
+        <p14:creationId xmlns:p14="http://schemas.microsoft.com/office/powerpoint/2010/main" val="1190188661"/>
       </p:ext>
     </p:extLst>
   </p:cSld>
@@ -8798,40 +10542,34 @@
           <a:chExt cx="0" cy="0"/>
         </a:xfrm>
       </p:grpSpPr>
-      <p:sp>
-        <p:nvSpPr>
-          <p:cNvPr id="6" name="文本框 5"/>
-          <p:cNvSpPr txBox="1"/>
+      <p:pic>
+        <p:nvPicPr>
+          <p:cNvPr id="4" name="图片 3"/>
+          <p:cNvPicPr>
+            <a:picLocks noChangeAspect="1"/>
+          </p:cNvPicPr>
           <p:nvPr/>
-        </p:nvSpPr>
+        </p:nvPicPr>
+        <p:blipFill>
+          <a:blip r:embed="rId2"/>
+          <a:stretch>
+            <a:fillRect/>
+          </a:stretch>
+        </p:blipFill>
         <p:spPr>
           <a:xfrm>
-            <a:off x="609600" y="203201"/>
-            <a:ext cx="646331" cy="369332"/>
+            <a:off x="2433617" y="0"/>
+            <a:ext cx="6602591" cy="6789549"/>
           </a:xfrm>
           <a:prstGeom prst="rect">
             <a:avLst/>
           </a:prstGeom>
-          <a:noFill/>
         </p:spPr>
-        <p:txBody>
-          <a:bodyPr wrap="none" rtlCol="0">
-            <a:spAutoFit/>
-          </a:bodyPr>
-          <a:lstStyle/>
-          <a:p>
-            <a:r>
-              <a:rPr kumimoji="1" lang="zh-CN" altLang="en-US" smtClean="0"/>
-              <a:t>标题</a:t>
-            </a:r>
-            <a:endParaRPr kumimoji="1" lang="zh-CN" altLang="en-US"/>
-          </a:p>
-        </p:txBody>
-      </p:sp>
+      </p:pic>
     </p:spTree>
     <p:extLst>
       <p:ext uri="{BB962C8B-B14F-4D97-AF65-F5344CB8AC3E}">
-        <p14:creationId xmlns:p14="http://schemas.microsoft.com/office/powerpoint/2010/main" xmlns="" val="2020817988"/>
+        <p14:creationId xmlns:p14="http://schemas.microsoft.com/office/powerpoint/2010/main" val="1298196754"/>
       </p:ext>
     </p:extLst>
   </p:cSld>
@@ -8874,7 +10612,7 @@
         <p:spPr>
           <a:xfrm>
             <a:off x="609600" y="203201"/>
-            <a:ext cx="646331" cy="369332"/>
+            <a:ext cx="2783134" cy="369332"/>
           </a:xfrm>
           <a:prstGeom prst="rect">
             <a:avLst/>
@@ -8888,23 +10626,289 @@
           <a:lstStyle/>
           <a:p>
             <a:r>
-              <a:rPr kumimoji="1" lang="zh-CN" altLang="en-US" smtClean="0"/>
-              <a:t>标题</a:t>
-            </a:r>
-            <a:endParaRPr kumimoji="1" lang="zh-CN" altLang="en-US"/>
+              <a:rPr kumimoji="1" lang="en-US" altLang="zh-CN" dirty="0" smtClean="0"/>
+              <a:t>1.</a:t>
+            </a:r>
+            <a:r>
+              <a:rPr kumimoji="1" lang="zh-CN" altLang="en-US" dirty="0" smtClean="0"/>
+              <a:t> </a:t>
+            </a:r>
+            <a:r>
+              <a:rPr kumimoji="1" lang="en-US" altLang="zh-CN" dirty="0" smtClean="0"/>
+              <a:t>Spring</a:t>
+            </a:r>
+            <a:r>
+              <a:rPr kumimoji="1" lang="zh-CN" altLang="en-US" dirty="0" smtClean="0"/>
+              <a:t> </a:t>
+            </a:r>
+            <a:r>
+              <a:rPr kumimoji="1" lang="en-US" altLang="zh-CN" dirty="0" smtClean="0"/>
+              <a:t>Boot</a:t>
+            </a:r>
+            <a:r>
+              <a:rPr kumimoji="1" lang="zh-CN" altLang="en-US" dirty="0" smtClean="0"/>
+              <a:t> </a:t>
+            </a:r>
+            <a:r>
+              <a:rPr kumimoji="1" lang="mr-IN" altLang="zh-CN" dirty="0" smtClean="0"/>
+              <a:t>–</a:t>
+            </a:r>
+            <a:r>
+              <a:rPr kumimoji="1" lang="zh-CN" altLang="en-US" dirty="0" smtClean="0"/>
+              <a:t> </a:t>
+            </a:r>
+            <a:r>
+              <a:rPr kumimoji="1" lang="en-US" altLang="zh-CN" dirty="0" smtClean="0"/>
+              <a:t>Bean</a:t>
+            </a:r>
+            <a:r>
+              <a:rPr kumimoji="1" lang="zh-CN" altLang="en-US" dirty="0" smtClean="0"/>
+              <a:t>加载</a:t>
+            </a:r>
+            <a:endParaRPr kumimoji="1" lang="zh-CN" altLang="en-US" dirty="0"/>
+          </a:p>
+        </p:txBody>
+      </p:sp>
+      <p:sp>
+        <p:nvSpPr>
+          <p:cNvPr id="5" name="文本框 4"/>
+          <p:cNvSpPr txBox="1"/>
+          <p:nvPr/>
+        </p:nvSpPr>
+        <p:spPr>
+          <a:xfrm>
+            <a:off x="1086927" y="1155939"/>
+            <a:ext cx="10317193" cy="4801314"/>
+          </a:xfrm>
+          <a:prstGeom prst="rect">
+            <a:avLst/>
+          </a:prstGeom>
+          <a:noFill/>
+        </p:spPr>
+        <p:txBody>
+          <a:bodyPr wrap="square" rtlCol="0">
+            <a:spAutoFit/>
+          </a:bodyPr>
+          <a:lstStyle/>
+          <a:p>
+            <a:endParaRPr kumimoji="1" lang="en-US" altLang="zh-CN" dirty="0" smtClean="0"/>
+          </a:p>
+          <a:p>
+            <a:r>
+              <a:rPr kumimoji="1" lang="zh-CN" altLang="en-US" dirty="0" smtClean="0"/>
+              <a:t>简单看一些代码，关键方法：</a:t>
+            </a:r>
+            <a:endParaRPr kumimoji="1" lang="en-US" altLang="zh-CN" dirty="0" smtClean="0"/>
+          </a:p>
+          <a:p>
+            <a:endParaRPr kumimoji="1" lang="en-US" altLang="zh-CN" dirty="0"/>
+          </a:p>
+          <a:p>
+            <a:r>
+              <a:rPr kumimoji="1" lang="zh-CN" altLang="en-US" dirty="0" smtClean="0"/>
+              <a:t>程序入口：</a:t>
+            </a:r>
+            <a:r>
+              <a:rPr lang="en-US" altLang="zh-CN" dirty="0" err="1" smtClean="0"/>
+              <a:t>SpringApplication.run</a:t>
+            </a:r>
+            <a:r>
+              <a:rPr lang="en-US" altLang="zh-CN" dirty="0"/>
+              <a:t>(</a:t>
+            </a:r>
+            <a:r>
+              <a:rPr lang="en-US" altLang="zh-CN" dirty="0" smtClean="0"/>
+              <a:t>)</a:t>
+            </a:r>
+          </a:p>
+          <a:p>
+            <a:endParaRPr lang="en-US" altLang="zh-CN" dirty="0" smtClean="0"/>
+          </a:p>
+          <a:p>
+            <a:r>
+              <a:rPr lang="zh-CN" altLang="en-US" dirty="0" smtClean="0"/>
+              <a:t>生成入口程序对应的</a:t>
+            </a:r>
+            <a:r>
+              <a:rPr lang="en-US" altLang="zh-CN" dirty="0" smtClean="0"/>
+              <a:t>Bean</a:t>
+            </a:r>
+            <a:r>
+              <a:rPr lang="zh-CN" altLang="en-US" dirty="0" smtClean="0"/>
+              <a:t>：</a:t>
+            </a:r>
+            <a:r>
+              <a:rPr lang="en-US" altLang="zh-CN" dirty="0" err="1" smtClean="0"/>
+              <a:t>SpringApplication.prepareContext</a:t>
+            </a:r>
+            <a:r>
+              <a:rPr lang="en-US" altLang="zh-CN" dirty="0" smtClean="0"/>
+              <a:t>()</a:t>
+            </a:r>
+          </a:p>
+          <a:p>
+            <a:endParaRPr kumimoji="1" lang="en-US" altLang="zh-CN" dirty="0" smtClean="0">
+              <a:sym typeface="Wingdings"/>
+            </a:endParaRPr>
+          </a:p>
+          <a:p>
+            <a:r>
+              <a:rPr kumimoji="1" lang="zh-CN" altLang="en-US" dirty="0" smtClean="0">
+                <a:sym typeface="Wingdings"/>
+              </a:rPr>
+              <a:t>生成其他</a:t>
+            </a:r>
+            <a:r>
+              <a:rPr kumimoji="1" lang="en-US" altLang="zh-CN" dirty="0" smtClean="0">
+                <a:sym typeface="Wingdings"/>
+              </a:rPr>
+              <a:t>Bean</a:t>
+            </a:r>
+            <a:r>
+              <a:rPr kumimoji="1" lang="zh-CN" altLang="en-US" dirty="0" smtClean="0">
+                <a:sym typeface="Wingdings"/>
+              </a:rPr>
+              <a:t> ： </a:t>
+            </a:r>
+            <a:r>
+              <a:rPr kumimoji="1" lang="en-US" altLang="zh-CN" dirty="0" err="1" smtClean="0">
+                <a:sym typeface="Wingdings"/>
+              </a:rPr>
+              <a:t>SpringApplication.</a:t>
+            </a:r>
+            <a:r>
+              <a:rPr lang="en-US" altLang="zh-CN" dirty="0" err="1" smtClean="0"/>
+              <a:t>refresh</a:t>
+            </a:r>
+            <a:r>
+              <a:rPr lang="en-US" altLang="zh-CN" dirty="0" smtClean="0"/>
+              <a:t>()</a:t>
+            </a:r>
+            <a:r>
+              <a:rPr lang="zh-CN" altLang="en-US" dirty="0" smtClean="0"/>
+              <a:t> </a:t>
+            </a:r>
+            <a:endParaRPr lang="en-US" altLang="zh-CN" dirty="0" smtClean="0"/>
+          </a:p>
+          <a:p>
+            <a:endParaRPr lang="en-US" altLang="zh-CN" dirty="0" smtClean="0"/>
+          </a:p>
+          <a:p>
+            <a:r>
+              <a:rPr kumimoji="1" lang="en-US" altLang="zh-CN" dirty="0" smtClean="0">
+                <a:sym typeface="Wingdings"/>
+              </a:rPr>
+              <a:t></a:t>
+            </a:r>
+            <a:r>
+              <a:rPr kumimoji="1" lang="zh-CN" altLang="en-US" dirty="0" smtClean="0">
+                <a:sym typeface="Wingdings"/>
+              </a:rPr>
+              <a:t> </a:t>
+            </a:r>
+            <a:r>
+              <a:rPr kumimoji="1" lang="en-US" altLang="zh-CN" dirty="0" err="1" smtClean="0"/>
+              <a:t>AbstractApplicationContext</a:t>
+            </a:r>
+            <a:r>
+              <a:rPr kumimoji="1" lang="en-US" altLang="zh-CN" dirty="0" smtClean="0"/>
+              <a:t>.</a:t>
+            </a:r>
+            <a:r>
+              <a:rPr lang="en-US" altLang="zh-CN" dirty="0"/>
+              <a:t> </a:t>
+            </a:r>
+            <a:r>
+              <a:rPr lang="en-US" altLang="zh-CN" dirty="0" err="1" smtClean="0"/>
+              <a:t>invokeBeanFactoryPostProcessors</a:t>
+            </a:r>
+            <a:r>
+              <a:rPr lang="en-US" altLang="zh-CN" dirty="0" smtClean="0"/>
+              <a:t>()</a:t>
+            </a:r>
+            <a:r>
+              <a:rPr lang="zh-CN" altLang="en-US" dirty="0" smtClean="0"/>
+              <a:t> </a:t>
+            </a:r>
+            <a:endParaRPr lang="en-US" altLang="zh-CN" dirty="0" smtClean="0"/>
+          </a:p>
+          <a:p>
+            <a:endParaRPr lang="en-US" altLang="zh-CN" dirty="0">
+              <a:sym typeface="Wingdings"/>
+            </a:endParaRPr>
+          </a:p>
+          <a:p>
+            <a:r>
+              <a:rPr lang="zh-CN" altLang="en-US" dirty="0" smtClean="0">
+                <a:sym typeface="Wingdings"/>
+              </a:rPr>
+              <a:t> </a:t>
+            </a:r>
+            <a:r>
+              <a:rPr lang="en-US" altLang="zh-CN" dirty="0" smtClean="0"/>
+              <a:t>PostProcessorRegistrationDelegate.invokeBeanFactoryPostProcessors()</a:t>
+            </a:r>
+          </a:p>
+          <a:p>
+            <a:endParaRPr lang="en-US" altLang="zh-CN" dirty="0"/>
+          </a:p>
+          <a:p>
+            <a:pPr marL="285750" indent="-285750">
+              <a:buFont typeface="Wingdings" charset="2"/>
+              <a:buChar char="à"/>
+            </a:pPr>
+            <a:r>
+              <a:rPr lang="en-US" altLang="zh-CN" dirty="0" err="1" smtClean="0"/>
+              <a:t>ConfigurationClassPostProcessor.processConfigBeanDefinitions</a:t>
+            </a:r>
+            <a:r>
+              <a:rPr lang="en-US" altLang="zh-CN" dirty="0" smtClean="0"/>
+              <a:t>()</a:t>
+            </a:r>
+          </a:p>
+          <a:p>
+            <a:pPr marL="285750" indent="-285750">
+              <a:buFont typeface="Wingdings" charset="2"/>
+              <a:buChar char="à"/>
+            </a:pPr>
+            <a:endParaRPr lang="en-US" altLang="zh-CN" dirty="0"/>
+          </a:p>
+          <a:p>
+            <a:pPr marL="285750" indent="-285750">
+              <a:buFont typeface="Wingdings" charset="2"/>
+              <a:buChar char="à"/>
+            </a:pPr>
+            <a:r>
+              <a:rPr lang="en-US" altLang="zh-CN" dirty="0" err="1" smtClean="0"/>
+              <a:t>ConfigurationClassParser.parse</a:t>
+            </a:r>
+            <a:r>
+              <a:rPr lang="en-US" altLang="zh-CN" dirty="0" smtClean="0"/>
+              <a:t>()</a:t>
+            </a:r>
+          </a:p>
+          <a:p>
+            <a:endParaRPr kumimoji="1" lang="en-US" altLang="zh-CN" dirty="0"/>
           </a:p>
         </p:txBody>
       </p:sp>
     </p:spTree>
     <p:extLst>
       <p:ext uri="{BB962C8B-B14F-4D97-AF65-F5344CB8AC3E}">
-        <p14:creationId xmlns:p14="http://schemas.microsoft.com/office/powerpoint/2010/main" xmlns="" val="819143596"/>
+        <p14:creationId xmlns:p14="http://schemas.microsoft.com/office/powerpoint/2010/main" val="2020817988"/>
       </p:ext>
     </p:extLst>
   </p:cSld>
   <p:clrMapOvr>
     <a:masterClrMapping/>
   </p:clrMapOvr>
+  <p:timing>
+    <p:tnLst>
+      <p:par>
+        <p:cTn id="1" dur="indefinite" restart="never" nodeType="tmRoot"/>
+      </p:par>
+    </p:tnLst>
+  </p:timing>
 </p:sld>
 </file>
 
@@ -8934,7 +10938,7 @@
         <p:spPr>
           <a:xfrm>
             <a:off x="609600" y="203201"/>
-            <a:ext cx="646331" cy="369332"/>
+            <a:ext cx="2845651" cy="369332"/>
           </a:xfrm>
           <a:prstGeom prst="rect">
             <a:avLst/>
@@ -8948,23 +10952,288 @@
           <a:lstStyle/>
           <a:p>
             <a:r>
-              <a:rPr kumimoji="1" lang="zh-CN" altLang="en-US" smtClean="0"/>
-              <a:t>标题</a:t>
-            </a:r>
-            <a:endParaRPr kumimoji="1" lang="zh-CN" altLang="en-US"/>
+              <a:rPr kumimoji="1" lang="en-US" altLang="zh-CN" dirty="0" smtClean="0"/>
+              <a:t>1.</a:t>
+            </a:r>
+            <a:r>
+              <a:rPr kumimoji="1" lang="zh-CN" altLang="en-US" dirty="0" smtClean="0"/>
+              <a:t> </a:t>
+            </a:r>
+            <a:r>
+              <a:rPr kumimoji="1" lang="en-US" altLang="zh-CN" dirty="0" smtClean="0"/>
+              <a:t>Spring</a:t>
+            </a:r>
+            <a:r>
+              <a:rPr kumimoji="1" lang="zh-CN" altLang="en-US" dirty="0" smtClean="0"/>
+              <a:t> </a:t>
+            </a:r>
+            <a:r>
+              <a:rPr kumimoji="1" lang="en-US" altLang="zh-CN" dirty="0" smtClean="0"/>
+              <a:t>Boot</a:t>
+            </a:r>
+            <a:r>
+              <a:rPr kumimoji="1" lang="zh-CN" altLang="en-US" dirty="0" smtClean="0"/>
+              <a:t> </a:t>
+            </a:r>
+            <a:r>
+              <a:rPr kumimoji="1" lang="mr-IN" altLang="zh-CN" dirty="0" smtClean="0"/>
+              <a:t>–</a:t>
+            </a:r>
+            <a:r>
+              <a:rPr kumimoji="1" lang="zh-CN" altLang="en-US" dirty="0" smtClean="0"/>
+              <a:t> </a:t>
+            </a:r>
+            <a:r>
+              <a:rPr kumimoji="1" lang="en-US" altLang="zh-CN" dirty="0" smtClean="0"/>
+              <a:t>Bean</a:t>
+            </a:r>
+            <a:r>
+              <a:rPr kumimoji="1" lang="zh-CN" altLang="en-US" dirty="0" smtClean="0"/>
+              <a:t> 加载</a:t>
+            </a:r>
+            <a:endParaRPr kumimoji="1" lang="zh-CN" altLang="en-US" dirty="0"/>
+          </a:p>
+        </p:txBody>
+      </p:sp>
+      <p:sp>
+        <p:nvSpPr>
+          <p:cNvPr id="2" name="文本框 1"/>
+          <p:cNvSpPr txBox="1"/>
+          <p:nvPr/>
+        </p:nvSpPr>
+        <p:spPr>
+          <a:xfrm>
+            <a:off x="931652" y="966158"/>
+            <a:ext cx="9368287" cy="5355312"/>
+          </a:xfrm>
+          <a:prstGeom prst="rect">
+            <a:avLst/>
+          </a:prstGeom>
+          <a:noFill/>
+        </p:spPr>
+        <p:txBody>
+          <a:bodyPr wrap="square" rtlCol="0">
+            <a:spAutoFit/>
+          </a:bodyPr>
+          <a:lstStyle/>
+          <a:p>
+            <a:r>
+              <a:rPr lang="en-US" altLang="zh-CN" dirty="0" err="1"/>
+              <a:t>ConfigurationClassParser.parse</a:t>
+            </a:r>
+            <a:r>
+              <a:rPr lang="en-US" altLang="zh-CN" dirty="0" smtClean="0"/>
+              <a:t>()</a:t>
+            </a:r>
+            <a:r>
+              <a:rPr lang="zh-CN" altLang="en-US" dirty="0" smtClean="0"/>
+              <a:t>方法中会按照一下步骤执行</a:t>
+            </a:r>
+            <a:endParaRPr lang="en-US" altLang="zh-CN" dirty="0" smtClean="0"/>
+          </a:p>
+          <a:p>
+            <a:endParaRPr lang="en-US" altLang="zh-CN" dirty="0" smtClean="0"/>
+          </a:p>
+          <a:p>
+            <a:r>
+              <a:rPr lang="en-US" altLang="zh-CN" dirty="0" smtClean="0"/>
+              <a:t>1.</a:t>
+            </a:r>
+            <a:r>
+              <a:rPr lang="zh-CN" altLang="en-US" dirty="0" smtClean="0"/>
+              <a:t> 解析</a:t>
+            </a:r>
+            <a:r>
+              <a:rPr lang="en-US" altLang="zh-CN" dirty="0" smtClean="0"/>
+              <a:t>Configuration</a:t>
+            </a:r>
+            <a:r>
+              <a:rPr lang="zh-CN" altLang="en-US" dirty="0" smtClean="0"/>
+              <a:t>注解</a:t>
+            </a:r>
+            <a:endParaRPr lang="en-US" altLang="zh-CN" dirty="0" smtClean="0"/>
+          </a:p>
+          <a:p>
+            <a:endParaRPr lang="en-US" altLang="zh-CN" dirty="0" smtClean="0"/>
+          </a:p>
+          <a:p>
+            <a:r>
+              <a:rPr lang="en-US" altLang="zh-CN" dirty="0" smtClean="0"/>
+              <a:t>2.</a:t>
+            </a:r>
+            <a:r>
+              <a:rPr lang="zh-CN" altLang="en-US" dirty="0" smtClean="0"/>
+              <a:t> 解析</a:t>
+            </a:r>
+            <a:r>
+              <a:rPr lang="en-US" altLang="zh-CN" dirty="0" err="1" smtClean="0"/>
+              <a:t>ComponentScan</a:t>
+            </a:r>
+            <a:r>
+              <a:rPr lang="zh-CN" altLang="en-US" dirty="0" smtClean="0"/>
+              <a:t>注解（入口类的）</a:t>
+            </a:r>
+            <a:endParaRPr lang="en-US" altLang="zh-CN" dirty="0" smtClean="0"/>
+          </a:p>
+          <a:p>
+            <a:endParaRPr lang="en-US" altLang="zh-CN" dirty="0"/>
+          </a:p>
+          <a:p>
+            <a:r>
+              <a:rPr lang="en-US" altLang="zh-CN" dirty="0" smtClean="0"/>
+              <a:t>3.</a:t>
+            </a:r>
+            <a:r>
+              <a:rPr lang="zh-CN" altLang="en-US" dirty="0" smtClean="0"/>
+              <a:t> 解析</a:t>
+            </a:r>
+            <a:r>
+              <a:rPr lang="en-US" altLang="zh-CN" dirty="0" smtClean="0"/>
+              <a:t>Import</a:t>
+            </a:r>
+            <a:r>
+              <a:rPr lang="zh-CN" altLang="en-US" dirty="0" smtClean="0"/>
+              <a:t>注解</a:t>
+            </a:r>
+            <a:endParaRPr lang="en-US" altLang="zh-CN" dirty="0" smtClean="0"/>
+          </a:p>
+          <a:p>
+            <a:endParaRPr lang="en-US" altLang="zh-CN" dirty="0"/>
+          </a:p>
+          <a:p>
+            <a:r>
+              <a:rPr lang="en-US" altLang="zh-CN" dirty="0" smtClean="0"/>
+              <a:t>4.</a:t>
+            </a:r>
+            <a:r>
+              <a:rPr lang="zh-CN" altLang="en-US" dirty="0" smtClean="0"/>
+              <a:t> 解析</a:t>
+            </a:r>
+            <a:r>
+              <a:rPr lang="en-US" altLang="zh-CN" dirty="0" err="1" smtClean="0"/>
+              <a:t>ImportResource</a:t>
+            </a:r>
+            <a:r>
+              <a:rPr lang="zh-CN" altLang="en-US" dirty="0" smtClean="0"/>
+              <a:t>注解</a:t>
+            </a:r>
+            <a:endParaRPr lang="en-US" altLang="zh-CN" dirty="0" smtClean="0"/>
+          </a:p>
+          <a:p>
+            <a:endParaRPr lang="en-US" altLang="zh-CN" dirty="0"/>
+          </a:p>
+          <a:p>
+            <a:r>
+              <a:rPr lang="en-US" altLang="zh-CN" dirty="0" smtClean="0"/>
+              <a:t>5.</a:t>
+            </a:r>
+            <a:r>
+              <a:rPr lang="zh-CN" altLang="en-US" dirty="0" smtClean="0"/>
+              <a:t> 解析</a:t>
+            </a:r>
+            <a:r>
+              <a:rPr lang="en-US" altLang="zh-CN" dirty="0" smtClean="0"/>
+              <a:t>Bean</a:t>
+            </a:r>
+            <a:r>
+              <a:rPr lang="zh-CN" altLang="en-US" dirty="0" smtClean="0"/>
+              <a:t>注解</a:t>
+            </a:r>
+            <a:endParaRPr lang="en-US" altLang="zh-CN" dirty="0" smtClean="0"/>
+          </a:p>
+          <a:p>
+            <a:endParaRPr lang="en-US" altLang="zh-CN" dirty="0"/>
+          </a:p>
+          <a:p>
+            <a:r>
+              <a:rPr lang="zh-CN" altLang="en-US" dirty="0" smtClean="0"/>
+              <a:t>上述逻辑处理时，如果每个生成的</a:t>
+            </a:r>
+            <a:r>
+              <a:rPr lang="en-US" altLang="zh-CN" dirty="0" smtClean="0"/>
+              <a:t>Bean</a:t>
+            </a:r>
+            <a:r>
+              <a:rPr lang="zh-CN" altLang="en-US" dirty="0" smtClean="0"/>
+              <a:t>会再次执行</a:t>
+            </a:r>
+            <a:r>
+              <a:rPr lang="en-US" altLang="zh-CN" dirty="0" smtClean="0"/>
+              <a:t>parse</a:t>
+            </a:r>
+            <a:r>
+              <a:rPr lang="zh-CN" altLang="en-US" dirty="0" smtClean="0"/>
+              <a:t>方法，该方法会形成一个递归操作来生成所有需要的</a:t>
+            </a:r>
+            <a:r>
+              <a:rPr lang="en-US" altLang="zh-CN" dirty="0" smtClean="0"/>
+              <a:t>Bean</a:t>
+            </a:r>
+            <a:r>
+              <a:rPr lang="zh-CN" altLang="en-US" dirty="0" smtClean="0"/>
+              <a:t>。</a:t>
+            </a:r>
+            <a:endParaRPr lang="en-US" altLang="zh-CN" dirty="0" smtClean="0"/>
+          </a:p>
+          <a:p>
+            <a:endParaRPr lang="en-US" altLang="zh-CN" dirty="0"/>
+          </a:p>
+          <a:p>
+            <a:r>
+              <a:rPr lang="zh-CN" altLang="en-US" dirty="0" smtClean="0"/>
+              <a:t>而之前提到的自动加载的</a:t>
+            </a:r>
+            <a:r>
+              <a:rPr lang="en-US" altLang="zh-CN" dirty="0" smtClean="0"/>
+              <a:t>Bean</a:t>
+            </a:r>
+            <a:r>
+              <a:rPr lang="zh-CN" altLang="en-US" dirty="0" smtClean="0"/>
+              <a:t>，是因为在生成</a:t>
+            </a:r>
+            <a:r>
+              <a:rPr lang="en-US" altLang="zh-CN" dirty="0" smtClean="0"/>
+              <a:t>Bean</a:t>
+            </a:r>
+            <a:r>
+              <a:rPr lang="zh-CN" altLang="en-US" dirty="0" smtClean="0"/>
+              <a:t>的时候每次都会判断是否有</a:t>
+            </a:r>
+            <a:r>
+              <a:rPr lang="en-US" altLang="zh-CN" dirty="0" smtClean="0"/>
+              <a:t>Conditional</a:t>
+            </a:r>
+            <a:r>
+              <a:rPr lang="zh-CN" altLang="en-US" dirty="0" smtClean="0"/>
+              <a:t>注解的结果</a:t>
+            </a:r>
+            <a:endParaRPr lang="en-US" altLang="zh-CN" dirty="0"/>
+          </a:p>
+          <a:p>
+            <a:endParaRPr lang="en-US" altLang="zh-CN" dirty="0"/>
+          </a:p>
+          <a:p>
+            <a:endParaRPr kumimoji="1" lang="zh-CN" altLang="en-US" dirty="0"/>
           </a:p>
         </p:txBody>
       </p:sp>
     </p:spTree>
     <p:extLst>
       <p:ext uri="{BB962C8B-B14F-4D97-AF65-F5344CB8AC3E}">
-        <p14:creationId xmlns:p14="http://schemas.microsoft.com/office/powerpoint/2010/main" xmlns="" val="1695394012"/>
+        <p14:creationId xmlns:p14="http://schemas.microsoft.com/office/powerpoint/2010/main" val="819143596"/>
       </p:ext>
     </p:extLst>
   </p:cSld>
   <p:clrMapOvr>
     <a:masterClrMapping/>
   </p:clrMapOvr>
+  <p:timing>
+    <p:tnLst>
+      <p:par>
+        <p:cTn id="1" dur="indefinite" restart="never" nodeType="tmRoot"/>
+      </p:par>
+    </p:tnLst>
+  </p:timing>
 </p:sld>
 </file>
 
@@ -9223,7 +11492,7 @@
   <a:extraClrSchemeLst/>
   <a:extLst>
     <a:ext uri="{05A4C25C-085E-4340-85A3-A5531E510DB2}">
-      <thm15:themeFamily xmlns:thm15="http://schemas.microsoft.com/office/thememl/2012/main" xmlns="" name="Office Theme" id="{62F939B6-93AF-4DB8-9C6B-D6C7DFDC589F}" vid="{4A3C46E8-61CC-4603-A589-7422A47A8E4A}"/>
+      <thm15:themeFamily xmlns:thm15="http://schemas.microsoft.com/office/thememl/2012/main" name="Office Theme" id="{62F939B6-93AF-4DB8-9C6B-D6C7DFDC589F}" vid="{4A3C46E8-61CC-4603-A589-7422A47A8E4A}"/>
     </a:ext>
   </a:extLst>
 </a:theme>
@@ -9484,7 +11753,7 @@
   <a:extraClrSchemeLst/>
   <a:extLst>
     <a:ext uri="{05A4C25C-085E-4340-85A3-A5531E510DB2}">
-      <thm15:themeFamily xmlns:thm15="http://schemas.microsoft.com/office/thememl/2012/main" xmlns="" name="Office Theme" id="{62F939B6-93AF-4DB8-9C6B-D6C7DFDC589F}" vid="{4A3C46E8-61CC-4603-A589-7422A47A8E4A}"/>
+      <thm15:themeFamily xmlns:thm15="http://schemas.microsoft.com/office/thememl/2012/main" name="Office Theme" id="{62F939B6-93AF-4DB8-9C6B-D6C7DFDC589F}" vid="{4A3C46E8-61CC-4603-A589-7422A47A8E4A}"/>
     </a:ext>
   </a:extLst>
 </a:theme>

--- a/doc/技术分享-SpringCloud-20190708.pptx
+++ b/doc/技术分享-SpringCloud-20190708.pptx
@@ -36,7 +36,7 @@
     <p:sldId id="281" r:id="rId27"/>
     <p:sldId id="282" r:id="rId28"/>
     <p:sldId id="283" r:id="rId29"/>
-    <p:sldId id="284" r:id="rId30"/>
+    <p:sldId id="294" r:id="rId30"/>
     <p:sldId id="285" r:id="rId31"/>
     <p:sldId id="286" r:id="rId32"/>
   </p:sldIdLst>
@@ -139,7 +139,7 @@
   </p:defaultTextStyle>
   <p:extLst>
     <p:ext uri="{EFAFB233-063F-42B5-8137-9DF3F51BA10A}">
-      <p15:sldGuideLst xmlns:p15="http://schemas.microsoft.com/office/powerpoint/2012/main" xmlns="">
+      <p15:sldGuideLst xmlns:p15="http://schemas.microsoft.com/office/powerpoint/2012/main">
         <p15:guide id="1" orient="horz" pos="2160">
           <p15:clr>
             <a:srgbClr val="A4A3A4"/>
@@ -171,7 +171,7 @@
     <p:text/>
     <p:extLst>
       <p:ext uri="{C676402C-5697-4E1C-873F-D02D1690AC5C}">
-        <p15:threadingInfo xmlns:p15="http://schemas.microsoft.com/office/powerpoint/2012/main" xmlns="" timeZoneBias="-480"/>
+        <p15:threadingInfo xmlns:p15="http://schemas.microsoft.com/office/powerpoint/2012/main" timeZoneBias="-480"/>
       </p:ext>
     </p:extLst>
   </p:cm>
@@ -261,7 +261,7 @@
             <a:fld id="{0CFD174F-304D-224F-BC03-F8462C1EB24A}" type="datetimeFigureOut">
               <a:rPr kumimoji="1" lang="zh-CN" altLang="en-US" smtClean="0"/>
               <a:pPr/>
-              <a:t>2019/7/11</a:t>
+              <a:t>2019/7/12</a:t>
             </a:fld>
             <a:endParaRPr kumimoji="1" lang="zh-CN" altLang="en-US"/>
           </a:p>
@@ -430,7 +430,7 @@
     </p:spTree>
     <p:extLst>
       <p:ext uri="{BB962C8B-B14F-4D97-AF65-F5344CB8AC3E}">
-        <p14:creationId xmlns:p14="http://schemas.microsoft.com/office/powerpoint/2010/main" xmlns="" val="1854558251"/>
+        <p14:creationId xmlns:p14="http://schemas.microsoft.com/office/powerpoint/2010/main" val="1854558251"/>
       </p:ext>
     </p:extLst>
   </p:cSld>
@@ -605,7 +605,7 @@
     </p:spTree>
     <p:extLst>
       <p:ext uri="{BB962C8B-B14F-4D97-AF65-F5344CB8AC3E}">
-        <p14:creationId xmlns:p14="http://schemas.microsoft.com/office/powerpoint/2010/main" xmlns="" val="1608264057"/>
+        <p14:creationId xmlns:p14="http://schemas.microsoft.com/office/powerpoint/2010/main" val="1608264057"/>
       </p:ext>
     </p:extLst>
   </p:cSld>
@@ -702,7 +702,7 @@
     </p:spTree>
     <p:extLst>
       <p:ext uri="{BB962C8B-B14F-4D97-AF65-F5344CB8AC3E}">
-        <p14:creationId xmlns:p14="http://schemas.microsoft.com/office/powerpoint/2010/main" xmlns="" val="1976240702"/>
+        <p14:creationId xmlns:p14="http://schemas.microsoft.com/office/powerpoint/2010/main" val="1976240702"/>
       </p:ext>
     </p:extLst>
   </p:cSld>
@@ -787,7 +787,7 @@
     </p:spTree>
     <p:extLst>
       <p:ext uri="{BB962C8B-B14F-4D97-AF65-F5344CB8AC3E}">
-        <p14:creationId xmlns:p14="http://schemas.microsoft.com/office/powerpoint/2010/main" xmlns="" val="1470575390"/>
+        <p14:creationId xmlns:p14="http://schemas.microsoft.com/office/powerpoint/2010/main" val="1470575390"/>
       </p:ext>
     </p:extLst>
   </p:cSld>
@@ -920,7 +920,7 @@
     </p:spTree>
     <p:extLst>
       <p:ext uri="{BB962C8B-B14F-4D97-AF65-F5344CB8AC3E}">
-        <p14:creationId xmlns:p14="http://schemas.microsoft.com/office/powerpoint/2010/main" xmlns="" val="1346210008"/>
+        <p14:creationId xmlns:p14="http://schemas.microsoft.com/office/powerpoint/2010/main" val="1346210008"/>
       </p:ext>
     </p:extLst>
   </p:cSld>
@@ -1009,7 +1009,7 @@
     </p:spTree>
     <p:extLst>
       <p:ext uri="{BB962C8B-B14F-4D97-AF65-F5344CB8AC3E}">
-        <p14:creationId xmlns:p14="http://schemas.microsoft.com/office/powerpoint/2010/main" xmlns="" val="1779220550"/>
+        <p14:creationId xmlns:p14="http://schemas.microsoft.com/office/powerpoint/2010/main" val="1779220550"/>
       </p:ext>
     </p:extLst>
   </p:cSld>
@@ -1094,7 +1094,7 @@
     </p:spTree>
     <p:extLst>
       <p:ext uri="{BB962C8B-B14F-4D97-AF65-F5344CB8AC3E}">
-        <p14:creationId xmlns:p14="http://schemas.microsoft.com/office/powerpoint/2010/main" xmlns="" val="1644688405"/>
+        <p14:creationId xmlns:p14="http://schemas.microsoft.com/office/powerpoint/2010/main" val="1644688405"/>
       </p:ext>
     </p:extLst>
   </p:cSld>
@@ -1179,7 +1179,7 @@
     </p:spTree>
     <p:extLst>
       <p:ext uri="{BB962C8B-B14F-4D97-AF65-F5344CB8AC3E}">
-        <p14:creationId xmlns:p14="http://schemas.microsoft.com/office/powerpoint/2010/main" xmlns="" val="2101123767"/>
+        <p14:creationId xmlns:p14="http://schemas.microsoft.com/office/powerpoint/2010/main" val="2101123767"/>
       </p:ext>
     </p:extLst>
   </p:cSld>
@@ -1264,7 +1264,7 @@
     </p:spTree>
     <p:extLst>
       <p:ext uri="{BB962C8B-B14F-4D97-AF65-F5344CB8AC3E}">
-        <p14:creationId xmlns:p14="http://schemas.microsoft.com/office/powerpoint/2010/main" xmlns="" val="1980075962"/>
+        <p14:creationId xmlns:p14="http://schemas.microsoft.com/office/powerpoint/2010/main" val="1980075962"/>
       </p:ext>
     </p:extLst>
   </p:cSld>
@@ -1349,7 +1349,7 @@
     </p:spTree>
     <p:extLst>
       <p:ext uri="{BB962C8B-B14F-4D97-AF65-F5344CB8AC3E}">
-        <p14:creationId xmlns:p14="http://schemas.microsoft.com/office/powerpoint/2010/main" xmlns="" val="852405174"/>
+        <p14:creationId xmlns:p14="http://schemas.microsoft.com/office/powerpoint/2010/main" val="852405174"/>
       </p:ext>
     </p:extLst>
   </p:cSld>
@@ -1434,7 +1434,7 @@
     </p:spTree>
     <p:extLst>
       <p:ext uri="{BB962C8B-B14F-4D97-AF65-F5344CB8AC3E}">
-        <p14:creationId xmlns:p14="http://schemas.microsoft.com/office/powerpoint/2010/main" xmlns="" val="407486649"/>
+        <p14:creationId xmlns:p14="http://schemas.microsoft.com/office/powerpoint/2010/main" val="407486649"/>
       </p:ext>
     </p:extLst>
   </p:cSld>
@@ -1519,7 +1519,7 @@
     </p:spTree>
     <p:extLst>
       <p:ext uri="{BB962C8B-B14F-4D97-AF65-F5344CB8AC3E}">
-        <p14:creationId xmlns:p14="http://schemas.microsoft.com/office/powerpoint/2010/main" xmlns="" val="1089484477"/>
+        <p14:creationId xmlns:p14="http://schemas.microsoft.com/office/powerpoint/2010/main" val="1089484477"/>
       </p:ext>
     </p:extLst>
   </p:cSld>
@@ -1604,7 +1604,7 @@
     </p:spTree>
     <p:extLst>
       <p:ext uri="{BB962C8B-B14F-4D97-AF65-F5344CB8AC3E}">
-        <p14:creationId xmlns:p14="http://schemas.microsoft.com/office/powerpoint/2010/main" xmlns="" val="810347026"/>
+        <p14:creationId xmlns:p14="http://schemas.microsoft.com/office/powerpoint/2010/main" val="810347026"/>
       </p:ext>
     </p:extLst>
   </p:cSld>
@@ -1689,7 +1689,7 @@
     </p:spTree>
     <p:extLst>
       <p:ext uri="{BB962C8B-B14F-4D97-AF65-F5344CB8AC3E}">
-        <p14:creationId xmlns:p14="http://schemas.microsoft.com/office/powerpoint/2010/main" xmlns="" val="689115207"/>
+        <p14:creationId xmlns:p14="http://schemas.microsoft.com/office/powerpoint/2010/main" val="689115207"/>
       </p:ext>
     </p:extLst>
   </p:cSld>
@@ -1774,7 +1774,7 @@
     </p:spTree>
     <p:extLst>
       <p:ext uri="{BB962C8B-B14F-4D97-AF65-F5344CB8AC3E}">
-        <p14:creationId xmlns:p14="http://schemas.microsoft.com/office/powerpoint/2010/main" xmlns="" val="224627113"/>
+        <p14:creationId xmlns:p14="http://schemas.microsoft.com/office/powerpoint/2010/main" val="224627113"/>
       </p:ext>
     </p:extLst>
   </p:cSld>
@@ -1859,7 +1859,7 @@
     </p:spTree>
     <p:extLst>
       <p:ext uri="{BB962C8B-B14F-4D97-AF65-F5344CB8AC3E}">
-        <p14:creationId xmlns:p14="http://schemas.microsoft.com/office/powerpoint/2010/main" xmlns="" val="1290648546"/>
+        <p14:creationId xmlns:p14="http://schemas.microsoft.com/office/powerpoint/2010/main" val="1290648546"/>
       </p:ext>
     </p:extLst>
   </p:cSld>
@@ -1944,7 +1944,7 @@
     </p:spTree>
     <p:extLst>
       <p:ext uri="{BB962C8B-B14F-4D97-AF65-F5344CB8AC3E}">
-        <p14:creationId xmlns:p14="http://schemas.microsoft.com/office/powerpoint/2010/main" xmlns="" val="23694369"/>
+        <p14:creationId xmlns:p14="http://schemas.microsoft.com/office/powerpoint/2010/main" val="23694369"/>
       </p:ext>
     </p:extLst>
   </p:cSld>
@@ -2029,7 +2029,7 @@
     </p:spTree>
     <p:extLst>
       <p:ext uri="{BB962C8B-B14F-4D97-AF65-F5344CB8AC3E}">
-        <p14:creationId xmlns:p14="http://schemas.microsoft.com/office/powerpoint/2010/main" xmlns="" val="1910633393"/>
+        <p14:creationId xmlns:p14="http://schemas.microsoft.com/office/powerpoint/2010/main" val="1910633393"/>
       </p:ext>
     </p:extLst>
   </p:cSld>
@@ -2114,7 +2114,7 @@
     </p:spTree>
     <p:extLst>
       <p:ext uri="{BB962C8B-B14F-4D97-AF65-F5344CB8AC3E}">
-        <p14:creationId xmlns:p14="http://schemas.microsoft.com/office/powerpoint/2010/main" xmlns="" val="1004362827"/>
+        <p14:creationId xmlns:p14="http://schemas.microsoft.com/office/powerpoint/2010/main" val="1004362827"/>
       </p:ext>
     </p:extLst>
   </p:cSld>
@@ -2199,7 +2199,7 @@
     </p:spTree>
     <p:extLst>
       <p:ext uri="{BB962C8B-B14F-4D97-AF65-F5344CB8AC3E}">
-        <p14:creationId xmlns:p14="http://schemas.microsoft.com/office/powerpoint/2010/main" xmlns="" val="1625210315"/>
+        <p14:creationId xmlns:p14="http://schemas.microsoft.com/office/powerpoint/2010/main" val="1625210315"/>
       </p:ext>
     </p:extLst>
   </p:cSld>
@@ -2284,7 +2284,7 @@
     </p:spTree>
     <p:extLst>
       <p:ext uri="{BB962C8B-B14F-4D97-AF65-F5344CB8AC3E}">
-        <p14:creationId xmlns:p14="http://schemas.microsoft.com/office/powerpoint/2010/main" xmlns="" val="220242645"/>
+        <p14:creationId xmlns:p14="http://schemas.microsoft.com/office/powerpoint/2010/main" val="220242645"/>
       </p:ext>
     </p:extLst>
   </p:cSld>
@@ -2369,7 +2369,7 @@
     </p:spTree>
     <p:extLst>
       <p:ext uri="{BB962C8B-B14F-4D97-AF65-F5344CB8AC3E}">
-        <p14:creationId xmlns:p14="http://schemas.microsoft.com/office/powerpoint/2010/main" xmlns="" val="811964795"/>
+        <p14:creationId xmlns:p14="http://schemas.microsoft.com/office/powerpoint/2010/main" val="242495113"/>
       </p:ext>
     </p:extLst>
   </p:cSld>
@@ -2454,7 +2454,7 @@
     </p:spTree>
     <p:extLst>
       <p:ext uri="{BB962C8B-B14F-4D97-AF65-F5344CB8AC3E}">
-        <p14:creationId xmlns:p14="http://schemas.microsoft.com/office/powerpoint/2010/main" xmlns="" val="396037664"/>
+        <p14:creationId xmlns:p14="http://schemas.microsoft.com/office/powerpoint/2010/main" val="396037664"/>
       </p:ext>
     </p:extLst>
   </p:cSld>
@@ -2555,7 +2555,7 @@
     </p:spTree>
     <p:extLst>
       <p:ext uri="{BB962C8B-B14F-4D97-AF65-F5344CB8AC3E}">
-        <p14:creationId xmlns:p14="http://schemas.microsoft.com/office/powerpoint/2010/main" xmlns="" val="1674131288"/>
+        <p14:creationId xmlns:p14="http://schemas.microsoft.com/office/powerpoint/2010/main" val="1674131288"/>
       </p:ext>
     </p:extLst>
   </p:cSld>
@@ -2640,7 +2640,7 @@
     </p:spTree>
     <p:extLst>
       <p:ext uri="{BB962C8B-B14F-4D97-AF65-F5344CB8AC3E}">
-        <p14:creationId xmlns:p14="http://schemas.microsoft.com/office/powerpoint/2010/main" xmlns="" val="738619390"/>
+        <p14:creationId xmlns:p14="http://schemas.microsoft.com/office/powerpoint/2010/main" val="738619390"/>
       </p:ext>
     </p:extLst>
   </p:cSld>
@@ -2725,7 +2725,7 @@
     </p:spTree>
     <p:extLst>
       <p:ext uri="{BB962C8B-B14F-4D97-AF65-F5344CB8AC3E}">
-        <p14:creationId xmlns:p14="http://schemas.microsoft.com/office/powerpoint/2010/main" xmlns="" val="982871999"/>
+        <p14:creationId xmlns:p14="http://schemas.microsoft.com/office/powerpoint/2010/main" val="982871999"/>
       </p:ext>
     </p:extLst>
   </p:cSld>
@@ -2874,7 +2874,7 @@
     </p:spTree>
     <p:extLst>
       <p:ext uri="{BB962C8B-B14F-4D97-AF65-F5344CB8AC3E}">
-        <p14:creationId xmlns:p14="http://schemas.microsoft.com/office/powerpoint/2010/main" xmlns="" val="2131279548"/>
+        <p14:creationId xmlns:p14="http://schemas.microsoft.com/office/powerpoint/2010/main" val="2131279548"/>
       </p:ext>
     </p:extLst>
   </p:cSld>
@@ -2979,7 +2979,7 @@
     </p:spTree>
     <p:extLst>
       <p:ext uri="{BB962C8B-B14F-4D97-AF65-F5344CB8AC3E}">
-        <p14:creationId xmlns:p14="http://schemas.microsoft.com/office/powerpoint/2010/main" xmlns="" val="1414519793"/>
+        <p14:creationId xmlns:p14="http://schemas.microsoft.com/office/powerpoint/2010/main" val="1414519793"/>
       </p:ext>
     </p:extLst>
   </p:cSld>
@@ -3064,7 +3064,7 @@
     </p:spTree>
     <p:extLst>
       <p:ext uri="{BB962C8B-B14F-4D97-AF65-F5344CB8AC3E}">
-        <p14:creationId xmlns:p14="http://schemas.microsoft.com/office/powerpoint/2010/main" xmlns="" val="1838137269"/>
+        <p14:creationId xmlns:p14="http://schemas.microsoft.com/office/powerpoint/2010/main" val="1838137269"/>
       </p:ext>
     </p:extLst>
   </p:cSld>
@@ -3188,7 +3188,7 @@
     </p:spTree>
     <p:extLst>
       <p:ext uri="{BB962C8B-B14F-4D97-AF65-F5344CB8AC3E}">
-        <p14:creationId xmlns:p14="http://schemas.microsoft.com/office/powerpoint/2010/main" xmlns="" val="1989036699"/>
+        <p14:creationId xmlns:p14="http://schemas.microsoft.com/office/powerpoint/2010/main" val="1989036699"/>
       </p:ext>
     </p:extLst>
   </p:cSld>
@@ -3301,7 +3301,7 @@
     </p:spTree>
     <p:extLst>
       <p:ext uri="{BB962C8B-B14F-4D97-AF65-F5344CB8AC3E}">
-        <p14:creationId xmlns:p14="http://schemas.microsoft.com/office/powerpoint/2010/main" xmlns="" val="1434047011"/>
+        <p14:creationId xmlns:p14="http://schemas.microsoft.com/office/powerpoint/2010/main" val="1434047011"/>
       </p:ext>
     </p:extLst>
   </p:cSld>
@@ -3443,7 +3443,7 @@
             <a:fld id="{887279C3-00D7-F745-B9D2-30B876F2505C}" type="datetimeFigureOut">
               <a:rPr kumimoji="1" lang="zh-CN" altLang="en-US" smtClean="0"/>
               <a:pPr/>
-              <a:t>2019/7/11</a:t>
+              <a:t>2019/7/12</a:t>
             </a:fld>
             <a:endParaRPr kumimoji="1" lang="zh-CN" altLang="en-US"/>
           </a:p>
@@ -3495,7 +3495,7 @@
     </p:spTree>
     <p:extLst>
       <p:ext uri="{BB962C8B-B14F-4D97-AF65-F5344CB8AC3E}">
-        <p14:creationId xmlns:p14="http://schemas.microsoft.com/office/powerpoint/2010/main" xmlns="" val="1478964914"/>
+        <p14:creationId xmlns:p14="http://schemas.microsoft.com/office/powerpoint/2010/main" val="1478964914"/>
       </p:ext>
     </p:extLst>
   </p:cSld>
@@ -3615,7 +3615,7 @@
             <a:fld id="{887279C3-00D7-F745-B9D2-30B876F2505C}" type="datetimeFigureOut">
               <a:rPr kumimoji="1" lang="zh-CN" altLang="en-US" smtClean="0"/>
               <a:pPr/>
-              <a:t>2019/7/11</a:t>
+              <a:t>2019/7/12</a:t>
             </a:fld>
             <a:endParaRPr kumimoji="1" lang="zh-CN" altLang="en-US"/>
           </a:p>
@@ -3667,7 +3667,7 @@
     </p:spTree>
     <p:extLst>
       <p:ext uri="{BB962C8B-B14F-4D97-AF65-F5344CB8AC3E}">
-        <p14:creationId xmlns:p14="http://schemas.microsoft.com/office/powerpoint/2010/main" xmlns="" val="942002772"/>
+        <p14:creationId xmlns:p14="http://schemas.microsoft.com/office/powerpoint/2010/main" val="942002772"/>
       </p:ext>
     </p:extLst>
   </p:cSld>
@@ -3797,7 +3797,7 @@
             <a:fld id="{887279C3-00D7-F745-B9D2-30B876F2505C}" type="datetimeFigureOut">
               <a:rPr kumimoji="1" lang="zh-CN" altLang="en-US" smtClean="0"/>
               <a:pPr/>
-              <a:t>2019/7/11</a:t>
+              <a:t>2019/7/12</a:t>
             </a:fld>
             <a:endParaRPr kumimoji="1" lang="zh-CN" altLang="en-US"/>
           </a:p>
@@ -3849,7 +3849,7 @@
     </p:spTree>
     <p:extLst>
       <p:ext uri="{BB962C8B-B14F-4D97-AF65-F5344CB8AC3E}">
-        <p14:creationId xmlns:p14="http://schemas.microsoft.com/office/powerpoint/2010/main" xmlns="" val="991143320"/>
+        <p14:creationId xmlns:p14="http://schemas.microsoft.com/office/powerpoint/2010/main" val="991143320"/>
       </p:ext>
     </p:extLst>
   </p:cSld>
@@ -3888,7 +3888,7 @@
           <a:blip r:embed="rId2">
             <a:extLst>
               <a:ext uri="{28A0092B-C50C-407E-A947-70E740481C1C}">
-                <a14:useLocalDpi xmlns:a14="http://schemas.microsoft.com/office/drawing/2010/main" xmlns="" val="0"/>
+                <a14:useLocalDpi xmlns:a14="http://schemas.microsoft.com/office/drawing/2010/main" val="0"/>
               </a:ext>
             </a:extLst>
           </a:blip>
@@ -4034,7 +4034,7 @@
     </p:spTree>
     <p:extLst>
       <p:ext uri="{BB962C8B-B14F-4D97-AF65-F5344CB8AC3E}">
-        <p14:creationId xmlns:p14="http://schemas.microsoft.com/office/powerpoint/2010/main" xmlns="" val="421841979"/>
+        <p14:creationId xmlns:p14="http://schemas.microsoft.com/office/powerpoint/2010/main" val="421841979"/>
       </p:ext>
     </p:extLst>
   </p:cSld>
@@ -4154,7 +4154,7 @@
             <a:fld id="{887279C3-00D7-F745-B9D2-30B876F2505C}" type="datetimeFigureOut">
               <a:rPr kumimoji="1" lang="zh-CN" altLang="en-US" smtClean="0"/>
               <a:pPr/>
-              <a:t>2019/7/11</a:t>
+              <a:t>2019/7/12</a:t>
             </a:fld>
             <a:endParaRPr kumimoji="1" lang="zh-CN" altLang="en-US"/>
           </a:p>
@@ -4206,7 +4206,7 @@
     </p:spTree>
     <p:extLst>
       <p:ext uri="{BB962C8B-B14F-4D97-AF65-F5344CB8AC3E}">
-        <p14:creationId xmlns:p14="http://schemas.microsoft.com/office/powerpoint/2010/main" xmlns="" val="1987579220"/>
+        <p14:creationId xmlns:p14="http://schemas.microsoft.com/office/powerpoint/2010/main" val="1987579220"/>
       </p:ext>
     </p:extLst>
   </p:cSld>
@@ -4402,7 +4402,7 @@
             <a:fld id="{887279C3-00D7-F745-B9D2-30B876F2505C}" type="datetimeFigureOut">
               <a:rPr kumimoji="1" lang="zh-CN" altLang="en-US" smtClean="0"/>
               <a:pPr/>
-              <a:t>2019/7/11</a:t>
+              <a:t>2019/7/12</a:t>
             </a:fld>
             <a:endParaRPr kumimoji="1" lang="zh-CN" altLang="en-US"/>
           </a:p>
@@ -4454,7 +4454,7 @@
     </p:spTree>
     <p:extLst>
       <p:ext uri="{BB962C8B-B14F-4D97-AF65-F5344CB8AC3E}">
-        <p14:creationId xmlns:p14="http://schemas.microsoft.com/office/powerpoint/2010/main" xmlns="" val="1135821455"/>
+        <p14:creationId xmlns:p14="http://schemas.microsoft.com/office/powerpoint/2010/main" val="1135821455"/>
       </p:ext>
     </p:extLst>
   </p:cSld>
@@ -4636,7 +4636,7 @@
             <a:fld id="{887279C3-00D7-F745-B9D2-30B876F2505C}" type="datetimeFigureOut">
               <a:rPr kumimoji="1" lang="zh-CN" altLang="en-US" smtClean="0"/>
               <a:pPr/>
-              <a:t>2019/7/11</a:t>
+              <a:t>2019/7/12</a:t>
             </a:fld>
             <a:endParaRPr kumimoji="1" lang="zh-CN" altLang="en-US"/>
           </a:p>
@@ -4688,7 +4688,7 @@
     </p:spTree>
     <p:extLst>
       <p:ext uri="{BB962C8B-B14F-4D97-AF65-F5344CB8AC3E}">
-        <p14:creationId xmlns:p14="http://schemas.microsoft.com/office/powerpoint/2010/main" xmlns="" val="769056002"/>
+        <p14:creationId xmlns:p14="http://schemas.microsoft.com/office/powerpoint/2010/main" val="769056002"/>
       </p:ext>
     </p:extLst>
   </p:cSld>
@@ -5005,7 +5005,7 @@
             <a:fld id="{887279C3-00D7-F745-B9D2-30B876F2505C}" type="datetimeFigureOut">
               <a:rPr kumimoji="1" lang="zh-CN" altLang="en-US" smtClean="0"/>
               <a:pPr/>
-              <a:t>2019/7/11</a:t>
+              <a:t>2019/7/12</a:t>
             </a:fld>
             <a:endParaRPr kumimoji="1" lang="zh-CN" altLang="en-US"/>
           </a:p>
@@ -5057,7 +5057,7 @@
     </p:spTree>
     <p:extLst>
       <p:ext uri="{BB962C8B-B14F-4D97-AF65-F5344CB8AC3E}">
-        <p14:creationId xmlns:p14="http://schemas.microsoft.com/office/powerpoint/2010/main" xmlns="" val="1967637968"/>
+        <p14:creationId xmlns:p14="http://schemas.microsoft.com/office/powerpoint/2010/main" val="1967637968"/>
       </p:ext>
     </p:extLst>
   </p:cSld>
@@ -5125,7 +5125,7 @@
             <a:fld id="{887279C3-00D7-F745-B9D2-30B876F2505C}" type="datetimeFigureOut">
               <a:rPr kumimoji="1" lang="zh-CN" altLang="en-US" smtClean="0"/>
               <a:pPr/>
-              <a:t>2019/7/11</a:t>
+              <a:t>2019/7/12</a:t>
             </a:fld>
             <a:endParaRPr kumimoji="1" lang="zh-CN" altLang="en-US"/>
           </a:p>
@@ -5177,7 +5177,7 @@
     </p:spTree>
     <p:extLst>
       <p:ext uri="{BB962C8B-B14F-4D97-AF65-F5344CB8AC3E}">
-        <p14:creationId xmlns:p14="http://schemas.microsoft.com/office/powerpoint/2010/main" xmlns="" val="990648023"/>
+        <p14:creationId xmlns:p14="http://schemas.microsoft.com/office/powerpoint/2010/main" val="990648023"/>
       </p:ext>
     </p:extLst>
   </p:cSld>
@@ -5222,7 +5222,7 @@
             <a:fld id="{887279C3-00D7-F745-B9D2-30B876F2505C}" type="datetimeFigureOut">
               <a:rPr kumimoji="1" lang="zh-CN" altLang="en-US" smtClean="0"/>
               <a:pPr/>
-              <a:t>2019/7/11</a:t>
+              <a:t>2019/7/12</a:t>
             </a:fld>
             <a:endParaRPr kumimoji="1" lang="zh-CN" altLang="en-US"/>
           </a:p>
@@ -5274,7 +5274,7 @@
     </p:spTree>
     <p:extLst>
       <p:ext uri="{BB962C8B-B14F-4D97-AF65-F5344CB8AC3E}">
-        <p14:creationId xmlns:p14="http://schemas.microsoft.com/office/powerpoint/2010/main" xmlns="" val="380607370"/>
+        <p14:creationId xmlns:p14="http://schemas.microsoft.com/office/powerpoint/2010/main" val="380607370"/>
       </p:ext>
     </p:extLst>
   </p:cSld>
@@ -5501,7 +5501,7 @@
             <a:fld id="{887279C3-00D7-F745-B9D2-30B876F2505C}" type="datetimeFigureOut">
               <a:rPr kumimoji="1" lang="zh-CN" altLang="en-US" smtClean="0"/>
               <a:pPr/>
-              <a:t>2019/7/11</a:t>
+              <a:t>2019/7/12</a:t>
             </a:fld>
             <a:endParaRPr kumimoji="1" lang="zh-CN" altLang="en-US"/>
           </a:p>
@@ -5553,7 +5553,7 @@
     </p:spTree>
     <p:extLst>
       <p:ext uri="{BB962C8B-B14F-4D97-AF65-F5344CB8AC3E}">
-        <p14:creationId xmlns:p14="http://schemas.microsoft.com/office/powerpoint/2010/main" xmlns="" val="1661766824"/>
+        <p14:creationId xmlns:p14="http://schemas.microsoft.com/office/powerpoint/2010/main" val="1661766824"/>
       </p:ext>
     </p:extLst>
   </p:cSld>
@@ -5756,7 +5756,7 @@
             <a:fld id="{887279C3-00D7-F745-B9D2-30B876F2505C}" type="datetimeFigureOut">
               <a:rPr kumimoji="1" lang="zh-CN" altLang="en-US" smtClean="0"/>
               <a:pPr/>
-              <a:t>2019/7/11</a:t>
+              <a:t>2019/7/12</a:t>
             </a:fld>
             <a:endParaRPr kumimoji="1" lang="zh-CN" altLang="en-US"/>
           </a:p>
@@ -5808,7 +5808,7 @@
     </p:spTree>
     <p:extLst>
       <p:ext uri="{BB962C8B-B14F-4D97-AF65-F5344CB8AC3E}">
-        <p14:creationId xmlns:p14="http://schemas.microsoft.com/office/powerpoint/2010/main" xmlns="" val="1290181733"/>
+        <p14:creationId xmlns:p14="http://schemas.microsoft.com/office/powerpoint/2010/main" val="1290181733"/>
       </p:ext>
     </p:extLst>
   </p:cSld>
@@ -5971,7 +5971,7 @@
             <a:fld id="{887279C3-00D7-F745-B9D2-30B876F2505C}" type="datetimeFigureOut">
               <a:rPr kumimoji="1" lang="zh-CN" altLang="en-US" smtClean="0"/>
               <a:pPr/>
-              <a:t>2019/7/11</a:t>
+              <a:t>2019/7/12</a:t>
             </a:fld>
             <a:endParaRPr kumimoji="1" lang="zh-CN" altLang="en-US"/>
           </a:p>
@@ -6059,7 +6059,7 @@
     </p:spTree>
     <p:extLst>
       <p:ext uri="{BB962C8B-B14F-4D97-AF65-F5344CB8AC3E}">
-        <p14:creationId xmlns:p14="http://schemas.microsoft.com/office/powerpoint/2010/main" xmlns="" val="197753089"/>
+        <p14:creationId xmlns:p14="http://schemas.microsoft.com/office/powerpoint/2010/main" val="197753089"/>
       </p:ext>
     </p:extLst>
   </p:cSld>
@@ -6390,7 +6390,7 @@
           <a:blip r:embed="rId3">
             <a:extLst>
               <a:ext uri="{28A0092B-C50C-407E-A947-70E740481C1C}">
-                <a14:useLocalDpi xmlns:a14="http://schemas.microsoft.com/office/drawing/2010/main" xmlns="" val="0"/>
+                <a14:useLocalDpi xmlns:a14="http://schemas.microsoft.com/office/drawing/2010/main" val="0"/>
               </a:ext>
             </a:extLst>
           </a:blip>
@@ -6480,7 +6480,7 @@
     </p:spTree>
     <p:extLst>
       <p:ext uri="{BB962C8B-B14F-4D97-AF65-F5344CB8AC3E}">
-        <p14:creationId xmlns:p14="http://schemas.microsoft.com/office/powerpoint/2010/main" xmlns="" val="98085080"/>
+        <p14:creationId xmlns:p14="http://schemas.microsoft.com/office/powerpoint/2010/main" val="98085080"/>
       </p:ext>
     </p:extLst>
   </p:cSld>
@@ -6805,7 +6805,7 @@
     </p:spTree>
     <p:extLst>
       <p:ext uri="{BB962C8B-B14F-4D97-AF65-F5344CB8AC3E}">
-        <p14:creationId xmlns:p14="http://schemas.microsoft.com/office/powerpoint/2010/main" xmlns="" val="819143596"/>
+        <p14:creationId xmlns:p14="http://schemas.microsoft.com/office/powerpoint/2010/main" val="819143596"/>
       </p:ext>
     </p:extLst>
   </p:cSld>
@@ -6866,7 +6866,7 @@
     </p:spTree>
     <p:extLst>
       <p:ext uri="{BB962C8B-B14F-4D97-AF65-F5344CB8AC3E}">
-        <p14:creationId xmlns:p14="http://schemas.microsoft.com/office/powerpoint/2010/main" xmlns="" val="1298196754"/>
+        <p14:creationId xmlns:p14="http://schemas.microsoft.com/office/powerpoint/2010/main" val="1298196754"/>
       </p:ext>
     </p:extLst>
   </p:cSld>
@@ -7162,7 +7162,7 @@
     </p:spTree>
     <p:extLst>
       <p:ext uri="{BB962C8B-B14F-4D97-AF65-F5344CB8AC3E}">
-        <p14:creationId xmlns:p14="http://schemas.microsoft.com/office/powerpoint/2010/main" xmlns="" val="793814422"/>
+        <p14:creationId xmlns:p14="http://schemas.microsoft.com/office/powerpoint/2010/main" val="793814422"/>
       </p:ext>
     </p:extLst>
   </p:cSld>
@@ -7524,7 +7524,7 @@
     </p:spTree>
     <p:extLst>
       <p:ext uri="{BB962C8B-B14F-4D97-AF65-F5344CB8AC3E}">
-        <p14:creationId xmlns:p14="http://schemas.microsoft.com/office/powerpoint/2010/main" xmlns="" val="801090093"/>
+        <p14:creationId xmlns:p14="http://schemas.microsoft.com/office/powerpoint/2010/main" val="801090093"/>
       </p:ext>
     </p:extLst>
   </p:cSld>
@@ -7944,7 +7944,7 @@
     </p:spTree>
     <p:extLst>
       <p:ext uri="{BB962C8B-B14F-4D97-AF65-F5344CB8AC3E}">
-        <p14:creationId xmlns:p14="http://schemas.microsoft.com/office/powerpoint/2010/main" xmlns="" val="2011383311"/>
+        <p14:creationId xmlns:p14="http://schemas.microsoft.com/office/powerpoint/2010/main" val="2011383311"/>
       </p:ext>
     </p:extLst>
   </p:cSld>
@@ -8359,7 +8359,7 @@
     </p:spTree>
     <p:extLst>
       <p:ext uri="{BB962C8B-B14F-4D97-AF65-F5344CB8AC3E}">
-        <p14:creationId xmlns:p14="http://schemas.microsoft.com/office/powerpoint/2010/main" xmlns="" val="1797483022"/>
+        <p14:creationId xmlns:p14="http://schemas.microsoft.com/office/powerpoint/2010/main" val="1797483022"/>
       </p:ext>
     </p:extLst>
   </p:cSld>
@@ -8579,7 +8579,7 @@
     </p:spTree>
     <p:extLst>
       <p:ext uri="{BB962C8B-B14F-4D97-AF65-F5344CB8AC3E}">
-        <p14:creationId xmlns:p14="http://schemas.microsoft.com/office/powerpoint/2010/main" xmlns="" val="2016002298"/>
+        <p14:creationId xmlns:p14="http://schemas.microsoft.com/office/powerpoint/2010/main" val="2016002298"/>
       </p:ext>
     </p:extLst>
   </p:cSld>
@@ -8638,11 +8638,7 @@
             </a:r>
             <a:r>
               <a:rPr lang="zh-CN" altLang="en-US" dirty="0" smtClean="0"/>
-              <a:t>种</a:t>
-            </a:r>
-            <a:r>
-              <a:rPr lang="zh-CN" altLang="en-US" dirty="0" smtClean="0"/>
-              <a:t>负载均衡策略</a:t>
+              <a:t>种负载均衡策略</a:t>
             </a:r>
             <a:endParaRPr kumimoji="1" lang="zh-CN" altLang="en-US" dirty="0"/>
           </a:p>
@@ -9151,7 +9147,7 @@
     </p:spTree>
     <p:extLst>
       <p:ext uri="{BB962C8B-B14F-4D97-AF65-F5344CB8AC3E}">
-        <p14:creationId xmlns:p14="http://schemas.microsoft.com/office/powerpoint/2010/main" xmlns="" val="2009350891"/>
+        <p14:creationId xmlns:p14="http://schemas.microsoft.com/office/powerpoint/2010/main" val="2009350891"/>
       </p:ext>
     </p:extLst>
   </p:cSld>
@@ -9245,15 +9241,7 @@
             </a:r>
             <a:r>
               <a:rPr lang="zh-CN" altLang="en-US" dirty="0" smtClean="0"/>
-              <a:t>可以通过创建</a:t>
-            </a:r>
-            <a:r>
-              <a:rPr lang="zh-CN" altLang="en-US" dirty="0" smtClean="0"/>
-              <a:t>一</a:t>
-            </a:r>
-            <a:r>
-              <a:rPr lang="zh-CN" altLang="en-US" dirty="0" smtClean="0"/>
-              <a:t>个</a:t>
+              <a:t>可以通过创建一个</a:t>
             </a:r>
             <a:r>
               <a:rPr lang="en-US" altLang="zh-CN" dirty="0" err="1" smtClean="0"/>
@@ -9342,7 +9330,7 @@
     </p:spTree>
     <p:extLst>
       <p:ext uri="{BB962C8B-B14F-4D97-AF65-F5344CB8AC3E}">
-        <p14:creationId xmlns:p14="http://schemas.microsoft.com/office/powerpoint/2010/main" xmlns="" val="1730099422"/>
+        <p14:creationId xmlns:p14="http://schemas.microsoft.com/office/powerpoint/2010/main" val="1730099422"/>
       </p:ext>
     </p:extLst>
   </p:cSld>
@@ -9378,7 +9366,7 @@
         <p:spPr>
           <a:xfrm>
             <a:off x="609600" y="203201"/>
-            <a:ext cx="646331" cy="369332"/>
+            <a:ext cx="1524776" cy="369332"/>
           </a:xfrm>
           <a:prstGeom prst="rect">
             <a:avLst/>
@@ -9392,17 +9380,487 @@
           <a:lstStyle/>
           <a:p>
             <a:r>
-              <a:rPr kumimoji="1" lang="zh-CN" altLang="en-US" smtClean="0"/>
-              <a:t>标题</a:t>
-            </a:r>
-            <a:endParaRPr kumimoji="1" lang="zh-CN" altLang="en-US"/>
+              <a:rPr kumimoji="1" lang="en-US" altLang="zh-CN" dirty="0" smtClean="0"/>
+              <a:t>3.</a:t>
+            </a:r>
+            <a:r>
+              <a:rPr kumimoji="1" lang="zh-CN" altLang="en-US" dirty="0" smtClean="0"/>
+              <a:t> </a:t>
+            </a:r>
+            <a:r>
+              <a:rPr kumimoji="1" lang="en-US" altLang="zh-CN" dirty="0" err="1" smtClean="0"/>
+              <a:t>FeignClient</a:t>
+            </a:r>
+            <a:endParaRPr kumimoji="1" lang="zh-CN" altLang="en-US" dirty="0"/>
+          </a:p>
+        </p:txBody>
+      </p:sp>
+      <p:sp>
+        <p:nvSpPr>
+          <p:cNvPr id="2" name="文本框 1"/>
+          <p:cNvSpPr txBox="1"/>
+          <p:nvPr/>
+        </p:nvSpPr>
+        <p:spPr>
+          <a:xfrm>
+            <a:off x="948513" y="834211"/>
+            <a:ext cx="8565165" cy="1200329"/>
+          </a:xfrm>
+          <a:prstGeom prst="rect">
+            <a:avLst/>
+          </a:prstGeom>
+          <a:noFill/>
+        </p:spPr>
+        <p:txBody>
+          <a:bodyPr wrap="none" rtlCol="0">
+            <a:spAutoFit/>
+          </a:bodyPr>
+          <a:lstStyle/>
+          <a:p>
+            <a:r>
+              <a:rPr kumimoji="1" lang="zh-CN" altLang="en-US" dirty="0" smtClean="0"/>
+              <a:t>使用</a:t>
+            </a:r>
+            <a:r>
+              <a:rPr kumimoji="1" lang="en-US" altLang="zh-CN" dirty="0" err="1" smtClean="0"/>
+              <a:t>FeignClient</a:t>
+            </a:r>
+            <a:r>
+              <a:rPr kumimoji="1" lang="zh-CN" altLang="en-US" dirty="0" smtClean="0"/>
+              <a:t>需要在程序入口类上添加</a:t>
+            </a:r>
+            <a:r>
+              <a:rPr kumimoji="1" lang="en-US" altLang="zh-CN" b="1" dirty="0"/>
+              <a:t>@</a:t>
+            </a:r>
+            <a:r>
+              <a:rPr lang="en-US" altLang="zh-CN" b="1" dirty="0" err="1" smtClean="0"/>
+              <a:t>EnableFeignClients</a:t>
+            </a:r>
+            <a:r>
+              <a:rPr lang="zh-CN" altLang="en-US" dirty="0" smtClean="0"/>
+              <a:t>注解来启用对应功能</a:t>
+            </a:r>
+            <a:endParaRPr kumimoji="1" lang="en-US" altLang="zh-CN" dirty="0" smtClean="0"/>
+          </a:p>
+          <a:p>
+            <a:r>
+              <a:rPr kumimoji="1" lang="zh-CN" altLang="en-US" dirty="0" smtClean="0"/>
+              <a:t>创建一个接口，简单声明一下服务名称，接口路径和出入参数就完成了，如下：</a:t>
+            </a:r>
+            <a:endParaRPr kumimoji="1" lang="en-US" altLang="zh-CN" dirty="0" smtClean="0"/>
+          </a:p>
+          <a:p>
+            <a:endParaRPr kumimoji="1" lang="en-US" altLang="zh-CN" dirty="0"/>
+          </a:p>
+          <a:p>
+            <a:endParaRPr kumimoji="1" lang="en-US" altLang="zh-CN" dirty="0"/>
+          </a:p>
+        </p:txBody>
+      </p:sp>
+      <p:sp>
+        <p:nvSpPr>
+          <p:cNvPr id="3" name="文本框 2"/>
+          <p:cNvSpPr txBox="1"/>
+          <p:nvPr/>
+        </p:nvSpPr>
+        <p:spPr>
+          <a:xfrm>
+            <a:off x="1436087" y="1493979"/>
+            <a:ext cx="7843838" cy="2031325"/>
+          </a:xfrm>
+          <a:prstGeom prst="rect">
+            <a:avLst/>
+          </a:prstGeom>
+          <a:noFill/>
+        </p:spPr>
+        <p:txBody>
+          <a:bodyPr wrap="square" rtlCol="0">
+            <a:spAutoFit/>
+          </a:bodyPr>
+          <a:lstStyle/>
+          <a:p>
+            <a:r>
+              <a:rPr lang="en-US" altLang="zh-CN" dirty="0"/>
+              <a:t>@</a:t>
+            </a:r>
+            <a:r>
+              <a:rPr lang="en-US" altLang="zh-CN" dirty="0" err="1"/>
+              <a:t>FeignClient</a:t>
+            </a:r>
+            <a:r>
+              <a:rPr lang="en-US" altLang="zh-CN" dirty="0"/>
+              <a:t>(value = "server-hi")</a:t>
+            </a:r>
+            <a:br>
+              <a:rPr lang="en-US" altLang="zh-CN" dirty="0"/>
+            </a:br>
+            <a:r>
+              <a:rPr lang="en-US" altLang="zh-CN" dirty="0"/>
+              <a:t>public interface </a:t>
+            </a:r>
+            <a:r>
+              <a:rPr lang="en-US" altLang="zh-CN" dirty="0" err="1"/>
+              <a:t>ServiceHi</a:t>
+            </a:r>
+            <a:r>
+              <a:rPr lang="en-US" altLang="zh-CN" dirty="0"/>
+              <a:t> {</a:t>
+            </a:r>
+            <a:br>
+              <a:rPr lang="en-US" altLang="zh-CN" dirty="0"/>
+            </a:br>
+            <a:r>
+              <a:rPr lang="en-US" altLang="zh-CN" dirty="0"/>
+              <a:t/>
+            </a:r>
+            <a:br>
+              <a:rPr lang="en-US" altLang="zh-CN" dirty="0"/>
+            </a:br>
+            <a:r>
+              <a:rPr lang="en-US" altLang="zh-CN" dirty="0"/>
+              <a:t>    @</a:t>
+            </a:r>
+            <a:r>
+              <a:rPr lang="en-US" altLang="zh-CN" dirty="0" err="1"/>
+              <a:t>RequestMapping</a:t>
+            </a:r>
+            <a:r>
+              <a:rPr lang="en-US" altLang="zh-CN" dirty="0"/>
+              <a:t>(value = "/</a:t>
+            </a:r>
+            <a:r>
+              <a:rPr lang="en-US" altLang="zh-CN" dirty="0" err="1"/>
+              <a:t>hi",method</a:t>
+            </a:r>
+            <a:r>
+              <a:rPr lang="en-US" altLang="zh-CN" dirty="0"/>
+              <a:t> = </a:t>
+            </a:r>
+            <a:r>
+              <a:rPr lang="en-US" altLang="zh-CN" dirty="0" err="1"/>
+              <a:t>RequestMethod.</a:t>
+            </a:r>
+            <a:r>
+              <a:rPr lang="en-US" altLang="zh-CN" b="1" i="1" dirty="0" err="1"/>
+              <a:t>GET</a:t>
+            </a:r>
+            <a:r>
+              <a:rPr lang="en-US" altLang="zh-CN" dirty="0"/>
+              <a:t>)</a:t>
+            </a:r>
+            <a:br>
+              <a:rPr lang="en-US" altLang="zh-CN" dirty="0"/>
+            </a:br>
+            <a:r>
+              <a:rPr lang="en-US" altLang="zh-CN" dirty="0"/>
+              <a:t>    String </a:t>
+            </a:r>
+            <a:r>
+              <a:rPr lang="en-US" altLang="zh-CN" dirty="0" err="1"/>
+              <a:t>sayHiFromClient</a:t>
+            </a:r>
+            <a:r>
+              <a:rPr lang="en-US" altLang="zh-CN" dirty="0"/>
+              <a:t>(String name</a:t>
+            </a:r>
+            <a:r>
+              <a:rPr lang="en-US" altLang="zh-CN" dirty="0" smtClean="0"/>
+              <a:t>);</a:t>
+            </a:r>
+            <a:r>
+              <a:rPr lang="en-US" altLang="zh-CN" dirty="0"/>
+              <a:t/>
+            </a:r>
+            <a:br>
+              <a:rPr lang="en-US" altLang="zh-CN" dirty="0"/>
+            </a:br>
+            <a:r>
+              <a:rPr lang="en-US" altLang="zh-CN" dirty="0"/>
+              <a:t/>
+            </a:r>
+            <a:br>
+              <a:rPr lang="en-US" altLang="zh-CN" dirty="0"/>
+            </a:br>
+            <a:r>
+              <a:rPr lang="en-US" altLang="zh-CN" dirty="0"/>
+              <a:t>}</a:t>
+            </a:r>
+            <a:endParaRPr lang="zh-CN" altLang="zh-CN" dirty="0"/>
+          </a:p>
+        </p:txBody>
+      </p:sp>
+      <p:sp>
+        <p:nvSpPr>
+          <p:cNvPr id="5" name="文本框 4"/>
+          <p:cNvSpPr txBox="1"/>
+          <p:nvPr/>
+        </p:nvSpPr>
+        <p:spPr>
+          <a:xfrm>
+            <a:off x="948513" y="3581743"/>
+            <a:ext cx="8675773" cy="646331"/>
+          </a:xfrm>
+          <a:prstGeom prst="rect">
+            <a:avLst/>
+          </a:prstGeom>
+          <a:noFill/>
+        </p:spPr>
+        <p:txBody>
+          <a:bodyPr wrap="none" rtlCol="0">
+            <a:spAutoFit/>
+          </a:bodyPr>
+          <a:lstStyle/>
+          <a:p>
+            <a:r>
+              <a:rPr kumimoji="1" lang="zh-CN" altLang="en-US" dirty="0" smtClean="0"/>
+              <a:t>只看上面这个声明，觉得</a:t>
+            </a:r>
+            <a:r>
+              <a:rPr kumimoji="1" lang="en-US" altLang="zh-CN" dirty="0" err="1" smtClean="0"/>
+              <a:t>FeignClient</a:t>
+            </a:r>
+            <a:r>
+              <a:rPr kumimoji="1" lang="zh-CN" altLang="en-US" dirty="0" smtClean="0"/>
+              <a:t>没什么大不了的，但是再加个接口就会不一样了</a:t>
+            </a:r>
+            <a:endParaRPr kumimoji="1" lang="en-US" altLang="zh-CN" dirty="0"/>
+          </a:p>
+          <a:p>
+            <a:endParaRPr kumimoji="1" lang="en-US" altLang="zh-CN" dirty="0"/>
+          </a:p>
+        </p:txBody>
+      </p:sp>
+      <p:sp>
+        <p:nvSpPr>
+          <p:cNvPr id="4" name="文本框 3"/>
+          <p:cNvSpPr txBox="1"/>
+          <p:nvPr/>
+        </p:nvSpPr>
+        <p:spPr>
+          <a:xfrm>
+            <a:off x="1371988" y="4021676"/>
+            <a:ext cx="7972037" cy="2585323"/>
+          </a:xfrm>
+          <a:prstGeom prst="rect">
+            <a:avLst/>
+          </a:prstGeom>
+          <a:noFill/>
+        </p:spPr>
+        <p:txBody>
+          <a:bodyPr wrap="square" rtlCol="0">
+            <a:spAutoFit/>
+          </a:bodyPr>
+          <a:lstStyle/>
+          <a:p>
+            <a:r>
+              <a:rPr lang="en-US" altLang="zh-CN" dirty="0"/>
+              <a:t>@</a:t>
+            </a:r>
+            <a:r>
+              <a:rPr lang="en-US" altLang="zh-CN" dirty="0" err="1"/>
+              <a:t>FeignClient</a:t>
+            </a:r>
+            <a:r>
+              <a:rPr lang="en-US" altLang="zh-CN" dirty="0"/>
+              <a:t>(value = </a:t>
+            </a:r>
+            <a:r>
+              <a:rPr lang="en-US" altLang="zh-CN" dirty="0"/>
+              <a:t>"server-hi"</a:t>
+            </a:r>
+            <a:r>
+              <a:rPr lang="en-US" altLang="zh-CN" dirty="0"/>
+              <a:t>)</a:t>
+            </a:r>
+            <a:br>
+              <a:rPr lang="en-US" altLang="zh-CN" dirty="0"/>
+            </a:br>
+            <a:r>
+              <a:rPr lang="en-US" altLang="zh-CN" dirty="0"/>
+              <a:t>public interface </a:t>
+            </a:r>
+            <a:r>
+              <a:rPr lang="en-US" altLang="zh-CN" dirty="0" err="1"/>
+              <a:t>ServiceHi</a:t>
+            </a:r>
+            <a:r>
+              <a:rPr lang="en-US" altLang="zh-CN" dirty="0"/>
+              <a:t> </a:t>
+            </a:r>
+            <a:r>
+              <a:rPr lang="en-US" altLang="zh-CN" dirty="0"/>
+              <a:t>{</a:t>
+            </a:r>
+            <a:br>
+              <a:rPr lang="en-US" altLang="zh-CN" dirty="0"/>
+            </a:br>
+            <a:r>
+              <a:rPr lang="en-US" altLang="zh-CN" dirty="0"/>
+              <a:t/>
+            </a:r>
+            <a:br>
+              <a:rPr lang="en-US" altLang="zh-CN" dirty="0"/>
+            </a:br>
+            <a:r>
+              <a:rPr lang="en-US" altLang="zh-CN" dirty="0"/>
+              <a:t>    </a:t>
+            </a:r>
+            <a:r>
+              <a:rPr lang="en-US" altLang="zh-CN" dirty="0"/>
+              <a:t>@</a:t>
+            </a:r>
+            <a:r>
+              <a:rPr lang="en-US" altLang="zh-CN" dirty="0" err="1"/>
+              <a:t>RequestMapping</a:t>
+            </a:r>
+            <a:r>
+              <a:rPr lang="en-US" altLang="zh-CN" dirty="0"/>
+              <a:t>(value = </a:t>
+            </a:r>
+            <a:r>
+              <a:rPr lang="en-US" altLang="zh-CN" dirty="0"/>
+              <a:t>"/</a:t>
+            </a:r>
+            <a:r>
+              <a:rPr lang="en-US" altLang="zh-CN" dirty="0" err="1"/>
+              <a:t>hi"</a:t>
+            </a:r>
+            <a:r>
+              <a:rPr lang="en-US" altLang="zh-CN" dirty="0" err="1"/>
+              <a:t>,method</a:t>
+            </a:r>
+            <a:r>
+              <a:rPr lang="en-US" altLang="zh-CN" dirty="0"/>
+              <a:t> = </a:t>
+            </a:r>
+            <a:r>
+              <a:rPr lang="en-US" altLang="zh-CN" dirty="0" err="1"/>
+              <a:t>RequestMethod</a:t>
+            </a:r>
+            <a:r>
+              <a:rPr lang="en-US" altLang="zh-CN" dirty="0" err="1"/>
+              <a:t>.</a:t>
+            </a:r>
+            <a:r>
+              <a:rPr lang="en-US" altLang="zh-CN" b="1" i="1" dirty="0" err="1"/>
+              <a:t>GET</a:t>
+            </a:r>
+            <a:r>
+              <a:rPr lang="en-US" altLang="zh-CN" dirty="0"/>
+              <a:t>)</a:t>
+            </a:r>
+            <a:br>
+              <a:rPr lang="en-US" altLang="zh-CN" dirty="0"/>
+            </a:br>
+            <a:r>
+              <a:rPr lang="en-US" altLang="zh-CN" dirty="0"/>
+              <a:t>    </a:t>
+            </a:r>
+            <a:r>
+              <a:rPr lang="en-US" altLang="zh-CN" dirty="0"/>
+              <a:t>String </a:t>
+            </a:r>
+            <a:r>
+              <a:rPr lang="en-US" altLang="zh-CN" dirty="0" err="1"/>
+              <a:t>sayHiFromClient</a:t>
+            </a:r>
+            <a:r>
+              <a:rPr lang="en-US" altLang="zh-CN" dirty="0"/>
+              <a:t>(</a:t>
+            </a:r>
+            <a:r>
+              <a:rPr lang="en-US" altLang="zh-CN" dirty="0"/>
+              <a:t>String name</a:t>
+            </a:r>
+            <a:r>
+              <a:rPr lang="en-US" altLang="zh-CN" dirty="0"/>
+              <a:t>);</a:t>
+            </a:r>
+            <a:br>
+              <a:rPr lang="en-US" altLang="zh-CN" dirty="0"/>
+            </a:br>
+            <a:r>
+              <a:rPr lang="en-US" altLang="zh-CN" dirty="0"/>
+              <a:t/>
+            </a:r>
+            <a:br>
+              <a:rPr lang="en-US" altLang="zh-CN" dirty="0"/>
+            </a:br>
+            <a:r>
+              <a:rPr lang="en-US" altLang="zh-CN" dirty="0"/>
+              <a:t>    </a:t>
+            </a:r>
+            <a:r>
+              <a:rPr lang="en-US" altLang="zh-CN" dirty="0"/>
+              <a:t>@</a:t>
+            </a:r>
+            <a:r>
+              <a:rPr lang="en-US" altLang="zh-CN" dirty="0" err="1"/>
+              <a:t>PostMapping</a:t>
+            </a:r>
+            <a:r>
+              <a:rPr lang="en-US" altLang="zh-CN" dirty="0"/>
+              <a:t>(value = </a:t>
+            </a:r>
+            <a:r>
+              <a:rPr lang="en-US" altLang="zh-CN" dirty="0"/>
+              <a:t>"/hello"</a:t>
+            </a:r>
+            <a:r>
+              <a:rPr lang="en-US" altLang="zh-CN" dirty="0"/>
+              <a:t>)</a:t>
+            </a:r>
+            <a:br>
+              <a:rPr lang="en-US" altLang="zh-CN" dirty="0"/>
+            </a:br>
+            <a:r>
+              <a:rPr lang="en-US" altLang="zh-CN" dirty="0"/>
+              <a:t>    </a:t>
+            </a:r>
+            <a:r>
+              <a:rPr lang="en-US" altLang="zh-CN" dirty="0"/>
+              <a:t>Person </a:t>
+            </a:r>
+            <a:r>
+              <a:rPr lang="en-US" altLang="zh-CN" dirty="0" err="1"/>
+              <a:t>sayHelloFromClient</a:t>
+            </a:r>
+            <a:r>
+              <a:rPr lang="en-US" altLang="zh-CN" dirty="0"/>
+              <a:t>(</a:t>
+            </a:r>
+            <a:r>
+              <a:rPr lang="en-US" altLang="zh-CN" dirty="0" err="1"/>
+              <a:t>BaseRequest</a:t>
+            </a:r>
+            <a:r>
+              <a:rPr lang="en-US" altLang="zh-CN" dirty="0"/>
+              <a:t> name</a:t>
+            </a:r>
+            <a:r>
+              <a:rPr lang="en-US" altLang="zh-CN" dirty="0" smtClean="0"/>
+              <a:t>);</a:t>
+            </a:r>
+            <a:r>
+              <a:rPr lang="en-US" altLang="zh-CN" dirty="0"/>
+              <a:t/>
+            </a:r>
+            <a:br>
+              <a:rPr lang="en-US" altLang="zh-CN" dirty="0"/>
+            </a:br>
+            <a:r>
+              <a:rPr lang="en-US" altLang="zh-CN" dirty="0"/>
+              <a:t>}</a:t>
+            </a:r>
+            <a:endParaRPr kumimoji="1" lang="zh-CN" altLang="en-US" dirty="0"/>
           </a:p>
         </p:txBody>
       </p:sp>
     </p:spTree>
     <p:extLst>
       <p:ext uri="{BB962C8B-B14F-4D97-AF65-F5344CB8AC3E}">
-        <p14:creationId xmlns:p14="http://schemas.microsoft.com/office/powerpoint/2010/main" xmlns="" val="510350281"/>
+        <p14:creationId xmlns:p14="http://schemas.microsoft.com/office/powerpoint/2010/main" val="510350281"/>
       </p:ext>
     </p:extLst>
   </p:cSld>
@@ -9625,7 +10083,7 @@
     </p:spTree>
     <p:extLst>
       <p:ext uri="{BB962C8B-B14F-4D97-AF65-F5344CB8AC3E}">
-        <p14:creationId xmlns:p14="http://schemas.microsoft.com/office/powerpoint/2010/main" xmlns="" val="29691590"/>
+        <p14:creationId xmlns:p14="http://schemas.microsoft.com/office/powerpoint/2010/main" val="29691590"/>
       </p:ext>
     </p:extLst>
   </p:cSld>
@@ -9668,7 +10126,7 @@
         <p:spPr>
           <a:xfrm>
             <a:off x="609600" y="203201"/>
-            <a:ext cx="646331" cy="369332"/>
+            <a:ext cx="1524776" cy="369332"/>
           </a:xfrm>
           <a:prstGeom prst="rect">
             <a:avLst/>
@@ -9682,17 +10140,266 @@
           <a:lstStyle/>
           <a:p>
             <a:r>
-              <a:rPr kumimoji="1" lang="zh-CN" altLang="en-US" smtClean="0"/>
-              <a:t>标题</a:t>
-            </a:r>
-            <a:endParaRPr kumimoji="1" lang="zh-CN" altLang="en-US"/>
+              <a:rPr kumimoji="1" lang="en-US" altLang="zh-CN" dirty="0" smtClean="0"/>
+              <a:t>3.</a:t>
+            </a:r>
+            <a:r>
+              <a:rPr kumimoji="1" lang="zh-CN" altLang="en-US" dirty="0" smtClean="0"/>
+              <a:t> </a:t>
+            </a:r>
+            <a:r>
+              <a:rPr kumimoji="1" lang="en-US" altLang="zh-CN" dirty="0" err="1" smtClean="0"/>
+              <a:t>FeignClient</a:t>
+            </a:r>
+            <a:endParaRPr kumimoji="1" lang="zh-CN" altLang="en-US" dirty="0"/>
+          </a:p>
+        </p:txBody>
+      </p:sp>
+      <p:sp>
+        <p:nvSpPr>
+          <p:cNvPr id="2" name="文本框 1"/>
+          <p:cNvSpPr txBox="1"/>
+          <p:nvPr/>
+        </p:nvSpPr>
+        <p:spPr>
+          <a:xfrm>
+            <a:off x="1477108" y="1195754"/>
+            <a:ext cx="9202615" cy="2862322"/>
+          </a:xfrm>
+          <a:prstGeom prst="rect">
+            <a:avLst/>
+          </a:prstGeom>
+          <a:noFill/>
+        </p:spPr>
+        <p:txBody>
+          <a:bodyPr wrap="square" rtlCol="0">
+            <a:spAutoFit/>
+          </a:bodyPr>
+          <a:lstStyle/>
+          <a:p>
+            <a:pPr marL="342900" indent="-342900">
+              <a:buAutoNum type="arabicPeriod"/>
+            </a:pPr>
+            <a:r>
+              <a:rPr kumimoji="1" lang="zh-CN" altLang="en-US" dirty="0" smtClean="0"/>
+              <a:t>默认使用</a:t>
+            </a:r>
+            <a:r>
+              <a:rPr lang="en-US" altLang="zh-CN" dirty="0" smtClean="0"/>
+              <a:t>Jackson</a:t>
+            </a:r>
+            <a:r>
+              <a:rPr lang="zh-CN" altLang="en-US" dirty="0" smtClean="0"/>
+              <a:t>对复杂参数和返回值做序列化</a:t>
+            </a:r>
+            <a:endParaRPr lang="en-US" altLang="zh-CN" dirty="0" smtClean="0"/>
+          </a:p>
+          <a:p>
+            <a:pPr marL="342900" indent="-342900">
+              <a:buAutoNum type="arabicPeriod"/>
+            </a:pPr>
+            <a:endParaRPr kumimoji="1" lang="en-US" altLang="zh-CN" dirty="0" smtClean="0"/>
+          </a:p>
+          <a:p>
+            <a:pPr marL="342900" indent="-342900">
+              <a:buAutoNum type="arabicPeriod"/>
+            </a:pPr>
+            <a:r>
+              <a:rPr kumimoji="1" lang="zh-CN" altLang="en-US" dirty="0" smtClean="0"/>
+              <a:t>如果与</a:t>
+            </a:r>
+            <a:r>
+              <a:rPr kumimoji="1" lang="en-US" altLang="zh-CN" dirty="0" smtClean="0"/>
+              <a:t>Eureka</a:t>
+            </a:r>
+            <a:r>
+              <a:rPr kumimoji="1" lang="zh-CN" altLang="en-US" dirty="0" smtClean="0"/>
+              <a:t>一同使用并开启</a:t>
+            </a:r>
+            <a:r>
+              <a:rPr kumimoji="1" lang="en-US" altLang="zh-CN" dirty="0" smtClean="0"/>
+              <a:t>Ribbon</a:t>
+            </a:r>
+            <a:r>
+              <a:rPr kumimoji="1" lang="zh-CN" altLang="en-US" dirty="0" smtClean="0"/>
+              <a:t>功能，就可以声明一个相同</a:t>
+            </a:r>
+            <a:r>
+              <a:rPr kumimoji="1" lang="en-US" altLang="zh-CN" dirty="0" smtClean="0"/>
+              <a:t>name</a:t>
+            </a:r>
+            <a:r>
+              <a:rPr kumimoji="1" lang="zh-CN" altLang="en-US" dirty="0" smtClean="0"/>
+              <a:t>的</a:t>
+            </a:r>
+            <a:r>
+              <a:rPr kumimoji="1" lang="en-US" altLang="zh-CN" dirty="0" smtClean="0"/>
+              <a:t>Ribbon</a:t>
+            </a:r>
+            <a:r>
+              <a:rPr kumimoji="1" lang="zh-CN" altLang="en-US" dirty="0" smtClean="0"/>
+              <a:t> </a:t>
+            </a:r>
+            <a:r>
+              <a:rPr kumimoji="1" lang="en-US" altLang="zh-CN" dirty="0" err="1" smtClean="0"/>
+              <a:t>RestTemplete</a:t>
+            </a:r>
+            <a:r>
+              <a:rPr kumimoji="1" lang="zh-CN" altLang="en-US" dirty="0" smtClean="0"/>
+              <a:t>，实现负载均衡，并且</a:t>
+            </a:r>
+            <a:r>
+              <a:rPr kumimoji="1" lang="en-US" altLang="zh-CN" dirty="0" smtClean="0"/>
+              <a:t>name</a:t>
+            </a:r>
+            <a:r>
+              <a:rPr kumimoji="1" lang="zh-CN" altLang="en-US" dirty="0" smtClean="0"/>
+              <a:t>配置的值是在</a:t>
+            </a:r>
+            <a:r>
+              <a:rPr kumimoji="1" lang="en-US" altLang="zh-CN" dirty="0" smtClean="0"/>
+              <a:t>Eureka</a:t>
+            </a:r>
+            <a:r>
+              <a:rPr kumimoji="1" lang="zh-CN" altLang="en-US" dirty="0" smtClean="0"/>
+              <a:t>注册的服务名称</a:t>
+            </a:r>
+            <a:endParaRPr kumimoji="1" lang="en-US" altLang="zh-CN" dirty="0" smtClean="0"/>
+          </a:p>
+          <a:p>
+            <a:pPr marL="342900" indent="-342900">
+              <a:buAutoNum type="arabicPeriod"/>
+            </a:pPr>
+            <a:endParaRPr kumimoji="1" lang="en-US" altLang="zh-CN" dirty="0"/>
+          </a:p>
+          <a:p>
+            <a:pPr marL="342900" indent="-342900">
+              <a:buAutoNum type="arabicPeriod"/>
+            </a:pPr>
+            <a:r>
+              <a:rPr kumimoji="1" lang="zh-CN" altLang="en-US" dirty="0" smtClean="0"/>
+              <a:t>默认使用远程的</a:t>
+            </a:r>
+            <a:r>
+              <a:rPr kumimoji="1" lang="en-US" altLang="zh-CN" dirty="0" err="1" smtClean="0"/>
+              <a:t>URLConnection</a:t>
+            </a:r>
+            <a:r>
+              <a:rPr kumimoji="1" lang="zh-CN" altLang="en-US" dirty="0" smtClean="0"/>
+              <a:t>发送</a:t>
+            </a:r>
+            <a:r>
+              <a:rPr kumimoji="1" lang="en-US" altLang="zh-CN" dirty="0" smtClean="0"/>
+              <a:t>HTTP</a:t>
+            </a:r>
+            <a:r>
+              <a:rPr kumimoji="1" lang="zh-CN" altLang="en-US" dirty="0" smtClean="0"/>
+              <a:t>请求，可以配置为</a:t>
+            </a:r>
+            <a:r>
+              <a:rPr kumimoji="1" lang="en-US" altLang="zh-CN" dirty="0" err="1" smtClean="0"/>
+              <a:t>httpClient</a:t>
+            </a:r>
+            <a:r>
+              <a:rPr kumimoji="1" lang="zh-CN" altLang="en-US" dirty="0" smtClean="0"/>
+              <a:t>或者</a:t>
+            </a:r>
+            <a:r>
+              <a:rPr kumimoji="1" lang="en-US" altLang="zh-CN" dirty="0" err="1" smtClean="0"/>
+              <a:t>OKhttpClient</a:t>
+            </a:r>
+            <a:endParaRPr kumimoji="1" lang="en-US" altLang="zh-CN" dirty="0" smtClean="0"/>
+          </a:p>
+          <a:p>
+            <a:pPr marL="342900" indent="-342900">
+              <a:buAutoNum type="arabicPeriod"/>
+            </a:pPr>
+            <a:endParaRPr kumimoji="1" lang="en-US" altLang="zh-CN" dirty="0"/>
+          </a:p>
+          <a:p>
+            <a:pPr marL="342900" indent="-342900">
+              <a:buAutoNum type="arabicPeriod"/>
+            </a:pPr>
+            <a:r>
+              <a:rPr kumimoji="1" lang="zh-CN" altLang="en-US" dirty="0" smtClean="0"/>
+              <a:t>可以配置</a:t>
+            </a:r>
+            <a:r>
+              <a:rPr kumimoji="1" lang="en-US" altLang="zh-CN" dirty="0" err="1" smtClean="0"/>
+              <a:t>Hystrix</a:t>
+            </a:r>
+            <a:r>
+              <a:rPr kumimoji="1" lang="zh-CN" altLang="en-US" dirty="0" smtClean="0"/>
+              <a:t>，实现</a:t>
+            </a:r>
+            <a:r>
+              <a:rPr kumimoji="1" lang="en-US" altLang="zh-CN" dirty="0" err="1" smtClean="0"/>
+              <a:t>FeignClient</a:t>
+            </a:r>
+            <a:r>
+              <a:rPr kumimoji="1" lang="zh-CN" altLang="en-US" dirty="0" smtClean="0"/>
+              <a:t>对应的接口方法，然后配置</a:t>
+            </a:r>
+            <a:r>
+              <a:rPr kumimoji="1" lang="en-US" altLang="zh-CN" dirty="0" err="1" smtClean="0"/>
+              <a:t>FeignClient</a:t>
+            </a:r>
+            <a:r>
+              <a:rPr kumimoji="1" lang="zh-CN" altLang="en-US" dirty="0" smtClean="0"/>
+              <a:t>注解中</a:t>
+            </a:r>
+            <a:r>
+              <a:rPr kumimoji="1" lang="en-US" altLang="zh-CN" dirty="0" err="1" smtClean="0"/>
+              <a:t>rollBack</a:t>
+            </a:r>
+            <a:r>
+              <a:rPr kumimoji="1" lang="zh-CN" altLang="en-US" dirty="0" smtClean="0"/>
+              <a:t>属性为该实现类</a:t>
+            </a:r>
+            <a:endParaRPr kumimoji="1" lang="en-US" altLang="zh-CN" dirty="0"/>
+          </a:p>
+          <a:p>
+            <a:pPr marL="342900" indent="-342900">
+              <a:buAutoNum type="arabicPeriod"/>
+            </a:pPr>
+            <a:endParaRPr kumimoji="1" lang="zh-CN" altLang="en-US" dirty="0"/>
+          </a:p>
+        </p:txBody>
+      </p:sp>
+      <p:sp>
+        <p:nvSpPr>
+          <p:cNvPr id="3" name="文本框 2"/>
+          <p:cNvSpPr txBox="1"/>
+          <p:nvPr/>
+        </p:nvSpPr>
+        <p:spPr>
+          <a:xfrm>
+            <a:off x="3892062" y="4681297"/>
+            <a:ext cx="3775393" cy="523220"/>
+          </a:xfrm>
+          <a:prstGeom prst="rect">
+            <a:avLst/>
+          </a:prstGeom>
+          <a:noFill/>
+        </p:spPr>
+        <p:txBody>
+          <a:bodyPr wrap="none" rtlCol="0">
+            <a:spAutoFit/>
+          </a:bodyPr>
+          <a:lstStyle/>
+          <a:p>
+            <a:r>
+              <a:rPr kumimoji="1" lang="zh-CN" altLang="en-US" sz="2800" dirty="0" smtClean="0"/>
+              <a:t>写更加优雅简洁的代码</a:t>
+            </a:r>
+            <a:endParaRPr kumimoji="1" lang="zh-CN" altLang="en-US" sz="2800" dirty="0"/>
           </a:p>
         </p:txBody>
       </p:sp>
     </p:spTree>
     <p:extLst>
       <p:ext uri="{BB962C8B-B14F-4D97-AF65-F5344CB8AC3E}">
-        <p14:creationId xmlns:p14="http://schemas.microsoft.com/office/powerpoint/2010/main" xmlns="" val="302759460"/>
+        <p14:creationId xmlns:p14="http://schemas.microsoft.com/office/powerpoint/2010/main" val="302759460"/>
       </p:ext>
     </p:extLst>
   </p:cSld>
@@ -9728,7 +10435,7 @@
         <p:spPr>
           <a:xfrm>
             <a:off x="609600" y="203201"/>
-            <a:ext cx="646331" cy="369332"/>
+            <a:ext cx="2020105" cy="369332"/>
           </a:xfrm>
           <a:prstGeom prst="rect">
             <a:avLst/>
@@ -9742,17 +10449,135 @@
           <a:lstStyle/>
           <a:p>
             <a:r>
-              <a:rPr kumimoji="1" lang="zh-CN" altLang="en-US" smtClean="0"/>
-              <a:t>标题</a:t>
-            </a:r>
-            <a:endParaRPr kumimoji="1" lang="zh-CN" altLang="en-US"/>
+              <a:rPr kumimoji="1" lang="en-US" altLang="zh-CN" dirty="0" smtClean="0"/>
+              <a:t>4.</a:t>
+            </a:r>
+            <a:r>
+              <a:rPr kumimoji="1" lang="zh-CN" altLang="en-US" dirty="0" smtClean="0"/>
+              <a:t> </a:t>
+            </a:r>
+            <a:r>
+              <a:rPr kumimoji="1" lang="en-US" altLang="zh-CN" dirty="0" err="1" smtClean="0"/>
+              <a:t>Hystrix</a:t>
+            </a:r>
+            <a:r>
+              <a:rPr kumimoji="1" lang="zh-CN" altLang="en-US" dirty="0" smtClean="0"/>
+              <a:t> </a:t>
+            </a:r>
+            <a:r>
+              <a:rPr kumimoji="1" lang="mr-IN" altLang="zh-CN" dirty="0" smtClean="0"/>
+              <a:t>–</a:t>
+            </a:r>
+            <a:r>
+              <a:rPr kumimoji="1" lang="zh-CN" altLang="en-US" dirty="0" smtClean="0"/>
+              <a:t> 断路器</a:t>
+            </a:r>
+            <a:endParaRPr kumimoji="1" lang="zh-CN" altLang="en-US" dirty="0"/>
+          </a:p>
+        </p:txBody>
+      </p:sp>
+      <p:sp>
+        <p:nvSpPr>
+          <p:cNvPr id="2" name="文本框 1"/>
+          <p:cNvSpPr txBox="1"/>
+          <p:nvPr/>
+        </p:nvSpPr>
+        <p:spPr>
+          <a:xfrm>
+            <a:off x="609600" y="1432778"/>
+            <a:ext cx="10577513" cy="2169825"/>
+          </a:xfrm>
+          <a:prstGeom prst="rect">
+            <a:avLst/>
+          </a:prstGeom>
+          <a:noFill/>
+        </p:spPr>
+        <p:txBody>
+          <a:bodyPr wrap="square" rtlCol="0">
+            <a:spAutoFit/>
+          </a:bodyPr>
+          <a:lstStyle/>
+          <a:p>
+            <a:pPr>
+              <a:lnSpc>
+                <a:spcPct val="150000"/>
+              </a:lnSpc>
+            </a:pPr>
+            <a:r>
+              <a:rPr lang="zh-CN" altLang="en-US" dirty="0" smtClean="0"/>
+              <a:t>前言</a:t>
+            </a:r>
+            <a:r>
+              <a:rPr lang="zh-CN" altLang="en-US" dirty="0"/>
+              <a:t>：微服务架构应用的特点就是多服务，而服务层之间通过网络进行通信，从而支撑起整个应用系统，所以，各个微服务之间不可避免的存在耦合依赖关系。但任何的服务应用实例都不可能永远的健康或网络不可能永远的都相安无事，所以一旦某个服务或局部业务发生了故障，会导致系统的不可用，我们知道当故障累积到一定程度就会造成系统层面的灾害，也就是级联故障，也叫雪崩效应，所以微服务需要在故障累计到上限之前阻止或疏通这些故障以保证系统的稳固</a:t>
+            </a:r>
+            <a:r>
+              <a:rPr lang="zh-CN" altLang="en-US" dirty="0" smtClean="0"/>
+              <a:t>安全。</a:t>
+            </a:r>
+            <a:endParaRPr kumimoji="1" lang="zh-CN" altLang="en-US" dirty="0"/>
+          </a:p>
+        </p:txBody>
+      </p:sp>
+      <p:sp>
+        <p:nvSpPr>
+          <p:cNvPr id="3" name="文本框 2"/>
+          <p:cNvSpPr txBox="1"/>
+          <p:nvPr/>
+        </p:nvSpPr>
+        <p:spPr>
+          <a:xfrm>
+            <a:off x="609600" y="4109956"/>
+            <a:ext cx="10315575" cy="923330"/>
+          </a:xfrm>
+          <a:prstGeom prst="rect">
+            <a:avLst/>
+          </a:prstGeom>
+          <a:noFill/>
+        </p:spPr>
+        <p:txBody>
+          <a:bodyPr wrap="square" rtlCol="0">
+            <a:spAutoFit/>
+          </a:bodyPr>
+          <a:lstStyle/>
+          <a:p>
+            <a:pPr>
+              <a:lnSpc>
+                <a:spcPct val="150000"/>
+              </a:lnSpc>
+            </a:pPr>
+            <a:r>
+              <a:rPr kumimoji="1" lang="en-US" altLang="zh-CN" dirty="0" err="1" smtClean="0"/>
+              <a:t>Hystrix</a:t>
+            </a:r>
+            <a:r>
+              <a:rPr kumimoji="1" lang="zh-CN" altLang="en-US" dirty="0" smtClean="0"/>
+              <a:t>是</a:t>
+            </a:r>
+            <a:r>
+              <a:rPr kumimoji="1" lang="en-US" altLang="zh-CN" dirty="0" smtClean="0"/>
+              <a:t>Netflix</a:t>
+            </a:r>
+            <a:r>
+              <a:rPr kumimoji="1" lang="zh-CN" altLang="en-US" dirty="0" smtClean="0"/>
+              <a:t>开源的延迟和容错库，用于隔离访问远程系统，服务或者第三方库，防止级联失败，提升系统可用性，可以单独使用也可以配合</a:t>
+            </a:r>
+            <a:r>
+              <a:rPr kumimoji="1" lang="en-US" altLang="zh-CN" dirty="0" err="1" smtClean="0"/>
+              <a:t>SpringCloud</a:t>
+            </a:r>
+            <a:r>
+              <a:rPr kumimoji="1" lang="zh-CN" altLang="en-US" dirty="0" smtClean="0"/>
+              <a:t>中的其他组件使用。</a:t>
+            </a:r>
+            <a:endParaRPr kumimoji="1" lang="zh-CN" altLang="en-US" dirty="0"/>
           </a:p>
         </p:txBody>
       </p:sp>
     </p:spTree>
     <p:extLst>
       <p:ext uri="{BB962C8B-B14F-4D97-AF65-F5344CB8AC3E}">
-        <p14:creationId xmlns:p14="http://schemas.microsoft.com/office/powerpoint/2010/main" xmlns="" val="1520030617"/>
+        <p14:creationId xmlns:p14="http://schemas.microsoft.com/office/powerpoint/2010/main" val="1520030617"/>
       </p:ext>
     </p:extLst>
   </p:cSld>
@@ -9788,7 +10613,7 @@
         <p:spPr>
           <a:xfrm>
             <a:off x="609600" y="203201"/>
-            <a:ext cx="646331" cy="369332"/>
+            <a:ext cx="2712602" cy="369332"/>
           </a:xfrm>
           <a:prstGeom prst="rect">
             <a:avLst/>
@@ -9802,17 +10627,61 @@
           <a:lstStyle/>
           <a:p>
             <a:r>
-              <a:rPr kumimoji="1" lang="zh-CN" altLang="en-US" smtClean="0"/>
-              <a:t>标题</a:t>
-            </a:r>
-            <a:endParaRPr kumimoji="1" lang="zh-CN" altLang="en-US"/>
-          </a:p>
-        </p:txBody>
-      </p:sp>
+              <a:rPr kumimoji="1" lang="en-US" altLang="zh-CN" dirty="0" smtClean="0"/>
+              <a:t>4.</a:t>
+            </a:r>
+            <a:r>
+              <a:rPr kumimoji="1" lang="zh-CN" altLang="en-US" dirty="0" smtClean="0"/>
+              <a:t> </a:t>
+            </a:r>
+            <a:r>
+              <a:rPr kumimoji="1" lang="en-US" altLang="zh-CN" dirty="0" err="1" smtClean="0"/>
+              <a:t>Hystrix</a:t>
+            </a:r>
+            <a:r>
+              <a:rPr kumimoji="1" lang="zh-CN" altLang="en-US" dirty="0" smtClean="0"/>
+              <a:t> </a:t>
+            </a:r>
+            <a:r>
+              <a:rPr kumimoji="1" lang="mr-IN" altLang="zh-CN" dirty="0" smtClean="0"/>
+              <a:t>–</a:t>
+            </a:r>
+            <a:r>
+              <a:rPr kumimoji="1" lang="zh-CN" altLang="en-US" dirty="0" smtClean="0"/>
+              <a:t> 熔断工作原理</a:t>
+            </a:r>
+            <a:endParaRPr kumimoji="1" lang="zh-CN" altLang="en-US" dirty="0"/>
+          </a:p>
+        </p:txBody>
+      </p:sp>
+      <p:pic>
+        <p:nvPicPr>
+          <p:cNvPr id="3" name="图片 2"/>
+          <p:cNvPicPr>
+            <a:picLocks noChangeAspect="1"/>
+          </p:cNvPicPr>
+          <p:nvPr/>
+        </p:nvPicPr>
+        <p:blipFill>
+          <a:blip r:embed="rId3"/>
+          <a:stretch>
+            <a:fillRect/>
+          </a:stretch>
+        </p:blipFill>
+        <p:spPr>
+          <a:xfrm>
+            <a:off x="361950" y="1029733"/>
+            <a:ext cx="11096626" cy="5636944"/>
+          </a:xfrm>
+          <a:prstGeom prst="rect">
+            <a:avLst/>
+          </a:prstGeom>
+        </p:spPr>
+      </p:pic>
     </p:spTree>
     <p:extLst>
       <p:ext uri="{BB962C8B-B14F-4D97-AF65-F5344CB8AC3E}">
-        <p14:creationId xmlns:p14="http://schemas.microsoft.com/office/powerpoint/2010/main" xmlns="" val="579975778"/>
+        <p14:creationId xmlns:p14="http://schemas.microsoft.com/office/powerpoint/2010/main" val="579975778"/>
       </p:ext>
     </p:extLst>
   </p:cSld>
@@ -9841,14 +10710,14 @@
       </p:grpSpPr>
       <p:sp>
         <p:nvSpPr>
-          <p:cNvPr id="6" name="文本框 5"/>
+          <p:cNvPr id="2" name="文本框 1"/>
           <p:cNvSpPr txBox="1"/>
           <p:nvPr/>
         </p:nvSpPr>
         <p:spPr>
           <a:xfrm>
-            <a:off x="609600" y="203201"/>
-            <a:ext cx="646331" cy="369332"/>
+            <a:off x="614356" y="200018"/>
+            <a:ext cx="2098651" cy="369332"/>
           </a:xfrm>
           <a:prstGeom prst="rect">
             <a:avLst/>
@@ -9862,23 +10731,220 @@
           <a:lstStyle/>
           <a:p>
             <a:r>
-              <a:rPr kumimoji="1" lang="zh-CN" altLang="en-US" smtClean="0"/>
-              <a:t>标题</a:t>
-            </a:r>
-            <a:endParaRPr kumimoji="1" lang="zh-CN" altLang="en-US"/>
+              <a:rPr kumimoji="1" lang="en-US" altLang="zh-CN" dirty="0" smtClean="0"/>
+              <a:t>4.</a:t>
+            </a:r>
+            <a:r>
+              <a:rPr kumimoji="1" lang="zh-CN" altLang="en-US" dirty="0" smtClean="0"/>
+              <a:t> </a:t>
+            </a:r>
+            <a:r>
+              <a:rPr kumimoji="1" lang="en-US" altLang="zh-CN" dirty="0" err="1" smtClean="0"/>
+              <a:t>Hystrix</a:t>
+            </a:r>
+            <a:r>
+              <a:rPr kumimoji="1" lang="zh-CN" altLang="en-US" dirty="0" smtClean="0"/>
+              <a:t> </a:t>
+            </a:r>
+            <a:r>
+              <a:rPr kumimoji="1" lang="mr-IN" altLang="zh-CN" dirty="0" smtClean="0"/>
+              <a:t>–</a:t>
+            </a:r>
+            <a:r>
+              <a:rPr kumimoji="1" lang="zh-CN" altLang="en-US" dirty="0" smtClean="0"/>
+              <a:t> 熔断器</a:t>
+            </a:r>
+            <a:endParaRPr kumimoji="1" lang="zh-CN" altLang="en-US" dirty="0"/>
+          </a:p>
+        </p:txBody>
+      </p:sp>
+      <p:sp>
+        <p:nvSpPr>
+          <p:cNvPr id="3" name="文本框 2"/>
+          <p:cNvSpPr txBox="1"/>
+          <p:nvPr/>
+        </p:nvSpPr>
+        <p:spPr>
+          <a:xfrm>
+            <a:off x="971550" y="1028701"/>
+            <a:ext cx="10487025" cy="5036122"/>
+          </a:xfrm>
+          <a:prstGeom prst="rect">
+            <a:avLst/>
+          </a:prstGeom>
+          <a:noFill/>
+        </p:spPr>
+        <p:txBody>
+          <a:bodyPr wrap="square" rtlCol="0">
+            <a:spAutoFit/>
+          </a:bodyPr>
+          <a:lstStyle/>
+          <a:p>
+            <a:pPr>
+              <a:lnSpc>
+                <a:spcPct val="150000"/>
+              </a:lnSpc>
+            </a:pPr>
+            <a:r>
+              <a:rPr lang="zh-CN" altLang="en-US" dirty="0"/>
+              <a:t>　　</a:t>
+            </a:r>
+            <a:r>
+              <a:rPr lang="en-US" altLang="zh-CN" dirty="0"/>
+              <a:t>1</a:t>
+            </a:r>
+            <a:r>
+              <a:rPr lang="zh-CN" altLang="en-US" dirty="0"/>
+              <a:t>、包裹请求：使用</a:t>
+            </a:r>
+            <a:r>
+              <a:rPr lang="en-US" altLang="zh-CN" dirty="0" err="1"/>
+              <a:t>HystrixCommand</a:t>
+            </a:r>
+            <a:r>
+              <a:rPr lang="zh-CN" altLang="en-US" dirty="0"/>
+              <a:t>包裹对依赖的调用逻辑，每个命令在独立的线程中执行，使用了设计模式中的“命令模式”；</a:t>
+            </a:r>
+            <a:r>
+              <a:rPr lang="zh-CN" altLang="en-US" dirty="0"/>
+              <a:t/>
+            </a:r>
+            <a:br>
+              <a:rPr lang="zh-CN" altLang="en-US" dirty="0"/>
+            </a:br>
+            <a:r>
+              <a:rPr lang="zh-CN" altLang="en-US" dirty="0"/>
+              <a:t>　　</a:t>
+            </a:r>
+            <a:r>
+              <a:rPr lang="en-US" altLang="zh-CN" dirty="0"/>
+              <a:t>2</a:t>
+            </a:r>
+            <a:r>
+              <a:rPr lang="zh-CN" altLang="en-US" dirty="0"/>
+              <a:t>、跳闸机制：当某服务的错误率超过一定阈值时，</a:t>
+            </a:r>
+            <a:r>
+              <a:rPr lang="en-US" altLang="zh-CN" dirty="0" err="1"/>
+              <a:t>Hystrix</a:t>
+            </a:r>
+            <a:r>
+              <a:rPr lang="zh-CN" altLang="en-US" dirty="0"/>
+              <a:t>可以自动或者手动跳闸，停止请求该服务一段时间；</a:t>
+            </a:r>
+            <a:r>
+              <a:rPr lang="zh-CN" altLang="en-US" dirty="0"/>
+              <a:t/>
+            </a:r>
+            <a:br>
+              <a:rPr lang="zh-CN" altLang="en-US" dirty="0"/>
+            </a:br>
+            <a:r>
+              <a:rPr lang="zh-CN" altLang="en-US" dirty="0"/>
+              <a:t>　　</a:t>
+            </a:r>
+            <a:r>
+              <a:rPr lang="en-US" altLang="zh-CN" dirty="0"/>
+              <a:t>3</a:t>
+            </a:r>
+            <a:r>
+              <a:rPr lang="zh-CN" altLang="en-US" dirty="0"/>
+              <a:t>、资源隔离：</a:t>
+            </a:r>
+            <a:r>
+              <a:rPr lang="en-US" altLang="zh-CN" dirty="0" err="1"/>
+              <a:t>Hystrix</a:t>
+            </a:r>
+            <a:r>
+              <a:rPr lang="zh-CN" altLang="en-US" dirty="0"/>
+              <a:t>为每个依赖都维护了一个小型的线程池（或者信号量）。如果该线程已满，则发向该依赖的请求就会被立即拒绝，而不是排队等候，从而加速失败判定；</a:t>
+            </a:r>
+            <a:r>
+              <a:rPr lang="zh-CN" altLang="en-US" dirty="0"/>
+              <a:t/>
+            </a:r>
+            <a:br>
+              <a:rPr lang="zh-CN" altLang="en-US" dirty="0"/>
+            </a:br>
+            <a:r>
+              <a:rPr lang="zh-CN" altLang="en-US" dirty="0"/>
+              <a:t>　　</a:t>
+            </a:r>
+            <a:r>
+              <a:rPr lang="en-US" altLang="zh-CN" dirty="0"/>
+              <a:t>4</a:t>
+            </a:r>
+            <a:r>
+              <a:rPr lang="zh-CN" altLang="en-US" dirty="0"/>
+              <a:t>、监控：</a:t>
+            </a:r>
+            <a:r>
+              <a:rPr lang="en-US" altLang="zh-CN" dirty="0" err="1"/>
+              <a:t>Hystrix</a:t>
+            </a:r>
+            <a:r>
+              <a:rPr lang="zh-CN" altLang="en-US" dirty="0"/>
+              <a:t>可以近乎实时地监控运行指标和配置的变化，例如成功、失败、超时、以及被拒绝的请求等；</a:t>
+            </a:r>
+            <a:r>
+              <a:rPr lang="zh-CN" altLang="en-US" dirty="0"/>
+              <a:t/>
+            </a:r>
+            <a:br>
+              <a:rPr lang="zh-CN" altLang="en-US" dirty="0"/>
+            </a:br>
+            <a:r>
+              <a:rPr lang="zh-CN" altLang="en-US" dirty="0"/>
+              <a:t>　　</a:t>
+            </a:r>
+            <a:r>
+              <a:rPr lang="en-US" altLang="zh-CN" dirty="0"/>
+              <a:t>5</a:t>
+            </a:r>
+            <a:r>
+              <a:rPr lang="zh-CN" altLang="en-US" dirty="0"/>
+              <a:t>、回退机制：当请求失败、超时、被拒绝，或当断路器打开时，执行回退逻辑，回退逻辑由开发人员自行提供，如返回一个缺省值；</a:t>
+            </a:r>
+            <a:r>
+              <a:rPr lang="zh-CN" altLang="en-US" dirty="0"/>
+              <a:t/>
+            </a:r>
+            <a:br>
+              <a:rPr lang="zh-CN" altLang="en-US" dirty="0"/>
+            </a:br>
+            <a:r>
+              <a:rPr lang="zh-CN" altLang="en-US" dirty="0"/>
+              <a:t>　　</a:t>
+            </a:r>
+            <a:r>
+              <a:rPr lang="en-US" altLang="zh-CN" dirty="0"/>
+              <a:t>6</a:t>
+            </a:r>
+            <a:r>
+              <a:rPr lang="zh-CN" altLang="en-US" dirty="0"/>
+              <a:t>、自我修复：断路器打开一段时间后，会自动进入“半开”状态，此时断路器可允许一个请求访问依赖的服务，若请求成功，则断路器关闭，否则断路器转为“打开”状态；</a:t>
+            </a:r>
+            <a:endParaRPr kumimoji="1" lang="zh-CN" altLang="en-US" dirty="0"/>
           </a:p>
         </p:txBody>
       </p:sp>
     </p:spTree>
     <p:extLst>
       <p:ext uri="{BB962C8B-B14F-4D97-AF65-F5344CB8AC3E}">
-        <p14:creationId xmlns:p14="http://schemas.microsoft.com/office/powerpoint/2010/main" xmlns="" val="31636765"/>
+        <p14:creationId xmlns:p14="http://schemas.microsoft.com/office/powerpoint/2010/main" val="31636765"/>
       </p:ext>
     </p:extLst>
   </p:cSld>
   <p:clrMapOvr>
     <a:masterClrMapping/>
   </p:clrMapOvr>
+  <p:timing>
+    <p:tnLst>
+      <p:par>
+        <p:cTn id="1" dur="indefinite" restart="never" nodeType="tmRoot"/>
+      </p:par>
+    </p:tnLst>
+  </p:timing>
 </p:sld>
 </file>
 
@@ -9908,7 +10974,7 @@
         <p:spPr>
           <a:xfrm>
             <a:off x="609600" y="203201"/>
-            <a:ext cx="646331" cy="369332"/>
+            <a:ext cx="2828018" cy="369332"/>
           </a:xfrm>
           <a:prstGeom prst="rect">
             <a:avLst/>
@@ -9922,23 +10988,605 @@
           <a:lstStyle/>
           <a:p>
             <a:r>
-              <a:rPr kumimoji="1" lang="zh-CN" altLang="en-US" smtClean="0"/>
-              <a:t>标题</a:t>
-            </a:r>
-            <a:endParaRPr kumimoji="1" lang="zh-CN" altLang="en-US"/>
+              <a:rPr kumimoji="1" lang="en-US" altLang="zh-CN" dirty="0"/>
+              <a:t>4</a:t>
+            </a:r>
+            <a:r>
+              <a:rPr kumimoji="1" lang="en-US" altLang="zh-CN" dirty="0" smtClean="0"/>
+              <a:t>.</a:t>
+            </a:r>
+            <a:r>
+              <a:rPr kumimoji="1" lang="zh-CN" altLang="en-US" dirty="0" smtClean="0"/>
+              <a:t> </a:t>
+            </a:r>
+            <a:r>
+              <a:rPr kumimoji="1" lang="en-US" altLang="zh-CN" dirty="0" err="1" smtClean="0"/>
+              <a:t>Hystrix</a:t>
+            </a:r>
+            <a:r>
+              <a:rPr kumimoji="1" lang="zh-CN" altLang="en-US" dirty="0" smtClean="0"/>
+              <a:t> </a:t>
+            </a:r>
+            <a:r>
+              <a:rPr kumimoji="1" lang="mr-IN" altLang="zh-CN" dirty="0" smtClean="0"/>
+              <a:t>–</a:t>
+            </a:r>
+            <a:r>
+              <a:rPr kumimoji="1" lang="zh-CN" altLang="en-US" dirty="0" smtClean="0"/>
+              <a:t> 实践</a:t>
+            </a:r>
+            <a:r>
+              <a:rPr kumimoji="1" lang="en-US" altLang="zh-CN" dirty="0" smtClean="0"/>
+              <a:t>-</a:t>
+            </a:r>
+            <a:r>
+              <a:rPr kumimoji="1" lang="zh-CN" altLang="en-US" dirty="0" smtClean="0"/>
+              <a:t>通用用法</a:t>
+            </a:r>
+            <a:endParaRPr kumimoji="1" lang="zh-CN" altLang="en-US" dirty="0"/>
+          </a:p>
+        </p:txBody>
+      </p:sp>
+      <p:sp>
+        <p:nvSpPr>
+          <p:cNvPr id="3" name="文本框 2"/>
+          <p:cNvSpPr txBox="1"/>
+          <p:nvPr/>
+        </p:nvSpPr>
+        <p:spPr>
+          <a:xfrm>
+            <a:off x="715186" y="738553"/>
+            <a:ext cx="10925829" cy="7017306"/>
+          </a:xfrm>
+          <a:prstGeom prst="rect">
+            <a:avLst/>
+          </a:prstGeom>
+          <a:noFill/>
+        </p:spPr>
+        <p:txBody>
+          <a:bodyPr wrap="square" rtlCol="0">
+            <a:spAutoFit/>
+          </a:bodyPr>
+          <a:lstStyle/>
+          <a:p>
+            <a:pPr>
+              <a:lnSpc>
+                <a:spcPct val="150000"/>
+              </a:lnSpc>
+            </a:pPr>
+            <a:r>
+              <a:rPr kumimoji="1" lang="zh-CN" altLang="en-US" sz="1600" dirty="0" smtClean="0"/>
+              <a:t>程序入口类添加</a:t>
+            </a:r>
+            <a:r>
+              <a:rPr lang="en-US" altLang="zh-CN" sz="1600" dirty="0"/>
+              <a:t>@</a:t>
+            </a:r>
+            <a:r>
+              <a:rPr lang="en-US" altLang="zh-CN" sz="1600" dirty="0" err="1"/>
+              <a:t>EnableHystrix</a:t>
+            </a:r>
+            <a:r>
+              <a:rPr lang="zh-CN" altLang="en-US" sz="1600" dirty="0"/>
+              <a:t>或</a:t>
+            </a:r>
+            <a:r>
+              <a:rPr lang="en-US" altLang="zh-CN" sz="1600" dirty="0"/>
+              <a:t>@</a:t>
+            </a:r>
+            <a:r>
+              <a:rPr lang="en-US" altLang="zh-CN" sz="1600" dirty="0" err="1" smtClean="0"/>
+              <a:t>EnableCircuitBreaker</a:t>
+            </a:r>
+            <a:r>
+              <a:rPr lang="zh-CN" altLang="en-US" sz="1600" dirty="0" smtClean="0"/>
+              <a:t>注解，在开启熔断的</a:t>
+            </a:r>
+            <a:r>
+              <a:rPr lang="en-US" altLang="zh-CN" sz="1600" dirty="0" smtClean="0"/>
+              <a:t>Controller</a:t>
+            </a:r>
+            <a:r>
+              <a:rPr lang="zh-CN" altLang="en-US" sz="1600" dirty="0" smtClean="0"/>
+              <a:t>中，添加熔断方法，并且在对应</a:t>
+            </a:r>
+            <a:r>
+              <a:rPr lang="en-US" altLang="zh-CN" sz="1600" dirty="0" smtClean="0"/>
+              <a:t>Request</a:t>
+            </a:r>
+            <a:r>
+              <a:rPr lang="zh-CN" altLang="en-US" sz="1600" dirty="0" smtClean="0"/>
+              <a:t>方法上添加</a:t>
+            </a:r>
+            <a:r>
+              <a:rPr lang="en-US" altLang="zh-CN" sz="1600" dirty="0" smtClean="0"/>
+              <a:t>@</a:t>
+            </a:r>
+            <a:r>
+              <a:rPr lang="en-US" altLang="zh-CN" sz="1600" dirty="0" err="1"/>
+              <a:t>HystrixCommand</a:t>
+            </a:r>
+            <a:r>
+              <a:rPr lang="en-US" altLang="zh-CN" sz="1600" dirty="0"/>
+              <a:t>(</a:t>
+            </a:r>
+            <a:r>
+              <a:rPr lang="en-US" altLang="zh-CN" sz="1600" dirty="0" err="1"/>
+              <a:t>fallbackMethod</a:t>
+            </a:r>
+            <a:r>
+              <a:rPr lang="en-US" altLang="zh-CN" sz="1600" dirty="0"/>
+              <a:t> = </a:t>
+            </a:r>
+            <a:r>
+              <a:rPr lang="en-US" altLang="zh-CN" sz="1600" dirty="0" smtClean="0"/>
+              <a:t>“ </a:t>
+            </a:r>
+            <a:r>
+              <a:rPr lang="en-US" altLang="zh-CN" sz="1600" dirty="0"/>
+              <a:t>fallback </a:t>
+            </a:r>
+            <a:r>
+              <a:rPr lang="en-US" altLang="zh-CN" sz="1600" dirty="0" smtClean="0"/>
+              <a:t>”)</a:t>
+            </a:r>
+            <a:r>
+              <a:rPr lang="zh-CN" altLang="en-US" sz="1600" dirty="0" smtClean="0"/>
+              <a:t>注解即可对该方法开启熔断机制。如下：</a:t>
+            </a:r>
+            <a:r>
+              <a:rPr lang="en-US" altLang="zh-CN" dirty="0" smtClean="0"/>
+              <a:t/>
+            </a:r>
+            <a:br>
+              <a:rPr lang="en-US" altLang="zh-CN" dirty="0" smtClean="0"/>
+            </a:br>
+            <a:r>
+              <a:rPr lang="en-US" altLang="zh-CN" sz="1400" dirty="0" smtClean="0"/>
+              <a:t>@</a:t>
+            </a:r>
+            <a:r>
+              <a:rPr lang="en-US" altLang="zh-CN" sz="1400" dirty="0" err="1"/>
+              <a:t>HystrixCommand</a:t>
+            </a:r>
+            <a:r>
+              <a:rPr lang="en-US" altLang="zh-CN" sz="1400" dirty="0"/>
+              <a:t>(</a:t>
+            </a:r>
+            <a:r>
+              <a:rPr lang="en-US" altLang="zh-CN" sz="1400" dirty="0" err="1"/>
+              <a:t>fallbackMethod</a:t>
+            </a:r>
+            <a:r>
+              <a:rPr lang="en-US" altLang="zh-CN" sz="1400" dirty="0"/>
+              <a:t> = </a:t>
+            </a:r>
+            <a:r>
+              <a:rPr lang="en-US" altLang="zh-CN" sz="1400" dirty="0"/>
+              <a:t>"fallback"</a:t>
+            </a:r>
+            <a:r>
+              <a:rPr lang="en-US" altLang="zh-CN" sz="1400" dirty="0"/>
+              <a:t>)</a:t>
+            </a:r>
+            <a:br>
+              <a:rPr lang="en-US" altLang="zh-CN" sz="1400" dirty="0"/>
+            </a:br>
+            <a:r>
+              <a:rPr lang="en-US" altLang="zh-CN" sz="1400" dirty="0"/>
+              <a:t>@</a:t>
+            </a:r>
+            <a:r>
+              <a:rPr lang="en-US" altLang="zh-CN" sz="1400" dirty="0" err="1"/>
+              <a:t>RequestMapping</a:t>
+            </a:r>
+            <a:r>
+              <a:rPr lang="en-US" altLang="zh-CN" sz="1400" dirty="0"/>
+              <a:t>(</a:t>
+            </a:r>
+            <a:r>
+              <a:rPr lang="en-US" altLang="zh-CN" sz="1400" dirty="0"/>
+              <a:t>"/</a:t>
+            </a:r>
+            <a:r>
+              <a:rPr lang="en-US" altLang="zh-CN" sz="1400" dirty="0" err="1"/>
+              <a:t>fhello</a:t>
+            </a:r>
+            <a:r>
+              <a:rPr lang="en-US" altLang="zh-CN" sz="1400" dirty="0"/>
+              <a:t>"</a:t>
+            </a:r>
+            <a:r>
+              <a:rPr lang="en-US" altLang="zh-CN" sz="1400" dirty="0"/>
+              <a:t>)</a:t>
+            </a:r>
+            <a:br>
+              <a:rPr lang="en-US" altLang="zh-CN" sz="1400" dirty="0"/>
+            </a:br>
+            <a:r>
+              <a:rPr lang="en-US" altLang="zh-CN" sz="1400" dirty="0"/>
+              <a:t>public Person </a:t>
+            </a:r>
+            <a:r>
+              <a:rPr lang="en-US" altLang="zh-CN" sz="1400" dirty="0" err="1"/>
+              <a:t>sayHelloFeign</a:t>
+            </a:r>
+            <a:r>
+              <a:rPr lang="en-US" altLang="zh-CN" sz="1400" dirty="0"/>
+              <a:t>(</a:t>
+            </a:r>
+            <a:r>
+              <a:rPr lang="en-US" altLang="zh-CN" sz="1400" dirty="0"/>
+              <a:t>String name</a:t>
+            </a:r>
+            <a:r>
+              <a:rPr lang="en-US" altLang="zh-CN" sz="1400" dirty="0"/>
+              <a:t>) {</a:t>
+            </a:r>
+            <a:br>
+              <a:rPr lang="en-US" altLang="zh-CN" sz="1400" dirty="0"/>
+            </a:br>
+            <a:r>
+              <a:rPr lang="en-US" altLang="zh-CN" sz="1400" dirty="0"/>
+              <a:t>    </a:t>
+            </a:r>
+            <a:r>
+              <a:rPr lang="en-US" altLang="zh-CN" sz="1400" dirty="0"/>
+              <a:t>return </a:t>
+            </a:r>
+            <a:r>
+              <a:rPr lang="en-US" altLang="zh-CN" sz="1400" dirty="0" err="1"/>
+              <a:t>serviceHi</a:t>
+            </a:r>
+            <a:r>
+              <a:rPr lang="en-US" altLang="zh-CN" sz="1400" dirty="0" err="1"/>
+              <a:t>.sayHelloFromClient</a:t>
+            </a:r>
+            <a:r>
+              <a:rPr lang="en-US" altLang="zh-CN" sz="1400" dirty="0"/>
+              <a:t>(</a:t>
+            </a:r>
+            <a:r>
+              <a:rPr lang="en-US" altLang="zh-CN" sz="1400" dirty="0" err="1"/>
+              <a:t>BaseRequest</a:t>
+            </a:r>
+            <a:r>
+              <a:rPr lang="en-US" altLang="zh-CN" sz="1400" dirty="0" err="1"/>
+              <a:t>.</a:t>
+            </a:r>
+            <a:r>
+              <a:rPr lang="en-US" altLang="zh-CN" sz="1400" dirty="0" err="1"/>
+              <a:t>builder</a:t>
+            </a:r>
+            <a:r>
+              <a:rPr lang="en-US" altLang="zh-CN" sz="1400" dirty="0"/>
+              <a:t>().</a:t>
+            </a:r>
+            <a:r>
+              <a:rPr lang="en-US" altLang="zh-CN" sz="1400" dirty="0" err="1"/>
+              <a:t>param</a:t>
+            </a:r>
+            <a:r>
+              <a:rPr lang="en-US" altLang="zh-CN" sz="1400" dirty="0"/>
+              <a:t>(</a:t>
+            </a:r>
+            <a:r>
+              <a:rPr lang="en-US" altLang="zh-CN" sz="1400" dirty="0"/>
+              <a:t>name</a:t>
+            </a:r>
+            <a:r>
+              <a:rPr lang="en-US" altLang="zh-CN" sz="1400" dirty="0"/>
+              <a:t>).build());</a:t>
+            </a:r>
+            <a:br>
+              <a:rPr lang="en-US" altLang="zh-CN" sz="1400" dirty="0"/>
+            </a:br>
+            <a:r>
+              <a:rPr lang="en-US" altLang="zh-CN" sz="1400" dirty="0" smtClean="0"/>
+              <a:t>}</a:t>
+            </a:r>
+            <a:r>
+              <a:rPr lang="en-US" altLang="zh-CN" sz="1400" dirty="0"/>
+              <a:t/>
+            </a:r>
+            <a:br>
+              <a:rPr lang="en-US" altLang="zh-CN" sz="1400" dirty="0"/>
+            </a:br>
+            <a:r>
+              <a:rPr lang="en-US" altLang="zh-CN" sz="1400" dirty="0"/>
+              <a:t>public Person </a:t>
+            </a:r>
+            <a:r>
+              <a:rPr lang="en-US" altLang="zh-CN" sz="1400" dirty="0"/>
+              <a:t>fallback(){</a:t>
+            </a:r>
+            <a:br>
+              <a:rPr lang="en-US" altLang="zh-CN" sz="1400" dirty="0"/>
+            </a:br>
+            <a:r>
+              <a:rPr lang="en-US" altLang="zh-CN" sz="1400" dirty="0"/>
+              <a:t>    </a:t>
+            </a:r>
+            <a:r>
+              <a:rPr lang="en-US" altLang="zh-CN" sz="1400" dirty="0"/>
+              <a:t>return </a:t>
+            </a:r>
+            <a:r>
+              <a:rPr lang="en-US" altLang="zh-CN" sz="1400" dirty="0" err="1"/>
+              <a:t>Person</a:t>
+            </a:r>
+            <a:r>
+              <a:rPr lang="en-US" altLang="zh-CN" sz="1400" dirty="0" err="1"/>
+              <a:t>.</a:t>
+            </a:r>
+            <a:r>
+              <a:rPr lang="en-US" altLang="zh-CN" sz="1400" dirty="0" err="1"/>
+              <a:t>builder</a:t>
+            </a:r>
+            <a:r>
+              <a:rPr lang="en-US" altLang="zh-CN" sz="1400" dirty="0"/>
+              <a:t>().build();</a:t>
+            </a:r>
+            <a:br>
+              <a:rPr lang="en-US" altLang="zh-CN" sz="1400" dirty="0"/>
+            </a:br>
+            <a:r>
+              <a:rPr lang="en-US" altLang="zh-CN" sz="1400" dirty="0"/>
+              <a:t>} </a:t>
+            </a:r>
+            <a:endParaRPr lang="en-US" altLang="zh-CN" sz="1400" dirty="0" smtClean="0"/>
+          </a:p>
+          <a:p>
+            <a:pPr>
+              <a:lnSpc>
+                <a:spcPct val="150000"/>
+              </a:lnSpc>
+            </a:pPr>
+            <a:r>
+              <a:rPr kumimoji="1" lang="en-US" altLang="zh-CN" sz="1600" dirty="0" smtClean="0"/>
+              <a:t>OR</a:t>
+            </a:r>
+          </a:p>
+          <a:p>
+            <a:pPr>
+              <a:lnSpc>
+                <a:spcPct val="150000"/>
+              </a:lnSpc>
+            </a:pPr>
+            <a:r>
+              <a:rPr lang="en-US" altLang="zh-CN" sz="1400" dirty="0"/>
+              <a:t>@</a:t>
+            </a:r>
+            <a:r>
+              <a:rPr lang="en-US" altLang="zh-CN" sz="1400" dirty="0" err="1"/>
+              <a:t>HystrixCommand</a:t>
+            </a:r>
+            <a:r>
+              <a:rPr lang="en-US" altLang="zh-CN" sz="1400" dirty="0"/>
+              <a:t>(</a:t>
+            </a:r>
+            <a:r>
+              <a:rPr lang="en-US" altLang="zh-CN" sz="1400" dirty="0" err="1"/>
+              <a:t>fallbackMethod</a:t>
+            </a:r>
+            <a:r>
+              <a:rPr lang="en-US" altLang="zh-CN" sz="1400" dirty="0"/>
+              <a:t> = </a:t>
+            </a:r>
+            <a:r>
+              <a:rPr lang="en-US" altLang="zh-CN" sz="1400" dirty="0"/>
+              <a:t>"</a:t>
+            </a:r>
+            <a:r>
+              <a:rPr lang="en-US" altLang="zh-CN" sz="1400" dirty="0" err="1"/>
+              <a:t>hiError</a:t>
+            </a:r>
+            <a:r>
+              <a:rPr lang="en-US" altLang="zh-CN" sz="1400" dirty="0"/>
+              <a:t>"</a:t>
+            </a:r>
+            <a:r>
+              <a:rPr lang="en-US" altLang="zh-CN" sz="1400" dirty="0"/>
+              <a:t>)</a:t>
+            </a:r>
+            <a:br>
+              <a:rPr lang="en-US" altLang="zh-CN" sz="1400" dirty="0"/>
+            </a:br>
+            <a:r>
+              <a:rPr lang="en-US" altLang="zh-CN" sz="1400" dirty="0"/>
+              <a:t>public String </a:t>
+            </a:r>
+            <a:r>
+              <a:rPr lang="en-US" altLang="zh-CN" sz="1400" dirty="0" err="1"/>
+              <a:t>sayHi</a:t>
+            </a:r>
+            <a:r>
+              <a:rPr lang="en-US" altLang="zh-CN" sz="1400" dirty="0"/>
+              <a:t>(</a:t>
+            </a:r>
+            <a:r>
+              <a:rPr lang="en-US" altLang="zh-CN" sz="1400" dirty="0"/>
+              <a:t>String name</a:t>
+            </a:r>
+            <a:r>
+              <a:rPr lang="en-US" altLang="zh-CN" sz="1400" dirty="0"/>
+              <a:t>) {</a:t>
+            </a:r>
+            <a:br>
+              <a:rPr lang="en-US" altLang="zh-CN" sz="1400" dirty="0"/>
+            </a:br>
+            <a:r>
+              <a:rPr lang="en-US" altLang="zh-CN" sz="1400" dirty="0"/>
+              <a:t>    </a:t>
+            </a:r>
+            <a:r>
+              <a:rPr lang="en-US" altLang="zh-CN" sz="1400" dirty="0"/>
+              <a:t>return </a:t>
+            </a:r>
+            <a:r>
+              <a:rPr lang="en-US" altLang="zh-CN" sz="1400" dirty="0" err="1"/>
+              <a:t>restTemplate</a:t>
+            </a:r>
+            <a:r>
+              <a:rPr lang="en-US" altLang="zh-CN" sz="1400" dirty="0" err="1"/>
+              <a:t>.getForObject</a:t>
+            </a:r>
+            <a:r>
+              <a:rPr lang="en-US" altLang="zh-CN" sz="1400" dirty="0"/>
+              <a:t>(</a:t>
+            </a:r>
+            <a:r>
+              <a:rPr lang="en-US" altLang="zh-CN" sz="1400" dirty="0"/>
+              <a:t>"http://SERVER-HI/</a:t>
+            </a:r>
+            <a:r>
+              <a:rPr lang="en-US" altLang="zh-CN" sz="1400" dirty="0" err="1"/>
+              <a:t>hi?name</a:t>
+            </a:r>
+            <a:r>
+              <a:rPr lang="en-US" altLang="zh-CN" sz="1400" dirty="0"/>
+              <a:t>=" </a:t>
+            </a:r>
+            <a:r>
+              <a:rPr lang="en-US" altLang="zh-CN" sz="1400" dirty="0"/>
+              <a:t>+ </a:t>
+            </a:r>
+            <a:r>
+              <a:rPr lang="en-US" altLang="zh-CN" sz="1400" dirty="0"/>
+              <a:t>name</a:t>
+            </a:r>
+            <a:r>
+              <a:rPr lang="en-US" altLang="zh-CN" sz="1400" dirty="0"/>
+              <a:t>, </a:t>
+            </a:r>
+            <a:r>
+              <a:rPr lang="en-US" altLang="zh-CN" sz="1400" dirty="0" err="1"/>
+              <a:t>String</a:t>
+            </a:r>
+            <a:r>
+              <a:rPr lang="en-US" altLang="zh-CN" sz="1400" dirty="0" err="1"/>
+              <a:t>.</a:t>
+            </a:r>
+            <a:r>
+              <a:rPr lang="en-US" altLang="zh-CN" sz="1400" dirty="0" err="1"/>
+              <a:t>class</a:t>
+            </a:r>
+            <a:r>
+              <a:rPr lang="en-US" altLang="zh-CN" sz="1400" dirty="0"/>
+              <a:t>);</a:t>
+            </a:r>
+            <a:br>
+              <a:rPr lang="en-US" altLang="zh-CN" sz="1400" dirty="0"/>
+            </a:br>
+            <a:r>
+              <a:rPr lang="en-US" altLang="zh-CN" sz="1400" dirty="0" smtClean="0"/>
+              <a:t>}</a:t>
+            </a:r>
+            <a:r>
+              <a:rPr lang="en-US" altLang="zh-CN" sz="1400" dirty="0"/>
+              <a:t/>
+            </a:r>
+            <a:br>
+              <a:rPr lang="en-US" altLang="zh-CN" sz="1400" dirty="0"/>
+            </a:br>
+            <a:r>
+              <a:rPr lang="en-US" altLang="zh-CN" sz="1400" dirty="0"/>
+              <a:t>public String </a:t>
+            </a:r>
+            <a:r>
+              <a:rPr lang="en-US" altLang="zh-CN" sz="1400" dirty="0" err="1"/>
+              <a:t>hiError</a:t>
+            </a:r>
+            <a:r>
+              <a:rPr lang="en-US" altLang="zh-CN" sz="1400" dirty="0"/>
+              <a:t>(</a:t>
+            </a:r>
+            <a:r>
+              <a:rPr lang="en-US" altLang="zh-CN" sz="1400" dirty="0"/>
+              <a:t>String name</a:t>
+            </a:r>
+            <a:r>
+              <a:rPr lang="en-US" altLang="zh-CN" sz="1400" dirty="0"/>
+              <a:t>) {</a:t>
+            </a:r>
+            <a:br>
+              <a:rPr lang="en-US" altLang="zh-CN" sz="1400" dirty="0"/>
+            </a:br>
+            <a:r>
+              <a:rPr lang="en-US" altLang="zh-CN" sz="1400" dirty="0"/>
+              <a:t>    </a:t>
+            </a:r>
+            <a:r>
+              <a:rPr lang="en-US" altLang="zh-CN" sz="1400" dirty="0"/>
+              <a:t>return "hi," </a:t>
+            </a:r>
+            <a:r>
+              <a:rPr lang="en-US" altLang="zh-CN" sz="1400" dirty="0"/>
+              <a:t>+ </a:t>
+            </a:r>
+            <a:r>
+              <a:rPr lang="en-US" altLang="zh-CN" sz="1400" dirty="0"/>
+              <a:t>name </a:t>
+            </a:r>
+            <a:r>
+              <a:rPr lang="en-US" altLang="zh-CN" sz="1400" dirty="0"/>
+              <a:t>+ </a:t>
+            </a:r>
+            <a:r>
+              <a:rPr lang="en-US" altLang="zh-CN" sz="1400" dirty="0"/>
+              <a:t>",sorry, there is a error"</a:t>
+            </a:r>
+            <a:r>
+              <a:rPr lang="en-US" altLang="zh-CN" sz="1400" dirty="0"/>
+              <a:t>;</a:t>
+            </a:r>
+            <a:br>
+              <a:rPr lang="en-US" altLang="zh-CN" sz="1400" dirty="0"/>
+            </a:br>
+            <a:r>
+              <a:rPr lang="en-US" altLang="zh-CN" sz="1400" dirty="0"/>
+              <a:t>} </a:t>
+            </a:r>
+            <a:r>
+              <a:rPr kumimoji="1" lang="en-US" altLang="zh-CN" dirty="0" smtClean="0"/>
+              <a:t/>
+            </a:r>
+            <a:br>
+              <a:rPr kumimoji="1" lang="en-US" altLang="zh-CN" dirty="0" smtClean="0"/>
+            </a:br>
+            <a:endParaRPr kumimoji="1" lang="en-US" altLang="zh-CN" dirty="0"/>
+          </a:p>
+          <a:p>
+            <a:pPr marL="342900" indent="-342900">
+              <a:buAutoNum type="arabicPeriod"/>
+            </a:pPr>
+            <a:endParaRPr kumimoji="1" lang="en-US" altLang="zh-CN" dirty="0" smtClean="0"/>
+          </a:p>
+          <a:p>
+            <a:pPr marL="342900" indent="-342900">
+              <a:buAutoNum type="arabicPeriod"/>
+            </a:pPr>
+            <a:endParaRPr kumimoji="1" lang="en-US" altLang="zh-CN" dirty="0" smtClean="0"/>
           </a:p>
         </p:txBody>
       </p:sp>
     </p:spTree>
     <p:extLst>
       <p:ext uri="{BB962C8B-B14F-4D97-AF65-F5344CB8AC3E}">
-        <p14:creationId xmlns:p14="http://schemas.microsoft.com/office/powerpoint/2010/main" xmlns="" val="197794275"/>
+        <p14:creationId xmlns:p14="http://schemas.microsoft.com/office/powerpoint/2010/main" val="197794275"/>
       </p:ext>
     </p:extLst>
   </p:cSld>
   <p:clrMapOvr>
     <a:masterClrMapping/>
   </p:clrMapOvr>
+  <p:timing>
+    <p:tnLst>
+      <p:par>
+        <p:cTn id="1" dur="indefinite" restart="never" nodeType="tmRoot"/>
+      </p:par>
+    </p:tnLst>
+  </p:timing>
 </p:sld>
 </file>
 
@@ -9968,7 +11616,7 @@
         <p:spPr>
           <a:xfrm>
             <a:off x="609600" y="203201"/>
-            <a:ext cx="646331" cy="369332"/>
+            <a:ext cx="3701654" cy="369332"/>
           </a:xfrm>
           <a:prstGeom prst="rect">
             <a:avLst/>
@@ -9982,23 +11630,427 @@
           <a:lstStyle/>
           <a:p>
             <a:r>
-              <a:rPr kumimoji="1" lang="zh-CN" altLang="en-US" smtClean="0"/>
-              <a:t>标题</a:t>
-            </a:r>
-            <a:endParaRPr kumimoji="1" lang="zh-CN" altLang="en-US"/>
+              <a:rPr kumimoji="1" lang="en-US" altLang="zh-CN" dirty="0" smtClean="0"/>
+              <a:t>4.</a:t>
+            </a:r>
+            <a:r>
+              <a:rPr kumimoji="1" lang="zh-CN" altLang="en-US" dirty="0" smtClean="0"/>
+              <a:t> </a:t>
+            </a:r>
+            <a:r>
+              <a:rPr kumimoji="1" lang="en-US" altLang="zh-CN" dirty="0" err="1"/>
+              <a:t>Hystrix</a:t>
+            </a:r>
+            <a:r>
+              <a:rPr kumimoji="1" lang="zh-CN" altLang="en-US" dirty="0"/>
+              <a:t> </a:t>
+            </a:r>
+            <a:r>
+              <a:rPr kumimoji="1" lang="mr-IN" altLang="zh-CN" dirty="0"/>
+              <a:t>–</a:t>
+            </a:r>
+            <a:r>
+              <a:rPr kumimoji="1" lang="zh-CN" altLang="en-US" dirty="0"/>
+              <a:t> 实践</a:t>
+            </a:r>
+            <a:r>
+              <a:rPr kumimoji="1" lang="en-US" altLang="zh-CN" dirty="0" smtClean="0"/>
+              <a:t>-</a:t>
+            </a:r>
+            <a:r>
+              <a:rPr kumimoji="1" lang="zh-CN" altLang="en-US" dirty="0" smtClean="0"/>
+              <a:t>与</a:t>
+            </a:r>
+            <a:r>
+              <a:rPr kumimoji="1" lang="en-US" altLang="zh-CN" dirty="0" err="1" smtClean="0"/>
+              <a:t>FeignClient</a:t>
+            </a:r>
+            <a:r>
+              <a:rPr kumimoji="1" lang="zh-CN" altLang="en-US" dirty="0" smtClean="0"/>
+              <a:t>结合</a:t>
+            </a:r>
+            <a:endParaRPr kumimoji="1" lang="zh-CN" altLang="en-US" dirty="0"/>
+          </a:p>
+        </p:txBody>
+      </p:sp>
+      <p:sp>
+        <p:nvSpPr>
+          <p:cNvPr id="2" name="文本框 1"/>
+          <p:cNvSpPr txBox="1"/>
+          <p:nvPr/>
+        </p:nvSpPr>
+        <p:spPr>
+          <a:xfrm>
+            <a:off x="1066800" y="996462"/>
+            <a:ext cx="9495692" cy="5355312"/>
+          </a:xfrm>
+          <a:prstGeom prst="rect">
+            <a:avLst/>
+          </a:prstGeom>
+          <a:noFill/>
+        </p:spPr>
+        <p:txBody>
+          <a:bodyPr wrap="square" rtlCol="0">
+            <a:spAutoFit/>
+          </a:bodyPr>
+          <a:lstStyle/>
+          <a:p>
+            <a:pPr>
+              <a:lnSpc>
+                <a:spcPct val="150000"/>
+              </a:lnSpc>
+            </a:pPr>
+            <a:r>
+              <a:rPr kumimoji="1" lang="en-US" altLang="zh-CN" dirty="0" smtClean="0"/>
+              <a:t>Feign</a:t>
+            </a:r>
+            <a:r>
+              <a:rPr kumimoji="1" lang="zh-CN" altLang="en-US" dirty="0" smtClean="0"/>
+              <a:t>中整合了</a:t>
+            </a:r>
+            <a:r>
+              <a:rPr kumimoji="1" lang="en-US" altLang="zh-CN" dirty="0" err="1" smtClean="0"/>
+              <a:t>Hystrix</a:t>
+            </a:r>
+            <a:r>
+              <a:rPr kumimoji="1" lang="zh-CN" altLang="en-US" dirty="0" smtClean="0"/>
+              <a:t>，</a:t>
+            </a:r>
+            <a:r>
+              <a:rPr kumimoji="1" lang="zh-CN" altLang="en-US" dirty="0"/>
+              <a:t>实现</a:t>
+            </a:r>
+            <a:r>
+              <a:rPr kumimoji="1" lang="en-US" altLang="zh-CN" dirty="0" err="1"/>
+              <a:t>FeignClient</a:t>
+            </a:r>
+            <a:r>
+              <a:rPr kumimoji="1" lang="zh-CN" altLang="en-US" dirty="0"/>
+              <a:t>对应的接口方法，然后配置</a:t>
+            </a:r>
+            <a:r>
+              <a:rPr kumimoji="1" lang="en-US" altLang="zh-CN" dirty="0" err="1"/>
+              <a:t>FeignClient</a:t>
+            </a:r>
+            <a:r>
+              <a:rPr kumimoji="1" lang="zh-CN" altLang="en-US" dirty="0"/>
+              <a:t>注解中</a:t>
+            </a:r>
+            <a:r>
+              <a:rPr kumimoji="1" lang="en-US" altLang="zh-CN" dirty="0" err="1"/>
+              <a:t>rollBack</a:t>
+            </a:r>
+            <a:r>
+              <a:rPr kumimoji="1" lang="zh-CN" altLang="en-US" dirty="0"/>
+              <a:t>属性为该实现</a:t>
+            </a:r>
+            <a:r>
+              <a:rPr kumimoji="1" lang="zh-CN" altLang="en-US" dirty="0" smtClean="0"/>
+              <a:t>类即可。</a:t>
+            </a:r>
+            <a:endParaRPr kumimoji="1" lang="en-US" altLang="zh-CN" dirty="0"/>
+          </a:p>
+          <a:p>
+            <a:pPr>
+              <a:lnSpc>
+                <a:spcPct val="150000"/>
+              </a:lnSpc>
+            </a:pPr>
+            <a:r>
+              <a:rPr lang="en-US" altLang="zh-CN" sz="1600" dirty="0"/>
+              <a:t>@</a:t>
+            </a:r>
+            <a:r>
+              <a:rPr lang="en-US" altLang="zh-CN" sz="1600" dirty="0" err="1"/>
+              <a:t>FeignClient</a:t>
+            </a:r>
+            <a:r>
+              <a:rPr lang="en-US" altLang="zh-CN" sz="1600" dirty="0"/>
+              <a:t>(value = </a:t>
+            </a:r>
+            <a:r>
+              <a:rPr lang="en-US" altLang="zh-CN" sz="1600" dirty="0"/>
+              <a:t>"server-</a:t>
+            </a:r>
+            <a:r>
+              <a:rPr lang="en-US" altLang="zh-CN" sz="1600" dirty="0" err="1"/>
+              <a:t>hi"</a:t>
+            </a:r>
+            <a:r>
+              <a:rPr lang="en-US" altLang="zh-CN" sz="1600" dirty="0" err="1"/>
+              <a:t>,fallback</a:t>
+            </a:r>
+            <a:r>
+              <a:rPr lang="en-US" altLang="zh-CN" sz="1600" dirty="0"/>
+              <a:t> = </a:t>
+            </a:r>
+            <a:r>
+              <a:rPr lang="en-US" altLang="zh-CN" sz="1600" dirty="0" err="1"/>
+              <a:t>ServiceHiHystrix</a:t>
+            </a:r>
+            <a:r>
+              <a:rPr lang="en-US" altLang="zh-CN" sz="1600" dirty="0" err="1"/>
+              <a:t>.</a:t>
+            </a:r>
+            <a:r>
+              <a:rPr lang="en-US" altLang="zh-CN" sz="1600" dirty="0" err="1"/>
+              <a:t>class</a:t>
+            </a:r>
+            <a:r>
+              <a:rPr lang="en-US" altLang="zh-CN" sz="1600" dirty="0"/>
+              <a:t>)</a:t>
+            </a:r>
+            <a:br>
+              <a:rPr lang="en-US" altLang="zh-CN" sz="1600" dirty="0"/>
+            </a:br>
+            <a:r>
+              <a:rPr lang="en-US" altLang="zh-CN" sz="1600" dirty="0"/>
+              <a:t>public interface </a:t>
+            </a:r>
+            <a:r>
+              <a:rPr lang="en-US" altLang="zh-CN" sz="1600" dirty="0" err="1"/>
+              <a:t>ServiceHi</a:t>
+            </a:r>
+            <a:r>
+              <a:rPr lang="en-US" altLang="zh-CN" sz="1600" dirty="0"/>
+              <a:t> </a:t>
+            </a:r>
+            <a:r>
+              <a:rPr lang="en-US" altLang="zh-CN" sz="1600" dirty="0" smtClean="0"/>
+              <a:t>{</a:t>
+            </a:r>
+            <a:r>
+              <a:rPr lang="en-US" altLang="zh-CN" sz="1600" dirty="0"/>
+              <a:t/>
+            </a:r>
+            <a:br>
+              <a:rPr lang="en-US" altLang="zh-CN" sz="1600" dirty="0"/>
+            </a:br>
+            <a:r>
+              <a:rPr lang="en-US" altLang="zh-CN" sz="1600" dirty="0"/>
+              <a:t>    </a:t>
+            </a:r>
+            <a:r>
+              <a:rPr lang="en-US" altLang="zh-CN" sz="1600" dirty="0"/>
+              <a:t>@</a:t>
+            </a:r>
+            <a:r>
+              <a:rPr lang="en-US" altLang="zh-CN" sz="1600" dirty="0" err="1"/>
+              <a:t>RequestMapping</a:t>
+            </a:r>
+            <a:r>
+              <a:rPr lang="en-US" altLang="zh-CN" sz="1600" dirty="0"/>
+              <a:t>(value = </a:t>
+            </a:r>
+            <a:r>
+              <a:rPr lang="en-US" altLang="zh-CN" sz="1600" dirty="0"/>
+              <a:t>"</a:t>
+            </a:r>
+            <a:r>
+              <a:rPr lang="en-US" altLang="zh-CN" sz="1600" dirty="0" err="1"/>
+              <a:t>hi"</a:t>
+            </a:r>
+            <a:r>
+              <a:rPr lang="en-US" altLang="zh-CN" sz="1600" dirty="0" err="1"/>
+              <a:t>,method</a:t>
+            </a:r>
+            <a:r>
+              <a:rPr lang="en-US" altLang="zh-CN" sz="1600" dirty="0"/>
+              <a:t> = </a:t>
+            </a:r>
+            <a:r>
+              <a:rPr lang="en-US" altLang="zh-CN" sz="1600" dirty="0" err="1"/>
+              <a:t>RequestMethod</a:t>
+            </a:r>
+            <a:r>
+              <a:rPr lang="en-US" altLang="zh-CN" sz="1600" dirty="0" err="1"/>
+              <a:t>.</a:t>
+            </a:r>
+            <a:r>
+              <a:rPr lang="en-US" altLang="zh-CN" sz="1600" b="1" i="1" dirty="0" err="1"/>
+              <a:t>GET</a:t>
+            </a:r>
+            <a:r>
+              <a:rPr lang="en-US" altLang="zh-CN" sz="1600" dirty="0"/>
+              <a:t>)</a:t>
+            </a:r>
+            <a:br>
+              <a:rPr lang="en-US" altLang="zh-CN" sz="1600" dirty="0"/>
+            </a:br>
+            <a:r>
+              <a:rPr lang="en-US" altLang="zh-CN" sz="1600" dirty="0"/>
+              <a:t>    </a:t>
+            </a:r>
+            <a:r>
+              <a:rPr lang="en-US" altLang="zh-CN" sz="1600" dirty="0"/>
+              <a:t>String </a:t>
+            </a:r>
+            <a:r>
+              <a:rPr lang="en-US" altLang="zh-CN" sz="1600" dirty="0" err="1"/>
+              <a:t>sayHiFromClient</a:t>
+            </a:r>
+            <a:r>
+              <a:rPr lang="en-US" altLang="zh-CN" sz="1600" dirty="0"/>
+              <a:t>(</a:t>
+            </a:r>
+            <a:r>
+              <a:rPr lang="en-US" altLang="zh-CN" sz="1600" dirty="0"/>
+              <a:t>String name</a:t>
+            </a:r>
+            <a:r>
+              <a:rPr lang="en-US" altLang="zh-CN" sz="1600" dirty="0" smtClean="0"/>
+              <a:t>);</a:t>
+            </a:r>
+            <a:r>
+              <a:rPr lang="en-US" altLang="zh-CN" sz="1600" dirty="0"/>
+              <a:t/>
+            </a:r>
+            <a:br>
+              <a:rPr lang="en-US" altLang="zh-CN" sz="1600" dirty="0"/>
+            </a:br>
+            <a:r>
+              <a:rPr lang="en-US" altLang="zh-CN" sz="1600" dirty="0" smtClean="0"/>
+              <a:t>}</a:t>
+            </a:r>
+            <a:endParaRPr kumimoji="1" lang="en-US" altLang="zh-CN" sz="1600" dirty="0"/>
+          </a:p>
+          <a:p>
+            <a:pPr>
+              <a:lnSpc>
+                <a:spcPct val="150000"/>
+              </a:lnSpc>
+            </a:pPr>
+            <a:r>
+              <a:rPr lang="en-US" altLang="zh-CN" sz="1600" dirty="0"/>
+              <a:t>@Component</a:t>
+            </a:r>
+            <a:br>
+              <a:rPr lang="en-US" altLang="zh-CN" sz="1600" dirty="0"/>
+            </a:br>
+            <a:r>
+              <a:rPr lang="en-US" altLang="zh-CN" sz="1600" dirty="0"/>
+              <a:t>public class </a:t>
+            </a:r>
+            <a:r>
+              <a:rPr lang="en-US" altLang="zh-CN" sz="1600" dirty="0" err="1"/>
+              <a:t>ServiceHiHystrix</a:t>
+            </a:r>
+            <a:r>
+              <a:rPr lang="en-US" altLang="zh-CN" sz="1600" dirty="0"/>
+              <a:t> implements </a:t>
+            </a:r>
+            <a:r>
+              <a:rPr lang="en-US" altLang="zh-CN" sz="1600" dirty="0" err="1"/>
+              <a:t>ServiceHi</a:t>
+            </a:r>
+            <a:r>
+              <a:rPr lang="en-US" altLang="zh-CN" sz="1600" dirty="0"/>
+              <a:t> </a:t>
+            </a:r>
+            <a:r>
+              <a:rPr lang="en-US" altLang="zh-CN" sz="1600" dirty="0"/>
+              <a:t>{</a:t>
+            </a:r>
+            <a:br>
+              <a:rPr lang="en-US" altLang="zh-CN" sz="1600" dirty="0"/>
+            </a:br>
+            <a:r>
+              <a:rPr lang="en-US" altLang="zh-CN" sz="1600" dirty="0"/>
+              <a:t>    </a:t>
+            </a:r>
+            <a:r>
+              <a:rPr lang="en-US" altLang="zh-CN" sz="1600" dirty="0"/>
+              <a:t>@Override</a:t>
+            </a:r>
+            <a:br>
+              <a:rPr lang="en-US" altLang="zh-CN" sz="1600" dirty="0"/>
+            </a:br>
+            <a:r>
+              <a:rPr lang="en-US" altLang="zh-CN" sz="1600" dirty="0"/>
+              <a:t>    public String </a:t>
+            </a:r>
+            <a:r>
+              <a:rPr lang="en-US" altLang="zh-CN" sz="1600" dirty="0" err="1"/>
+              <a:t>sayHiFromClient</a:t>
+            </a:r>
+            <a:r>
+              <a:rPr lang="en-US" altLang="zh-CN" sz="1600" dirty="0"/>
+              <a:t>(</a:t>
+            </a:r>
+            <a:r>
+              <a:rPr lang="en-US" altLang="zh-CN" sz="1600" dirty="0"/>
+              <a:t>String name</a:t>
+            </a:r>
+            <a:r>
+              <a:rPr lang="en-US" altLang="zh-CN" sz="1600" dirty="0"/>
+              <a:t>) {</a:t>
+            </a:r>
+            <a:br>
+              <a:rPr lang="en-US" altLang="zh-CN" sz="1600" dirty="0"/>
+            </a:br>
+            <a:r>
+              <a:rPr lang="en-US" altLang="zh-CN" sz="1600" dirty="0"/>
+              <a:t>        </a:t>
+            </a:r>
+            <a:r>
+              <a:rPr lang="en-US" altLang="zh-CN" sz="1600" dirty="0"/>
+              <a:t>return "sorry," </a:t>
+            </a:r>
+            <a:r>
+              <a:rPr lang="en-US" altLang="zh-CN" sz="1600" dirty="0"/>
+              <a:t>+ </a:t>
+            </a:r>
+            <a:r>
+              <a:rPr lang="en-US" altLang="zh-CN" sz="1600" dirty="0"/>
+              <a:t>name </a:t>
+            </a:r>
+            <a:r>
+              <a:rPr lang="en-US" altLang="zh-CN" sz="1600" dirty="0"/>
+              <a:t>+ </a:t>
+            </a:r>
+            <a:r>
+              <a:rPr lang="en-US" altLang="zh-CN" sz="1600" dirty="0"/>
+              <a:t>",there is a error"</a:t>
+            </a:r>
+            <a:r>
+              <a:rPr lang="en-US" altLang="zh-CN" sz="1600" dirty="0"/>
+              <a:t>;</a:t>
+            </a:r>
+            <a:br>
+              <a:rPr lang="en-US" altLang="zh-CN" sz="1600" dirty="0"/>
+            </a:br>
+            <a:r>
+              <a:rPr lang="en-US" altLang="zh-CN" sz="1600" dirty="0"/>
+              <a:t>    }</a:t>
+            </a:r>
+            <a:br>
+              <a:rPr lang="en-US" altLang="zh-CN" sz="1600" dirty="0"/>
+            </a:br>
+            <a:r>
+              <a:rPr lang="en-US" altLang="zh-CN" sz="1600" dirty="0"/>
+              <a:t>}</a:t>
+            </a:r>
+            <a:endParaRPr kumimoji="1" lang="zh-CN" altLang="en-US" sz="1600" dirty="0"/>
           </a:p>
         </p:txBody>
       </p:sp>
     </p:spTree>
     <p:extLst>
       <p:ext uri="{BB962C8B-B14F-4D97-AF65-F5344CB8AC3E}">
-        <p14:creationId xmlns:p14="http://schemas.microsoft.com/office/powerpoint/2010/main" xmlns="" val="946785088"/>
+        <p14:creationId xmlns:p14="http://schemas.microsoft.com/office/powerpoint/2010/main" val="946785088"/>
       </p:ext>
     </p:extLst>
   </p:cSld>
   <p:clrMapOvr>
     <a:masterClrMapping/>
   </p:clrMapOvr>
+  <p:timing>
+    <p:tnLst>
+      <p:par>
+        <p:cTn id="1" dur="indefinite" restart="never" nodeType="tmRoot"/>
+      </p:par>
+    </p:tnLst>
+  </p:timing>
 </p:sld>
 </file>
 
@@ -10028,7 +12080,7 @@
         <p:spPr>
           <a:xfrm>
             <a:off x="609600" y="203201"/>
-            <a:ext cx="646331" cy="369332"/>
+            <a:ext cx="2020105" cy="369332"/>
           </a:xfrm>
           <a:prstGeom prst="rect">
             <a:avLst/>
@@ -10042,17 +12094,143 @@
           <a:lstStyle/>
           <a:p>
             <a:r>
-              <a:rPr kumimoji="1" lang="zh-CN" altLang="en-US" smtClean="0"/>
-              <a:t>标题</a:t>
-            </a:r>
-            <a:endParaRPr kumimoji="1" lang="zh-CN" altLang="en-US"/>
-          </a:p>
-        </p:txBody>
-      </p:sp>
+              <a:rPr kumimoji="1" lang="en-US" altLang="zh-CN" dirty="0"/>
+              <a:t>5</a:t>
+            </a:r>
+            <a:r>
+              <a:rPr kumimoji="1" lang="en-US" altLang="zh-CN" dirty="0" smtClean="0"/>
+              <a:t>.</a:t>
+            </a:r>
+            <a:r>
+              <a:rPr kumimoji="1" lang="zh-CN" altLang="en-US" dirty="0" smtClean="0"/>
+              <a:t> </a:t>
+            </a:r>
+            <a:r>
+              <a:rPr kumimoji="1" lang="en-US" altLang="zh-CN" dirty="0" err="1" smtClean="0"/>
+              <a:t>Zuul</a:t>
+            </a:r>
+            <a:r>
+              <a:rPr kumimoji="1" lang="zh-CN" altLang="en-US" dirty="0" smtClean="0"/>
+              <a:t> </a:t>
+            </a:r>
+            <a:r>
+              <a:rPr kumimoji="1" lang="mr-IN" altLang="zh-CN" dirty="0" smtClean="0"/>
+              <a:t>–</a:t>
+            </a:r>
+            <a:r>
+              <a:rPr kumimoji="1" lang="zh-CN" altLang="en-US" dirty="0" smtClean="0"/>
+              <a:t> 网关服务</a:t>
+            </a:r>
+            <a:endParaRPr kumimoji="1" lang="zh-CN" altLang="en-US" dirty="0"/>
+          </a:p>
+        </p:txBody>
+      </p:sp>
+      <p:sp>
+        <p:nvSpPr>
+          <p:cNvPr id="2" name="文本框 1"/>
+          <p:cNvSpPr txBox="1"/>
+          <p:nvPr/>
+        </p:nvSpPr>
+        <p:spPr>
+          <a:xfrm>
+            <a:off x="1008185" y="926123"/>
+            <a:ext cx="10097636" cy="784830"/>
+          </a:xfrm>
+          <a:prstGeom prst="rect">
+            <a:avLst/>
+          </a:prstGeom>
+          <a:noFill/>
+        </p:spPr>
+        <p:txBody>
+          <a:bodyPr wrap="none" rtlCol="0">
+            <a:spAutoFit/>
+          </a:bodyPr>
+          <a:lstStyle/>
+          <a:p>
+            <a:r>
+              <a:rPr kumimoji="1" lang="en-US" altLang="zh-CN" dirty="0" err="1" smtClean="0"/>
+              <a:t>Zuul</a:t>
+            </a:r>
+            <a:r>
+              <a:rPr kumimoji="1" lang="zh-CN" altLang="en-US" dirty="0" smtClean="0"/>
+              <a:t>是</a:t>
+            </a:r>
+            <a:r>
+              <a:rPr kumimoji="1" lang="en-US" altLang="zh-CN" dirty="0" smtClean="0"/>
+              <a:t>Netflix</a:t>
+            </a:r>
+            <a:r>
+              <a:rPr kumimoji="1" lang="zh-CN" altLang="en-US" dirty="0" smtClean="0"/>
+              <a:t>开源的微服务网关，可以与</a:t>
+            </a:r>
+            <a:r>
+              <a:rPr kumimoji="1" lang="en-US" altLang="zh-CN" dirty="0" err="1" smtClean="0"/>
+              <a:t>SpringCloud</a:t>
+            </a:r>
+            <a:r>
+              <a:rPr kumimoji="1" lang="zh-CN" altLang="en-US" dirty="0" smtClean="0"/>
+              <a:t>组件配合使用，主要功能是路由转发和过滤。</a:t>
+            </a:r>
+            <a:endParaRPr kumimoji="1" lang="en-US" altLang="zh-CN" dirty="0" smtClean="0"/>
+          </a:p>
+          <a:p>
+            <a:pPr>
+              <a:lnSpc>
+                <a:spcPct val="150000"/>
+              </a:lnSpc>
+            </a:pPr>
+            <a:r>
+              <a:rPr kumimoji="1" lang="zh-CN" altLang="en-US" dirty="0" smtClean="0"/>
+              <a:t>也能与</a:t>
+            </a:r>
+            <a:r>
+              <a:rPr kumimoji="1" lang="en-US" altLang="zh-CN" dirty="0" err="1" smtClean="0"/>
+              <a:t>Shiro</a:t>
+            </a:r>
+            <a:r>
+              <a:rPr kumimoji="1" lang="zh-CN" altLang="en-US" dirty="0" smtClean="0"/>
+              <a:t>或者</a:t>
+            </a:r>
+            <a:r>
+              <a:rPr kumimoji="1" lang="en-US" altLang="zh-CN" dirty="0" err="1" smtClean="0"/>
+              <a:t>SpringSecurity</a:t>
+            </a:r>
+            <a:r>
+              <a:rPr kumimoji="1" lang="zh-CN" altLang="en-US" dirty="0" smtClean="0"/>
+              <a:t>配合完成权限验证等功能。</a:t>
+            </a:r>
+            <a:endParaRPr kumimoji="1" lang="zh-CN" altLang="en-US" dirty="0"/>
+          </a:p>
+        </p:txBody>
+      </p:sp>
+      <p:pic>
+        <p:nvPicPr>
+          <p:cNvPr id="3" name="图片 2"/>
+          <p:cNvPicPr>
+            <a:picLocks noChangeAspect="1"/>
+          </p:cNvPicPr>
+          <p:nvPr/>
+        </p:nvPicPr>
+        <p:blipFill>
+          <a:blip r:embed="rId3"/>
+          <a:stretch>
+            <a:fillRect/>
+          </a:stretch>
+        </p:blipFill>
+        <p:spPr>
+          <a:xfrm>
+            <a:off x="2401766" y="1883019"/>
+            <a:ext cx="7011865" cy="4822506"/>
+          </a:xfrm>
+          <a:prstGeom prst="rect">
+            <a:avLst/>
+          </a:prstGeom>
+        </p:spPr>
+      </p:pic>
     </p:spTree>
     <p:extLst>
       <p:ext uri="{BB962C8B-B14F-4D97-AF65-F5344CB8AC3E}">
-        <p14:creationId xmlns:p14="http://schemas.microsoft.com/office/powerpoint/2010/main" xmlns="" val="692462560"/>
+        <p14:creationId xmlns:p14="http://schemas.microsoft.com/office/powerpoint/2010/main" val="692462560"/>
       </p:ext>
     </p:extLst>
   </p:cSld>
@@ -10088,7 +12266,7 @@
         <p:spPr>
           <a:xfrm>
             <a:off x="609600" y="203201"/>
-            <a:ext cx="646331" cy="369332"/>
+            <a:ext cx="1558440" cy="369332"/>
           </a:xfrm>
           <a:prstGeom prst="rect">
             <a:avLst/>
@@ -10102,17 +12280,572 @@
           <a:lstStyle/>
           <a:p>
             <a:r>
-              <a:rPr kumimoji="1" lang="zh-CN" altLang="en-US" smtClean="0"/>
-              <a:t>标题</a:t>
-            </a:r>
-            <a:endParaRPr kumimoji="1" lang="zh-CN" altLang="en-US"/>
+              <a:rPr kumimoji="1" lang="en-US" altLang="zh-CN" dirty="0"/>
+              <a:t>5</a:t>
+            </a:r>
+            <a:r>
+              <a:rPr kumimoji="1" lang="en-US" altLang="zh-CN" dirty="0" smtClean="0"/>
+              <a:t>.</a:t>
+            </a:r>
+            <a:r>
+              <a:rPr kumimoji="1" lang="zh-CN" altLang="en-US" dirty="0" smtClean="0"/>
+              <a:t> </a:t>
+            </a:r>
+            <a:r>
+              <a:rPr kumimoji="1" lang="en-US" altLang="zh-CN" dirty="0" err="1" smtClean="0"/>
+              <a:t>Zuul</a:t>
+            </a:r>
+            <a:r>
+              <a:rPr kumimoji="1" lang="zh-CN" altLang="en-US" dirty="0" smtClean="0"/>
+              <a:t> </a:t>
+            </a:r>
+            <a:r>
+              <a:rPr kumimoji="1" lang="mr-IN" altLang="zh-CN" dirty="0" smtClean="0"/>
+              <a:t>–</a:t>
+            </a:r>
+            <a:r>
+              <a:rPr kumimoji="1" lang="zh-CN" altLang="en-US" dirty="0" smtClean="0"/>
+              <a:t> 实践</a:t>
+            </a:r>
+            <a:endParaRPr kumimoji="1" lang="zh-CN" altLang="en-US" dirty="0"/>
+          </a:p>
+        </p:txBody>
+      </p:sp>
+      <p:sp>
+        <p:nvSpPr>
+          <p:cNvPr id="2" name="文本框 1"/>
+          <p:cNvSpPr txBox="1"/>
+          <p:nvPr/>
+        </p:nvSpPr>
+        <p:spPr>
+          <a:xfrm>
+            <a:off x="1113692" y="762000"/>
+            <a:ext cx="2904962" cy="369332"/>
+          </a:xfrm>
+          <a:prstGeom prst="rect">
+            <a:avLst/>
+          </a:prstGeom>
+          <a:noFill/>
+        </p:spPr>
+        <p:txBody>
+          <a:bodyPr wrap="none" rtlCol="0">
+            <a:spAutoFit/>
+          </a:bodyPr>
+          <a:lstStyle/>
+          <a:p>
+            <a:r>
+              <a:rPr kumimoji="1" lang="en-US" altLang="zh-CN" dirty="0" smtClean="0"/>
+              <a:t>1.</a:t>
+            </a:r>
+            <a:r>
+              <a:rPr kumimoji="1" lang="zh-CN" altLang="en-US" dirty="0" smtClean="0"/>
+              <a:t> 添加</a:t>
+            </a:r>
+            <a:r>
+              <a:rPr kumimoji="1" lang="en-US" altLang="zh-CN" dirty="0" smtClean="0"/>
+              <a:t>Eureka</a:t>
+            </a:r>
+            <a:r>
+              <a:rPr kumimoji="1" lang="zh-CN" altLang="en-US" dirty="0" smtClean="0"/>
+              <a:t>和</a:t>
+            </a:r>
+            <a:r>
+              <a:rPr kumimoji="1" lang="en-US" altLang="zh-CN" dirty="0" err="1" smtClean="0"/>
+              <a:t>Zuul</a:t>
+            </a:r>
+            <a:r>
+              <a:rPr kumimoji="1" lang="zh-CN" altLang="en-US" dirty="0" smtClean="0"/>
+              <a:t>的依赖</a:t>
+            </a:r>
+            <a:endParaRPr kumimoji="1" lang="zh-CN" altLang="en-US" dirty="0"/>
+          </a:p>
+        </p:txBody>
+      </p:sp>
+      <p:sp>
+        <p:nvSpPr>
+          <p:cNvPr id="5" name="文本框 4"/>
+          <p:cNvSpPr txBox="1"/>
+          <p:nvPr/>
+        </p:nvSpPr>
+        <p:spPr>
+          <a:xfrm>
+            <a:off x="1365374" y="1131332"/>
+            <a:ext cx="8921262" cy="2062103"/>
+          </a:xfrm>
+          <a:prstGeom prst="rect">
+            <a:avLst/>
+          </a:prstGeom>
+          <a:noFill/>
+        </p:spPr>
+        <p:txBody>
+          <a:bodyPr wrap="square" rtlCol="0">
+            <a:spAutoFit/>
+          </a:bodyPr>
+          <a:lstStyle/>
+          <a:p>
+            <a:r>
+              <a:rPr lang="en-US" altLang="zh-CN" sz="1600" dirty="0"/>
+              <a:t>&lt;</a:t>
+            </a:r>
+            <a:r>
+              <a:rPr lang="en-US" altLang="zh-CN" sz="1600" dirty="0"/>
+              <a:t>dependency</a:t>
+            </a:r>
+            <a:r>
+              <a:rPr lang="en-US" altLang="zh-CN" sz="1600" dirty="0"/>
+              <a:t>&gt;</a:t>
+            </a:r>
+            <a:br>
+              <a:rPr lang="en-US" altLang="zh-CN" sz="1600" dirty="0"/>
+            </a:br>
+            <a:r>
+              <a:rPr lang="en-US" altLang="zh-CN" sz="1600" dirty="0"/>
+              <a:t>    &lt;</a:t>
+            </a:r>
+            <a:r>
+              <a:rPr lang="en-US" altLang="zh-CN" sz="1600" dirty="0" err="1"/>
+              <a:t>groupId</a:t>
+            </a:r>
+            <a:r>
+              <a:rPr lang="en-US" altLang="zh-CN" sz="1600" dirty="0"/>
+              <a:t>&gt;</a:t>
+            </a:r>
+            <a:r>
+              <a:rPr lang="en-US" altLang="zh-CN" sz="1600" dirty="0" err="1"/>
+              <a:t>org.springframework.cloud</a:t>
+            </a:r>
+            <a:r>
+              <a:rPr lang="en-US" altLang="zh-CN" sz="1600" dirty="0"/>
+              <a:t>&lt;/</a:t>
+            </a:r>
+            <a:r>
+              <a:rPr lang="en-US" altLang="zh-CN" sz="1600" dirty="0" err="1"/>
+              <a:t>groupId</a:t>
+            </a:r>
+            <a:r>
+              <a:rPr lang="en-US" altLang="zh-CN" sz="1600" dirty="0"/>
+              <a:t>&gt;</a:t>
+            </a:r>
+            <a:br>
+              <a:rPr lang="en-US" altLang="zh-CN" sz="1600" dirty="0"/>
+            </a:br>
+            <a:r>
+              <a:rPr lang="en-US" altLang="zh-CN" sz="1600" dirty="0"/>
+              <a:t>    &lt;</a:t>
+            </a:r>
+            <a:r>
+              <a:rPr lang="en-US" altLang="zh-CN" sz="1600" dirty="0" err="1"/>
+              <a:t>artifactId</a:t>
+            </a:r>
+            <a:r>
+              <a:rPr lang="en-US" altLang="zh-CN" sz="1600" dirty="0"/>
+              <a:t>&gt;spring-cloud-starter-eureka&lt;/</a:t>
+            </a:r>
+            <a:r>
+              <a:rPr lang="en-US" altLang="zh-CN" sz="1600" dirty="0" err="1"/>
+              <a:t>artifactId</a:t>
+            </a:r>
+            <a:r>
+              <a:rPr lang="en-US" altLang="zh-CN" sz="1600" dirty="0"/>
+              <a:t>&gt;</a:t>
+            </a:r>
+            <a:br>
+              <a:rPr lang="en-US" altLang="zh-CN" sz="1600" dirty="0"/>
+            </a:br>
+            <a:r>
+              <a:rPr lang="en-US" altLang="zh-CN" sz="1600" dirty="0"/>
+              <a:t>&lt;/</a:t>
+            </a:r>
+            <a:r>
+              <a:rPr lang="en-US" altLang="zh-CN" sz="1600" dirty="0"/>
+              <a:t>dependency</a:t>
+            </a:r>
+            <a:r>
+              <a:rPr lang="en-US" altLang="zh-CN" sz="1600" dirty="0"/>
+              <a:t>&gt;</a:t>
+            </a:r>
+            <a:br>
+              <a:rPr lang="en-US" altLang="zh-CN" sz="1600" dirty="0"/>
+            </a:br>
+            <a:r>
+              <a:rPr lang="en-US" altLang="zh-CN" sz="1600" dirty="0"/>
+              <a:t>&lt;</a:t>
+            </a:r>
+            <a:r>
+              <a:rPr lang="en-US" altLang="zh-CN" sz="1600" dirty="0"/>
+              <a:t>dependency</a:t>
+            </a:r>
+            <a:r>
+              <a:rPr lang="en-US" altLang="zh-CN" sz="1600" dirty="0"/>
+              <a:t>&gt;</a:t>
+            </a:r>
+            <a:br>
+              <a:rPr lang="en-US" altLang="zh-CN" sz="1600" dirty="0"/>
+            </a:br>
+            <a:r>
+              <a:rPr lang="en-US" altLang="zh-CN" sz="1600" dirty="0"/>
+              <a:t>    &lt;</a:t>
+            </a:r>
+            <a:r>
+              <a:rPr lang="en-US" altLang="zh-CN" sz="1600" dirty="0" err="1"/>
+              <a:t>groupId</a:t>
+            </a:r>
+            <a:r>
+              <a:rPr lang="en-US" altLang="zh-CN" sz="1600" dirty="0"/>
+              <a:t>&gt;</a:t>
+            </a:r>
+            <a:r>
+              <a:rPr lang="en-US" altLang="zh-CN" sz="1600" dirty="0" err="1"/>
+              <a:t>org.springframework.cloud</a:t>
+            </a:r>
+            <a:r>
+              <a:rPr lang="en-US" altLang="zh-CN" sz="1600" dirty="0"/>
+              <a:t>&lt;/</a:t>
+            </a:r>
+            <a:r>
+              <a:rPr lang="en-US" altLang="zh-CN" sz="1600" dirty="0" err="1"/>
+              <a:t>groupId</a:t>
+            </a:r>
+            <a:r>
+              <a:rPr lang="en-US" altLang="zh-CN" sz="1600" dirty="0"/>
+              <a:t>&gt;</a:t>
+            </a:r>
+            <a:br>
+              <a:rPr lang="en-US" altLang="zh-CN" sz="1600" dirty="0"/>
+            </a:br>
+            <a:r>
+              <a:rPr lang="en-US" altLang="zh-CN" sz="1600" dirty="0"/>
+              <a:t>    &lt;</a:t>
+            </a:r>
+            <a:r>
+              <a:rPr lang="en-US" altLang="zh-CN" sz="1600" dirty="0" err="1"/>
+              <a:t>artifactId</a:t>
+            </a:r>
+            <a:r>
+              <a:rPr lang="en-US" altLang="zh-CN" sz="1600" dirty="0"/>
+              <a:t>&gt;spring-cloud-starter-</a:t>
+            </a:r>
+            <a:r>
+              <a:rPr lang="en-US" altLang="zh-CN" sz="1600" dirty="0" err="1"/>
+              <a:t>zuul</a:t>
+            </a:r>
+            <a:r>
+              <a:rPr lang="en-US" altLang="zh-CN" sz="1600" dirty="0"/>
+              <a:t>&lt;/</a:t>
+            </a:r>
+            <a:r>
+              <a:rPr lang="en-US" altLang="zh-CN" sz="1600" dirty="0" err="1"/>
+              <a:t>artifactId</a:t>
+            </a:r>
+            <a:r>
+              <a:rPr lang="en-US" altLang="zh-CN" sz="1600" dirty="0"/>
+              <a:t>&gt;</a:t>
+            </a:r>
+            <a:br>
+              <a:rPr lang="en-US" altLang="zh-CN" sz="1600" dirty="0"/>
+            </a:br>
+            <a:r>
+              <a:rPr lang="en-US" altLang="zh-CN" sz="1600" dirty="0"/>
+              <a:t>&lt;/</a:t>
+            </a:r>
+            <a:r>
+              <a:rPr lang="en-US" altLang="zh-CN" sz="1600" dirty="0"/>
+              <a:t>dependency</a:t>
+            </a:r>
+            <a:r>
+              <a:rPr lang="en-US" altLang="zh-CN" sz="1600" dirty="0"/>
+              <a:t>&gt;</a:t>
+            </a:r>
+            <a:endParaRPr kumimoji="1" lang="zh-CN" altLang="en-US" sz="1600" dirty="0"/>
+          </a:p>
+        </p:txBody>
+      </p:sp>
+      <p:sp>
+        <p:nvSpPr>
+          <p:cNvPr id="7" name="文本框 6"/>
+          <p:cNvSpPr txBox="1"/>
+          <p:nvPr/>
+        </p:nvSpPr>
+        <p:spPr>
+          <a:xfrm>
+            <a:off x="1113692" y="3193435"/>
+            <a:ext cx="6237605" cy="923330"/>
+          </a:xfrm>
+          <a:prstGeom prst="rect">
+            <a:avLst/>
+          </a:prstGeom>
+          <a:noFill/>
+        </p:spPr>
+        <p:txBody>
+          <a:bodyPr wrap="none" rtlCol="0">
+            <a:spAutoFit/>
+          </a:bodyPr>
+          <a:lstStyle/>
+          <a:p>
+            <a:r>
+              <a:rPr kumimoji="1" lang="en-US" altLang="zh-CN" dirty="0"/>
+              <a:t>2</a:t>
+            </a:r>
+            <a:r>
+              <a:rPr kumimoji="1" lang="en-US" altLang="zh-CN" dirty="0" smtClean="0"/>
+              <a:t>.</a:t>
+            </a:r>
+            <a:r>
+              <a:rPr kumimoji="1" lang="zh-CN" altLang="en-US" dirty="0" smtClean="0"/>
+              <a:t> 入口类添加</a:t>
+            </a:r>
+            <a:r>
+              <a:rPr lang="en-US" altLang="zh-CN" dirty="0"/>
+              <a:t>@</a:t>
+            </a:r>
+            <a:r>
+              <a:rPr lang="en-US" altLang="zh-CN" dirty="0" err="1" smtClean="0"/>
+              <a:t>EnableEurekaClient</a:t>
+            </a:r>
+            <a:r>
+              <a:rPr lang="zh-CN" altLang="en-US" dirty="0" smtClean="0"/>
+              <a:t>和</a:t>
+            </a:r>
+            <a:r>
+              <a:rPr lang="en-US" altLang="zh-CN" dirty="0" smtClean="0"/>
+              <a:t>@</a:t>
+            </a:r>
+            <a:r>
+              <a:rPr lang="en-US" altLang="zh-CN" dirty="0" err="1" smtClean="0"/>
+              <a:t>EnableZuulProxy</a:t>
+            </a:r>
+            <a:r>
+              <a:rPr lang="zh-CN" altLang="en-US" dirty="0" smtClean="0"/>
+              <a:t>注解</a:t>
+            </a:r>
+            <a:endParaRPr lang="en-US" altLang="zh-CN" dirty="0" smtClean="0"/>
+          </a:p>
+          <a:p>
+            <a:endParaRPr kumimoji="1" lang="en-US" altLang="zh-CN" dirty="0"/>
+          </a:p>
+          <a:p>
+            <a:r>
+              <a:rPr kumimoji="1" lang="en-US" altLang="zh-CN" dirty="0" smtClean="0"/>
+              <a:t>3.</a:t>
+            </a:r>
+            <a:r>
+              <a:rPr kumimoji="1" lang="zh-CN" altLang="en-US" dirty="0" smtClean="0"/>
+              <a:t> 配置文件配置</a:t>
+            </a:r>
+            <a:r>
+              <a:rPr kumimoji="1" lang="en-US" altLang="zh-CN" dirty="0" smtClean="0"/>
+              <a:t>Eureka</a:t>
+            </a:r>
+            <a:r>
+              <a:rPr kumimoji="1" lang="zh-CN" altLang="en-US" dirty="0" smtClean="0"/>
+              <a:t>注册中心地址以及路由规则</a:t>
+            </a:r>
+            <a:endParaRPr kumimoji="1" lang="zh-CN" altLang="en-US" dirty="0"/>
+          </a:p>
+        </p:txBody>
+      </p:sp>
+      <p:sp>
+        <p:nvSpPr>
+          <p:cNvPr id="8" name="文本框 7"/>
+          <p:cNvSpPr txBox="1"/>
+          <p:nvPr/>
+        </p:nvSpPr>
+        <p:spPr>
+          <a:xfrm>
+            <a:off x="1564666" y="4200902"/>
+            <a:ext cx="8721970" cy="1815882"/>
+          </a:xfrm>
+          <a:prstGeom prst="rect">
+            <a:avLst/>
+          </a:prstGeom>
+          <a:noFill/>
+        </p:spPr>
+        <p:txBody>
+          <a:bodyPr wrap="square" rtlCol="0">
+            <a:spAutoFit/>
+          </a:bodyPr>
+          <a:lstStyle/>
+          <a:p>
+            <a:r>
+              <a:rPr lang="en-US" altLang="zh-CN" sz="1600" dirty="0" err="1"/>
+              <a:t>z</a:t>
+            </a:r>
+            <a:r>
+              <a:rPr lang="en-US" altLang="zh-CN" sz="1600" dirty="0" err="1" smtClean="0"/>
+              <a:t>uul.routes</a:t>
+            </a:r>
+            <a:r>
+              <a:rPr lang="en-US" altLang="zh-CN" sz="1600" dirty="0"/>
+              <a:t>:</a:t>
+            </a:r>
+            <a:br>
+              <a:rPr lang="en-US" altLang="zh-CN" sz="1600" dirty="0"/>
+            </a:br>
+            <a:r>
+              <a:rPr lang="en-US" altLang="zh-CN" sz="1600" dirty="0"/>
+              <a:t>    </a:t>
+            </a:r>
+            <a:r>
+              <a:rPr lang="en-US" altLang="zh-CN" sz="1600" dirty="0" err="1"/>
+              <a:t>api</a:t>
+            </a:r>
+            <a:r>
+              <a:rPr lang="en-US" altLang="zh-CN" sz="1600" dirty="0"/>
+              <a:t>-a:</a:t>
+            </a:r>
+            <a:br>
+              <a:rPr lang="en-US" altLang="zh-CN" sz="1600" dirty="0"/>
+            </a:br>
+            <a:r>
+              <a:rPr lang="en-US" altLang="zh-CN" sz="1600" dirty="0"/>
+              <a:t>      path: </a:t>
+            </a:r>
+            <a:r>
+              <a:rPr lang="en-US" altLang="zh-CN" sz="1600" dirty="0"/>
+              <a:t>/</a:t>
+            </a:r>
+            <a:r>
+              <a:rPr lang="en-US" altLang="zh-CN" sz="1600" dirty="0" err="1"/>
+              <a:t>api</a:t>
+            </a:r>
+            <a:r>
+              <a:rPr lang="en-US" altLang="zh-CN" sz="1600" dirty="0"/>
+              <a:t>-a/**</a:t>
+            </a:r>
+            <a:br>
+              <a:rPr lang="en-US" altLang="zh-CN" sz="1600" dirty="0"/>
+            </a:br>
+            <a:r>
+              <a:rPr lang="en-US" altLang="zh-CN" sz="1600" dirty="0"/>
+              <a:t>      </a:t>
+            </a:r>
+            <a:r>
+              <a:rPr lang="en-US" altLang="zh-CN" sz="1600" dirty="0" err="1"/>
+              <a:t>serviceId</a:t>
+            </a:r>
+            <a:r>
+              <a:rPr lang="en-US" altLang="zh-CN" sz="1600" dirty="0"/>
+              <a:t>: </a:t>
+            </a:r>
+            <a:r>
+              <a:rPr lang="en-US" altLang="zh-CN" sz="1600" dirty="0"/>
+              <a:t>service-ribbon-</a:t>
+            </a:r>
+            <a:r>
+              <a:rPr lang="en-US" altLang="zh-CN" sz="1600" dirty="0" err="1"/>
+              <a:t>hystrix</a:t>
+            </a:r>
+            <a:r>
+              <a:rPr lang="en-US" altLang="zh-CN" sz="1600" dirty="0"/>
+              <a:t/>
+            </a:r>
+            <a:br>
+              <a:rPr lang="en-US" altLang="zh-CN" sz="1600" dirty="0"/>
+            </a:br>
+            <a:r>
+              <a:rPr lang="en-US" altLang="zh-CN" sz="1600" dirty="0"/>
+              <a:t>    </a:t>
+            </a:r>
+            <a:r>
+              <a:rPr lang="en-US" altLang="zh-CN" sz="1600" dirty="0" err="1"/>
+              <a:t>api</a:t>
+            </a:r>
+            <a:r>
+              <a:rPr lang="en-US" altLang="zh-CN" sz="1600" dirty="0"/>
+              <a:t>-b:</a:t>
+            </a:r>
+            <a:br>
+              <a:rPr lang="en-US" altLang="zh-CN" sz="1600" dirty="0"/>
+            </a:br>
+            <a:r>
+              <a:rPr lang="en-US" altLang="zh-CN" sz="1600" dirty="0"/>
+              <a:t>      path: </a:t>
+            </a:r>
+            <a:r>
+              <a:rPr lang="en-US" altLang="zh-CN" sz="1600" dirty="0"/>
+              <a:t>/</a:t>
+            </a:r>
+            <a:r>
+              <a:rPr lang="en-US" altLang="zh-CN" sz="1600" dirty="0" err="1"/>
+              <a:t>api</a:t>
+            </a:r>
+            <a:r>
+              <a:rPr lang="en-US" altLang="zh-CN" sz="1600" dirty="0"/>
+              <a:t>-b/**</a:t>
+            </a:r>
+            <a:br>
+              <a:rPr lang="en-US" altLang="zh-CN" sz="1600" dirty="0"/>
+            </a:br>
+            <a:r>
+              <a:rPr lang="en-US" altLang="zh-CN" sz="1600" dirty="0"/>
+              <a:t>      </a:t>
+            </a:r>
+            <a:r>
+              <a:rPr lang="en-US" altLang="zh-CN" sz="1600" dirty="0" err="1"/>
+              <a:t>serviceId</a:t>
+            </a:r>
+            <a:r>
+              <a:rPr lang="en-US" altLang="zh-CN" sz="1600" dirty="0"/>
+              <a:t>: </a:t>
+            </a:r>
+            <a:r>
+              <a:rPr lang="en-US" altLang="zh-CN" sz="1600" dirty="0"/>
+              <a:t>service-feign-</a:t>
+            </a:r>
+            <a:r>
+              <a:rPr lang="en-US" altLang="zh-CN" sz="1600" dirty="0" err="1"/>
+              <a:t>hystrix</a:t>
+            </a:r>
+            <a:endParaRPr kumimoji="1" lang="zh-CN" altLang="en-US" sz="1600" dirty="0"/>
+          </a:p>
+        </p:txBody>
+      </p:sp>
+      <p:sp>
+        <p:nvSpPr>
+          <p:cNvPr id="9" name="文本框 8"/>
+          <p:cNvSpPr txBox="1"/>
+          <p:nvPr/>
+        </p:nvSpPr>
+        <p:spPr>
+          <a:xfrm>
+            <a:off x="1113692" y="6295292"/>
+            <a:ext cx="5264583" cy="369332"/>
+          </a:xfrm>
+          <a:prstGeom prst="rect">
+            <a:avLst/>
+          </a:prstGeom>
+          <a:noFill/>
+        </p:spPr>
+        <p:txBody>
+          <a:bodyPr wrap="none" rtlCol="0">
+            <a:spAutoFit/>
+          </a:bodyPr>
+          <a:lstStyle/>
+          <a:p>
+            <a:r>
+              <a:rPr kumimoji="1" lang="en-US" altLang="zh-CN" dirty="0" smtClean="0"/>
+              <a:t>4.</a:t>
+            </a:r>
+            <a:r>
+              <a:rPr kumimoji="1" lang="zh-CN" altLang="en-US" dirty="0" smtClean="0"/>
+              <a:t> 继承</a:t>
+            </a:r>
+            <a:r>
+              <a:rPr kumimoji="1" lang="en-US" altLang="zh-CN" dirty="0" err="1" smtClean="0"/>
+              <a:t>ZuulFilter</a:t>
+            </a:r>
+            <a:r>
+              <a:rPr kumimoji="1" lang="zh-CN" altLang="en-US" dirty="0" smtClean="0"/>
+              <a:t>类实现自定义的路由规则就可以啦</a:t>
+            </a:r>
+            <a:endParaRPr kumimoji="1" lang="zh-CN" altLang="en-US" dirty="0"/>
           </a:p>
         </p:txBody>
       </p:sp>
     </p:spTree>
     <p:extLst>
       <p:ext uri="{BB962C8B-B14F-4D97-AF65-F5344CB8AC3E}">
-        <p14:creationId xmlns:p14="http://schemas.microsoft.com/office/powerpoint/2010/main" xmlns="" val="1104567969"/>
+        <p14:creationId xmlns:p14="http://schemas.microsoft.com/office/powerpoint/2010/main" val="1104567969"/>
       </p:ext>
     </p:extLst>
   </p:cSld>
@@ -10148,7 +12881,7 @@
         <p:spPr>
           <a:xfrm>
             <a:off x="609600" y="203201"/>
-            <a:ext cx="646331" cy="369332"/>
+            <a:ext cx="1558440" cy="369332"/>
           </a:xfrm>
           <a:prstGeom prst="rect">
             <a:avLst/>
@@ -10162,17 +12895,148 @@
           <a:lstStyle/>
           <a:p>
             <a:r>
-              <a:rPr kumimoji="1" lang="zh-CN" altLang="en-US" smtClean="0"/>
-              <a:t>标题</a:t>
-            </a:r>
-            <a:endParaRPr kumimoji="1" lang="zh-CN" altLang="en-US"/>
+              <a:rPr kumimoji="1" lang="en-US" altLang="zh-CN" dirty="0"/>
+              <a:t>5</a:t>
+            </a:r>
+            <a:r>
+              <a:rPr kumimoji="1" lang="en-US" altLang="zh-CN" dirty="0" smtClean="0"/>
+              <a:t>.</a:t>
+            </a:r>
+            <a:r>
+              <a:rPr kumimoji="1" lang="zh-CN" altLang="en-US" dirty="0" smtClean="0"/>
+              <a:t> </a:t>
+            </a:r>
+            <a:r>
+              <a:rPr kumimoji="1" lang="en-US" altLang="zh-CN" dirty="0" err="1" smtClean="0"/>
+              <a:t>Zuul</a:t>
+            </a:r>
+            <a:r>
+              <a:rPr kumimoji="1" lang="zh-CN" altLang="en-US" dirty="0" smtClean="0"/>
+              <a:t> </a:t>
+            </a:r>
+            <a:r>
+              <a:rPr kumimoji="1" lang="mr-IN" altLang="zh-CN" dirty="0" smtClean="0"/>
+              <a:t>–</a:t>
+            </a:r>
+            <a:r>
+              <a:rPr kumimoji="1" lang="zh-CN" altLang="en-US" dirty="0" smtClean="0"/>
+              <a:t> 总结</a:t>
+            </a:r>
+            <a:endParaRPr kumimoji="1" lang="zh-CN" altLang="en-US" dirty="0"/>
+          </a:p>
+        </p:txBody>
+      </p:sp>
+      <p:sp>
+        <p:nvSpPr>
+          <p:cNvPr id="2" name="文本框 1"/>
+          <p:cNvSpPr txBox="1"/>
+          <p:nvPr/>
+        </p:nvSpPr>
+        <p:spPr>
+          <a:xfrm>
+            <a:off x="1388820" y="2438400"/>
+            <a:ext cx="8616461" cy="1712135"/>
+          </a:xfrm>
+          <a:prstGeom prst="rect">
+            <a:avLst/>
+          </a:prstGeom>
+          <a:noFill/>
+        </p:spPr>
+        <p:txBody>
+          <a:bodyPr wrap="square" rtlCol="0">
+            <a:spAutoFit/>
+          </a:bodyPr>
+          <a:lstStyle/>
+          <a:p>
+            <a:pPr>
+              <a:lnSpc>
+                <a:spcPct val="150000"/>
+              </a:lnSpc>
+            </a:pPr>
+            <a:r>
+              <a:rPr kumimoji="1" lang="zh-CN" altLang="en-US" dirty="0" smtClean="0"/>
+              <a:t>可以跟</a:t>
+            </a:r>
+            <a:r>
+              <a:rPr kumimoji="1" lang="en-US" altLang="zh-CN" dirty="0" smtClean="0"/>
+              <a:t>Eureka</a:t>
+            </a:r>
+            <a:r>
+              <a:rPr kumimoji="1" lang="zh-CN" altLang="en-US" dirty="0" smtClean="0"/>
+              <a:t>集成，主要功能是路由和请求过滤（权限控制）。路由功能与</a:t>
+            </a:r>
+            <a:r>
+              <a:rPr kumimoji="1" lang="en-US" altLang="zh-CN" dirty="0" smtClean="0"/>
+              <a:t>Nginx</a:t>
+            </a:r>
+            <a:r>
+              <a:rPr kumimoji="1" lang="zh-CN" altLang="en-US" dirty="0" smtClean="0"/>
+              <a:t>类似，并且常规使用方式也是先经过</a:t>
+            </a:r>
+            <a:r>
+              <a:rPr kumimoji="1" lang="en-US" altLang="zh-CN" dirty="0" smtClean="0"/>
+              <a:t>Nginx</a:t>
+            </a:r>
+            <a:r>
+              <a:rPr kumimoji="1" lang="zh-CN" altLang="en-US" dirty="0" smtClean="0"/>
+              <a:t>然后再使用</a:t>
+            </a:r>
+            <a:r>
+              <a:rPr kumimoji="1" lang="en-US" altLang="zh-CN" dirty="0" err="1" smtClean="0"/>
+              <a:t>Zuul+Eureka</a:t>
+            </a:r>
+            <a:r>
+              <a:rPr kumimoji="1" lang="zh-CN" altLang="en-US" dirty="0" smtClean="0"/>
+              <a:t>。权限控制方面感觉自由度要更高一些，而且更适合后端开发人员使用。</a:t>
+            </a:r>
+            <a:r>
+              <a:rPr kumimoji="1" lang="en-US" altLang="zh-CN" dirty="0" smtClean="0"/>
+              <a:t>Nginx</a:t>
+            </a:r>
+            <a:r>
+              <a:rPr kumimoji="1" lang="zh-CN" altLang="en-US" dirty="0" smtClean="0"/>
+              <a:t>实现相关权限配置过滤等复杂逻辑需要与</a:t>
+            </a:r>
+            <a:r>
+              <a:rPr kumimoji="1" lang="en-US" altLang="zh-CN" dirty="0" err="1" smtClean="0"/>
+              <a:t>lua</a:t>
+            </a:r>
+            <a:r>
+              <a:rPr kumimoji="1" lang="zh-CN" altLang="en-US" dirty="0" smtClean="0"/>
+              <a:t>配合（</a:t>
+            </a:r>
+            <a:r>
+              <a:rPr kumimoji="1" lang="en-US" altLang="zh-CN" dirty="0" err="1" smtClean="0"/>
+              <a:t>OpenResty</a:t>
+            </a:r>
+            <a:r>
+              <a:rPr kumimoji="1" lang="zh-CN" altLang="en-US" dirty="0" smtClean="0"/>
+              <a:t>）</a:t>
+            </a:r>
+            <a:r>
+              <a:rPr kumimoji="1" lang="en-US" altLang="zh-CN" dirty="0" smtClean="0"/>
+              <a:t>,</a:t>
+            </a:r>
+            <a:r>
+              <a:rPr kumimoji="1" lang="zh-CN" altLang="en-US" dirty="0" smtClean="0"/>
+              <a:t> 对</a:t>
+            </a:r>
+            <a:r>
+              <a:rPr kumimoji="1" lang="en-US" altLang="zh-CN" dirty="0" smtClean="0"/>
+              <a:t>Java</a:t>
+            </a:r>
+            <a:r>
+              <a:rPr kumimoji="1" lang="zh-CN" altLang="en-US" dirty="0" smtClean="0"/>
+              <a:t>开发人员不够友好</a:t>
+            </a:r>
+            <a:endParaRPr kumimoji="1" lang="zh-CN" altLang="en-US" dirty="0"/>
           </a:p>
         </p:txBody>
       </p:sp>
     </p:spTree>
     <p:extLst>
       <p:ext uri="{BB962C8B-B14F-4D97-AF65-F5344CB8AC3E}">
-        <p14:creationId xmlns:p14="http://schemas.microsoft.com/office/powerpoint/2010/main" xmlns="" val="1065258012"/>
+        <p14:creationId xmlns:p14="http://schemas.microsoft.com/office/powerpoint/2010/main" val="1065258012"/>
       </p:ext>
     </p:extLst>
   </p:cSld>
@@ -10208,7 +13072,7 @@
         <p:spPr>
           <a:xfrm>
             <a:off x="609600" y="203201"/>
-            <a:ext cx="646331" cy="369332"/>
+            <a:ext cx="1805302" cy="369332"/>
           </a:xfrm>
           <a:prstGeom prst="rect">
             <a:avLst/>
@@ -10222,17 +13086,347 @@
           <a:lstStyle/>
           <a:p>
             <a:r>
-              <a:rPr kumimoji="1" lang="zh-CN" altLang="en-US" smtClean="0"/>
-              <a:t>标题</a:t>
-            </a:r>
-            <a:endParaRPr kumimoji="1" lang="zh-CN" altLang="en-US"/>
+              <a:rPr kumimoji="1" lang="en-US" altLang="zh-CN" dirty="0" smtClean="0"/>
+              <a:t>6.</a:t>
+            </a:r>
+            <a:r>
+              <a:rPr kumimoji="1" lang="zh-CN" altLang="en-US" dirty="0" smtClean="0"/>
+              <a:t> 其他组件介绍</a:t>
+            </a:r>
+            <a:endParaRPr kumimoji="1" lang="zh-CN" altLang="en-US" dirty="0"/>
+          </a:p>
+        </p:txBody>
+      </p:sp>
+      <p:sp>
+        <p:nvSpPr>
+          <p:cNvPr id="2" name="文本框 1"/>
+          <p:cNvSpPr txBox="1"/>
+          <p:nvPr/>
+        </p:nvSpPr>
+        <p:spPr>
+          <a:xfrm>
+            <a:off x="1312985" y="961292"/>
+            <a:ext cx="9390184" cy="2169825"/>
+          </a:xfrm>
+          <a:prstGeom prst="rect">
+            <a:avLst/>
+          </a:prstGeom>
+          <a:noFill/>
+        </p:spPr>
+        <p:txBody>
+          <a:bodyPr wrap="square" rtlCol="0">
+            <a:spAutoFit/>
+          </a:bodyPr>
+          <a:lstStyle/>
+          <a:p>
+            <a:pPr>
+              <a:lnSpc>
+                <a:spcPct val="150000"/>
+              </a:lnSpc>
+            </a:pPr>
+            <a:r>
+              <a:rPr kumimoji="1" lang="en-US" altLang="zh-CN" dirty="0" smtClean="0"/>
+              <a:t>Spring</a:t>
+            </a:r>
+            <a:r>
+              <a:rPr kumimoji="1" lang="zh-CN" altLang="en-US" dirty="0" smtClean="0"/>
+              <a:t>的嫡系配置中心，对</a:t>
+            </a:r>
+            <a:r>
+              <a:rPr kumimoji="1" lang="en-US" altLang="zh-CN" dirty="0" err="1" smtClean="0"/>
+              <a:t>SpringBoot</a:t>
+            </a:r>
+            <a:r>
+              <a:rPr kumimoji="1" lang="zh-CN" altLang="en-US" dirty="0" smtClean="0"/>
+              <a:t>原生支持，可以将繁杂的配置进行统一管理。</a:t>
+            </a:r>
+            <a:endParaRPr kumimoji="1" lang="en-US" altLang="zh-CN" dirty="0" smtClean="0"/>
+          </a:p>
+          <a:p>
+            <a:pPr>
+              <a:lnSpc>
+                <a:spcPct val="150000"/>
+              </a:lnSpc>
+            </a:pPr>
+            <a:r>
+              <a:rPr kumimoji="1" lang="zh-CN" altLang="en-US" dirty="0" smtClean="0"/>
+              <a:t>可以与</a:t>
+            </a:r>
+            <a:r>
+              <a:rPr kumimoji="1" lang="en-US" altLang="zh-CN" dirty="0" err="1" smtClean="0"/>
+              <a:t>Git</a:t>
+            </a:r>
+            <a:r>
+              <a:rPr kumimoji="1" lang="zh-CN" altLang="en-US" dirty="0" smtClean="0"/>
+              <a:t>，</a:t>
+            </a:r>
+            <a:r>
+              <a:rPr kumimoji="1" lang="en-US" altLang="zh-CN" dirty="0" err="1" smtClean="0"/>
+              <a:t>SpringCloudBus</a:t>
+            </a:r>
+            <a:r>
+              <a:rPr kumimoji="1" lang="en-US" altLang="zh-CN" dirty="0" smtClean="0"/>
+              <a:t>(</a:t>
+            </a:r>
+            <a:r>
+              <a:rPr kumimoji="1" lang="zh-CN" altLang="en-US" dirty="0" smtClean="0"/>
+              <a:t>消息总线</a:t>
+            </a:r>
+            <a:r>
+              <a:rPr kumimoji="1" lang="en-US" altLang="zh-CN" dirty="0" smtClean="0"/>
+              <a:t>)</a:t>
+            </a:r>
+            <a:r>
+              <a:rPr kumimoji="1" lang="zh-CN" altLang="en-US" dirty="0" smtClean="0"/>
+              <a:t>，</a:t>
+            </a:r>
+            <a:r>
+              <a:rPr kumimoji="1" lang="en-US" altLang="zh-CN" dirty="0" err="1" smtClean="0"/>
+              <a:t>Mq</a:t>
+            </a:r>
+            <a:r>
+              <a:rPr kumimoji="1" lang="zh-CN" altLang="en-US" dirty="0" smtClean="0"/>
+              <a:t>配合实现配置更新推送。</a:t>
+            </a:r>
+            <a:endParaRPr kumimoji="1" lang="en-US" altLang="zh-CN" dirty="0" smtClean="0"/>
+          </a:p>
+          <a:p>
+            <a:pPr>
+              <a:lnSpc>
+                <a:spcPct val="150000"/>
+              </a:lnSpc>
+            </a:pPr>
+            <a:r>
+              <a:rPr kumimoji="1" lang="zh-CN" altLang="en-US" dirty="0" smtClean="0"/>
+              <a:t>缺点是没有配置界面，更新配置需要重启才能生效。</a:t>
+            </a:r>
+            <a:endParaRPr kumimoji="1" lang="en-US" altLang="zh-CN" dirty="0" smtClean="0"/>
+          </a:p>
+          <a:p>
+            <a:pPr>
+              <a:lnSpc>
+                <a:spcPct val="150000"/>
+              </a:lnSpc>
+            </a:pPr>
+            <a:endParaRPr kumimoji="1" lang="en-US" altLang="zh-CN" dirty="0"/>
+          </a:p>
+          <a:p>
+            <a:pPr>
+              <a:lnSpc>
+                <a:spcPct val="150000"/>
+              </a:lnSpc>
+            </a:pPr>
+            <a:r>
+              <a:rPr kumimoji="1" lang="zh-CN" altLang="en-US" dirty="0" smtClean="0"/>
+              <a:t>所以。。想用配置中心还是用公司自研的吧。</a:t>
+            </a:r>
+            <a:endParaRPr kumimoji="1" lang="en-US" altLang="zh-CN" dirty="0"/>
+          </a:p>
+        </p:txBody>
+      </p:sp>
+      <p:sp>
+        <p:nvSpPr>
+          <p:cNvPr id="3" name="文本框 2"/>
+          <p:cNvSpPr txBox="1"/>
+          <p:nvPr/>
+        </p:nvSpPr>
+        <p:spPr>
+          <a:xfrm>
+            <a:off x="1312985" y="3364523"/>
+            <a:ext cx="8194431" cy="3000821"/>
+          </a:xfrm>
+          <a:prstGeom prst="rect">
+            <a:avLst/>
+          </a:prstGeom>
+          <a:noFill/>
+        </p:spPr>
+        <p:txBody>
+          <a:bodyPr wrap="square" rtlCol="0">
+            <a:spAutoFit/>
+          </a:bodyPr>
+          <a:lstStyle/>
+          <a:p>
+            <a:pPr>
+              <a:lnSpc>
+                <a:spcPct val="150000"/>
+              </a:lnSpc>
+            </a:pPr>
+            <a:r>
+              <a:rPr kumimoji="1" lang="en-US" altLang="zh-CN" dirty="0"/>
+              <a:t>Consul</a:t>
+            </a:r>
+            <a:r>
+              <a:rPr kumimoji="1" lang="zh-CN" altLang="en-US" dirty="0"/>
+              <a:t>：封装了</a:t>
+            </a:r>
+            <a:r>
+              <a:rPr kumimoji="1" lang="en-US" altLang="zh-CN" dirty="0"/>
+              <a:t>Consul</a:t>
+            </a:r>
+            <a:r>
+              <a:rPr kumimoji="1" lang="zh-CN" altLang="en-US" dirty="0"/>
+              <a:t>操作，</a:t>
+            </a:r>
+            <a:r>
+              <a:rPr kumimoji="1" lang="en-US" altLang="zh-CN" dirty="0"/>
+              <a:t>consul</a:t>
+            </a:r>
+            <a:r>
+              <a:rPr kumimoji="1" lang="zh-CN" altLang="en-US" dirty="0"/>
+              <a:t>是一个服务发现与配置工具，与</a:t>
+            </a:r>
+            <a:r>
+              <a:rPr kumimoji="1" lang="en-US" altLang="zh-CN" dirty="0"/>
+              <a:t>Docker</a:t>
+            </a:r>
+            <a:r>
+              <a:rPr kumimoji="1" lang="zh-CN" altLang="en-US" dirty="0"/>
+              <a:t>容器可以无缝集成</a:t>
+            </a:r>
+            <a:r>
+              <a:rPr kumimoji="1" lang="zh-CN" altLang="en-US" dirty="0" smtClean="0"/>
+              <a:t>。</a:t>
+            </a:r>
+            <a:endParaRPr kumimoji="1" lang="en-US" altLang="zh-CN" dirty="0" smtClean="0"/>
+          </a:p>
+          <a:p>
+            <a:pPr>
+              <a:lnSpc>
+                <a:spcPct val="150000"/>
+              </a:lnSpc>
+            </a:pPr>
+            <a:r>
+              <a:rPr kumimoji="1" lang="en-US" altLang="zh-CN" dirty="0" smtClean="0"/>
+              <a:t>Bus</a:t>
+            </a:r>
+            <a:r>
+              <a:rPr kumimoji="1" lang="zh-CN" altLang="en-US" dirty="0" smtClean="0"/>
+              <a:t> </a:t>
+            </a:r>
+            <a:r>
+              <a:rPr kumimoji="1" lang="en-US" altLang="zh-CN" dirty="0" smtClean="0"/>
+              <a:t>:</a:t>
+            </a:r>
+            <a:r>
+              <a:rPr kumimoji="1" lang="zh-CN" altLang="en-US" dirty="0" smtClean="0"/>
+              <a:t> </a:t>
+            </a:r>
+            <a:r>
+              <a:rPr lang="zh-CN" altLang="en-US" dirty="0" smtClean="0"/>
+              <a:t>事件</a:t>
+            </a:r>
+            <a:r>
+              <a:rPr lang="zh-CN" altLang="en-US" dirty="0"/>
+              <a:t>，消息总线，用于集群中传播状态改变，可以与</a:t>
+            </a:r>
+            <a:r>
+              <a:rPr lang="en-US" altLang="zh-CN" dirty="0" err="1"/>
+              <a:t>Config</a:t>
+            </a:r>
+            <a:r>
+              <a:rPr lang="zh-CN" altLang="en-US" dirty="0"/>
+              <a:t>配合动态更新服务</a:t>
+            </a:r>
+            <a:r>
+              <a:rPr lang="zh-CN" altLang="en-US" dirty="0" smtClean="0"/>
+              <a:t>配置</a:t>
+            </a:r>
+            <a:endParaRPr lang="en-US" altLang="zh-CN" dirty="0" smtClean="0"/>
+          </a:p>
+          <a:p>
+            <a:pPr>
+              <a:lnSpc>
+                <a:spcPct val="150000"/>
+              </a:lnSpc>
+            </a:pPr>
+            <a:r>
+              <a:rPr kumimoji="1" lang="en-US" altLang="zh-CN" dirty="0" smtClean="0"/>
+              <a:t>Sleuth</a:t>
+            </a:r>
+            <a:r>
+              <a:rPr kumimoji="1" lang="zh-CN" altLang="en-US" dirty="0"/>
+              <a:t>：日志收集工具包，封装了</a:t>
+            </a:r>
+            <a:r>
+              <a:rPr kumimoji="1" lang="en-US" altLang="zh-CN" dirty="0"/>
+              <a:t>Dapper</a:t>
+            </a:r>
+            <a:r>
+              <a:rPr kumimoji="1" lang="zh-CN" altLang="en-US" dirty="0"/>
+              <a:t>和</a:t>
+            </a:r>
+            <a:r>
+              <a:rPr kumimoji="1" lang="en-US" altLang="zh-CN" dirty="0"/>
+              <a:t>log-based</a:t>
+            </a:r>
+            <a:r>
+              <a:rPr kumimoji="1" lang="zh-CN" altLang="en-US" dirty="0"/>
+              <a:t>追踪以及</a:t>
+            </a:r>
+            <a:r>
+              <a:rPr kumimoji="1" lang="en-US" altLang="zh-CN" dirty="0" err="1"/>
+              <a:t>Zipkin</a:t>
+            </a:r>
+            <a:r>
+              <a:rPr kumimoji="1" lang="zh-CN" altLang="en-US" dirty="0"/>
+              <a:t>和</a:t>
+            </a:r>
+            <a:r>
+              <a:rPr kumimoji="1" lang="en-US" altLang="zh-CN" dirty="0" err="1"/>
+              <a:t>HTrace</a:t>
+            </a:r>
+            <a:r>
+              <a:rPr kumimoji="1" lang="zh-CN" altLang="en-US" dirty="0"/>
+              <a:t>操作，为</a:t>
+            </a:r>
+            <a:r>
+              <a:rPr kumimoji="1" lang="en-US" altLang="zh-CN" dirty="0" err="1"/>
+              <a:t>SpringCloud</a:t>
+            </a:r>
+            <a:r>
+              <a:rPr kumimoji="1" lang="zh-CN" altLang="en-US" dirty="0"/>
+              <a:t>应用实现了一种分布式追踪解决</a:t>
+            </a:r>
+            <a:r>
+              <a:rPr kumimoji="1" lang="zh-CN" altLang="en-US" dirty="0" smtClean="0"/>
+              <a:t>方案</a:t>
+            </a:r>
+            <a:endParaRPr kumimoji="1" lang="en-US" altLang="zh-CN" dirty="0" smtClean="0"/>
+          </a:p>
+          <a:p>
+            <a:pPr>
+              <a:lnSpc>
+                <a:spcPct val="150000"/>
+              </a:lnSpc>
+            </a:pPr>
+            <a:r>
+              <a:rPr kumimoji="1" lang="en-US" altLang="zh-CN" dirty="0" smtClean="0"/>
+              <a:t>Security</a:t>
+            </a:r>
+            <a:r>
+              <a:rPr kumimoji="1" lang="zh-CN" altLang="en-US" dirty="0"/>
+              <a:t>：基于</a:t>
+            </a:r>
+            <a:r>
+              <a:rPr kumimoji="1" lang="en-US" altLang="zh-CN" dirty="0"/>
+              <a:t>spring security</a:t>
+            </a:r>
+            <a:r>
+              <a:rPr kumimoji="1" lang="zh-CN" altLang="en-US" dirty="0"/>
+              <a:t>的安全工具包，为你的应用程序添加安全控制</a:t>
+            </a:r>
+            <a:r>
+              <a:rPr kumimoji="1" lang="zh-CN" altLang="en-US" dirty="0" smtClean="0"/>
+              <a:t>。</a:t>
+            </a:r>
+            <a:endParaRPr kumimoji="1" lang="zh-CN" altLang="en-US" dirty="0"/>
           </a:p>
         </p:txBody>
       </p:sp>
     </p:spTree>
     <p:extLst>
       <p:ext uri="{BB962C8B-B14F-4D97-AF65-F5344CB8AC3E}">
-        <p14:creationId xmlns:p14="http://schemas.microsoft.com/office/powerpoint/2010/main" xmlns="" val="1503810734"/>
+        <p14:creationId xmlns:p14="http://schemas.microsoft.com/office/powerpoint/2010/main" val="1065259336"/>
       </p:ext>
     </p:extLst>
   </p:cSld>
@@ -10278,7 +13472,7 @@
           <a:noFill/>
           <a:extLst>
             <a:ext uri="{909E8E84-426E-40DD-AFC4-6F175D3DCCD1}">
-              <a14:hiddenFill xmlns:a14="http://schemas.microsoft.com/office/drawing/2010/main" xmlns="">
+              <a14:hiddenFill xmlns:a14="http://schemas.microsoft.com/office/drawing/2010/main">
                 <a:solidFill>
                   <a:srgbClr val="FFFFFF"/>
                 </a:solidFill>
@@ -10317,7 +13511,7 @@
           <a:noFill/>
           <a:extLst>
             <a:ext uri="{909E8E84-426E-40DD-AFC4-6F175D3DCCD1}">
-              <a14:hiddenFill xmlns:a14="http://schemas.microsoft.com/office/drawing/2010/main" xmlns="">
+              <a14:hiddenFill xmlns:a14="http://schemas.microsoft.com/office/drawing/2010/main">
                 <a:solidFill>
                   <a:srgbClr val="FFFFFF"/>
                 </a:solidFill>
@@ -10356,7 +13550,7 @@
           <a:noFill/>
           <a:extLst>
             <a:ext uri="{909E8E84-426E-40DD-AFC4-6F175D3DCCD1}">
-              <a14:hiddenFill xmlns:a14="http://schemas.microsoft.com/office/drawing/2010/main" xmlns="">
+              <a14:hiddenFill xmlns:a14="http://schemas.microsoft.com/office/drawing/2010/main">
                 <a:solidFill>
                   <a:srgbClr val="FFFFFF"/>
                 </a:solidFill>
@@ -10403,7 +13597,7 @@
     </p:spTree>
     <p:extLst>
       <p:ext uri="{BB962C8B-B14F-4D97-AF65-F5344CB8AC3E}">
-        <p14:creationId xmlns:p14="http://schemas.microsoft.com/office/powerpoint/2010/main" xmlns="" val="1695394012"/>
+        <p14:creationId xmlns:p14="http://schemas.microsoft.com/office/powerpoint/2010/main" val="1695394012"/>
       </p:ext>
     </p:extLst>
   </p:cSld>
@@ -10445,7 +13639,7 @@
         </p:nvSpPr>
         <p:spPr>
           <a:xfrm>
-            <a:off x="609600" y="203201"/>
+            <a:off x="480646" y="203201"/>
             <a:ext cx="646331" cy="369332"/>
           </a:xfrm>
           <a:prstGeom prst="rect">
@@ -10460,17 +13654,226 @@
           <a:lstStyle/>
           <a:p>
             <a:r>
-              <a:rPr kumimoji="1" lang="zh-CN" altLang="en-US" smtClean="0"/>
-              <a:t>标题</a:t>
-            </a:r>
-            <a:endParaRPr kumimoji="1" lang="zh-CN" altLang="en-US"/>
+              <a:rPr kumimoji="1" lang="zh-CN" altLang="en-US" dirty="0" smtClean="0"/>
+              <a:t>参考</a:t>
+            </a:r>
+            <a:endParaRPr kumimoji="1" lang="zh-CN" altLang="en-US" dirty="0"/>
+          </a:p>
+        </p:txBody>
+      </p:sp>
+      <p:sp>
+        <p:nvSpPr>
+          <p:cNvPr id="2" name="文本框 1"/>
+          <p:cNvSpPr txBox="1"/>
+          <p:nvPr/>
+        </p:nvSpPr>
+        <p:spPr>
+          <a:xfrm>
+            <a:off x="1126977" y="1207477"/>
+            <a:ext cx="9991838" cy="4524315"/>
+          </a:xfrm>
+          <a:prstGeom prst="rect">
+            <a:avLst/>
+          </a:prstGeom>
+          <a:noFill/>
+        </p:spPr>
+        <p:txBody>
+          <a:bodyPr wrap="none" rtlCol="0">
+            <a:spAutoFit/>
+          </a:bodyPr>
+          <a:lstStyle/>
+          <a:p>
+            <a:r>
+              <a:rPr lang="en-US" altLang="zh-CN" dirty="0" smtClean="0"/>
+              <a:t>Spring</a:t>
+            </a:r>
+            <a:r>
+              <a:rPr lang="zh-CN" altLang="en-US" dirty="0" smtClean="0"/>
+              <a:t> </a:t>
+            </a:r>
+            <a:r>
+              <a:rPr lang="en-US" altLang="zh-CN" dirty="0" smtClean="0"/>
+              <a:t>Boot </a:t>
+            </a:r>
+            <a:r>
+              <a:rPr lang="en-US" altLang="zh-CN" dirty="0"/>
+              <a:t>: </a:t>
+            </a:r>
+            <a:r>
+              <a:rPr lang="en-US" altLang="zh-CN" dirty="0">
+                <a:hlinkClick r:id="rId3"/>
+              </a:rPr>
+              <a:t>https://blog.csdn.net/tongtong_use/article/details/78651737</a:t>
+            </a:r>
+            <a:r>
+              <a:rPr lang="en-US" altLang="zh-CN" dirty="0"/>
+              <a:t> </a:t>
+            </a:r>
+            <a:br>
+              <a:rPr lang="en-US" altLang="zh-CN" dirty="0"/>
+            </a:br>
+            <a:endParaRPr lang="en-US" altLang="zh-CN" dirty="0"/>
+          </a:p>
+          <a:p>
+            <a:r>
+              <a:rPr lang="en-US" altLang="zh-CN" dirty="0"/>
+              <a:t>Eureka : </a:t>
+            </a:r>
+            <a:r>
+              <a:rPr lang="en-US" altLang="zh-CN" dirty="0">
+                <a:hlinkClick r:id="rId4"/>
+              </a:rPr>
+              <a:t>https://blog.csdn.net/csolo/article/details/80540359</a:t>
+            </a:r>
+            <a:r>
+              <a:rPr lang="en-US" altLang="zh-CN" dirty="0"/>
+              <a:t> </a:t>
+            </a:r>
+          </a:p>
+          <a:p>
+            <a:endParaRPr lang="en-US" altLang="zh-CN" dirty="0"/>
+          </a:p>
+          <a:p>
+            <a:r>
+              <a:rPr lang="en-US" altLang="zh-CN" dirty="0"/>
+              <a:t>Ribbon : </a:t>
+            </a:r>
+            <a:r>
+              <a:rPr lang="en-US" altLang="zh-CN" dirty="0">
+                <a:hlinkClick r:id="rId5"/>
+              </a:rPr>
+              <a:t>https://www.cnblogs.com/senlinyang/p/8595370.html</a:t>
+            </a:r>
+            <a:r>
+              <a:rPr lang="en-US" altLang="zh-CN" dirty="0"/>
+              <a:t> </a:t>
+            </a:r>
+            <a:br>
+              <a:rPr lang="en-US" altLang="zh-CN" dirty="0"/>
+            </a:br>
+            <a:endParaRPr lang="en-US" altLang="zh-CN" dirty="0"/>
+          </a:p>
+          <a:p>
+            <a:r>
+              <a:rPr lang="en-US" altLang="zh-CN" dirty="0" err="1"/>
+              <a:t>FeignClient</a:t>
+            </a:r>
+            <a:r>
+              <a:rPr lang="en-US" altLang="zh-CN" dirty="0"/>
+              <a:t> : </a:t>
+            </a:r>
+            <a:r>
+              <a:rPr lang="en-US" altLang="zh-CN" dirty="0">
+                <a:hlinkClick r:id="rId6"/>
+              </a:rPr>
+              <a:t>http://www.360linker.com/wfw/394.jhtml</a:t>
+            </a:r>
+            <a:r>
+              <a:rPr lang="en-US" altLang="zh-CN" dirty="0"/>
+              <a:t> </a:t>
+            </a:r>
+          </a:p>
+          <a:p>
+            <a:endParaRPr lang="en-US" altLang="zh-CN" dirty="0"/>
+          </a:p>
+          <a:p>
+            <a:r>
+              <a:rPr lang="en-US" altLang="zh-CN" dirty="0" err="1"/>
+              <a:t>Hystrix</a:t>
+            </a:r>
+            <a:r>
+              <a:rPr lang="en-US" altLang="zh-CN" dirty="0"/>
+              <a:t> : </a:t>
+            </a:r>
+            <a:r>
+              <a:rPr lang="en-US" altLang="zh-CN" dirty="0">
+                <a:hlinkClick r:id="rId7"/>
+              </a:rPr>
+              <a:t>https://www.cnblogs.com/lexiaofei/p/7761982.html</a:t>
+            </a:r>
+            <a:r>
+              <a:rPr lang="en-US" altLang="zh-CN" dirty="0"/>
+              <a:t> </a:t>
+            </a:r>
+          </a:p>
+          <a:p>
+            <a:r>
+              <a:rPr lang="en-US" altLang="zh-CN" dirty="0">
+                <a:hlinkClick r:id="rId8"/>
+              </a:rPr>
+              <a:t>https://</a:t>
+            </a:r>
+            <a:r>
+              <a:rPr lang="en-US" altLang="zh-CN" dirty="0" smtClean="0">
+                <a:hlinkClick r:id="rId8"/>
+              </a:rPr>
+              <a:t>www.cnblogs.com/lfalex0831/p/9199459.html</a:t>
+            </a:r>
+            <a:r>
+              <a:rPr lang="en-US" altLang="zh-CN" dirty="0"/>
+              <a:t/>
+            </a:r>
+            <a:br>
+              <a:rPr lang="en-US" altLang="zh-CN" dirty="0"/>
+            </a:br>
+            <a:endParaRPr lang="en-US" altLang="zh-CN" dirty="0"/>
+          </a:p>
+          <a:p>
+            <a:r>
+              <a:rPr lang="en-US" altLang="zh-CN" dirty="0" err="1"/>
+              <a:t>SpringCloud</a:t>
+            </a:r>
+            <a:r>
+              <a:rPr lang="en-US" altLang="zh-CN" dirty="0"/>
+              <a:t> : </a:t>
+            </a:r>
+            <a:r>
+              <a:rPr lang="en-US" altLang="zh-CN" dirty="0">
+                <a:hlinkClick r:id="rId9"/>
+              </a:rPr>
+              <a:t>https://www.zhihu.com/question/47304987</a:t>
+            </a:r>
+            <a:r>
+              <a:rPr lang="en-US" altLang="zh-CN" dirty="0"/>
+              <a:t> </a:t>
+            </a:r>
+          </a:p>
+          <a:p>
+            <a:r>
+              <a:rPr lang="en-US" altLang="zh-CN" dirty="0">
+                <a:hlinkClick r:id="rId10"/>
+              </a:rPr>
+              <a:t>http://www.ityouknow.com/springcloud/2017/05/01/simple-springcloud.html</a:t>
+            </a:r>
+            <a:endParaRPr lang="en-US" altLang="zh-CN" dirty="0"/>
+          </a:p>
+          <a:p>
+            <a:r>
+              <a:rPr lang="en-US" altLang="zh-CN" dirty="0">
+                <a:hlinkClick r:id="rId11"/>
+              </a:rPr>
+              <a:t>https://springcloud.cc/spring-cloud-dalston.html#spring-cloud-eureka-server-zones-and-regions</a:t>
+            </a:r>
+            <a:endParaRPr lang="en-US" altLang="zh-CN" dirty="0"/>
+          </a:p>
+          <a:p>
+            <a:r>
+              <a:rPr lang="en-US" altLang="zh-CN" dirty="0">
+                <a:hlinkClick r:id="rId12"/>
+              </a:rPr>
+              <a:t>https://blog.csdn.net/rickiyeat/article/details/59172258</a:t>
+            </a:r>
+            <a:endParaRPr lang="en-US" altLang="zh-CN" dirty="0"/>
+          </a:p>
+          <a:p>
+            <a:endParaRPr kumimoji="1" lang="zh-CN" altLang="en-US" dirty="0"/>
           </a:p>
         </p:txBody>
       </p:sp>
     </p:spTree>
     <p:extLst>
       <p:ext uri="{BB962C8B-B14F-4D97-AF65-F5344CB8AC3E}">
-        <p14:creationId xmlns:p14="http://schemas.microsoft.com/office/powerpoint/2010/main" xmlns="" val="1581216527"/>
+        <p14:creationId xmlns:p14="http://schemas.microsoft.com/office/powerpoint/2010/main" val="1581216527"/>
       </p:ext>
     </p:extLst>
   </p:cSld>
@@ -10499,14 +13902,14 @@
       </p:grpSpPr>
       <p:sp>
         <p:nvSpPr>
-          <p:cNvPr id="6" name="文本框 5"/>
-          <p:cNvSpPr txBox="1"/>
+          <p:cNvPr id="2" name="矩形 1"/>
+          <p:cNvSpPr/>
           <p:nvPr/>
         </p:nvSpPr>
         <p:spPr>
           <a:xfrm>
-            <a:off x="609600" y="203201"/>
-            <a:ext cx="646331" cy="369332"/>
+            <a:off x="4015583" y="2381182"/>
+            <a:ext cx="2871299" cy="923330"/>
           </a:xfrm>
           <a:prstGeom prst="rect">
             <a:avLst/>
@@ -10514,23 +13917,60 @@
           <a:noFill/>
         </p:spPr>
         <p:txBody>
-          <a:bodyPr wrap="none" rtlCol="0">
+          <a:bodyPr wrap="none" lIns="91440" tIns="45720" rIns="91440" bIns="45720">
             <a:spAutoFit/>
           </a:bodyPr>
           <a:lstStyle/>
           <a:p>
-            <a:r>
-              <a:rPr kumimoji="1" lang="zh-CN" altLang="en-US" smtClean="0"/>
-              <a:t>标题</a:t>
-            </a:r>
-            <a:endParaRPr kumimoji="1" lang="zh-CN" altLang="en-US"/>
+            <a:pPr algn="ctr"/>
+            <a:r>
+              <a:rPr lang="en-US" altLang="zh-CN" sz="5400" b="1" cap="none" spc="0" smtClean="0">
+                <a:ln w="13462">
+                  <a:solidFill>
+                    <a:schemeClr val="bg1"/>
+                  </a:solidFill>
+                  <a:prstDash val="solid"/>
+                </a:ln>
+                <a:solidFill>
+                  <a:schemeClr val="tx1">
+                    <a:lumMod val="85000"/>
+                    <a:lumOff val="15000"/>
+                  </a:schemeClr>
+                </a:solidFill>
+                <a:effectLst>
+                  <a:outerShdw dist="38100" dir="2700000" algn="bl" rotWithShape="0">
+                    <a:schemeClr val="accent5"/>
+                  </a:outerShdw>
+                </a:effectLst>
+              </a:rPr>
+              <a:t>THANKS</a:t>
+            </a:r>
+            <a:endParaRPr lang="zh-CN" altLang="en-US" sz="5400" b="1" cap="none" spc="0" dirty="0">
+              <a:ln w="13462">
+                <a:solidFill>
+                  <a:schemeClr val="bg1"/>
+                </a:solidFill>
+                <a:prstDash val="solid"/>
+              </a:ln>
+              <a:solidFill>
+                <a:schemeClr val="tx1">
+                  <a:lumMod val="85000"/>
+                  <a:lumOff val="15000"/>
+                </a:schemeClr>
+              </a:solidFill>
+              <a:effectLst>
+                <a:outerShdw dist="38100" dir="2700000" algn="bl" rotWithShape="0">
+                  <a:schemeClr val="accent5"/>
+                </a:outerShdw>
+              </a:effectLst>
+            </a:endParaRPr>
           </a:p>
         </p:txBody>
       </p:sp>
     </p:spTree>
     <p:extLst>
       <p:ext uri="{BB962C8B-B14F-4D97-AF65-F5344CB8AC3E}">
-        <p14:creationId xmlns:p14="http://schemas.microsoft.com/office/powerpoint/2010/main" xmlns="" val="1153196795"/>
+        <p14:creationId xmlns:p14="http://schemas.microsoft.com/office/powerpoint/2010/main" val="1153196795"/>
       </p:ext>
     </p:extLst>
   </p:cSld>
@@ -10720,23 +14160,15 @@
             </a:r>
             <a:r>
               <a:rPr kumimoji="1" lang="zh-CN" altLang="en-US" sz="3200" dirty="0" smtClean="0"/>
-              <a:t> </a:t>
+              <a:t>及其他</a:t>
             </a:r>
             <a:r>
               <a:rPr kumimoji="1" lang="en-US" altLang="zh-CN" sz="3200" dirty="0" smtClean="0"/>
-              <a:t>and</a:t>
+              <a:t>-- </a:t>
             </a:r>
             <a:r>
               <a:rPr kumimoji="1" lang="zh-CN" altLang="en-US" sz="3200" dirty="0" smtClean="0"/>
-              <a:t> </a:t>
-            </a:r>
-            <a:r>
-              <a:rPr kumimoji="1" lang="en-US" altLang="zh-CN" sz="3200" dirty="0" smtClean="0"/>
-              <a:t>Bus -- </a:t>
-            </a:r>
-            <a:r>
-              <a:rPr kumimoji="1" lang="zh-CN" altLang="en-US" sz="3200" dirty="0" smtClean="0"/>
-              <a:t>配置，总线</a:t>
+              <a:t>配置</a:t>
             </a:r>
             <a:endParaRPr kumimoji="1" lang="zh-CN" altLang="en-US" sz="3200" dirty="0"/>
           </a:p>
@@ -10745,7 +14177,7 @@
     </p:spTree>
     <p:extLst>
       <p:ext uri="{BB962C8B-B14F-4D97-AF65-F5344CB8AC3E}">
-        <p14:creationId xmlns:p14="http://schemas.microsoft.com/office/powerpoint/2010/main" xmlns="" val="1054622306"/>
+        <p14:creationId xmlns:p14="http://schemas.microsoft.com/office/powerpoint/2010/main" val="1054622306"/>
       </p:ext>
     </p:extLst>
   </p:cSld>
@@ -10856,7 +14288,7 @@
     </p:spTree>
     <p:extLst>
       <p:ext uri="{BB962C8B-B14F-4D97-AF65-F5344CB8AC3E}">
-        <p14:creationId xmlns:p14="http://schemas.microsoft.com/office/powerpoint/2010/main" xmlns="" val="38714306"/>
+        <p14:creationId xmlns:p14="http://schemas.microsoft.com/office/powerpoint/2010/main" val="38714306"/>
       </p:ext>
     </p:extLst>
   </p:cSld>
@@ -11197,7 +14629,7 @@
     </p:spTree>
     <p:extLst>
       <p:ext uri="{BB962C8B-B14F-4D97-AF65-F5344CB8AC3E}">
-        <p14:creationId xmlns:p14="http://schemas.microsoft.com/office/powerpoint/2010/main" xmlns="" val="388131276"/>
+        <p14:creationId xmlns:p14="http://schemas.microsoft.com/office/powerpoint/2010/main" val="388131276"/>
       </p:ext>
     </p:extLst>
   </p:cSld>
@@ -11639,7 +15071,7 @@
     </p:spTree>
     <p:extLst>
       <p:ext uri="{BB962C8B-B14F-4D97-AF65-F5344CB8AC3E}">
-        <p14:creationId xmlns:p14="http://schemas.microsoft.com/office/powerpoint/2010/main" xmlns="" val="1190188661"/>
+        <p14:creationId xmlns:p14="http://schemas.microsoft.com/office/powerpoint/2010/main" val="1190188661"/>
       </p:ext>
     </p:extLst>
   </p:cSld>
@@ -11758,7 +15190,7 @@
     </p:spTree>
     <p:extLst>
       <p:ext uri="{BB962C8B-B14F-4D97-AF65-F5344CB8AC3E}">
-        <p14:creationId xmlns:p14="http://schemas.microsoft.com/office/powerpoint/2010/main" xmlns="" val="366060701"/>
+        <p14:creationId xmlns:p14="http://schemas.microsoft.com/office/powerpoint/2010/main" val="366060701"/>
       </p:ext>
     </p:extLst>
   </p:cSld>
@@ -12077,7 +15509,7 @@
     </p:spTree>
     <p:extLst>
       <p:ext uri="{BB962C8B-B14F-4D97-AF65-F5344CB8AC3E}">
-        <p14:creationId xmlns:p14="http://schemas.microsoft.com/office/powerpoint/2010/main" xmlns="" val="2020817988"/>
+        <p14:creationId xmlns:p14="http://schemas.microsoft.com/office/powerpoint/2010/main" val="2020817988"/>
       </p:ext>
     </p:extLst>
   </p:cSld>
@@ -12349,7 +15781,7 @@
   <a:extraClrSchemeLst/>
   <a:extLst>
     <a:ext uri="{05A4C25C-085E-4340-85A3-A5531E510DB2}">
-      <thm15:themeFamily xmlns:thm15="http://schemas.microsoft.com/office/thememl/2012/main" xmlns="" name="Office Theme" id="{62F939B6-93AF-4DB8-9C6B-D6C7DFDC589F}" vid="{4A3C46E8-61CC-4603-A589-7422A47A8E4A}"/>
+      <thm15:themeFamily xmlns:thm15="http://schemas.microsoft.com/office/thememl/2012/main" name="Office Theme" id="{62F939B6-93AF-4DB8-9C6B-D6C7DFDC589F}" vid="{4A3C46E8-61CC-4603-A589-7422A47A8E4A}"/>
     </a:ext>
   </a:extLst>
 </a:theme>
@@ -12610,7 +16042,7 @@
   <a:extraClrSchemeLst/>
   <a:extLst>
     <a:ext uri="{05A4C25C-085E-4340-85A3-A5531E510DB2}">
-      <thm15:themeFamily xmlns:thm15="http://schemas.microsoft.com/office/thememl/2012/main" xmlns="" name="Office Theme" id="{62F939B6-93AF-4DB8-9C6B-D6C7DFDC589F}" vid="{4A3C46E8-61CC-4603-A589-7422A47A8E4A}"/>
+      <thm15:themeFamily xmlns:thm15="http://schemas.microsoft.com/office/thememl/2012/main" name="Office Theme" id="{62F939B6-93AF-4DB8-9C6B-D6C7DFDC589F}" vid="{4A3C46E8-61CC-4603-A589-7422A47A8E4A}"/>
     </a:ext>
   </a:extLst>
 </a:theme>
